--- a/presentation.pptx
+++ b/presentation.pptx
@@ -5,21 +5,22 @@
     <p:sldMasterId id="2147483713" r:id="rId1"/>
   </p:sldMasterIdLst>
   <p:notesMasterIdLst>
-    <p:notesMasterId r:id="rId11"/>
+    <p:notesMasterId r:id="rId12"/>
   </p:notesMasterIdLst>
   <p:handoutMasterIdLst>
-    <p:handoutMasterId r:id="rId12"/>
+    <p:handoutMasterId r:id="rId13"/>
   </p:handoutMasterIdLst>
   <p:sldIdLst>
     <p:sldId id="256" r:id="rId2"/>
     <p:sldId id="257" r:id="rId3"/>
     <p:sldId id="261" r:id="rId4"/>
     <p:sldId id="258" r:id="rId5"/>
-    <p:sldId id="259" r:id="rId6"/>
-    <p:sldId id="260" r:id="rId7"/>
-    <p:sldId id="263" r:id="rId8"/>
-    <p:sldId id="262" r:id="rId9"/>
-    <p:sldId id="264" r:id="rId10"/>
+    <p:sldId id="265" r:id="rId6"/>
+    <p:sldId id="259" r:id="rId7"/>
+    <p:sldId id="260" r:id="rId8"/>
+    <p:sldId id="263" r:id="rId9"/>
+    <p:sldId id="262" r:id="rId10"/>
+    <p:sldId id="264" r:id="rId11"/>
   </p:sldIdLst>
   <p:sldSz cx="10693400" cy="7561263"/>
   <p:notesSz cx="6858000" cy="9144000"/>
@@ -220,14 +221,14 @@
           <a:effectLst/>
           <a:extLst>
             <a:ext uri="{909E8E84-426E-40dd-AFC4-6F175D3DCCD1}">
-              <a14:hiddenFill xmlns:a14="http://schemas.microsoft.com/office/drawing/2010/main" xmlns="">
+              <a14:hiddenFill xmlns="" xmlns:a14="http://schemas.microsoft.com/office/drawing/2010/main">
                 <a:solidFill>
                   <a:schemeClr val="accent1"/>
                 </a:solidFill>
               </a14:hiddenFill>
             </a:ext>
             <a:ext uri="{91240B29-F687-4f45-9708-019B960494DF}">
-              <a14:hiddenLine xmlns:a14="http://schemas.microsoft.com/office/drawing/2010/main" xmlns="" w="9525">
+              <a14:hiddenLine xmlns="" xmlns:a14="http://schemas.microsoft.com/office/drawing/2010/main" w="9525">
                 <a:solidFill>
                   <a:schemeClr val="tx1"/>
                 </a:solidFill>
@@ -237,7 +238,7 @@
               </a14:hiddenLine>
             </a:ext>
             <a:ext uri="{AF507438-7753-43e0-B8FC-AC1667EBCBE1}">
-              <a14:hiddenEffects xmlns:a14="http://schemas.microsoft.com/office/drawing/2010/main" xmlns="">
+              <a14:hiddenEffects xmlns="" xmlns:a14="http://schemas.microsoft.com/office/drawing/2010/main">
                 <a:effectLst>
                   <a:outerShdw dist="35921" dir="2700000" algn="ctr" rotWithShape="0">
                     <a:schemeClr val="bg2"/>
@@ -288,14 +289,14 @@
           <a:effectLst/>
           <a:extLst>
             <a:ext uri="{909E8E84-426E-40dd-AFC4-6F175D3DCCD1}">
-              <a14:hiddenFill xmlns:a14="http://schemas.microsoft.com/office/drawing/2010/main" xmlns="">
+              <a14:hiddenFill xmlns="" xmlns:a14="http://schemas.microsoft.com/office/drawing/2010/main">
                 <a:solidFill>
                   <a:schemeClr val="accent1"/>
                 </a:solidFill>
               </a14:hiddenFill>
             </a:ext>
             <a:ext uri="{91240B29-F687-4f45-9708-019B960494DF}">
-              <a14:hiddenLine xmlns:a14="http://schemas.microsoft.com/office/drawing/2010/main" xmlns="" w="9525">
+              <a14:hiddenLine xmlns="" xmlns:a14="http://schemas.microsoft.com/office/drawing/2010/main" w="9525">
                 <a:solidFill>
                   <a:schemeClr val="tx1"/>
                 </a:solidFill>
@@ -305,7 +306,7 @@
               </a14:hiddenLine>
             </a:ext>
             <a:ext uri="{AF507438-7753-43e0-B8FC-AC1667EBCBE1}">
-              <a14:hiddenEffects xmlns:a14="http://schemas.microsoft.com/office/drawing/2010/main" xmlns="">
+              <a14:hiddenEffects xmlns="" xmlns:a14="http://schemas.microsoft.com/office/drawing/2010/main">
                 <a:effectLst>
                   <a:outerShdw dist="35921" dir="2700000" algn="ctr" rotWithShape="0">
                     <a:schemeClr val="bg2"/>
@@ -356,14 +357,14 @@
           <a:effectLst/>
           <a:extLst>
             <a:ext uri="{909E8E84-426E-40dd-AFC4-6F175D3DCCD1}">
-              <a14:hiddenFill xmlns:a14="http://schemas.microsoft.com/office/drawing/2010/main" xmlns="">
+              <a14:hiddenFill xmlns="" xmlns:a14="http://schemas.microsoft.com/office/drawing/2010/main">
                 <a:solidFill>
                   <a:schemeClr val="accent1"/>
                 </a:solidFill>
               </a14:hiddenFill>
             </a:ext>
             <a:ext uri="{91240B29-F687-4f45-9708-019B960494DF}">
-              <a14:hiddenLine xmlns:a14="http://schemas.microsoft.com/office/drawing/2010/main" xmlns="" w="9525">
+              <a14:hiddenLine xmlns="" xmlns:a14="http://schemas.microsoft.com/office/drawing/2010/main" w="9525">
                 <a:solidFill>
                   <a:schemeClr val="tx1"/>
                 </a:solidFill>
@@ -373,7 +374,7 @@
               </a14:hiddenLine>
             </a:ext>
             <a:ext uri="{AF507438-7753-43e0-B8FC-AC1667EBCBE1}">
-              <a14:hiddenEffects xmlns:a14="http://schemas.microsoft.com/office/drawing/2010/main" xmlns="">
+              <a14:hiddenEffects xmlns="" xmlns:a14="http://schemas.microsoft.com/office/drawing/2010/main">
                 <a:effectLst>
                   <a:outerShdw dist="35921" dir="2700000" algn="ctr" rotWithShape="0">
                     <a:schemeClr val="bg2"/>
@@ -424,14 +425,14 @@
           <a:effectLst/>
           <a:extLst>
             <a:ext uri="{909E8E84-426E-40dd-AFC4-6F175D3DCCD1}">
-              <a14:hiddenFill xmlns:a14="http://schemas.microsoft.com/office/drawing/2010/main" xmlns="">
+              <a14:hiddenFill xmlns="" xmlns:a14="http://schemas.microsoft.com/office/drawing/2010/main">
                 <a:solidFill>
                   <a:schemeClr val="accent1"/>
                 </a:solidFill>
               </a14:hiddenFill>
             </a:ext>
             <a:ext uri="{91240B29-F687-4f45-9708-019B960494DF}">
-              <a14:hiddenLine xmlns:a14="http://schemas.microsoft.com/office/drawing/2010/main" xmlns="" w="9525">
+              <a14:hiddenLine xmlns="" xmlns:a14="http://schemas.microsoft.com/office/drawing/2010/main" w="9525">
                 <a:solidFill>
                   <a:schemeClr val="tx1"/>
                 </a:solidFill>
@@ -441,7 +442,7 @@
               </a14:hiddenLine>
             </a:ext>
             <a:ext uri="{AF507438-7753-43e0-B8FC-AC1667EBCBE1}">
-              <a14:hiddenEffects xmlns:a14="http://schemas.microsoft.com/office/drawing/2010/main" xmlns="">
+              <a14:hiddenEffects xmlns="" xmlns:a14="http://schemas.microsoft.com/office/drawing/2010/main">
                 <a:effectLst>
                   <a:outerShdw dist="35921" dir="2700000" algn="ctr" rotWithShape="0">
                     <a:schemeClr val="bg2"/>
@@ -533,14 +534,14 @@
           <a:effectLst/>
           <a:extLst>
             <a:ext uri="{909E8E84-426E-40dd-AFC4-6F175D3DCCD1}">
-              <a14:hiddenFill xmlns:a14="http://schemas.microsoft.com/office/drawing/2010/main" xmlns="">
+              <a14:hiddenFill xmlns="" xmlns:a14="http://schemas.microsoft.com/office/drawing/2010/main">
                 <a:solidFill>
                   <a:schemeClr val="accent1"/>
                 </a:solidFill>
               </a14:hiddenFill>
             </a:ext>
             <a:ext uri="{91240B29-F687-4f45-9708-019B960494DF}">
-              <a14:hiddenLine xmlns:a14="http://schemas.microsoft.com/office/drawing/2010/main" xmlns="" w="9525">
+              <a14:hiddenLine xmlns="" xmlns:a14="http://schemas.microsoft.com/office/drawing/2010/main" w="9525">
                 <a:solidFill>
                   <a:schemeClr val="tx1"/>
                 </a:solidFill>
@@ -550,7 +551,7 @@
               </a14:hiddenLine>
             </a:ext>
             <a:ext uri="{AF507438-7753-43e0-B8FC-AC1667EBCBE1}">
-              <a14:hiddenEffects xmlns:a14="http://schemas.microsoft.com/office/drawing/2010/main" xmlns="">
+              <a14:hiddenEffects xmlns="" xmlns:a14="http://schemas.microsoft.com/office/drawing/2010/main">
                 <a:effectLst>
                   <a:outerShdw dist="35921" dir="2700000" algn="ctr" rotWithShape="0">
                     <a:schemeClr val="bg2"/>
@@ -601,14 +602,14 @@
           <a:effectLst/>
           <a:extLst>
             <a:ext uri="{909E8E84-426E-40dd-AFC4-6F175D3DCCD1}">
-              <a14:hiddenFill xmlns:a14="http://schemas.microsoft.com/office/drawing/2010/main" xmlns="">
+              <a14:hiddenFill xmlns="" xmlns:a14="http://schemas.microsoft.com/office/drawing/2010/main">
                 <a:solidFill>
                   <a:schemeClr val="accent1"/>
                 </a:solidFill>
               </a14:hiddenFill>
             </a:ext>
             <a:ext uri="{91240B29-F687-4f45-9708-019B960494DF}">
-              <a14:hiddenLine xmlns:a14="http://schemas.microsoft.com/office/drawing/2010/main" xmlns="" w="9525">
+              <a14:hiddenLine xmlns="" xmlns:a14="http://schemas.microsoft.com/office/drawing/2010/main" w="9525">
                 <a:solidFill>
                   <a:schemeClr val="tx1"/>
                 </a:solidFill>
@@ -618,7 +619,7 @@
               </a14:hiddenLine>
             </a:ext>
             <a:ext uri="{AF507438-7753-43e0-B8FC-AC1667EBCBE1}">
-              <a14:hiddenEffects xmlns:a14="http://schemas.microsoft.com/office/drawing/2010/main" xmlns="">
+              <a14:hiddenEffects xmlns="" xmlns:a14="http://schemas.microsoft.com/office/drawing/2010/main">
                 <a:effectLst>
                   <a:outerShdw dist="35921" dir="2700000" algn="ctr" rotWithShape="0">
                     <a:schemeClr val="bg2"/>
@@ -674,7 +675,7 @@
           <a:effectLst/>
           <a:extLst>
             <a:ext uri="{AF507438-7753-43e0-B8FC-AC1667EBCBE1}">
-              <a14:hiddenEffects xmlns:a14="http://schemas.microsoft.com/office/drawing/2010/main" xmlns="">
+              <a14:hiddenEffects xmlns="" xmlns:a14="http://schemas.microsoft.com/office/drawing/2010/main">
                 <a:effectLst>
                   <a:outerShdw dist="35921" dir="2700000" algn="ctr" rotWithShape="0">
                     <a:srgbClr val="808080"/>
@@ -683,7 +684,7 @@
               </a14:hiddenEffects>
             </a:ext>
             <a:ext uri="{53640926-AAD7-44d8-BBD7-CCE9431645EC}">
-              <a14:shadowObscured xmlns:a14="http://schemas.microsoft.com/office/drawing/2010/main" xmlns="" val="1"/>
+              <a14:shadowObscured xmlns="" xmlns:a14="http://schemas.microsoft.com/office/drawing/2010/main" val="1"/>
             </a:ext>
           </a:extLst>
         </p:spPr>
@@ -713,14 +714,14 @@
           <a:effectLst/>
           <a:extLst>
             <a:ext uri="{909E8E84-426E-40dd-AFC4-6F175D3DCCD1}">
-              <a14:hiddenFill xmlns:a14="http://schemas.microsoft.com/office/drawing/2010/main" xmlns="">
+              <a14:hiddenFill xmlns="" xmlns:a14="http://schemas.microsoft.com/office/drawing/2010/main">
                 <a:solidFill>
                   <a:schemeClr val="accent1"/>
                 </a:solidFill>
               </a14:hiddenFill>
             </a:ext>
             <a:ext uri="{91240B29-F687-4f45-9708-019B960494DF}">
-              <a14:hiddenLine xmlns:a14="http://schemas.microsoft.com/office/drawing/2010/main" xmlns="" w="9525">
+              <a14:hiddenLine xmlns="" xmlns:a14="http://schemas.microsoft.com/office/drawing/2010/main" w="9525">
                 <a:solidFill>
                   <a:schemeClr val="tx1"/>
                 </a:solidFill>
@@ -730,7 +731,7 @@
               </a14:hiddenLine>
             </a:ext>
             <a:ext uri="{AF507438-7753-43e0-B8FC-AC1667EBCBE1}">
-              <a14:hiddenEffects xmlns:a14="http://schemas.microsoft.com/office/drawing/2010/main" xmlns="">
+              <a14:hiddenEffects xmlns="" xmlns:a14="http://schemas.microsoft.com/office/drawing/2010/main">
                 <a:effectLst>
                   <a:outerShdw dist="35921" dir="2700000" algn="ctr" rotWithShape="0">
                     <a:schemeClr val="bg2"/>
@@ -809,14 +810,14 @@
           <a:effectLst/>
           <a:extLst>
             <a:ext uri="{909E8E84-426E-40dd-AFC4-6F175D3DCCD1}">
-              <a14:hiddenFill xmlns:a14="http://schemas.microsoft.com/office/drawing/2010/main" xmlns="">
+              <a14:hiddenFill xmlns="" xmlns:a14="http://schemas.microsoft.com/office/drawing/2010/main">
                 <a:solidFill>
                   <a:schemeClr val="accent1"/>
                 </a:solidFill>
               </a14:hiddenFill>
             </a:ext>
             <a:ext uri="{91240B29-F687-4f45-9708-019B960494DF}">
-              <a14:hiddenLine xmlns:a14="http://schemas.microsoft.com/office/drawing/2010/main" xmlns="" w="9525">
+              <a14:hiddenLine xmlns="" xmlns:a14="http://schemas.microsoft.com/office/drawing/2010/main" w="9525">
                 <a:solidFill>
                   <a:schemeClr val="tx1"/>
                 </a:solidFill>
@@ -826,7 +827,7 @@
               </a14:hiddenLine>
             </a:ext>
             <a:ext uri="{AF507438-7753-43e0-B8FC-AC1667EBCBE1}">
-              <a14:hiddenEffects xmlns:a14="http://schemas.microsoft.com/office/drawing/2010/main" xmlns="">
+              <a14:hiddenEffects xmlns="" xmlns:a14="http://schemas.microsoft.com/office/drawing/2010/main">
                 <a:effectLst>
                   <a:outerShdw dist="35921" dir="2700000" algn="ctr" rotWithShape="0">
                     <a:schemeClr val="bg2"/>
@@ -877,14 +878,14 @@
           <a:effectLst/>
           <a:extLst>
             <a:ext uri="{909E8E84-426E-40dd-AFC4-6F175D3DCCD1}">
-              <a14:hiddenFill xmlns:a14="http://schemas.microsoft.com/office/drawing/2010/main" xmlns="">
+              <a14:hiddenFill xmlns="" xmlns:a14="http://schemas.microsoft.com/office/drawing/2010/main">
                 <a:solidFill>
                   <a:schemeClr val="accent1"/>
                 </a:solidFill>
               </a14:hiddenFill>
             </a:ext>
             <a:ext uri="{91240B29-F687-4f45-9708-019B960494DF}">
-              <a14:hiddenLine xmlns:a14="http://schemas.microsoft.com/office/drawing/2010/main" xmlns="" w="9525">
+              <a14:hiddenLine xmlns="" xmlns:a14="http://schemas.microsoft.com/office/drawing/2010/main" w="9525">
                 <a:solidFill>
                   <a:schemeClr val="tx1"/>
                 </a:solidFill>
@@ -894,7 +895,7 @@
               </a14:hiddenLine>
             </a:ext>
             <a:ext uri="{AF507438-7753-43e0-B8FC-AC1667EBCBE1}">
-              <a14:hiddenEffects xmlns:a14="http://schemas.microsoft.com/office/drawing/2010/main" xmlns="">
+              <a14:hiddenEffects xmlns="" xmlns:a14="http://schemas.microsoft.com/office/drawing/2010/main">
                 <a:effectLst>
                   <a:outerShdw dist="35921" dir="2700000" algn="ctr" rotWithShape="0">
                     <a:schemeClr val="bg2"/>
@@ -1097,14 +1098,14 @@
           <a:ln/>
           <a:extLst>
             <a:ext uri="{909E8E84-426E-40dd-AFC4-6F175D3DCCD1}">
-              <a14:hiddenFill xmlns:a14="http://schemas.microsoft.com/office/drawing/2010/main" xmlns="">
+              <a14:hiddenFill xmlns="" xmlns:a14="http://schemas.microsoft.com/office/drawing/2010/main">
                 <a:solidFill>
                   <a:srgbClr val="FFFFFF"/>
                 </a:solidFill>
               </a14:hiddenFill>
             </a:ext>
             <a:ext uri="{91240B29-F687-4f45-9708-019B960494DF}">
-              <a14:hiddenLine xmlns:a14="http://schemas.microsoft.com/office/drawing/2010/main" xmlns="" w="9525">
+              <a14:hiddenLine xmlns="" xmlns:a14="http://schemas.microsoft.com/office/drawing/2010/main" w="9525">
                 <a:solidFill>
                   <a:srgbClr val="000000"/>
                 </a:solidFill>
@@ -2254,14 +2255,14 @@
           <a:effectLst/>
           <a:extLst>
             <a:ext uri="{909E8E84-426E-40dd-AFC4-6F175D3DCCD1}">
-              <a14:hiddenFill xmlns:a14="http://schemas.microsoft.com/office/drawing/2010/main" xmlns="">
+              <a14:hiddenFill xmlns="" xmlns:a14="http://schemas.microsoft.com/office/drawing/2010/main">
                 <a:solidFill>
                   <a:schemeClr val="accent1"/>
                 </a:solidFill>
               </a14:hiddenFill>
             </a:ext>
             <a:ext uri="{91240B29-F687-4f45-9708-019B960494DF}">
-              <a14:hiddenLine xmlns:a14="http://schemas.microsoft.com/office/drawing/2010/main" xmlns="" w="9525">
+              <a14:hiddenLine xmlns="" xmlns:a14="http://schemas.microsoft.com/office/drawing/2010/main" w="9525">
                 <a:solidFill>
                   <a:schemeClr val="tx1"/>
                 </a:solidFill>
@@ -2271,7 +2272,7 @@
               </a14:hiddenLine>
             </a:ext>
             <a:ext uri="{AF507438-7753-43e0-B8FC-AC1667EBCBE1}">
-              <a14:hiddenEffects xmlns:a14="http://schemas.microsoft.com/office/drawing/2010/main" xmlns="">
+              <a14:hiddenEffects xmlns="" xmlns:a14="http://schemas.microsoft.com/office/drawing/2010/main">
                 <a:effectLst>
                   <a:outerShdw dist="35921" dir="2700000" algn="ctr" rotWithShape="0">
                     <a:schemeClr val="bg2"/>
@@ -2322,14 +2323,14 @@
           <a:effectLst/>
           <a:extLst>
             <a:ext uri="{909E8E84-426E-40dd-AFC4-6F175D3DCCD1}">
-              <a14:hiddenFill xmlns:a14="http://schemas.microsoft.com/office/drawing/2010/main" xmlns="">
+              <a14:hiddenFill xmlns="" xmlns:a14="http://schemas.microsoft.com/office/drawing/2010/main">
                 <a:solidFill>
                   <a:schemeClr val="accent1"/>
                 </a:solidFill>
               </a14:hiddenFill>
             </a:ext>
             <a:ext uri="{91240B29-F687-4f45-9708-019B960494DF}">
-              <a14:hiddenLine xmlns:a14="http://schemas.microsoft.com/office/drawing/2010/main" xmlns="" w="9525">
+              <a14:hiddenLine xmlns="" xmlns:a14="http://schemas.microsoft.com/office/drawing/2010/main" w="9525">
                 <a:solidFill>
                   <a:schemeClr val="tx1"/>
                 </a:solidFill>
@@ -2339,7 +2340,7 @@
               </a14:hiddenLine>
             </a:ext>
             <a:ext uri="{AF507438-7753-43e0-B8FC-AC1667EBCBE1}">
-              <a14:hiddenEffects xmlns:a14="http://schemas.microsoft.com/office/drawing/2010/main" xmlns="">
+              <a14:hiddenEffects xmlns="" xmlns:a14="http://schemas.microsoft.com/office/drawing/2010/main">
                 <a:effectLst>
                   <a:outerShdw dist="35921" dir="2700000" algn="ctr" rotWithShape="0">
                     <a:schemeClr val="bg2"/>
@@ -2418,14 +2419,14 @@
           <a:effectLst/>
           <a:extLst>
             <a:ext uri="{909E8E84-426E-40dd-AFC4-6F175D3DCCD1}">
-              <a14:hiddenFill xmlns:a14="http://schemas.microsoft.com/office/drawing/2010/main" xmlns="">
+              <a14:hiddenFill xmlns="" xmlns:a14="http://schemas.microsoft.com/office/drawing/2010/main">
                 <a:solidFill>
                   <a:schemeClr val="accent1"/>
                 </a:solidFill>
               </a14:hiddenFill>
             </a:ext>
             <a:ext uri="{91240B29-F687-4f45-9708-019B960494DF}">
-              <a14:hiddenLine xmlns:a14="http://schemas.microsoft.com/office/drawing/2010/main" xmlns="" w="9525">
+              <a14:hiddenLine xmlns="" xmlns:a14="http://schemas.microsoft.com/office/drawing/2010/main" w="9525">
                 <a:solidFill>
                   <a:schemeClr val="tx1"/>
                 </a:solidFill>
@@ -2435,7 +2436,7 @@
               </a14:hiddenLine>
             </a:ext>
             <a:ext uri="{AF507438-7753-43e0-B8FC-AC1667EBCBE1}">
-              <a14:hiddenEffects xmlns:a14="http://schemas.microsoft.com/office/drawing/2010/main" xmlns="">
+              <a14:hiddenEffects xmlns="" xmlns:a14="http://schemas.microsoft.com/office/drawing/2010/main">
                 <a:effectLst>
                   <a:outerShdw dist="35921" dir="2700000" algn="ctr" rotWithShape="0">
                     <a:schemeClr val="bg2"/>
@@ -2498,14 +2499,14 @@
           <a:effectLst/>
           <a:extLst>
             <a:ext uri="{909E8E84-426E-40dd-AFC4-6F175D3DCCD1}">
-              <a14:hiddenFill xmlns:a14="http://schemas.microsoft.com/office/drawing/2010/main" xmlns="">
+              <a14:hiddenFill xmlns="" xmlns:a14="http://schemas.microsoft.com/office/drawing/2010/main">
                 <a:solidFill>
                   <a:schemeClr val="accent1"/>
                 </a:solidFill>
               </a14:hiddenFill>
             </a:ext>
             <a:ext uri="{91240B29-F687-4f45-9708-019B960494DF}">
-              <a14:hiddenLine xmlns:a14="http://schemas.microsoft.com/office/drawing/2010/main" xmlns="" w="9525">
+              <a14:hiddenLine xmlns="" xmlns:a14="http://schemas.microsoft.com/office/drawing/2010/main" w="9525">
                 <a:solidFill>
                   <a:schemeClr val="tx1"/>
                 </a:solidFill>
@@ -2515,7 +2516,7 @@
               </a14:hiddenLine>
             </a:ext>
             <a:ext uri="{AF507438-7753-43e0-B8FC-AC1667EBCBE1}">
-              <a14:hiddenEffects xmlns:a14="http://schemas.microsoft.com/office/drawing/2010/main" xmlns="">
+              <a14:hiddenEffects xmlns="" xmlns:a14="http://schemas.microsoft.com/office/drawing/2010/main">
                 <a:effectLst>
                   <a:outerShdw dist="35921" dir="2700000" algn="ctr" rotWithShape="0">
                     <a:schemeClr val="bg2"/>
@@ -2578,14 +2579,14 @@
           <a:effectLst/>
           <a:extLst>
             <a:ext uri="{909E8E84-426E-40dd-AFC4-6F175D3DCCD1}">
-              <a14:hiddenFill xmlns:a14="http://schemas.microsoft.com/office/drawing/2010/main" xmlns="">
+              <a14:hiddenFill xmlns="" xmlns:a14="http://schemas.microsoft.com/office/drawing/2010/main">
                 <a:solidFill>
                   <a:schemeClr val="accent1"/>
                 </a:solidFill>
               </a14:hiddenFill>
             </a:ext>
             <a:ext uri="{91240B29-F687-4f45-9708-019B960494DF}">
-              <a14:hiddenLine xmlns:a14="http://schemas.microsoft.com/office/drawing/2010/main" xmlns="" w="9525">
+              <a14:hiddenLine xmlns="" xmlns:a14="http://schemas.microsoft.com/office/drawing/2010/main" w="9525">
                 <a:solidFill>
                   <a:schemeClr val="tx1"/>
                 </a:solidFill>
@@ -2595,7 +2596,7 @@
               </a14:hiddenLine>
             </a:ext>
             <a:ext uri="{AF507438-7753-43e0-B8FC-AC1667EBCBE1}">
-              <a14:hiddenEffects xmlns:a14="http://schemas.microsoft.com/office/drawing/2010/main" xmlns="">
+              <a14:hiddenEffects xmlns="" xmlns:a14="http://schemas.microsoft.com/office/drawing/2010/main">
                 <a:effectLst>
                   <a:outerShdw dist="35921" dir="2700000" algn="ctr" rotWithShape="0">
                     <a:schemeClr val="bg2"/>
@@ -2662,12 +2663,12 @@
           <a:effectLst/>
           <a:extLst>
             <a:ext uri="{909E8E84-426E-40dd-AFC4-6F175D3DCCD1}">
-              <a14:hiddenFill xmlns:a14="http://schemas.microsoft.com/office/drawing/2010/main" xmlns="">
+              <a14:hiddenFill xmlns="" xmlns:a14="http://schemas.microsoft.com/office/drawing/2010/main">
                 <a:noFill/>
               </a14:hiddenFill>
             </a:ext>
             <a:ext uri="{AF507438-7753-43e0-B8FC-AC1667EBCBE1}">
-              <a14:hiddenEffects xmlns:a14="http://schemas.microsoft.com/office/drawing/2010/main" xmlns="">
+              <a14:hiddenEffects xmlns="" xmlns:a14="http://schemas.microsoft.com/office/drawing/2010/main">
                 <a:effectLst>
                   <a:outerShdw dist="35921" dir="2700000" algn="ctr" rotWithShape="0">
                     <a:schemeClr val="bg2"/>
@@ -3259,6 +3260,229 @@
 </p:sld>
 </file>
 
+<file path=ppt/slides/slide10.xml><?xml version="1.0" encoding="utf-8"?>
+<p:sld xmlns:a="http://schemas.openxmlformats.org/drawingml/2006/main" xmlns:r="http://schemas.openxmlformats.org/officeDocument/2006/relationships" xmlns:p="http://schemas.openxmlformats.org/presentationml/2006/main">
+  <p:cSld>
+    <p:spTree>
+      <p:nvGrpSpPr>
+        <p:cNvPr id="1" name=""/>
+        <p:cNvGrpSpPr/>
+        <p:nvPr/>
+      </p:nvGrpSpPr>
+      <p:grpSpPr>
+        <a:xfrm>
+          <a:off x="0" y="0"/>
+          <a:ext cx="0" cy="0"/>
+          <a:chOff x="0" y="0"/>
+          <a:chExt cx="0" cy="0"/>
+        </a:xfrm>
+      </p:grpSpPr>
+      <p:sp>
+        <p:nvSpPr>
+          <p:cNvPr id="2" name="Datumsplatzhalter 1"/>
+          <p:cNvSpPr>
+            <a:spLocks noGrp="1"/>
+          </p:cNvSpPr>
+          <p:nvPr>
+            <p:ph type="dt" sz="half" idx="10"/>
+          </p:nvPr>
+        </p:nvSpPr>
+        <p:spPr/>
+        <p:txBody>
+          <a:bodyPr/>
+          <a:lstStyle/>
+          <a:p>
+            <a:fld id="{5E48492E-72D1-4785-9351-8AE1E40FBA2D}" type="datetime1">
+              <a:rPr lang="de-CH" smtClean="0">
+                <a:solidFill>
+                  <a:srgbClr val="000000"/>
+                </a:solidFill>
+              </a:rPr>
+              <a:t>24.05.2016</a:t>
+            </a:fld>
+            <a:endParaRPr lang="de-CH">
+              <a:solidFill>
+                <a:srgbClr val="000000"/>
+              </a:solidFill>
+            </a:endParaRPr>
+          </a:p>
+        </p:txBody>
+      </p:sp>
+      <p:sp>
+        <p:nvSpPr>
+          <p:cNvPr id="3" name="Fußzeilenplatzhalter 2"/>
+          <p:cNvSpPr>
+            <a:spLocks noGrp="1"/>
+          </p:cNvSpPr>
+          <p:nvPr>
+            <p:ph type="ftr" sz="quarter" idx="11"/>
+          </p:nvPr>
+        </p:nvSpPr>
+        <p:spPr/>
+        <p:txBody>
+          <a:bodyPr/>
+          <a:lstStyle/>
+          <a:p>
+            <a:endParaRPr lang="de-CH" dirty="0">
+              <a:solidFill>
+                <a:srgbClr val="000000"/>
+              </a:solidFill>
+            </a:endParaRPr>
+          </a:p>
+        </p:txBody>
+      </p:sp>
+      <p:sp>
+        <p:nvSpPr>
+          <p:cNvPr id="4" name="Foliennummernplatzhalter 3"/>
+          <p:cNvSpPr>
+            <a:spLocks noGrp="1"/>
+          </p:cNvSpPr>
+          <p:nvPr>
+            <p:ph type="sldNum" sz="quarter" idx="12"/>
+          </p:nvPr>
+        </p:nvSpPr>
+        <p:spPr/>
+        <p:txBody>
+          <a:bodyPr/>
+          <a:lstStyle/>
+          <a:p>
+            <a:fld id="{351188DD-6605-4EF4-9E67-B567F731CE68}" type="slidenum">
+              <a:rPr lang="de-CH" smtClean="0">
+                <a:solidFill>
+                  <a:srgbClr val="000000"/>
+                </a:solidFill>
+              </a:rPr>
+              <a:pPr/>
+              <a:t>10</a:t>
+            </a:fld>
+            <a:endParaRPr lang="de-CH">
+              <a:solidFill>
+                <a:srgbClr val="000000"/>
+              </a:solidFill>
+            </a:endParaRPr>
+          </a:p>
+        </p:txBody>
+      </p:sp>
+      <p:sp>
+        <p:nvSpPr>
+          <p:cNvPr id="5" name="Titel 4"/>
+          <p:cNvSpPr>
+            <a:spLocks noGrp="1"/>
+          </p:cNvSpPr>
+          <p:nvPr>
+            <p:ph type="title"/>
+          </p:nvPr>
+        </p:nvSpPr>
+        <p:spPr/>
+        <p:txBody>
+          <a:bodyPr/>
+          <a:lstStyle/>
+          <a:p>
+            <a:r>
+              <a:rPr lang="de-CH" dirty="0" smtClean="0"/>
+              <a:t>Viele Dank für Ihre Aufmerksamkeit</a:t>
+            </a:r>
+            <a:endParaRPr lang="de-CH" dirty="0"/>
+          </a:p>
+        </p:txBody>
+      </p:sp>
+      <p:sp>
+        <p:nvSpPr>
+          <p:cNvPr id="6" name="Textplatzhalter 5"/>
+          <p:cNvSpPr>
+            <a:spLocks noGrp="1"/>
+          </p:cNvSpPr>
+          <p:nvPr>
+            <p:ph type="body" idx="1"/>
+          </p:nvPr>
+        </p:nvSpPr>
+        <p:spPr>
+          <a:xfrm>
+            <a:off x="738188" y="2484933"/>
+            <a:ext cx="9213850" cy="4464050"/>
+          </a:xfrm>
+        </p:spPr>
+        <p:txBody>
+          <a:bodyPr/>
+          <a:lstStyle/>
+          <a:p>
+            <a:r>
+              <a:rPr lang="de-CH" dirty="0" smtClean="0"/>
+              <a:t>	github.com/</a:t>
+            </a:r>
+            <a:r>
+              <a:rPr lang="de-CH" dirty="0" err="1" smtClean="0"/>
+              <a:t>haisi</a:t>
+            </a:r>
+            <a:r>
+              <a:rPr lang="de-CH" dirty="0" smtClean="0"/>
+              <a:t>/oop2Project</a:t>
+            </a:r>
+            <a:endParaRPr lang="de-CH" dirty="0"/>
+          </a:p>
+        </p:txBody>
+      </p:sp>
+      <p:pic>
+        <p:nvPicPr>
+          <p:cNvPr id="2052" name="Picture 4" descr="https://encrypted-tbn0.gstatic.com/images?q=tbn:ANd9GcTchgxecu0ur-ZNFSTri454aygqKt-BO_xRqEmS4BzidBXJ6i1Ahw"/>
+          <p:cNvPicPr>
+            <a:picLocks noChangeAspect="1" noChangeArrowheads="1"/>
+          </p:cNvPicPr>
+          <p:nvPr/>
+        </p:nvPicPr>
+        <p:blipFill>
+          <a:blip r:embed="rId2">
+            <a:extLst>
+              <a:ext uri="{28A0092B-C50C-407E-A947-70E740481C1C}">
+                <a14:useLocalDpi xmlns:a14="http://schemas.microsoft.com/office/drawing/2010/main" val="0"/>
+              </a:ext>
+            </a:extLst>
+          </a:blip>
+          <a:srcRect/>
+          <a:stretch>
+            <a:fillRect/>
+          </a:stretch>
+        </p:blipFill>
+        <p:spPr bwMode="auto">
+          <a:xfrm>
+            <a:off x="738188" y="2268463"/>
+            <a:ext cx="936104" cy="936104"/>
+          </a:xfrm>
+          <a:prstGeom prst="rect">
+            <a:avLst/>
+          </a:prstGeom>
+          <a:noFill/>
+          <a:extLst>
+            <a:ext uri="{909E8E84-426E-40DD-AFC4-6F175D3DCCD1}">
+              <a14:hiddenFill xmlns:a14="http://schemas.microsoft.com/office/drawing/2010/main">
+                <a:solidFill>
+                  <a:srgbClr val="FFFFFF"/>
+                </a:solidFill>
+              </a14:hiddenFill>
+            </a:ext>
+          </a:extLst>
+        </p:spPr>
+      </p:pic>
+    </p:spTree>
+    <p:extLst>
+      <p:ext uri="{BB962C8B-B14F-4D97-AF65-F5344CB8AC3E}">
+        <p14:creationId xmlns:p14="http://schemas.microsoft.com/office/powerpoint/2010/main" val="3963521645"/>
+      </p:ext>
+    </p:extLst>
+  </p:cSld>
+  <p:clrMapOvr>
+    <a:masterClrMapping/>
+  </p:clrMapOvr>
+  <p:timing>
+    <p:tnLst>
+      <p:par>
+        <p:cTn id="1" dur="indefinite" restart="never" nodeType="tmRoot"/>
+      </p:par>
+    </p:tnLst>
+  </p:timing>
+</p:sld>
+</file>
+
 <file path=ppt/slides/slide2.xml><?xml version="1.0" encoding="utf-8"?>
 <p:sld xmlns:a="http://schemas.openxmlformats.org/drawingml/2006/main" xmlns:r="http://schemas.openxmlformats.org/officeDocument/2006/relationships" xmlns:p="http://schemas.openxmlformats.org/presentationml/2006/main">
   <p:cSld>
@@ -3776,19 +4000,7 @@
             </a:pPr>
             <a:r>
               <a:rPr lang="de-CH" dirty="0" smtClean="0"/>
-              <a:t>Scene </a:t>
-            </a:r>
-            <a:r>
-              <a:rPr lang="de-CH" dirty="0" err="1" smtClean="0"/>
-              <a:t>Builder</a:t>
-            </a:r>
-            <a:r>
-              <a:rPr lang="de-CH" dirty="0"/>
-              <a:t> (WYSIWYG</a:t>
-            </a:r>
-            <a:r>
-              <a:rPr lang="de-CH" dirty="0" smtClean="0"/>
-              <a:t>)</a:t>
+              <a:t>FXML</a:t>
             </a:r>
           </a:p>
           <a:p>
@@ -3797,6 +4009,29 @@
               <a:buChar char="•"/>
             </a:pPr>
             <a:r>
+              <a:rPr lang="de-CH" dirty="0" smtClean="0"/>
+              <a:t>Scene </a:t>
+            </a:r>
+            <a:r>
+              <a:rPr lang="de-CH" dirty="0" err="1" smtClean="0"/>
+              <a:t>Builder</a:t>
+            </a:r>
+            <a:r>
+              <a:rPr lang="de-CH" dirty="0"/>
+              <a:t> (WYSIWYG</a:t>
+            </a:r>
+            <a:r>
+              <a:rPr lang="de-CH" dirty="0" smtClean="0"/>
+              <a:t>)</a:t>
+            </a:r>
+            <a:endParaRPr lang="de-CH" dirty="0" smtClean="0"/>
+          </a:p>
+          <a:p>
+            <a:pPr marL="342900" indent="-342900">
+              <a:buFont typeface="Arial" panose="020B0604020202020204" pitchFamily="34" charset="0"/>
+              <a:buChar char="•"/>
+            </a:pPr>
+            <a:r>
               <a:rPr lang="de-CH" dirty="0" err="1" smtClean="0"/>
               <a:t>Prototyping</a:t>
             </a:r>
@@ -3809,6 +4044,1156 @@
               <a:t>compilierung</a:t>
             </a:r>
             <a:endParaRPr lang="de-CH" dirty="0"/>
+          </a:p>
+        </p:txBody>
+      </p:sp>
+      <p:sp>
+        <p:nvSpPr>
+          <p:cNvPr id="8" name="Rectangle 3"/>
+          <p:cNvSpPr>
+            <a:spLocks noChangeArrowheads="1"/>
+          </p:cNvSpPr>
+          <p:nvPr/>
+        </p:nvSpPr>
+        <p:spPr bwMode="auto">
+          <a:xfrm>
+            <a:off x="1026220" y="3662564"/>
+            <a:ext cx="6516936" cy="3108543"/>
+          </a:xfrm>
+          <a:prstGeom prst="rect">
+            <a:avLst/>
+          </a:prstGeom>
+          <a:solidFill>
+            <a:srgbClr val="FFFFFF"/>
+          </a:solidFill>
+          <a:ln>
+            <a:noFill/>
+          </a:ln>
+          <a:effectLst/>
+          <a:extLst>
+            <a:ext uri="{91240B29-F687-4F45-9708-019B960494DF}">
+              <a14:hiddenLine xmlns:a14="http://schemas.microsoft.com/office/drawing/2010/main" w="9525">
+                <a:solidFill>
+                  <a:schemeClr val="tx1"/>
+                </a:solidFill>
+                <a:miter lim="800000"/>
+                <a:headEnd/>
+                <a:tailEnd/>
+              </a14:hiddenLine>
+            </a:ext>
+            <a:ext uri="{AF507438-7753-43E0-B8FC-AC1667EBCBE1}">
+              <a14:hiddenEffects xmlns:a14="http://schemas.microsoft.com/office/drawing/2010/main">
+                <a:effectLst>
+                  <a:outerShdw dist="35921" dir="2700000" algn="ctr" rotWithShape="0">
+                    <a:schemeClr val="bg2"/>
+                  </a:outerShdw>
+                </a:effectLst>
+              </a14:hiddenEffects>
+            </a:ext>
+          </a:extLst>
+        </p:spPr>
+        <p:txBody>
+          <a:bodyPr vert="horz" wrap="square" lIns="91440" tIns="45720" rIns="91440" bIns="45720" numCol="1" anchor="ctr" anchorCtr="0" compatLnSpc="1">
+            <a:prstTxWarp prst="textNoShape">
+              <a:avLst/>
+            </a:prstTxWarp>
+            <a:spAutoFit/>
+          </a:bodyPr>
+          <a:lstStyle/>
+          <a:p>
+            <a:pPr marL="0" marR="0" lvl="0" indent="0" algn="l" defTabSz="914400" rtl="0" eaLnBrk="0" fontAlgn="base" latinLnBrk="0" hangingPunct="0">
+              <a:lnSpc>
+                <a:spcPct val="100000"/>
+              </a:lnSpc>
+              <a:spcBef>
+                <a:spcPct val="0"/>
+              </a:spcBef>
+              <a:spcAft>
+                <a:spcPct val="0"/>
+              </a:spcAft>
+              <a:buClrTx/>
+              <a:buSzTx/>
+              <a:buFontTx/>
+              <a:buNone/>
+              <a:tabLst/>
+            </a:pPr>
+            <a:r>
+              <a:rPr kumimoji="0" lang="de-DE" altLang="de-DE" sz="1400" b="0" i="1" u="none" strike="noStrike" cap="none" normalizeH="0" baseline="0" dirty="0" smtClean="0">
+                <a:ln>
+                  <a:noFill/>
+                </a:ln>
+                <a:solidFill>
+                  <a:srgbClr val="000000"/>
+                </a:solidFill>
+                <a:effectLst/>
+                <a:latin typeface="Courier New" panose="02070309020205020404" pitchFamily="49" charset="0"/>
+                <a:cs typeface="Courier New" panose="02070309020205020404" pitchFamily="49" charset="0"/>
+              </a:rPr>
+              <a:t>&lt;?</a:t>
+            </a:r>
+            <a:r>
+              <a:rPr kumimoji="0" lang="de-DE" altLang="de-DE" sz="1400" b="1" i="0" u="none" strike="noStrike" cap="none" normalizeH="0" baseline="0" dirty="0" err="1" smtClean="0">
+                <a:ln>
+                  <a:noFill/>
+                </a:ln>
+                <a:solidFill>
+                  <a:srgbClr val="0000FF"/>
+                </a:solidFill>
+                <a:effectLst/>
+                <a:latin typeface="Courier New" panose="02070309020205020404" pitchFamily="49" charset="0"/>
+                <a:cs typeface="Courier New" panose="02070309020205020404" pitchFamily="49" charset="0"/>
+              </a:rPr>
+              <a:t>import</a:t>
+            </a:r>
+            <a:r>
+              <a:rPr kumimoji="0" lang="de-DE" altLang="de-DE" sz="1400" b="1" i="0" u="none" strike="noStrike" cap="none" normalizeH="0" baseline="0" dirty="0" smtClean="0">
+                <a:ln>
+                  <a:noFill/>
+                </a:ln>
+                <a:solidFill>
+                  <a:srgbClr val="0000FF"/>
+                </a:solidFill>
+                <a:effectLst/>
+                <a:latin typeface="Courier New" panose="02070309020205020404" pitchFamily="49" charset="0"/>
+                <a:cs typeface="Courier New" panose="02070309020205020404" pitchFamily="49" charset="0"/>
+              </a:rPr>
+              <a:t> </a:t>
+            </a:r>
+            <a:r>
+              <a:rPr kumimoji="0" lang="de-DE" altLang="de-DE" sz="1400" b="1" i="0" u="none" strike="noStrike" cap="none" normalizeH="0" baseline="0" dirty="0" err="1" smtClean="0">
+                <a:ln>
+                  <a:noFill/>
+                </a:ln>
+                <a:solidFill>
+                  <a:srgbClr val="008000"/>
+                </a:solidFill>
+                <a:effectLst/>
+                <a:latin typeface="Courier New" panose="02070309020205020404" pitchFamily="49" charset="0"/>
+                <a:cs typeface="Courier New" panose="02070309020205020404" pitchFamily="49" charset="0"/>
+              </a:rPr>
+              <a:t>javafx.scene.control.SplitPane</a:t>
+            </a:r>
+            <a:r>
+              <a:rPr kumimoji="0" lang="de-DE" altLang="de-DE" sz="1400" b="0" i="1" u="none" strike="noStrike" cap="none" normalizeH="0" baseline="0" dirty="0" smtClean="0">
+                <a:ln>
+                  <a:noFill/>
+                </a:ln>
+                <a:solidFill>
+                  <a:srgbClr val="000000"/>
+                </a:solidFill>
+                <a:effectLst/>
+                <a:latin typeface="Courier New" panose="02070309020205020404" pitchFamily="49" charset="0"/>
+                <a:cs typeface="Courier New" panose="02070309020205020404" pitchFamily="49" charset="0"/>
+              </a:rPr>
+              <a:t>?&gt;</a:t>
+            </a:r>
+            <a:br>
+              <a:rPr kumimoji="0" lang="de-DE" altLang="de-DE" sz="1400" b="0" i="1" u="none" strike="noStrike" cap="none" normalizeH="0" baseline="0" dirty="0" smtClean="0">
+                <a:ln>
+                  <a:noFill/>
+                </a:ln>
+                <a:solidFill>
+                  <a:srgbClr val="000000"/>
+                </a:solidFill>
+                <a:effectLst/>
+                <a:latin typeface="Courier New" panose="02070309020205020404" pitchFamily="49" charset="0"/>
+                <a:cs typeface="Courier New" panose="02070309020205020404" pitchFamily="49" charset="0"/>
+              </a:rPr>
+            </a:br>
+            <a:r>
+              <a:rPr kumimoji="0" lang="de-DE" altLang="de-DE" sz="1400" b="0" i="1" u="none" strike="noStrike" cap="none" normalizeH="0" baseline="0" dirty="0" smtClean="0">
+                <a:ln>
+                  <a:noFill/>
+                </a:ln>
+                <a:solidFill>
+                  <a:srgbClr val="000000"/>
+                </a:solidFill>
+                <a:effectLst/>
+                <a:latin typeface="Courier New" panose="02070309020205020404" pitchFamily="49" charset="0"/>
+                <a:cs typeface="Courier New" panose="02070309020205020404" pitchFamily="49" charset="0"/>
+              </a:rPr>
+              <a:t>&lt;?</a:t>
+            </a:r>
+            <a:r>
+              <a:rPr kumimoji="0" lang="de-DE" altLang="de-DE" sz="1400" b="1" i="0" u="none" strike="noStrike" cap="none" normalizeH="0" baseline="0" dirty="0" err="1" smtClean="0">
+                <a:ln>
+                  <a:noFill/>
+                </a:ln>
+                <a:solidFill>
+                  <a:srgbClr val="0000FF"/>
+                </a:solidFill>
+                <a:effectLst/>
+                <a:latin typeface="Courier New" panose="02070309020205020404" pitchFamily="49" charset="0"/>
+                <a:cs typeface="Courier New" panose="02070309020205020404" pitchFamily="49" charset="0"/>
+              </a:rPr>
+              <a:t>import</a:t>
+            </a:r>
+            <a:r>
+              <a:rPr kumimoji="0" lang="de-DE" altLang="de-DE" sz="1400" b="1" i="0" u="none" strike="noStrike" cap="none" normalizeH="0" baseline="0" dirty="0" smtClean="0">
+                <a:ln>
+                  <a:noFill/>
+                </a:ln>
+                <a:solidFill>
+                  <a:srgbClr val="0000FF"/>
+                </a:solidFill>
+                <a:effectLst/>
+                <a:latin typeface="Courier New" panose="02070309020205020404" pitchFamily="49" charset="0"/>
+                <a:cs typeface="Courier New" panose="02070309020205020404" pitchFamily="49" charset="0"/>
+              </a:rPr>
+              <a:t> </a:t>
+            </a:r>
+            <a:r>
+              <a:rPr kumimoji="0" lang="de-DE" altLang="de-DE" sz="1400" b="1" i="0" u="none" strike="noStrike" cap="none" normalizeH="0" baseline="0" dirty="0" err="1" smtClean="0">
+                <a:ln>
+                  <a:noFill/>
+                </a:ln>
+                <a:solidFill>
+                  <a:srgbClr val="008000"/>
+                </a:solidFill>
+                <a:effectLst/>
+                <a:latin typeface="Courier New" panose="02070309020205020404" pitchFamily="49" charset="0"/>
+                <a:cs typeface="Courier New" panose="02070309020205020404" pitchFamily="49" charset="0"/>
+              </a:rPr>
+              <a:t>javafx.scene.layout.AnchorPane</a:t>
+            </a:r>
+            <a:r>
+              <a:rPr kumimoji="0" lang="de-DE" altLang="de-DE" sz="1400" b="0" i="1" u="none" strike="noStrike" cap="none" normalizeH="0" baseline="0" dirty="0" smtClean="0">
+                <a:ln>
+                  <a:noFill/>
+                </a:ln>
+                <a:solidFill>
+                  <a:srgbClr val="000000"/>
+                </a:solidFill>
+                <a:effectLst/>
+                <a:latin typeface="Courier New" panose="02070309020205020404" pitchFamily="49" charset="0"/>
+                <a:cs typeface="Courier New" panose="02070309020205020404" pitchFamily="49" charset="0"/>
+              </a:rPr>
+              <a:t>?&gt;</a:t>
+            </a:r>
+            <a:br>
+              <a:rPr kumimoji="0" lang="de-DE" altLang="de-DE" sz="1400" b="0" i="1" u="none" strike="noStrike" cap="none" normalizeH="0" baseline="0" dirty="0" smtClean="0">
+                <a:ln>
+                  <a:noFill/>
+                </a:ln>
+                <a:solidFill>
+                  <a:srgbClr val="000000"/>
+                </a:solidFill>
+                <a:effectLst/>
+                <a:latin typeface="Courier New" panose="02070309020205020404" pitchFamily="49" charset="0"/>
+                <a:cs typeface="Courier New" panose="02070309020205020404" pitchFamily="49" charset="0"/>
+              </a:rPr>
+            </a:br>
+            <a:r>
+              <a:rPr kumimoji="0" lang="de-DE" altLang="de-DE" sz="1400" b="0" i="1" u="none" strike="noStrike" cap="none" normalizeH="0" baseline="0" dirty="0" smtClean="0">
+                <a:ln>
+                  <a:noFill/>
+                </a:ln>
+                <a:solidFill>
+                  <a:srgbClr val="000000"/>
+                </a:solidFill>
+                <a:effectLst/>
+                <a:latin typeface="Courier New" panose="02070309020205020404" pitchFamily="49" charset="0"/>
+                <a:cs typeface="Courier New" panose="02070309020205020404" pitchFamily="49" charset="0"/>
+              </a:rPr>
+              <a:t>&lt;?</a:t>
+            </a:r>
+            <a:r>
+              <a:rPr kumimoji="0" lang="de-DE" altLang="de-DE" sz="1400" b="1" i="0" u="none" strike="noStrike" cap="none" normalizeH="0" baseline="0" dirty="0" err="1" smtClean="0">
+                <a:ln>
+                  <a:noFill/>
+                </a:ln>
+                <a:solidFill>
+                  <a:srgbClr val="0000FF"/>
+                </a:solidFill>
+                <a:effectLst/>
+                <a:latin typeface="Courier New" panose="02070309020205020404" pitchFamily="49" charset="0"/>
+                <a:cs typeface="Courier New" panose="02070309020205020404" pitchFamily="49" charset="0"/>
+              </a:rPr>
+              <a:t>import</a:t>
+            </a:r>
+            <a:r>
+              <a:rPr kumimoji="0" lang="de-DE" altLang="de-DE" sz="1400" b="1" i="0" u="none" strike="noStrike" cap="none" normalizeH="0" baseline="0" dirty="0" smtClean="0">
+                <a:ln>
+                  <a:noFill/>
+                </a:ln>
+                <a:solidFill>
+                  <a:srgbClr val="0000FF"/>
+                </a:solidFill>
+                <a:effectLst/>
+                <a:latin typeface="Courier New" panose="02070309020205020404" pitchFamily="49" charset="0"/>
+                <a:cs typeface="Courier New" panose="02070309020205020404" pitchFamily="49" charset="0"/>
+              </a:rPr>
+              <a:t> </a:t>
+            </a:r>
+            <a:r>
+              <a:rPr kumimoji="0" lang="de-DE" altLang="de-DE" sz="1400" b="1" i="0" u="none" strike="noStrike" cap="none" normalizeH="0" baseline="0" dirty="0" err="1" smtClean="0">
+                <a:ln>
+                  <a:noFill/>
+                </a:ln>
+                <a:solidFill>
+                  <a:srgbClr val="008000"/>
+                </a:solidFill>
+                <a:effectLst/>
+                <a:latin typeface="Courier New" panose="02070309020205020404" pitchFamily="49" charset="0"/>
+                <a:cs typeface="Courier New" panose="02070309020205020404" pitchFamily="49" charset="0"/>
+              </a:rPr>
+              <a:t>javafx.scene.layout.BorderPane</a:t>
+            </a:r>
+            <a:r>
+              <a:rPr kumimoji="0" lang="de-DE" altLang="de-DE" sz="1400" b="0" i="1" u="none" strike="noStrike" cap="none" normalizeH="0" baseline="0" dirty="0" smtClean="0">
+                <a:ln>
+                  <a:noFill/>
+                </a:ln>
+                <a:solidFill>
+                  <a:srgbClr val="000000"/>
+                </a:solidFill>
+                <a:effectLst/>
+                <a:latin typeface="Courier New" panose="02070309020205020404" pitchFamily="49" charset="0"/>
+                <a:cs typeface="Courier New" panose="02070309020205020404" pitchFamily="49" charset="0"/>
+              </a:rPr>
+              <a:t>?&gt;</a:t>
+            </a:r>
+            <a:br>
+              <a:rPr kumimoji="0" lang="de-DE" altLang="de-DE" sz="1400" b="0" i="1" u="none" strike="noStrike" cap="none" normalizeH="0" baseline="0" dirty="0" smtClean="0">
+                <a:ln>
+                  <a:noFill/>
+                </a:ln>
+                <a:solidFill>
+                  <a:srgbClr val="000000"/>
+                </a:solidFill>
+                <a:effectLst/>
+                <a:latin typeface="Courier New" panose="02070309020205020404" pitchFamily="49" charset="0"/>
+                <a:cs typeface="Courier New" panose="02070309020205020404" pitchFamily="49" charset="0"/>
+              </a:rPr>
+            </a:br>
+            <a:r>
+              <a:rPr kumimoji="0" lang="de-DE" altLang="de-DE" sz="1400" b="0" i="1" u="none" strike="noStrike" cap="none" normalizeH="0" baseline="0" dirty="0" smtClean="0">
+                <a:ln>
+                  <a:noFill/>
+                </a:ln>
+                <a:solidFill>
+                  <a:srgbClr val="000000"/>
+                </a:solidFill>
+                <a:effectLst/>
+                <a:latin typeface="Courier New" panose="02070309020205020404" pitchFamily="49" charset="0"/>
+                <a:cs typeface="Courier New" panose="02070309020205020404" pitchFamily="49" charset="0"/>
+              </a:rPr>
+              <a:t/>
+            </a:r>
+            <a:br>
+              <a:rPr kumimoji="0" lang="de-DE" altLang="de-DE" sz="1400" b="0" i="1" u="none" strike="noStrike" cap="none" normalizeH="0" baseline="0" dirty="0" smtClean="0">
+                <a:ln>
+                  <a:noFill/>
+                </a:ln>
+                <a:solidFill>
+                  <a:srgbClr val="000000"/>
+                </a:solidFill>
+                <a:effectLst/>
+                <a:latin typeface="Courier New" panose="02070309020205020404" pitchFamily="49" charset="0"/>
+                <a:cs typeface="Courier New" panose="02070309020205020404" pitchFamily="49" charset="0"/>
+              </a:rPr>
+            </a:br>
+            <a:r>
+              <a:rPr kumimoji="0" lang="de-DE" altLang="de-DE" sz="1400" b="0" i="0" u="none" strike="noStrike" cap="none" normalizeH="0" baseline="0" dirty="0" smtClean="0">
+                <a:ln>
+                  <a:noFill/>
+                </a:ln>
+                <a:solidFill>
+                  <a:srgbClr val="000000"/>
+                </a:solidFill>
+                <a:effectLst/>
+                <a:latin typeface="Courier New" panose="02070309020205020404" pitchFamily="49" charset="0"/>
+                <a:cs typeface="Courier New" panose="02070309020205020404" pitchFamily="49" charset="0"/>
+              </a:rPr>
+              <a:t>&lt;</a:t>
+            </a:r>
+            <a:r>
+              <a:rPr kumimoji="0" lang="de-DE" altLang="de-DE" sz="1400" b="1" i="0" u="none" strike="noStrike" cap="none" normalizeH="0" baseline="0" dirty="0" err="1" smtClean="0">
+                <a:ln>
+                  <a:noFill/>
+                </a:ln>
+                <a:solidFill>
+                  <a:srgbClr val="000080"/>
+                </a:solidFill>
+                <a:effectLst/>
+                <a:latin typeface="Courier New" panose="02070309020205020404" pitchFamily="49" charset="0"/>
+                <a:cs typeface="Courier New" panose="02070309020205020404" pitchFamily="49" charset="0"/>
+              </a:rPr>
+              <a:t>AnchorPane</a:t>
+            </a:r>
+            <a:r>
+              <a:rPr kumimoji="0" lang="de-DE" altLang="de-DE" sz="1400" b="1" i="0" u="none" strike="noStrike" cap="none" normalizeH="0" baseline="0" dirty="0" smtClean="0">
+                <a:ln>
+                  <a:noFill/>
+                </a:ln>
+                <a:solidFill>
+                  <a:srgbClr val="000080"/>
+                </a:solidFill>
+                <a:effectLst/>
+                <a:latin typeface="Courier New" panose="02070309020205020404" pitchFamily="49" charset="0"/>
+                <a:cs typeface="Courier New" panose="02070309020205020404" pitchFamily="49" charset="0"/>
+              </a:rPr>
+              <a:t> </a:t>
+            </a:r>
+            <a:r>
+              <a:rPr kumimoji="0" lang="de-DE" altLang="de-DE" sz="1400" b="1" i="0" u="none" strike="noStrike" cap="none" normalizeH="0" baseline="0" dirty="0" err="1" smtClean="0">
+                <a:ln>
+                  <a:noFill/>
+                </a:ln>
+                <a:solidFill>
+                  <a:srgbClr val="660E7A"/>
+                </a:solidFill>
+                <a:effectLst/>
+                <a:latin typeface="Courier New" panose="02070309020205020404" pitchFamily="49" charset="0"/>
+                <a:cs typeface="Courier New" panose="02070309020205020404" pitchFamily="49" charset="0"/>
+              </a:rPr>
+              <a:t>fx</a:t>
+            </a:r>
+            <a:r>
+              <a:rPr kumimoji="0" lang="de-DE" altLang="de-DE" sz="1400" b="1" i="0" u="none" strike="noStrike" cap="none" normalizeH="0" baseline="0" dirty="0" err="1" smtClean="0">
+                <a:ln>
+                  <a:noFill/>
+                </a:ln>
+                <a:solidFill>
+                  <a:srgbClr val="0000FF"/>
+                </a:solidFill>
+                <a:effectLst/>
+                <a:latin typeface="Courier New" panose="02070309020205020404" pitchFamily="49" charset="0"/>
+                <a:cs typeface="Courier New" panose="02070309020205020404" pitchFamily="49" charset="0"/>
+              </a:rPr>
+              <a:t>:controller</a:t>
+            </a:r>
+            <a:r>
+              <a:rPr kumimoji="0" lang="de-DE" altLang="de-DE" sz="1400" b="1" i="0" u="none" strike="noStrike" cap="none" normalizeH="0" baseline="0" dirty="0" smtClean="0">
+                <a:ln>
+                  <a:noFill/>
+                </a:ln>
+                <a:solidFill>
+                  <a:srgbClr val="008000"/>
+                </a:solidFill>
+                <a:effectLst/>
+                <a:latin typeface="Courier New" panose="02070309020205020404" pitchFamily="49" charset="0"/>
+                <a:cs typeface="Courier New" panose="02070309020205020404" pitchFamily="49" charset="0"/>
+              </a:rPr>
+              <a:t>=".</a:t>
+            </a:r>
+            <a:r>
+              <a:rPr kumimoji="0" lang="de-DE" altLang="de-DE" sz="1400" b="1" i="0" u="none" strike="noStrike" cap="none" normalizeH="0" baseline="0" dirty="0" err="1" smtClean="0">
+                <a:ln>
+                  <a:noFill/>
+                </a:ln>
+                <a:solidFill>
+                  <a:srgbClr val="008000"/>
+                </a:solidFill>
+                <a:effectLst/>
+                <a:latin typeface="Courier New" panose="02070309020205020404" pitchFamily="49" charset="0"/>
+                <a:cs typeface="Courier New" panose="02070309020205020404" pitchFamily="49" charset="0"/>
+              </a:rPr>
+              <a:t>DashboardPresenter</a:t>
+            </a:r>
+            <a:r>
+              <a:rPr kumimoji="0" lang="de-DE" altLang="de-DE" sz="1400" b="1" i="0" u="none" strike="noStrike" cap="none" normalizeH="0" baseline="0" dirty="0" smtClean="0">
+                <a:ln>
+                  <a:noFill/>
+                </a:ln>
+                <a:solidFill>
+                  <a:srgbClr val="008000"/>
+                </a:solidFill>
+                <a:effectLst/>
+                <a:latin typeface="Courier New" panose="02070309020205020404" pitchFamily="49" charset="0"/>
+                <a:cs typeface="Courier New" panose="02070309020205020404" pitchFamily="49" charset="0"/>
+              </a:rPr>
+              <a:t>„ ...</a:t>
+            </a:r>
+            <a:r>
+              <a:rPr kumimoji="0" lang="de-DE" altLang="de-DE" sz="1400" b="0" i="0" u="none" strike="noStrike" cap="none" normalizeH="0" baseline="0" dirty="0" smtClean="0">
+                <a:ln>
+                  <a:noFill/>
+                </a:ln>
+                <a:solidFill>
+                  <a:srgbClr val="000000"/>
+                </a:solidFill>
+                <a:effectLst/>
+                <a:latin typeface="Courier New" panose="02070309020205020404" pitchFamily="49" charset="0"/>
+                <a:cs typeface="Courier New" panose="02070309020205020404" pitchFamily="49" charset="0"/>
+              </a:rPr>
+              <a:t>&gt;</a:t>
+            </a:r>
+            <a:br>
+              <a:rPr kumimoji="0" lang="de-DE" altLang="de-DE" sz="1400" b="0" i="0" u="none" strike="noStrike" cap="none" normalizeH="0" baseline="0" dirty="0" smtClean="0">
+                <a:ln>
+                  <a:noFill/>
+                </a:ln>
+                <a:solidFill>
+                  <a:srgbClr val="000000"/>
+                </a:solidFill>
+                <a:effectLst/>
+                <a:latin typeface="Courier New" panose="02070309020205020404" pitchFamily="49" charset="0"/>
+                <a:cs typeface="Courier New" panose="02070309020205020404" pitchFamily="49" charset="0"/>
+              </a:rPr>
+            </a:br>
+            <a:r>
+              <a:rPr kumimoji="0" lang="de-DE" altLang="de-DE" sz="1400" b="0" i="0" u="none" strike="noStrike" cap="none" normalizeH="0" baseline="0" dirty="0" smtClean="0">
+                <a:ln>
+                  <a:noFill/>
+                </a:ln>
+                <a:solidFill>
+                  <a:srgbClr val="000000"/>
+                </a:solidFill>
+                <a:effectLst/>
+                <a:latin typeface="Courier New" panose="02070309020205020404" pitchFamily="49" charset="0"/>
+                <a:cs typeface="Courier New" panose="02070309020205020404" pitchFamily="49" charset="0"/>
+              </a:rPr>
+              <a:t>   &lt;</a:t>
+            </a:r>
+            <a:r>
+              <a:rPr kumimoji="0" lang="de-DE" altLang="de-DE" sz="1400" b="1" i="0" u="none" strike="noStrike" cap="none" normalizeH="0" baseline="0" dirty="0" err="1" smtClean="0">
+                <a:ln>
+                  <a:noFill/>
+                </a:ln>
+                <a:solidFill>
+                  <a:srgbClr val="000080"/>
+                </a:solidFill>
+                <a:effectLst/>
+                <a:latin typeface="Courier New" panose="02070309020205020404" pitchFamily="49" charset="0"/>
+                <a:cs typeface="Courier New" panose="02070309020205020404" pitchFamily="49" charset="0"/>
+              </a:rPr>
+              <a:t>children</a:t>
+            </a:r>
+            <a:r>
+              <a:rPr kumimoji="0" lang="de-DE" altLang="de-DE" sz="1400" b="0" i="0" u="none" strike="noStrike" cap="none" normalizeH="0" baseline="0" dirty="0" smtClean="0">
+                <a:ln>
+                  <a:noFill/>
+                </a:ln>
+                <a:solidFill>
+                  <a:srgbClr val="000000"/>
+                </a:solidFill>
+                <a:effectLst/>
+                <a:latin typeface="Courier New" panose="02070309020205020404" pitchFamily="49" charset="0"/>
+                <a:cs typeface="Courier New" panose="02070309020205020404" pitchFamily="49" charset="0"/>
+              </a:rPr>
+              <a:t>&gt;</a:t>
+            </a:r>
+            <a:br>
+              <a:rPr kumimoji="0" lang="de-DE" altLang="de-DE" sz="1400" b="0" i="0" u="none" strike="noStrike" cap="none" normalizeH="0" baseline="0" dirty="0" smtClean="0">
+                <a:ln>
+                  <a:noFill/>
+                </a:ln>
+                <a:solidFill>
+                  <a:srgbClr val="000000"/>
+                </a:solidFill>
+                <a:effectLst/>
+                <a:latin typeface="Courier New" panose="02070309020205020404" pitchFamily="49" charset="0"/>
+                <a:cs typeface="Courier New" panose="02070309020205020404" pitchFamily="49" charset="0"/>
+              </a:rPr>
+            </a:br>
+            <a:r>
+              <a:rPr kumimoji="0" lang="de-DE" altLang="de-DE" sz="1400" b="0" i="0" u="none" strike="noStrike" cap="none" normalizeH="0" baseline="0" dirty="0" smtClean="0">
+                <a:ln>
+                  <a:noFill/>
+                </a:ln>
+                <a:solidFill>
+                  <a:srgbClr val="000000"/>
+                </a:solidFill>
+                <a:effectLst/>
+                <a:latin typeface="Courier New" panose="02070309020205020404" pitchFamily="49" charset="0"/>
+                <a:cs typeface="Courier New" panose="02070309020205020404" pitchFamily="49" charset="0"/>
+              </a:rPr>
+              <a:t>      &lt;</a:t>
+            </a:r>
+            <a:r>
+              <a:rPr kumimoji="0" lang="de-DE" altLang="de-DE" sz="1400" b="1" i="0" u="none" strike="noStrike" cap="none" normalizeH="0" baseline="0" dirty="0" err="1" smtClean="0">
+                <a:ln>
+                  <a:noFill/>
+                </a:ln>
+                <a:solidFill>
+                  <a:srgbClr val="000080"/>
+                </a:solidFill>
+                <a:effectLst/>
+                <a:latin typeface="Courier New" panose="02070309020205020404" pitchFamily="49" charset="0"/>
+                <a:cs typeface="Courier New" panose="02070309020205020404" pitchFamily="49" charset="0"/>
+              </a:rPr>
+              <a:t>BorderPane</a:t>
+            </a:r>
+            <a:r>
+              <a:rPr kumimoji="0" lang="de-DE" altLang="de-DE" sz="1400" b="1" i="0" u="none" strike="noStrike" cap="none" normalizeH="0" baseline="0" dirty="0" smtClean="0">
+                <a:ln>
+                  <a:noFill/>
+                </a:ln>
+                <a:solidFill>
+                  <a:srgbClr val="000080"/>
+                </a:solidFill>
+                <a:effectLst/>
+                <a:latin typeface="Courier New" panose="02070309020205020404" pitchFamily="49" charset="0"/>
+                <a:cs typeface="Courier New" panose="02070309020205020404" pitchFamily="49" charset="0"/>
+              </a:rPr>
+              <a:t> </a:t>
+            </a:r>
+            <a:r>
+              <a:rPr kumimoji="0" lang="de-DE" altLang="de-DE" sz="1400" b="1" i="0" u="none" strike="noStrike" cap="none" normalizeH="0" baseline="0" dirty="0" err="1" smtClean="0">
+                <a:ln>
+                  <a:noFill/>
+                </a:ln>
+                <a:solidFill>
+                  <a:srgbClr val="660E7A"/>
+                </a:solidFill>
+                <a:effectLst/>
+                <a:latin typeface="Courier New" panose="02070309020205020404" pitchFamily="49" charset="0"/>
+                <a:cs typeface="Courier New" panose="02070309020205020404" pitchFamily="49" charset="0"/>
+              </a:rPr>
+              <a:t>fx</a:t>
+            </a:r>
+            <a:r>
+              <a:rPr kumimoji="0" lang="de-DE" altLang="de-DE" sz="1400" b="1" i="0" u="none" strike="noStrike" cap="none" normalizeH="0" baseline="0" dirty="0" err="1" smtClean="0">
+                <a:ln>
+                  <a:noFill/>
+                </a:ln>
+                <a:solidFill>
+                  <a:srgbClr val="0000FF"/>
+                </a:solidFill>
+                <a:effectLst/>
+                <a:latin typeface="Courier New" panose="02070309020205020404" pitchFamily="49" charset="0"/>
+                <a:cs typeface="Courier New" panose="02070309020205020404" pitchFamily="49" charset="0"/>
+              </a:rPr>
+              <a:t>:id</a:t>
+            </a:r>
+            <a:r>
+              <a:rPr kumimoji="0" lang="de-DE" altLang="de-DE" sz="1400" b="1" i="0" u="none" strike="noStrike" cap="none" normalizeH="0" baseline="0" dirty="0" smtClean="0">
+                <a:ln>
+                  <a:noFill/>
+                </a:ln>
+                <a:solidFill>
+                  <a:srgbClr val="008000"/>
+                </a:solidFill>
+                <a:effectLst/>
+                <a:latin typeface="Courier New" panose="02070309020205020404" pitchFamily="49" charset="0"/>
+                <a:cs typeface="Courier New" panose="02070309020205020404" pitchFamily="49" charset="0"/>
+              </a:rPr>
+              <a:t>="</a:t>
+            </a:r>
+            <a:r>
+              <a:rPr kumimoji="0" lang="de-DE" altLang="de-DE" sz="1400" b="1" i="0" u="none" strike="noStrike" cap="none" normalizeH="0" baseline="0" dirty="0" err="1" smtClean="0">
+                <a:ln>
+                  <a:noFill/>
+                </a:ln>
+                <a:solidFill>
+                  <a:srgbClr val="008000"/>
+                </a:solidFill>
+                <a:effectLst/>
+                <a:latin typeface="Courier New" panose="02070309020205020404" pitchFamily="49" charset="0"/>
+                <a:cs typeface="Courier New" panose="02070309020205020404" pitchFamily="49" charset="0"/>
+              </a:rPr>
+              <a:t>borderPane</a:t>
+            </a:r>
+            <a:r>
+              <a:rPr kumimoji="0" lang="de-DE" altLang="de-DE" sz="1400" b="1" i="0" u="none" strike="noStrike" cap="none" normalizeH="0" baseline="0" dirty="0" smtClean="0">
+                <a:ln>
+                  <a:noFill/>
+                </a:ln>
+                <a:solidFill>
+                  <a:srgbClr val="008000"/>
+                </a:solidFill>
+                <a:effectLst/>
+                <a:latin typeface="Courier New" panose="02070309020205020404" pitchFamily="49" charset="0"/>
+                <a:cs typeface="Courier New" panose="02070309020205020404" pitchFamily="49" charset="0"/>
+              </a:rPr>
+              <a:t>" </a:t>
+            </a:r>
+            <a:r>
+              <a:rPr kumimoji="0" lang="de-DE" altLang="de-DE" sz="1400" b="1" i="0" u="none" strike="noStrike" cap="none" normalizeH="0" baseline="0" dirty="0" err="1" smtClean="0">
+                <a:ln>
+                  <a:noFill/>
+                </a:ln>
+                <a:solidFill>
+                  <a:srgbClr val="0000FF"/>
+                </a:solidFill>
+                <a:effectLst/>
+                <a:latin typeface="Courier New" panose="02070309020205020404" pitchFamily="49" charset="0"/>
+                <a:cs typeface="Courier New" panose="02070309020205020404" pitchFamily="49" charset="0"/>
+              </a:rPr>
+              <a:t>prefHeight</a:t>
+            </a:r>
+            <a:r>
+              <a:rPr kumimoji="0" lang="de-DE" altLang="de-DE" sz="1400" b="1" i="0" u="none" strike="noStrike" cap="none" normalizeH="0" baseline="0" dirty="0" smtClean="0">
+                <a:ln>
+                  <a:noFill/>
+                </a:ln>
+                <a:solidFill>
+                  <a:srgbClr val="008000"/>
+                </a:solidFill>
+                <a:effectLst/>
+                <a:latin typeface="Courier New" panose="02070309020205020404" pitchFamily="49" charset="0"/>
+                <a:cs typeface="Courier New" panose="02070309020205020404" pitchFamily="49" charset="0"/>
+              </a:rPr>
+              <a:t>="200.0" </a:t>
+            </a:r>
+            <a:r>
+              <a:rPr kumimoji="0" lang="de-DE" altLang="de-DE" sz="1400" b="1" i="0" u="none" strike="noStrike" cap="none" normalizeH="0" baseline="0" dirty="0" smtClean="0">
+                <a:ln>
+                  <a:noFill/>
+                </a:ln>
+                <a:solidFill>
+                  <a:srgbClr val="0000FF"/>
+                </a:solidFill>
+                <a:effectLst/>
+                <a:latin typeface="Courier New" panose="02070309020205020404" pitchFamily="49" charset="0"/>
+                <a:cs typeface="Courier New" panose="02070309020205020404" pitchFamily="49" charset="0"/>
+              </a:rPr>
+              <a:t>...&gt;</a:t>
+            </a:r>
+            <a:r>
+              <a:rPr kumimoji="0" lang="de-DE" altLang="de-DE" sz="1400" b="0" i="0" u="none" strike="noStrike" cap="none" normalizeH="0" baseline="0" dirty="0" smtClean="0">
+                <a:ln>
+                  <a:noFill/>
+                </a:ln>
+                <a:solidFill>
+                  <a:srgbClr val="000000"/>
+                </a:solidFill>
+                <a:effectLst/>
+                <a:latin typeface="Courier New" panose="02070309020205020404" pitchFamily="49" charset="0"/>
+                <a:cs typeface="Courier New" panose="02070309020205020404" pitchFamily="49" charset="0"/>
+              </a:rPr>
+              <a:t/>
+            </a:r>
+            <a:br>
+              <a:rPr kumimoji="0" lang="de-DE" altLang="de-DE" sz="1400" b="0" i="0" u="none" strike="noStrike" cap="none" normalizeH="0" baseline="0" dirty="0" smtClean="0">
+                <a:ln>
+                  <a:noFill/>
+                </a:ln>
+                <a:solidFill>
+                  <a:srgbClr val="000000"/>
+                </a:solidFill>
+                <a:effectLst/>
+                <a:latin typeface="Courier New" panose="02070309020205020404" pitchFamily="49" charset="0"/>
+                <a:cs typeface="Courier New" panose="02070309020205020404" pitchFamily="49" charset="0"/>
+              </a:rPr>
+            </a:br>
+            <a:r>
+              <a:rPr kumimoji="0" lang="de-DE" altLang="de-DE" sz="1400" b="0" i="0" u="none" strike="noStrike" cap="none" normalizeH="0" baseline="0" dirty="0" smtClean="0">
+                <a:ln>
+                  <a:noFill/>
+                </a:ln>
+                <a:solidFill>
+                  <a:srgbClr val="000000"/>
+                </a:solidFill>
+                <a:effectLst/>
+                <a:latin typeface="Courier New" panose="02070309020205020404" pitchFamily="49" charset="0"/>
+                <a:cs typeface="Courier New" panose="02070309020205020404" pitchFamily="49" charset="0"/>
+              </a:rPr>
+              <a:t>         &lt;</a:t>
+            </a:r>
+            <a:r>
+              <a:rPr kumimoji="0" lang="de-DE" altLang="de-DE" sz="1400" b="1" i="0" u="none" strike="noStrike" cap="none" normalizeH="0" baseline="0" dirty="0" err="1" smtClean="0">
+                <a:ln>
+                  <a:noFill/>
+                </a:ln>
+                <a:solidFill>
+                  <a:srgbClr val="000080"/>
+                </a:solidFill>
+                <a:effectLst/>
+                <a:latin typeface="Courier New" panose="02070309020205020404" pitchFamily="49" charset="0"/>
+                <a:cs typeface="Courier New" panose="02070309020205020404" pitchFamily="49" charset="0"/>
+              </a:rPr>
+              <a:t>center</a:t>
+            </a:r>
+            <a:r>
+              <a:rPr kumimoji="0" lang="de-DE" altLang="de-DE" sz="1400" b="0" i="0" u="none" strike="noStrike" cap="none" normalizeH="0" baseline="0" dirty="0" smtClean="0">
+                <a:ln>
+                  <a:noFill/>
+                </a:ln>
+                <a:solidFill>
+                  <a:srgbClr val="000000"/>
+                </a:solidFill>
+                <a:effectLst/>
+                <a:latin typeface="Courier New" panose="02070309020205020404" pitchFamily="49" charset="0"/>
+                <a:cs typeface="Courier New" panose="02070309020205020404" pitchFamily="49" charset="0"/>
+              </a:rPr>
+              <a:t>&gt;</a:t>
+            </a:r>
+            <a:br>
+              <a:rPr kumimoji="0" lang="de-DE" altLang="de-DE" sz="1400" b="0" i="0" u="none" strike="noStrike" cap="none" normalizeH="0" baseline="0" dirty="0" smtClean="0">
+                <a:ln>
+                  <a:noFill/>
+                </a:ln>
+                <a:solidFill>
+                  <a:srgbClr val="000000"/>
+                </a:solidFill>
+                <a:effectLst/>
+                <a:latin typeface="Courier New" panose="02070309020205020404" pitchFamily="49" charset="0"/>
+                <a:cs typeface="Courier New" panose="02070309020205020404" pitchFamily="49" charset="0"/>
+              </a:rPr>
+            </a:br>
+            <a:r>
+              <a:rPr kumimoji="0" lang="de-DE" altLang="de-DE" sz="1400" b="0" i="0" u="none" strike="noStrike" cap="none" normalizeH="0" baseline="0" dirty="0" smtClean="0">
+                <a:ln>
+                  <a:noFill/>
+                </a:ln>
+                <a:solidFill>
+                  <a:srgbClr val="000000"/>
+                </a:solidFill>
+                <a:effectLst/>
+                <a:latin typeface="Courier New" panose="02070309020205020404" pitchFamily="49" charset="0"/>
+                <a:cs typeface="Courier New" panose="02070309020205020404" pitchFamily="49" charset="0"/>
+              </a:rPr>
+              <a:t>            &lt;</a:t>
+            </a:r>
+            <a:r>
+              <a:rPr kumimoji="0" lang="de-DE" altLang="de-DE" sz="1400" b="1" i="0" u="none" strike="noStrike" cap="none" normalizeH="0" baseline="0" dirty="0" err="1" smtClean="0">
+                <a:ln>
+                  <a:noFill/>
+                </a:ln>
+                <a:solidFill>
+                  <a:srgbClr val="000080"/>
+                </a:solidFill>
+                <a:effectLst/>
+                <a:latin typeface="Courier New" panose="02070309020205020404" pitchFamily="49" charset="0"/>
+                <a:cs typeface="Courier New" panose="02070309020205020404" pitchFamily="49" charset="0"/>
+              </a:rPr>
+              <a:t>SplitPane</a:t>
+            </a:r>
+            <a:r>
+              <a:rPr kumimoji="0" lang="de-DE" altLang="de-DE" sz="1400" b="1" i="0" u="none" strike="noStrike" cap="none" normalizeH="0" baseline="0" dirty="0" smtClean="0">
+                <a:ln>
+                  <a:noFill/>
+                </a:ln>
+                <a:solidFill>
+                  <a:srgbClr val="000080"/>
+                </a:solidFill>
+                <a:effectLst/>
+                <a:latin typeface="Courier New" panose="02070309020205020404" pitchFamily="49" charset="0"/>
+                <a:cs typeface="Courier New" panose="02070309020205020404" pitchFamily="49" charset="0"/>
+              </a:rPr>
+              <a:t> </a:t>
+            </a:r>
+            <a:r>
+              <a:rPr kumimoji="0" lang="de-DE" altLang="de-DE" sz="1400" b="1" i="0" u="none" strike="noStrike" cap="none" normalizeH="0" baseline="0" dirty="0" err="1" smtClean="0">
+                <a:ln>
+                  <a:noFill/>
+                </a:ln>
+                <a:solidFill>
+                  <a:srgbClr val="660E7A"/>
+                </a:solidFill>
+                <a:effectLst/>
+                <a:latin typeface="Courier New" panose="02070309020205020404" pitchFamily="49" charset="0"/>
+                <a:cs typeface="Courier New" panose="02070309020205020404" pitchFamily="49" charset="0"/>
+              </a:rPr>
+              <a:t>fx</a:t>
+            </a:r>
+            <a:r>
+              <a:rPr kumimoji="0" lang="de-DE" altLang="de-DE" sz="1400" b="1" i="0" u="none" strike="noStrike" cap="none" normalizeH="0" baseline="0" dirty="0" err="1" smtClean="0">
+                <a:ln>
+                  <a:noFill/>
+                </a:ln>
+                <a:solidFill>
+                  <a:srgbClr val="0000FF"/>
+                </a:solidFill>
+                <a:effectLst/>
+                <a:latin typeface="Courier New" panose="02070309020205020404" pitchFamily="49" charset="0"/>
+                <a:cs typeface="Courier New" panose="02070309020205020404" pitchFamily="49" charset="0"/>
+              </a:rPr>
+              <a:t>:id</a:t>
+            </a:r>
+            <a:r>
+              <a:rPr kumimoji="0" lang="de-DE" altLang="de-DE" sz="1400" b="1" i="0" u="none" strike="noStrike" cap="none" normalizeH="0" baseline="0" dirty="0" smtClean="0">
+                <a:ln>
+                  <a:noFill/>
+                </a:ln>
+                <a:solidFill>
+                  <a:srgbClr val="008000"/>
+                </a:solidFill>
+                <a:effectLst/>
+                <a:latin typeface="Courier New" panose="02070309020205020404" pitchFamily="49" charset="0"/>
+                <a:cs typeface="Courier New" panose="02070309020205020404" pitchFamily="49" charset="0"/>
+              </a:rPr>
+              <a:t>="</a:t>
+            </a:r>
+            <a:r>
+              <a:rPr kumimoji="0" lang="de-DE" altLang="de-DE" sz="1400" b="1" i="0" u="none" strike="noStrike" cap="none" normalizeH="0" baseline="0" dirty="0" err="1" smtClean="0">
+                <a:ln>
+                  <a:noFill/>
+                </a:ln>
+                <a:solidFill>
+                  <a:srgbClr val="008000"/>
+                </a:solidFill>
+                <a:effectLst/>
+                <a:latin typeface="Courier New" panose="02070309020205020404" pitchFamily="49" charset="0"/>
+                <a:cs typeface="Courier New" panose="02070309020205020404" pitchFamily="49" charset="0"/>
+              </a:rPr>
+              <a:t>splitPane</a:t>
+            </a:r>
+            <a:r>
+              <a:rPr kumimoji="0" lang="de-DE" altLang="de-DE" sz="1400" b="1" i="0" u="none" strike="noStrike" cap="none" normalizeH="0" baseline="0" dirty="0" smtClean="0">
+                <a:ln>
+                  <a:noFill/>
+                </a:ln>
+                <a:solidFill>
+                  <a:srgbClr val="008000"/>
+                </a:solidFill>
+                <a:effectLst/>
+                <a:latin typeface="Courier New" panose="02070309020205020404" pitchFamily="49" charset="0"/>
+                <a:cs typeface="Courier New" panose="02070309020205020404" pitchFamily="49" charset="0"/>
+              </a:rPr>
+              <a:t>" </a:t>
+            </a:r>
+            <a:r>
+              <a:rPr kumimoji="0" lang="de-DE" altLang="de-DE" sz="1400" b="0" i="0" u="none" strike="noStrike" cap="none" normalizeH="0" baseline="0" dirty="0" smtClean="0">
+                <a:ln>
+                  <a:noFill/>
+                </a:ln>
+                <a:solidFill>
+                  <a:srgbClr val="000000"/>
+                </a:solidFill>
+                <a:effectLst/>
+                <a:latin typeface="Courier New" panose="02070309020205020404" pitchFamily="49" charset="0"/>
+                <a:cs typeface="Courier New" panose="02070309020205020404" pitchFamily="49" charset="0"/>
+              </a:rPr>
+              <a:t>/&gt;</a:t>
+            </a:r>
+            <a:br>
+              <a:rPr kumimoji="0" lang="de-DE" altLang="de-DE" sz="1400" b="0" i="0" u="none" strike="noStrike" cap="none" normalizeH="0" baseline="0" dirty="0" smtClean="0">
+                <a:ln>
+                  <a:noFill/>
+                </a:ln>
+                <a:solidFill>
+                  <a:srgbClr val="000000"/>
+                </a:solidFill>
+                <a:effectLst/>
+                <a:latin typeface="Courier New" panose="02070309020205020404" pitchFamily="49" charset="0"/>
+                <a:cs typeface="Courier New" panose="02070309020205020404" pitchFamily="49" charset="0"/>
+              </a:rPr>
+            </a:br>
+            <a:r>
+              <a:rPr kumimoji="0" lang="de-DE" altLang="de-DE" sz="1400" b="0" i="0" u="none" strike="noStrike" cap="none" normalizeH="0" baseline="0" dirty="0" smtClean="0">
+                <a:ln>
+                  <a:noFill/>
+                </a:ln>
+                <a:solidFill>
+                  <a:srgbClr val="000000"/>
+                </a:solidFill>
+                <a:effectLst/>
+                <a:latin typeface="Courier New" panose="02070309020205020404" pitchFamily="49" charset="0"/>
+                <a:cs typeface="Courier New" panose="02070309020205020404" pitchFamily="49" charset="0"/>
+              </a:rPr>
+              <a:t>         &lt;/</a:t>
+            </a:r>
+            <a:r>
+              <a:rPr kumimoji="0" lang="de-DE" altLang="de-DE" sz="1400" b="1" i="0" u="none" strike="noStrike" cap="none" normalizeH="0" baseline="0" dirty="0" err="1" smtClean="0">
+                <a:ln>
+                  <a:noFill/>
+                </a:ln>
+                <a:solidFill>
+                  <a:srgbClr val="000080"/>
+                </a:solidFill>
+                <a:effectLst/>
+                <a:latin typeface="Courier New" panose="02070309020205020404" pitchFamily="49" charset="0"/>
+                <a:cs typeface="Courier New" panose="02070309020205020404" pitchFamily="49" charset="0"/>
+              </a:rPr>
+              <a:t>center</a:t>
+            </a:r>
+            <a:r>
+              <a:rPr kumimoji="0" lang="de-DE" altLang="de-DE" sz="1400" b="0" i="0" u="none" strike="noStrike" cap="none" normalizeH="0" baseline="0" dirty="0" smtClean="0">
+                <a:ln>
+                  <a:noFill/>
+                </a:ln>
+                <a:solidFill>
+                  <a:srgbClr val="000000"/>
+                </a:solidFill>
+                <a:effectLst/>
+                <a:latin typeface="Courier New" panose="02070309020205020404" pitchFamily="49" charset="0"/>
+                <a:cs typeface="Courier New" panose="02070309020205020404" pitchFamily="49" charset="0"/>
+              </a:rPr>
+              <a:t>&gt;</a:t>
+            </a:r>
+          </a:p>
+          <a:p>
+            <a:pPr marL="0" marR="0" lvl="0" indent="0" algn="l" defTabSz="914400" rtl="0" eaLnBrk="0" fontAlgn="base" latinLnBrk="0" hangingPunct="0">
+              <a:lnSpc>
+                <a:spcPct val="100000"/>
+              </a:lnSpc>
+              <a:spcBef>
+                <a:spcPct val="0"/>
+              </a:spcBef>
+              <a:spcAft>
+                <a:spcPct val="0"/>
+              </a:spcAft>
+              <a:buClrTx/>
+              <a:buSzTx/>
+              <a:buFontTx/>
+              <a:buNone/>
+              <a:tabLst/>
+            </a:pPr>
+            <a:r>
+              <a:rPr lang="de-DE" altLang="de-DE" sz="1400" dirty="0" smtClean="0">
+                <a:solidFill>
+                  <a:srgbClr val="000000"/>
+                </a:solidFill>
+                <a:latin typeface="Courier New" panose="02070309020205020404" pitchFamily="49" charset="0"/>
+                <a:cs typeface="Courier New" panose="02070309020205020404" pitchFamily="49" charset="0"/>
+              </a:rPr>
+              <a:t>      </a:t>
+            </a:r>
+            <a:r>
+              <a:rPr kumimoji="0" lang="de-DE" altLang="de-DE" sz="1400" b="0" i="0" u="none" strike="noStrike" cap="none" normalizeH="0" baseline="0" dirty="0" smtClean="0">
+                <a:ln>
+                  <a:noFill/>
+                </a:ln>
+                <a:solidFill>
+                  <a:srgbClr val="000000"/>
+                </a:solidFill>
+                <a:effectLst/>
+                <a:latin typeface="Courier New" panose="02070309020205020404" pitchFamily="49" charset="0"/>
+                <a:cs typeface="Courier New" panose="02070309020205020404" pitchFamily="49" charset="0"/>
+              </a:rPr>
+              <a:t>&lt;/</a:t>
+            </a:r>
+            <a:r>
+              <a:rPr kumimoji="0" lang="de-DE" altLang="de-DE" sz="1400" b="1" i="0" u="none" strike="noStrike" cap="none" normalizeH="0" baseline="0" dirty="0" err="1" smtClean="0">
+                <a:ln>
+                  <a:noFill/>
+                </a:ln>
+                <a:solidFill>
+                  <a:srgbClr val="000080"/>
+                </a:solidFill>
+                <a:effectLst/>
+                <a:latin typeface="Courier New" panose="02070309020205020404" pitchFamily="49" charset="0"/>
+                <a:cs typeface="Courier New" panose="02070309020205020404" pitchFamily="49" charset="0"/>
+              </a:rPr>
+              <a:t>BorderPane</a:t>
+            </a:r>
+            <a:r>
+              <a:rPr kumimoji="0" lang="de-DE" altLang="de-DE" sz="1400" b="0" i="0" u="none" strike="noStrike" cap="none" normalizeH="0" baseline="0" dirty="0" smtClean="0">
+                <a:ln>
+                  <a:noFill/>
+                </a:ln>
+                <a:solidFill>
+                  <a:srgbClr val="000000"/>
+                </a:solidFill>
+                <a:effectLst/>
+                <a:latin typeface="Courier New" panose="02070309020205020404" pitchFamily="49" charset="0"/>
+                <a:cs typeface="Courier New" panose="02070309020205020404" pitchFamily="49" charset="0"/>
+              </a:rPr>
+              <a:t>&gt;</a:t>
+            </a:r>
+            <a:br>
+              <a:rPr kumimoji="0" lang="de-DE" altLang="de-DE" sz="1400" b="0" i="0" u="none" strike="noStrike" cap="none" normalizeH="0" baseline="0" dirty="0" smtClean="0">
+                <a:ln>
+                  <a:noFill/>
+                </a:ln>
+                <a:solidFill>
+                  <a:srgbClr val="000000"/>
+                </a:solidFill>
+                <a:effectLst/>
+                <a:latin typeface="Courier New" panose="02070309020205020404" pitchFamily="49" charset="0"/>
+                <a:cs typeface="Courier New" panose="02070309020205020404" pitchFamily="49" charset="0"/>
+              </a:rPr>
+            </a:br>
+            <a:r>
+              <a:rPr kumimoji="0" lang="de-DE" altLang="de-DE" sz="1400" b="0" i="0" u="none" strike="noStrike" cap="none" normalizeH="0" baseline="0" dirty="0" smtClean="0">
+                <a:ln>
+                  <a:noFill/>
+                </a:ln>
+                <a:solidFill>
+                  <a:srgbClr val="000000"/>
+                </a:solidFill>
+                <a:effectLst/>
+                <a:latin typeface="Courier New" panose="02070309020205020404" pitchFamily="49" charset="0"/>
+                <a:cs typeface="Courier New" panose="02070309020205020404" pitchFamily="49" charset="0"/>
+              </a:rPr>
+              <a:t>   &lt;/</a:t>
+            </a:r>
+            <a:r>
+              <a:rPr kumimoji="0" lang="de-DE" altLang="de-DE" sz="1400" b="1" i="0" u="none" strike="noStrike" cap="none" normalizeH="0" baseline="0" dirty="0" err="1" smtClean="0">
+                <a:ln>
+                  <a:noFill/>
+                </a:ln>
+                <a:solidFill>
+                  <a:srgbClr val="000080"/>
+                </a:solidFill>
+                <a:effectLst/>
+                <a:latin typeface="Courier New" panose="02070309020205020404" pitchFamily="49" charset="0"/>
+                <a:cs typeface="Courier New" panose="02070309020205020404" pitchFamily="49" charset="0"/>
+              </a:rPr>
+              <a:t>children</a:t>
+            </a:r>
+            <a:r>
+              <a:rPr kumimoji="0" lang="de-DE" altLang="de-DE" sz="1400" b="0" i="0" u="none" strike="noStrike" cap="none" normalizeH="0" baseline="0" dirty="0" smtClean="0">
+                <a:ln>
+                  <a:noFill/>
+                </a:ln>
+                <a:solidFill>
+                  <a:srgbClr val="000000"/>
+                </a:solidFill>
+                <a:effectLst/>
+                <a:latin typeface="Courier New" panose="02070309020205020404" pitchFamily="49" charset="0"/>
+                <a:cs typeface="Courier New" panose="02070309020205020404" pitchFamily="49" charset="0"/>
+              </a:rPr>
+              <a:t>&gt;</a:t>
+            </a:r>
+            <a:br>
+              <a:rPr kumimoji="0" lang="de-DE" altLang="de-DE" sz="1400" b="0" i="0" u="none" strike="noStrike" cap="none" normalizeH="0" baseline="0" dirty="0" smtClean="0">
+                <a:ln>
+                  <a:noFill/>
+                </a:ln>
+                <a:solidFill>
+                  <a:srgbClr val="000000"/>
+                </a:solidFill>
+                <a:effectLst/>
+                <a:latin typeface="Courier New" panose="02070309020205020404" pitchFamily="49" charset="0"/>
+                <a:cs typeface="Courier New" panose="02070309020205020404" pitchFamily="49" charset="0"/>
+              </a:rPr>
+            </a:br>
+            <a:r>
+              <a:rPr kumimoji="0" lang="de-DE" altLang="de-DE" sz="1400" b="0" i="0" u="none" strike="noStrike" cap="none" normalizeH="0" baseline="0" dirty="0" smtClean="0">
+                <a:ln>
+                  <a:noFill/>
+                </a:ln>
+                <a:solidFill>
+                  <a:srgbClr val="000000"/>
+                </a:solidFill>
+                <a:effectLst/>
+                <a:latin typeface="Courier New" panose="02070309020205020404" pitchFamily="49" charset="0"/>
+                <a:cs typeface="Courier New" panose="02070309020205020404" pitchFamily="49" charset="0"/>
+              </a:rPr>
+              <a:t>&lt;/</a:t>
+            </a:r>
+            <a:r>
+              <a:rPr kumimoji="0" lang="de-DE" altLang="de-DE" sz="1400" b="1" i="0" u="none" strike="noStrike" cap="none" normalizeH="0" baseline="0" dirty="0" err="1" smtClean="0">
+                <a:ln>
+                  <a:noFill/>
+                </a:ln>
+                <a:solidFill>
+                  <a:srgbClr val="000080"/>
+                </a:solidFill>
+                <a:effectLst/>
+                <a:latin typeface="Courier New" panose="02070309020205020404" pitchFamily="49" charset="0"/>
+                <a:cs typeface="Courier New" panose="02070309020205020404" pitchFamily="49" charset="0"/>
+              </a:rPr>
+              <a:t>AnchorPane</a:t>
+            </a:r>
+            <a:r>
+              <a:rPr kumimoji="0" lang="de-DE" altLang="de-DE" sz="1400" b="0" i="0" u="none" strike="noStrike" cap="none" normalizeH="0" baseline="0" dirty="0" smtClean="0">
+                <a:ln>
+                  <a:noFill/>
+                </a:ln>
+                <a:solidFill>
+                  <a:srgbClr val="000000"/>
+                </a:solidFill>
+                <a:effectLst/>
+                <a:latin typeface="Courier New" panose="02070309020205020404" pitchFamily="49" charset="0"/>
+                <a:cs typeface="Courier New" panose="02070309020205020404" pitchFamily="49" charset="0"/>
+              </a:rPr>
+              <a:t>&gt;</a:t>
+            </a:r>
+            <a:endParaRPr kumimoji="0" lang="de-DE" altLang="de-DE" sz="1400" b="0" i="0" u="none" strike="noStrike" cap="none" normalizeH="0" baseline="0" dirty="0" smtClean="0">
+              <a:ln>
+                <a:noFill/>
+              </a:ln>
+              <a:solidFill>
+                <a:schemeClr val="tx1"/>
+              </a:solidFill>
+              <a:effectLst/>
+              <a:latin typeface="Arial" panose="020B0604020202020204" pitchFamily="34" charset="0"/>
+            </a:endParaRPr>
           </a:p>
         </p:txBody>
       </p:sp>
@@ -3951,8 +5336,8 @@
           <a:lstStyle/>
           <a:p>
             <a:r>
-              <a:rPr lang="de-CH" dirty="0" err="1" smtClean="0"/>
-              <a:t>Afterburner.fx</a:t>
+              <a:rPr lang="de-CH" dirty="0" smtClean="0"/>
+              <a:t>FXML</a:t>
             </a:r>
             <a:endParaRPr lang="de-CH" dirty="0"/>
           </a:p>
@@ -3978,30 +5363,9 @@
               <a:buChar char="•"/>
             </a:pPr>
             <a:r>
-              <a:rPr lang="de-CH" dirty="0" smtClean="0">
-                <a:hlinkClick r:id="rId2"/>
-              </a:rPr>
-              <a:t>Open </a:t>
-            </a:r>
-            <a:r>
-              <a:rPr lang="de-CH" dirty="0" err="1" smtClean="0">
-                <a:hlinkClick r:id="rId2"/>
-              </a:rPr>
-              <a:t>source</a:t>
-            </a:r>
-            <a:r>
-              <a:rPr lang="de-CH" dirty="0" smtClean="0">
-                <a:hlinkClick r:id="rId2"/>
-              </a:rPr>
-              <a:t> mini </a:t>
-            </a:r>
-            <a:r>
-              <a:rPr lang="de-CH" dirty="0" err="1" smtClean="0">
-                <a:hlinkClick r:id="rId2"/>
-              </a:rPr>
-              <a:t>framework</a:t>
-            </a:r>
-            <a:endParaRPr lang="de-CH" dirty="0" smtClean="0"/>
+              <a:rPr lang="de-CH" dirty="0" smtClean="0"/>
+              <a:t>FXML</a:t>
+            </a:r>
           </a:p>
           <a:p>
             <a:pPr marL="342900" indent="-342900">
@@ -4009,24 +5373,20 @@
               <a:buChar char="•"/>
             </a:pPr>
             <a:r>
+              <a:rPr lang="de-CH" dirty="0" smtClean="0"/>
+              <a:t>Scene </a:t>
+            </a:r>
+            <a:r>
               <a:rPr lang="de-CH" dirty="0" err="1" smtClean="0"/>
-              <a:t>Convention</a:t>
+              <a:t>Builder</a:t>
+            </a:r>
+            <a:r>
+              <a:rPr lang="de-CH" dirty="0"/>
+              <a:t> (WYSIWYG</a:t>
             </a:r>
             <a:r>
               <a:rPr lang="de-CH" dirty="0" smtClean="0"/>
-              <a:t> </a:t>
-            </a:r>
-            <a:r>
-              <a:rPr lang="de-CH" dirty="0" err="1" smtClean="0"/>
-              <a:t>over</a:t>
-            </a:r>
-            <a:r>
-              <a:rPr lang="de-CH" dirty="0" smtClean="0"/>
-              <a:t> </a:t>
-            </a:r>
-            <a:r>
-              <a:rPr lang="de-CH" dirty="0" err="1" smtClean="0"/>
-              <a:t>configuration</a:t>
+              <a:t>)</a:t>
             </a:r>
             <a:endParaRPr lang="de-CH" dirty="0" smtClean="0"/>
           </a:p>
@@ -4036,29 +5396,55 @@
               <a:buChar char="•"/>
             </a:pPr>
             <a:r>
-              <a:rPr lang="de-CH" dirty="0"/>
-              <a:t>Simple </a:t>
-            </a:r>
-            <a:r>
-              <a:rPr lang="de-CH" dirty="0" err="1"/>
-              <a:t>dependency</a:t>
-            </a:r>
-            <a:r>
-              <a:rPr lang="de-CH" dirty="0"/>
-              <a:t> </a:t>
-            </a:r>
-            <a:r>
-              <a:rPr lang="de-CH" dirty="0" err="1"/>
-              <a:t>injection</a:t>
+              <a:rPr lang="de-CH" dirty="0" err="1" smtClean="0"/>
+              <a:t>Prototyping</a:t>
+            </a:r>
+            <a:r>
+              <a:rPr lang="de-CH" dirty="0" smtClean="0"/>
+              <a:t> ohne </a:t>
+            </a:r>
+            <a:r>
+              <a:rPr lang="de-CH" dirty="0" err="1" smtClean="0"/>
+              <a:t>compilierung</a:t>
             </a:r>
             <a:endParaRPr lang="de-CH" dirty="0"/>
           </a:p>
         </p:txBody>
       </p:sp>
+      <p:pic>
+        <p:nvPicPr>
+          <p:cNvPr id="7" name="Grafik 6"/>
+          <p:cNvPicPr>
+            <a:picLocks noChangeAspect="1"/>
+          </p:cNvPicPr>
+          <p:nvPr/>
+        </p:nvPicPr>
+        <p:blipFill>
+          <a:blip r:embed="rId2">
+            <a:extLst>
+              <a:ext uri="{28A0092B-C50C-407E-A947-70E740481C1C}">
+                <a14:useLocalDpi xmlns:a14="http://schemas.microsoft.com/office/drawing/2010/main" val="0"/>
+              </a:ext>
+            </a:extLst>
+          </a:blip>
+          <a:stretch>
+            <a:fillRect/>
+          </a:stretch>
+        </p:blipFill>
+        <p:spPr>
+          <a:xfrm>
+            <a:off x="4986660" y="1044327"/>
+            <a:ext cx="5539077" cy="3672408"/>
+          </a:xfrm>
+          <a:prstGeom prst="rect">
+            <a:avLst/>
+          </a:prstGeom>
+        </p:spPr>
+      </p:pic>
     </p:spTree>
     <p:extLst>
       <p:ext uri="{BB962C8B-B14F-4D97-AF65-F5344CB8AC3E}">
-        <p14:creationId xmlns:p14="http://schemas.microsoft.com/office/powerpoint/2010/main" val="3834405157"/>
+        <p14:creationId xmlns:p14="http://schemas.microsoft.com/office/powerpoint/2010/main" val="3291546438"/>
       </p:ext>
     </p:extLst>
   </p:cSld>
@@ -4195,11 +5581,7 @@
           <a:p>
             <a:r>
               <a:rPr lang="de-CH" dirty="0" err="1" smtClean="0"/>
-              <a:t>Build</a:t>
-            </a:r>
-            <a:r>
-              <a:rPr lang="de-CH" dirty="0" smtClean="0"/>
-              <a:t>-Prozess</a:t>
+              <a:t>Afterburner.fx</a:t>
             </a:r>
             <a:endParaRPr lang="de-CH" dirty="0"/>
           </a:p>
@@ -4215,12 +5597,7 @@
             <p:ph type="body" idx="1"/>
           </p:nvPr>
         </p:nvSpPr>
-        <p:spPr>
-          <a:xfrm>
-            <a:off x="738188" y="2197100"/>
-            <a:ext cx="4248472" cy="4464050"/>
-          </a:xfrm>
-        </p:spPr>
+        <p:spPr/>
         <p:txBody>
           <a:bodyPr/>
           <a:lstStyle/>
@@ -4230,16 +5607,28 @@
               <a:buChar char="•"/>
             </a:pPr>
             <a:r>
-              <a:rPr lang="de-CH" dirty="0" err="1" smtClean="0"/>
-              <a:t>Maven</a:t>
-            </a:r>
-            <a:r>
-              <a:rPr lang="de-CH" dirty="0" smtClean="0"/>
-              <a:t> 3 oder </a:t>
-            </a:r>
-            <a:r>
-              <a:rPr lang="de-CH" dirty="0" err="1" smtClean="0"/>
-              <a:t>Gradle</a:t>
+              <a:rPr lang="de-CH" dirty="0" smtClean="0">
+                <a:hlinkClick r:id="rId2"/>
+              </a:rPr>
+              <a:t>Open </a:t>
+            </a:r>
+            <a:r>
+              <a:rPr lang="de-CH" dirty="0" err="1" smtClean="0">
+                <a:hlinkClick r:id="rId2"/>
+              </a:rPr>
+              <a:t>source</a:t>
+            </a:r>
+            <a:r>
+              <a:rPr lang="de-CH" dirty="0" smtClean="0">
+                <a:hlinkClick r:id="rId2"/>
+              </a:rPr>
+              <a:t> mini </a:t>
+            </a:r>
+            <a:r>
+              <a:rPr lang="de-CH" dirty="0" err="1" smtClean="0">
+                <a:hlinkClick r:id="rId2"/>
+              </a:rPr>
+              <a:t>framework</a:t>
             </a:r>
             <a:endParaRPr lang="de-CH" dirty="0" smtClean="0"/>
           </a:p>
@@ -4249,13 +5638,26 @@
               <a:buChar char="•"/>
             </a:pPr>
             <a:r>
-              <a:rPr lang="de-CH" dirty="0"/>
-              <a:t>IDE </a:t>
+              <a:rPr lang="de-CH" dirty="0" err="1" smtClean="0"/>
+              <a:t>Convention</a:t>
             </a:r>
             <a:r>
               <a:rPr lang="de-CH" dirty="0" smtClean="0"/>
-              <a:t>agnostisch</a:t>
-            </a:r>
+              <a:t> </a:t>
+            </a:r>
+            <a:r>
+              <a:rPr lang="de-CH" dirty="0" err="1" smtClean="0"/>
+              <a:t>over</a:t>
+            </a:r>
+            <a:r>
+              <a:rPr lang="de-CH" dirty="0" smtClean="0"/>
+              <a:t> </a:t>
+            </a:r>
+            <a:r>
+              <a:rPr lang="de-CH" dirty="0" err="1" smtClean="0"/>
+              <a:t>configuration</a:t>
+            </a:r>
+            <a:endParaRPr lang="de-CH" dirty="0" smtClean="0"/>
           </a:p>
           <a:p>
             <a:pPr marL="342900" indent="-342900">
@@ -4263,52 +5665,53 @@
               <a:buChar char="•"/>
             </a:pPr>
             <a:r>
-              <a:rPr lang="de-CH" dirty="0" smtClean="0"/>
-              <a:t>Standard Format</a:t>
-            </a:r>
-          </a:p>
-          <a:p>
-            <a:pPr marL="342900" indent="-342900">
-              <a:buFont typeface="Arial" panose="020B0604020202020204" pitchFamily="34" charset="0"/>
-              <a:buChar char="•"/>
-            </a:pPr>
-            <a:r>
-              <a:rPr lang="de-CH" dirty="0" smtClean="0"/>
-              <a:t>Automatisierung</a:t>
-            </a:r>
-          </a:p>
-          <a:p>
-            <a:pPr marL="342900" indent="-342900">
-              <a:buFont typeface="Arial" panose="020B0604020202020204" pitchFamily="34" charset="0"/>
-              <a:buChar char="•"/>
-            </a:pPr>
-            <a:r>
-              <a:rPr lang="de-CH" dirty="0" err="1" smtClean="0"/>
-              <a:t>Dependency</a:t>
-            </a:r>
-            <a:r>
-              <a:rPr lang="de-CH" dirty="0" smtClean="0"/>
+              <a:rPr lang="de-CH" dirty="0"/>
+              <a:t>Simple </a:t>
+            </a:r>
+            <a:r>
+              <a:rPr lang="de-CH" dirty="0" err="1"/>
+              <a:t>dependency</a:t>
+            </a:r>
+            <a:r>
+              <a:rPr lang="de-CH" dirty="0"/>
               <a:t> </a:t>
             </a:r>
             <a:r>
               <a:rPr lang="de-CH" dirty="0" err="1"/>
-              <a:t>resolution</a:t>
-            </a:r>
-            <a:endParaRPr lang="de-CH" dirty="0" smtClean="0"/>
-          </a:p>
-          <a:p>
-            <a:pPr marL="342900" indent="-342900">
-              <a:buFont typeface="Arial" panose="020B0604020202020204" pitchFamily="34" charset="0"/>
-              <a:buChar char="•"/>
-            </a:pPr>
+              <a:t>injection</a:t>
+            </a:r>
             <a:endParaRPr lang="de-CH" dirty="0"/>
           </a:p>
         </p:txBody>
       </p:sp>
+      <p:pic>
+        <p:nvPicPr>
+          <p:cNvPr id="9" name="Grafik 8"/>
+          <p:cNvPicPr>
+            <a:picLocks noChangeAspect="1"/>
+          </p:cNvPicPr>
+          <p:nvPr/>
+        </p:nvPicPr>
+        <p:blipFill>
+          <a:blip r:embed="rId3"/>
+          <a:stretch>
+            <a:fillRect/>
+          </a:stretch>
+        </p:blipFill>
+        <p:spPr>
+          <a:xfrm>
+            <a:off x="6056827" y="1260351"/>
+            <a:ext cx="3888432" cy="5037932"/>
+          </a:xfrm>
+          <a:prstGeom prst="rect">
+            <a:avLst/>
+          </a:prstGeom>
+        </p:spPr>
+      </p:pic>
     </p:spTree>
     <p:extLst>
       <p:ext uri="{BB962C8B-B14F-4D97-AF65-F5344CB8AC3E}">
-        <p14:creationId xmlns:p14="http://schemas.microsoft.com/office/powerpoint/2010/main" val="1882951707"/>
+        <p14:creationId xmlns:p14="http://schemas.microsoft.com/office/powerpoint/2010/main" val="3834405157"/>
       </p:ext>
     </p:extLst>
   </p:cSld>
@@ -4419,6 +5822,256 @@
               </a:rPr>
               <a:pPr/>
               <a:t>7</a:t>
+            </a:fld>
+            <a:endParaRPr lang="de-CH">
+              <a:solidFill>
+                <a:srgbClr val="000000"/>
+              </a:solidFill>
+            </a:endParaRPr>
+          </a:p>
+        </p:txBody>
+      </p:sp>
+      <p:sp>
+        <p:nvSpPr>
+          <p:cNvPr id="5" name="Titel 4"/>
+          <p:cNvSpPr>
+            <a:spLocks noGrp="1"/>
+          </p:cNvSpPr>
+          <p:nvPr>
+            <p:ph type="title"/>
+          </p:nvPr>
+        </p:nvSpPr>
+        <p:spPr/>
+        <p:txBody>
+          <a:bodyPr/>
+          <a:lstStyle/>
+          <a:p>
+            <a:r>
+              <a:rPr lang="de-CH" dirty="0" err="1" smtClean="0"/>
+              <a:t>Build</a:t>
+            </a:r>
+            <a:r>
+              <a:rPr lang="de-CH" dirty="0" smtClean="0"/>
+              <a:t>-Prozess</a:t>
+            </a:r>
+            <a:endParaRPr lang="de-CH" dirty="0"/>
+          </a:p>
+        </p:txBody>
+      </p:sp>
+      <p:sp>
+        <p:nvSpPr>
+          <p:cNvPr id="6" name="Textplatzhalter 5"/>
+          <p:cNvSpPr>
+            <a:spLocks noGrp="1"/>
+          </p:cNvSpPr>
+          <p:nvPr>
+            <p:ph type="body" idx="1"/>
+          </p:nvPr>
+        </p:nvSpPr>
+        <p:spPr>
+          <a:xfrm>
+            <a:off x="738188" y="2197100"/>
+            <a:ext cx="4248472" cy="4464050"/>
+          </a:xfrm>
+        </p:spPr>
+        <p:txBody>
+          <a:bodyPr/>
+          <a:lstStyle/>
+          <a:p>
+            <a:pPr marL="342900" indent="-342900">
+              <a:buFont typeface="Arial" panose="020B0604020202020204" pitchFamily="34" charset="0"/>
+              <a:buChar char="•"/>
+            </a:pPr>
+            <a:r>
+              <a:rPr lang="de-CH" dirty="0" err="1" smtClean="0"/>
+              <a:t>Maven</a:t>
+            </a:r>
+            <a:r>
+              <a:rPr lang="de-CH" dirty="0" smtClean="0"/>
+              <a:t> 3 oder </a:t>
+            </a:r>
+            <a:r>
+              <a:rPr lang="de-CH" dirty="0" err="1" smtClean="0"/>
+              <a:t>Gradle</a:t>
+            </a:r>
+            <a:endParaRPr lang="de-CH" dirty="0" smtClean="0"/>
+          </a:p>
+          <a:p>
+            <a:pPr marL="342900" indent="-342900">
+              <a:buFont typeface="Arial" panose="020B0604020202020204" pitchFamily="34" charset="0"/>
+              <a:buChar char="•"/>
+            </a:pPr>
+            <a:r>
+              <a:rPr lang="de-CH" dirty="0"/>
+              <a:t>IDE </a:t>
+            </a:r>
+            <a:r>
+              <a:rPr lang="de-CH" dirty="0" smtClean="0"/>
+              <a:t>agnostisch</a:t>
+            </a:r>
+          </a:p>
+          <a:p>
+            <a:pPr marL="342900" indent="-342900">
+              <a:buFont typeface="Arial" panose="020B0604020202020204" pitchFamily="34" charset="0"/>
+              <a:buChar char="•"/>
+            </a:pPr>
+            <a:r>
+              <a:rPr lang="de-CH" dirty="0" smtClean="0"/>
+              <a:t>Standard Format</a:t>
+            </a:r>
+          </a:p>
+          <a:p>
+            <a:pPr marL="342900" indent="-342900">
+              <a:buFont typeface="Arial" panose="020B0604020202020204" pitchFamily="34" charset="0"/>
+              <a:buChar char="•"/>
+            </a:pPr>
+            <a:r>
+              <a:rPr lang="de-CH" dirty="0" smtClean="0"/>
+              <a:t>Automatisierung</a:t>
+            </a:r>
+          </a:p>
+          <a:p>
+            <a:pPr marL="342900" indent="-342900">
+              <a:buFont typeface="Arial" panose="020B0604020202020204" pitchFamily="34" charset="0"/>
+              <a:buChar char="•"/>
+            </a:pPr>
+            <a:r>
+              <a:rPr lang="de-CH" dirty="0" err="1" smtClean="0"/>
+              <a:t>Dependency</a:t>
+            </a:r>
+            <a:r>
+              <a:rPr lang="de-CH" dirty="0" smtClean="0"/>
+              <a:t> </a:t>
+            </a:r>
+            <a:r>
+              <a:rPr lang="de-CH" dirty="0" err="1"/>
+              <a:t>resolution</a:t>
+            </a:r>
+            <a:endParaRPr lang="de-CH" dirty="0" smtClean="0"/>
+          </a:p>
+          <a:p>
+            <a:pPr marL="342900" indent="-342900">
+              <a:buFont typeface="Arial" panose="020B0604020202020204" pitchFamily="34" charset="0"/>
+              <a:buChar char="•"/>
+            </a:pPr>
+            <a:endParaRPr lang="de-CH" dirty="0"/>
+          </a:p>
+        </p:txBody>
+      </p:sp>
+    </p:spTree>
+    <p:extLst>
+      <p:ext uri="{BB962C8B-B14F-4D97-AF65-F5344CB8AC3E}">
+        <p14:creationId xmlns:p14="http://schemas.microsoft.com/office/powerpoint/2010/main" val="1882951707"/>
+      </p:ext>
+    </p:extLst>
+  </p:cSld>
+  <p:clrMapOvr>
+    <a:masterClrMapping/>
+  </p:clrMapOvr>
+  <p:timing>
+    <p:tnLst>
+      <p:par>
+        <p:cTn id="1" dur="indefinite" restart="never" nodeType="tmRoot"/>
+      </p:par>
+    </p:tnLst>
+  </p:timing>
+</p:sld>
+</file>
+
+<file path=ppt/slides/slide8.xml><?xml version="1.0" encoding="utf-8"?>
+<p:sld xmlns:a="http://schemas.openxmlformats.org/drawingml/2006/main" xmlns:r="http://schemas.openxmlformats.org/officeDocument/2006/relationships" xmlns:p="http://schemas.openxmlformats.org/presentationml/2006/main">
+  <p:cSld>
+    <p:spTree>
+      <p:nvGrpSpPr>
+        <p:cNvPr id="1" name=""/>
+        <p:cNvGrpSpPr/>
+        <p:nvPr/>
+      </p:nvGrpSpPr>
+      <p:grpSpPr>
+        <a:xfrm>
+          <a:off x="0" y="0"/>
+          <a:ext cx="0" cy="0"/>
+          <a:chOff x="0" y="0"/>
+          <a:chExt cx="0" cy="0"/>
+        </a:xfrm>
+      </p:grpSpPr>
+      <p:sp>
+        <p:nvSpPr>
+          <p:cNvPr id="2" name="Datumsplatzhalter 1"/>
+          <p:cNvSpPr>
+            <a:spLocks noGrp="1"/>
+          </p:cNvSpPr>
+          <p:nvPr>
+            <p:ph type="dt" sz="half" idx="10"/>
+          </p:nvPr>
+        </p:nvSpPr>
+        <p:spPr/>
+        <p:txBody>
+          <a:bodyPr/>
+          <a:lstStyle/>
+          <a:p>
+            <a:fld id="{5E48492E-72D1-4785-9351-8AE1E40FBA2D}" type="datetime1">
+              <a:rPr lang="de-CH" smtClean="0">
+                <a:solidFill>
+                  <a:srgbClr val="000000"/>
+                </a:solidFill>
+              </a:rPr>
+              <a:t>24.05.2016</a:t>
+            </a:fld>
+            <a:endParaRPr lang="de-CH">
+              <a:solidFill>
+                <a:srgbClr val="000000"/>
+              </a:solidFill>
+            </a:endParaRPr>
+          </a:p>
+        </p:txBody>
+      </p:sp>
+      <p:sp>
+        <p:nvSpPr>
+          <p:cNvPr id="3" name="Fußzeilenplatzhalter 2"/>
+          <p:cNvSpPr>
+            <a:spLocks noGrp="1"/>
+          </p:cNvSpPr>
+          <p:nvPr>
+            <p:ph type="ftr" sz="quarter" idx="11"/>
+          </p:nvPr>
+        </p:nvSpPr>
+        <p:spPr/>
+        <p:txBody>
+          <a:bodyPr/>
+          <a:lstStyle/>
+          <a:p>
+            <a:endParaRPr lang="de-CH" dirty="0">
+              <a:solidFill>
+                <a:srgbClr val="000000"/>
+              </a:solidFill>
+            </a:endParaRPr>
+          </a:p>
+        </p:txBody>
+      </p:sp>
+      <p:sp>
+        <p:nvSpPr>
+          <p:cNvPr id="4" name="Foliennummernplatzhalter 3"/>
+          <p:cNvSpPr>
+            <a:spLocks noGrp="1"/>
+          </p:cNvSpPr>
+          <p:nvPr>
+            <p:ph type="sldNum" sz="quarter" idx="12"/>
+          </p:nvPr>
+        </p:nvSpPr>
+        <p:spPr/>
+        <p:txBody>
+          <a:bodyPr/>
+          <a:lstStyle/>
+          <a:p>
+            <a:fld id="{351188DD-6605-4EF4-9E67-B567F731CE68}" type="slidenum">
+              <a:rPr lang="de-CH" smtClean="0">
+                <a:solidFill>
+                  <a:srgbClr val="000000"/>
+                </a:solidFill>
+              </a:rPr>
+              <a:pPr/>
+              <a:t>8</a:t>
             </a:fld>
             <a:endParaRPr lang="de-CH">
               <a:solidFill>
@@ -4598,7 +6251,7 @@
 </p:sld>
 </file>
 
-<file path=ppt/slides/slide8.xml><?xml version="1.0" encoding="utf-8"?>
+<file path=ppt/slides/slide9.xml><?xml version="1.0" encoding="utf-8"?>
 <p:sld xmlns:a="http://schemas.openxmlformats.org/drawingml/2006/main" xmlns:r="http://schemas.openxmlformats.org/officeDocument/2006/relationships" xmlns:p="http://schemas.openxmlformats.org/presentationml/2006/main">
   <p:cSld>
     <p:spTree>
@@ -4691,7 +6344,7 @@
                 </a:solidFill>
               </a:rPr>
               <a:pPr/>
-              <a:t>8</a:t>
+              <a:t>9</a:t>
             </a:fld>
             <a:endParaRPr lang="de-CH">
               <a:solidFill>
@@ -5898,229 +7551,6 @@
     <p:extLst>
       <p:ext uri="{BB962C8B-B14F-4D97-AF65-F5344CB8AC3E}">
         <p14:creationId xmlns:p14="http://schemas.microsoft.com/office/powerpoint/2010/main" val="3981804624"/>
-      </p:ext>
-    </p:extLst>
-  </p:cSld>
-  <p:clrMapOvr>
-    <a:masterClrMapping/>
-  </p:clrMapOvr>
-  <p:timing>
-    <p:tnLst>
-      <p:par>
-        <p:cTn id="1" dur="indefinite" restart="never" nodeType="tmRoot"/>
-      </p:par>
-    </p:tnLst>
-  </p:timing>
-</p:sld>
-</file>
-
-<file path=ppt/slides/slide9.xml><?xml version="1.0" encoding="utf-8"?>
-<p:sld xmlns:a="http://schemas.openxmlformats.org/drawingml/2006/main" xmlns:r="http://schemas.openxmlformats.org/officeDocument/2006/relationships" xmlns:p="http://schemas.openxmlformats.org/presentationml/2006/main">
-  <p:cSld>
-    <p:spTree>
-      <p:nvGrpSpPr>
-        <p:cNvPr id="1" name=""/>
-        <p:cNvGrpSpPr/>
-        <p:nvPr/>
-      </p:nvGrpSpPr>
-      <p:grpSpPr>
-        <a:xfrm>
-          <a:off x="0" y="0"/>
-          <a:ext cx="0" cy="0"/>
-          <a:chOff x="0" y="0"/>
-          <a:chExt cx="0" cy="0"/>
-        </a:xfrm>
-      </p:grpSpPr>
-      <p:sp>
-        <p:nvSpPr>
-          <p:cNvPr id="2" name="Datumsplatzhalter 1"/>
-          <p:cNvSpPr>
-            <a:spLocks noGrp="1"/>
-          </p:cNvSpPr>
-          <p:nvPr>
-            <p:ph type="dt" sz="half" idx="10"/>
-          </p:nvPr>
-        </p:nvSpPr>
-        <p:spPr/>
-        <p:txBody>
-          <a:bodyPr/>
-          <a:lstStyle/>
-          <a:p>
-            <a:fld id="{5E48492E-72D1-4785-9351-8AE1E40FBA2D}" type="datetime1">
-              <a:rPr lang="de-CH" smtClean="0">
-                <a:solidFill>
-                  <a:srgbClr val="000000"/>
-                </a:solidFill>
-              </a:rPr>
-              <a:t>24.05.2016</a:t>
-            </a:fld>
-            <a:endParaRPr lang="de-CH">
-              <a:solidFill>
-                <a:srgbClr val="000000"/>
-              </a:solidFill>
-            </a:endParaRPr>
-          </a:p>
-        </p:txBody>
-      </p:sp>
-      <p:sp>
-        <p:nvSpPr>
-          <p:cNvPr id="3" name="Fußzeilenplatzhalter 2"/>
-          <p:cNvSpPr>
-            <a:spLocks noGrp="1"/>
-          </p:cNvSpPr>
-          <p:nvPr>
-            <p:ph type="ftr" sz="quarter" idx="11"/>
-          </p:nvPr>
-        </p:nvSpPr>
-        <p:spPr/>
-        <p:txBody>
-          <a:bodyPr/>
-          <a:lstStyle/>
-          <a:p>
-            <a:endParaRPr lang="de-CH" dirty="0">
-              <a:solidFill>
-                <a:srgbClr val="000000"/>
-              </a:solidFill>
-            </a:endParaRPr>
-          </a:p>
-        </p:txBody>
-      </p:sp>
-      <p:sp>
-        <p:nvSpPr>
-          <p:cNvPr id="4" name="Foliennummernplatzhalter 3"/>
-          <p:cNvSpPr>
-            <a:spLocks noGrp="1"/>
-          </p:cNvSpPr>
-          <p:nvPr>
-            <p:ph type="sldNum" sz="quarter" idx="12"/>
-          </p:nvPr>
-        </p:nvSpPr>
-        <p:spPr/>
-        <p:txBody>
-          <a:bodyPr/>
-          <a:lstStyle/>
-          <a:p>
-            <a:fld id="{351188DD-6605-4EF4-9E67-B567F731CE68}" type="slidenum">
-              <a:rPr lang="de-CH" smtClean="0">
-                <a:solidFill>
-                  <a:srgbClr val="000000"/>
-                </a:solidFill>
-              </a:rPr>
-              <a:pPr/>
-              <a:t>9</a:t>
-            </a:fld>
-            <a:endParaRPr lang="de-CH">
-              <a:solidFill>
-                <a:srgbClr val="000000"/>
-              </a:solidFill>
-            </a:endParaRPr>
-          </a:p>
-        </p:txBody>
-      </p:sp>
-      <p:sp>
-        <p:nvSpPr>
-          <p:cNvPr id="5" name="Titel 4"/>
-          <p:cNvSpPr>
-            <a:spLocks noGrp="1"/>
-          </p:cNvSpPr>
-          <p:nvPr>
-            <p:ph type="title"/>
-          </p:nvPr>
-        </p:nvSpPr>
-        <p:spPr/>
-        <p:txBody>
-          <a:bodyPr/>
-          <a:lstStyle/>
-          <a:p>
-            <a:r>
-              <a:rPr lang="de-CH" dirty="0" smtClean="0"/>
-              <a:t>Viele Dank für Ihre Aufmerksamkeit</a:t>
-            </a:r>
-            <a:endParaRPr lang="de-CH" dirty="0"/>
-          </a:p>
-        </p:txBody>
-      </p:sp>
-      <p:sp>
-        <p:nvSpPr>
-          <p:cNvPr id="6" name="Textplatzhalter 5"/>
-          <p:cNvSpPr>
-            <a:spLocks noGrp="1"/>
-          </p:cNvSpPr>
-          <p:nvPr>
-            <p:ph type="body" idx="1"/>
-          </p:nvPr>
-        </p:nvSpPr>
-        <p:spPr>
-          <a:xfrm>
-            <a:off x="738188" y="2484933"/>
-            <a:ext cx="9213850" cy="4464050"/>
-          </a:xfrm>
-        </p:spPr>
-        <p:txBody>
-          <a:bodyPr/>
-          <a:lstStyle/>
-          <a:p>
-            <a:r>
-              <a:rPr lang="de-CH" dirty="0" smtClean="0"/>
-              <a:t>	github.com/</a:t>
-            </a:r>
-            <a:r>
-              <a:rPr lang="de-CH" dirty="0" err="1" smtClean="0"/>
-              <a:t>haisi</a:t>
-            </a:r>
-            <a:r>
-              <a:rPr lang="de-CH" dirty="0" smtClean="0"/>
-              <a:t>/oop2Project</a:t>
-            </a:r>
-            <a:endParaRPr lang="de-CH" dirty="0"/>
-          </a:p>
-        </p:txBody>
-      </p:sp>
-      <p:pic>
-        <p:nvPicPr>
-          <p:cNvPr id="2052" name="Picture 4" descr="https://encrypted-tbn0.gstatic.com/images?q=tbn:ANd9GcTchgxecu0ur-ZNFSTri454aygqKt-BO_xRqEmS4BzidBXJ6i1Ahw"/>
-          <p:cNvPicPr>
-            <a:picLocks noChangeAspect="1" noChangeArrowheads="1"/>
-          </p:cNvPicPr>
-          <p:nvPr/>
-        </p:nvPicPr>
-        <p:blipFill>
-          <a:blip r:embed="rId2">
-            <a:extLst>
-              <a:ext uri="{28A0092B-C50C-407E-A947-70E740481C1C}">
-                <a14:useLocalDpi xmlns:a14="http://schemas.microsoft.com/office/drawing/2010/main" val="0"/>
-              </a:ext>
-            </a:extLst>
-          </a:blip>
-          <a:srcRect/>
-          <a:stretch>
-            <a:fillRect/>
-          </a:stretch>
-        </p:blipFill>
-        <p:spPr bwMode="auto">
-          <a:xfrm>
-            <a:off x="738188" y="2268463"/>
-            <a:ext cx="936104" cy="936104"/>
-          </a:xfrm>
-          <a:prstGeom prst="rect">
-            <a:avLst/>
-          </a:prstGeom>
-          <a:noFill/>
-          <a:extLst>
-            <a:ext uri="{909E8E84-426E-40DD-AFC4-6F175D3DCCD1}">
-              <a14:hiddenFill xmlns:a14="http://schemas.microsoft.com/office/drawing/2010/main">
-                <a:solidFill>
-                  <a:srgbClr val="FFFFFF"/>
-                </a:solidFill>
-              </a14:hiddenFill>
-            </a:ext>
-          </a:extLst>
-        </p:spPr>
-      </p:pic>
-    </p:spTree>
-    <p:extLst>
-      <p:ext uri="{BB962C8B-B14F-4D97-AF65-F5344CB8AC3E}">
-        <p14:creationId xmlns:p14="http://schemas.microsoft.com/office/powerpoint/2010/main" val="3963521645"/>
       </p:ext>
     </p:extLst>
   </p:cSld>
@@ -6387,7 +7817,7 @@
         <a:effectLst/>
         <a:extLst>
           <a:ext uri="{AF507438-7753-43e0-B8FC-AC1667EBCBE1}">
-            <a14:hiddenEffects xmlns:a14="http://schemas.microsoft.com/office/drawing/2010/main" xmlns="">
+            <a14:hiddenEffects xmlns="" xmlns:a14="http://schemas.microsoft.com/office/drawing/2010/main">
               <a:effectLst>
                 <a:outerShdw dist="35921" dir="2700000" algn="ctr" rotWithShape="0">
                   <a:schemeClr val="bg2"/>
@@ -6460,7 +7890,7 @@
         <a:effectLst/>
         <a:extLst>
           <a:ext uri="{AF507438-7753-43e0-B8FC-AC1667EBCBE1}">
-            <a14:hiddenEffects xmlns:a14="http://schemas.microsoft.com/office/drawing/2010/main" xmlns="">
+            <a14:hiddenEffects xmlns="" xmlns:a14="http://schemas.microsoft.com/office/drawing/2010/main">
               <a:effectLst>
                 <a:outerShdw dist="35921" dir="2700000" algn="ctr" rotWithShape="0">
                   <a:schemeClr val="bg2"/>

--- a/presentation.pptx
+++ b/presentation.pptx
@@ -5,10 +5,10 @@
     <p:sldMasterId id="2147483713" r:id="rId1"/>
   </p:sldMasterIdLst>
   <p:notesMasterIdLst>
-    <p:notesMasterId r:id="rId12"/>
+    <p:notesMasterId r:id="rId15"/>
   </p:notesMasterIdLst>
   <p:handoutMasterIdLst>
-    <p:handoutMasterId r:id="rId13"/>
+    <p:handoutMasterId r:id="rId16"/>
   </p:handoutMasterIdLst>
   <p:sldIdLst>
     <p:sldId id="256" r:id="rId2"/>
@@ -16,14 +16,26 @@
     <p:sldId id="261" r:id="rId4"/>
     <p:sldId id="258" r:id="rId5"/>
     <p:sldId id="265" r:id="rId6"/>
-    <p:sldId id="259" r:id="rId7"/>
-    <p:sldId id="260" r:id="rId8"/>
-    <p:sldId id="263" r:id="rId9"/>
-    <p:sldId id="262" r:id="rId10"/>
-    <p:sldId id="264" r:id="rId11"/>
+    <p:sldId id="267" r:id="rId7"/>
+    <p:sldId id="259" r:id="rId8"/>
+    <p:sldId id="268" r:id="rId9"/>
+    <p:sldId id="266" r:id="rId10"/>
+    <p:sldId id="260" r:id="rId11"/>
+    <p:sldId id="263" r:id="rId12"/>
+    <p:sldId id="262" r:id="rId13"/>
+    <p:sldId id="264" r:id="rId14"/>
   </p:sldIdLst>
   <p:sldSz cx="10693400" cy="7561263"/>
   <p:notesSz cx="6858000" cy="9144000"/>
+  <p:embeddedFontLst>
+    <p:embeddedFont>
+      <p:font typeface="Consolas" panose="020B0609020204030204" pitchFamily="49" charset="0"/>
+      <p:regular r:id="rId17"/>
+      <p:bold r:id="rId18"/>
+      <p:italic r:id="rId19"/>
+      <p:boldItalic r:id="rId20"/>
+    </p:embeddedFont>
+  </p:embeddedFontLst>
   <p:defaultTextStyle>
     <a:defPPr>
       <a:defRPr lang="de-CH"/>
@@ -1059,6 +1071,1143 @@
 </p:notesMaster>
 </file>
 
+<file path=ppt/notesSlides/notesSlide1.xml><?xml version="1.0" encoding="utf-8"?>
+<p:notes xmlns:a="http://schemas.openxmlformats.org/drawingml/2006/main" xmlns:r="http://schemas.openxmlformats.org/officeDocument/2006/relationships" xmlns:p="http://schemas.openxmlformats.org/presentationml/2006/main">
+  <p:cSld>
+    <p:spTree>
+      <p:nvGrpSpPr>
+        <p:cNvPr id="1" name=""/>
+        <p:cNvGrpSpPr/>
+        <p:nvPr/>
+      </p:nvGrpSpPr>
+      <p:grpSpPr>
+        <a:xfrm>
+          <a:off x="0" y="0"/>
+          <a:ext cx="0" cy="0"/>
+          <a:chOff x="0" y="0"/>
+          <a:chExt cx="0" cy="0"/>
+        </a:xfrm>
+      </p:grpSpPr>
+      <p:sp>
+        <p:nvSpPr>
+          <p:cNvPr id="2" name="Folienbildplatzhalter 1"/>
+          <p:cNvSpPr>
+            <a:spLocks noGrp="1" noRot="1" noChangeAspect="1"/>
+          </p:cNvSpPr>
+          <p:nvPr>
+            <p:ph type="sldImg"/>
+          </p:nvPr>
+        </p:nvSpPr>
+        <p:spPr/>
+      </p:sp>
+      <p:sp>
+        <p:nvSpPr>
+          <p:cNvPr id="3" name="Notizenplatzhalter 2"/>
+          <p:cNvSpPr>
+            <a:spLocks noGrp="1"/>
+          </p:cNvSpPr>
+          <p:nvPr>
+            <p:ph type="body" idx="1"/>
+          </p:nvPr>
+        </p:nvSpPr>
+        <p:spPr/>
+        <p:txBody>
+          <a:bodyPr/>
+          <a:lstStyle/>
+          <a:p>
+            <a:r>
+              <a:rPr lang="de-CH" dirty="0" smtClean="0"/>
+              <a:t>- Andere Art und Weise</a:t>
+            </a:r>
+            <a:r>
+              <a:rPr lang="de-CH" baseline="0" dirty="0" smtClean="0"/>
+              <a:t> zeigen</a:t>
+            </a:r>
+          </a:p>
+          <a:p>
+            <a:pPr marL="171450" indent="-171450">
+              <a:buFontTx/>
+              <a:buChar char="-"/>
+            </a:pPr>
+            <a:r>
+              <a:rPr lang="de-CH" dirty="0" smtClean="0"/>
+              <a:t>Sehr </a:t>
+            </a:r>
+            <a:r>
+              <a:rPr lang="de-CH" dirty="0" smtClean="0"/>
+              <a:t>mühsam bei grosser</a:t>
+            </a:r>
+            <a:r>
+              <a:rPr lang="de-CH" baseline="0" dirty="0" smtClean="0"/>
+              <a:t> Code-Base und mehreren </a:t>
+            </a:r>
+            <a:r>
+              <a:rPr lang="de-CH" baseline="0" dirty="0" smtClean="0"/>
+              <a:t>Entwicklern</a:t>
+            </a:r>
+          </a:p>
+          <a:p>
+            <a:pPr marL="171450" indent="-171450">
+              <a:buFontTx/>
+              <a:buChar char="-"/>
+            </a:pPr>
+            <a:r>
+              <a:rPr lang="de-CH" baseline="0" dirty="0" smtClean="0"/>
+              <a:t>Habe selber an einem grösserem </a:t>
+            </a:r>
+            <a:r>
+              <a:rPr lang="de-CH" baseline="0" dirty="0" err="1" smtClean="0"/>
+              <a:t>JavaFX</a:t>
+            </a:r>
+            <a:r>
+              <a:rPr lang="de-CH" baseline="0" dirty="0" smtClean="0"/>
+              <a:t>-Projekt gearbeitet</a:t>
+            </a:r>
+            <a:endParaRPr lang="de-CH" dirty="0"/>
+          </a:p>
+        </p:txBody>
+      </p:sp>
+      <p:sp>
+        <p:nvSpPr>
+          <p:cNvPr id="4" name="Foliennummernplatzhalter 3"/>
+          <p:cNvSpPr>
+            <a:spLocks noGrp="1"/>
+          </p:cNvSpPr>
+          <p:nvPr>
+            <p:ph type="sldNum" sz="quarter" idx="10"/>
+          </p:nvPr>
+        </p:nvSpPr>
+        <p:spPr/>
+        <p:txBody>
+          <a:bodyPr/>
+          <a:lstStyle/>
+          <a:p>
+            <a:fld id="{058061DB-DF71-4765-99A4-14E22DF63CCF}" type="slidenum">
+              <a:rPr lang="de-CH" smtClean="0"/>
+              <a:pPr/>
+              <a:t>1</a:t>
+            </a:fld>
+            <a:endParaRPr lang="de-CH"/>
+          </a:p>
+        </p:txBody>
+      </p:sp>
+    </p:spTree>
+    <p:extLst>
+      <p:ext uri="{BB962C8B-B14F-4D97-AF65-F5344CB8AC3E}">
+        <p14:creationId xmlns:p14="http://schemas.microsoft.com/office/powerpoint/2010/main" val="2175607041"/>
+      </p:ext>
+    </p:extLst>
+  </p:cSld>
+  <p:clrMapOvr>
+    <a:masterClrMapping/>
+  </p:clrMapOvr>
+</p:notes>
+</file>
+
+<file path=ppt/notesSlides/notesSlide2.xml><?xml version="1.0" encoding="utf-8"?>
+<p:notes xmlns:a="http://schemas.openxmlformats.org/drawingml/2006/main" xmlns:r="http://schemas.openxmlformats.org/officeDocument/2006/relationships" xmlns:p="http://schemas.openxmlformats.org/presentationml/2006/main">
+  <p:cSld>
+    <p:spTree>
+      <p:nvGrpSpPr>
+        <p:cNvPr id="1" name=""/>
+        <p:cNvGrpSpPr/>
+        <p:nvPr/>
+      </p:nvGrpSpPr>
+      <p:grpSpPr>
+        <a:xfrm>
+          <a:off x="0" y="0"/>
+          <a:ext cx="0" cy="0"/>
+          <a:chOff x="0" y="0"/>
+          <a:chExt cx="0" cy="0"/>
+        </a:xfrm>
+      </p:grpSpPr>
+      <p:sp>
+        <p:nvSpPr>
+          <p:cNvPr id="2" name="Folienbildplatzhalter 1"/>
+          <p:cNvSpPr>
+            <a:spLocks noGrp="1" noRot="1" noChangeAspect="1"/>
+          </p:cNvSpPr>
+          <p:nvPr>
+            <p:ph type="sldImg"/>
+          </p:nvPr>
+        </p:nvSpPr>
+        <p:spPr/>
+      </p:sp>
+      <p:sp>
+        <p:nvSpPr>
+          <p:cNvPr id="3" name="Notizenplatzhalter 2"/>
+          <p:cNvSpPr>
+            <a:spLocks noGrp="1"/>
+          </p:cNvSpPr>
+          <p:nvPr>
+            <p:ph type="body" idx="1"/>
+          </p:nvPr>
+        </p:nvSpPr>
+        <p:spPr/>
+        <p:txBody>
+          <a:bodyPr/>
+          <a:lstStyle/>
+          <a:p>
+            <a:pPr marL="171450" indent="-171450">
+              <a:buFontTx/>
+              <a:buChar char="-"/>
+            </a:pPr>
+            <a:r>
+              <a:rPr lang="de-CH" dirty="0" smtClean="0"/>
+              <a:t>4 Komponenten</a:t>
+            </a:r>
+          </a:p>
+          <a:p>
+            <a:pPr marL="171450" indent="-171450">
+              <a:buFontTx/>
+              <a:buChar char="-"/>
+            </a:pPr>
+            <a:r>
+              <a:rPr lang="de-CH" dirty="0" smtClean="0"/>
+              <a:t>Alle</a:t>
+            </a:r>
+            <a:r>
+              <a:rPr lang="de-CH" baseline="0" dirty="0" smtClean="0"/>
+              <a:t> haben eigene View und </a:t>
+            </a:r>
+            <a:r>
+              <a:rPr lang="de-CH" baseline="0" dirty="0" err="1" smtClean="0"/>
+              <a:t>Presenter</a:t>
+            </a:r>
+            <a:endParaRPr lang="de-CH" baseline="0" dirty="0" smtClean="0"/>
+          </a:p>
+          <a:p>
+            <a:pPr marL="171450" indent="-171450">
+              <a:buFontTx/>
+              <a:buChar char="-"/>
+            </a:pPr>
+            <a:r>
+              <a:rPr lang="de-CH" baseline="0" dirty="0" smtClean="0"/>
+              <a:t>Kommunikation über </a:t>
+            </a:r>
+            <a:r>
+              <a:rPr lang="de-CH" baseline="0" dirty="0" err="1" smtClean="0"/>
+              <a:t>DashBoard</a:t>
+            </a:r>
+            <a:endParaRPr lang="de-CH" baseline="0" dirty="0" smtClean="0"/>
+          </a:p>
+          <a:p>
+            <a:pPr marL="171450" indent="-171450">
+              <a:buFontTx/>
+              <a:buChar char="-"/>
+            </a:pPr>
+            <a:r>
+              <a:rPr lang="de-CH" baseline="0" dirty="0" smtClean="0"/>
+              <a:t>Dashboard hat </a:t>
+            </a:r>
+            <a:r>
+              <a:rPr lang="de-CH" baseline="0" dirty="0" err="1" smtClean="0"/>
+              <a:t>Borderbane</a:t>
+            </a:r>
+            <a:endParaRPr lang="de-CH" baseline="0" dirty="0" smtClean="0"/>
+          </a:p>
+          <a:p>
+            <a:pPr marL="628650" lvl="1" indent="-171450">
+              <a:buFontTx/>
+              <a:buChar char="-"/>
+            </a:pPr>
+            <a:r>
+              <a:rPr lang="de-CH" baseline="0" dirty="0" smtClean="0"/>
+              <a:t>Top: Toolbar</a:t>
+            </a:r>
+          </a:p>
+          <a:p>
+            <a:pPr marL="628650" lvl="1" indent="-171450">
+              <a:buFontTx/>
+              <a:buChar char="-"/>
+            </a:pPr>
+            <a:r>
+              <a:rPr lang="de-CH" baseline="0" dirty="0" smtClean="0"/>
+              <a:t>Center: </a:t>
+            </a:r>
+            <a:r>
+              <a:rPr lang="de-CH" baseline="0" dirty="0" err="1" smtClean="0"/>
+              <a:t>Splitpane</a:t>
+            </a:r>
+            <a:r>
+              <a:rPr lang="de-CH" baseline="0" dirty="0" smtClean="0"/>
+              <a:t> mit Table und Editor</a:t>
+            </a:r>
+          </a:p>
+          <a:p>
+            <a:pPr marL="171450" lvl="0" indent="-171450">
+              <a:buFontTx/>
+              <a:buChar char="-"/>
+            </a:pPr>
+            <a:r>
+              <a:rPr lang="de-CH" baseline="0" dirty="0" smtClean="0"/>
+              <a:t>Aufgeteilt weil: </a:t>
+            </a:r>
+            <a:r>
+              <a:rPr lang="de-CH" baseline="0" dirty="0" err="1" smtClean="0"/>
+              <a:t>Seperation</a:t>
+            </a:r>
+            <a:r>
+              <a:rPr lang="de-CH" baseline="0" dirty="0" smtClean="0"/>
+              <a:t> </a:t>
+            </a:r>
+            <a:r>
+              <a:rPr lang="de-CH" baseline="0" dirty="0" err="1" smtClean="0"/>
+              <a:t>of</a:t>
+            </a:r>
+            <a:r>
+              <a:rPr lang="de-CH" baseline="0" dirty="0" smtClean="0"/>
+              <a:t> </a:t>
+            </a:r>
+            <a:r>
+              <a:rPr lang="de-CH" baseline="0" dirty="0" err="1" smtClean="0"/>
+              <a:t>concerns</a:t>
+            </a:r>
+            <a:r>
+              <a:rPr lang="de-CH" baseline="0" dirty="0" smtClean="0"/>
+              <a:t>; einfacher zu testen; wiederverwendbar</a:t>
+            </a:r>
+          </a:p>
+        </p:txBody>
+      </p:sp>
+      <p:sp>
+        <p:nvSpPr>
+          <p:cNvPr id="4" name="Foliennummernplatzhalter 3"/>
+          <p:cNvSpPr>
+            <a:spLocks noGrp="1"/>
+          </p:cNvSpPr>
+          <p:nvPr>
+            <p:ph type="sldNum" sz="quarter" idx="10"/>
+          </p:nvPr>
+        </p:nvSpPr>
+        <p:spPr/>
+        <p:txBody>
+          <a:bodyPr/>
+          <a:lstStyle/>
+          <a:p>
+            <a:fld id="{058061DB-DF71-4765-99A4-14E22DF63CCF}" type="slidenum">
+              <a:rPr lang="de-CH" smtClean="0"/>
+              <a:pPr/>
+              <a:t>3</a:t>
+            </a:fld>
+            <a:endParaRPr lang="de-CH"/>
+          </a:p>
+        </p:txBody>
+      </p:sp>
+    </p:spTree>
+    <p:extLst>
+      <p:ext uri="{BB962C8B-B14F-4D97-AF65-F5344CB8AC3E}">
+        <p14:creationId xmlns:p14="http://schemas.microsoft.com/office/powerpoint/2010/main" val="3757250134"/>
+      </p:ext>
+    </p:extLst>
+  </p:cSld>
+  <p:clrMapOvr>
+    <a:masterClrMapping/>
+  </p:clrMapOvr>
+</p:notes>
+</file>
+
+<file path=ppt/notesSlides/notesSlide3.xml><?xml version="1.0" encoding="utf-8"?>
+<p:notes xmlns:a="http://schemas.openxmlformats.org/drawingml/2006/main" xmlns:r="http://schemas.openxmlformats.org/officeDocument/2006/relationships" xmlns:p="http://schemas.openxmlformats.org/presentationml/2006/main">
+  <p:cSld>
+    <p:spTree>
+      <p:nvGrpSpPr>
+        <p:cNvPr id="1" name=""/>
+        <p:cNvGrpSpPr/>
+        <p:nvPr/>
+      </p:nvGrpSpPr>
+      <p:grpSpPr>
+        <a:xfrm>
+          <a:off x="0" y="0"/>
+          <a:ext cx="0" cy="0"/>
+          <a:chOff x="0" y="0"/>
+          <a:chExt cx="0" cy="0"/>
+        </a:xfrm>
+      </p:grpSpPr>
+      <p:sp>
+        <p:nvSpPr>
+          <p:cNvPr id="2" name="Folienbildplatzhalter 1"/>
+          <p:cNvSpPr>
+            <a:spLocks noGrp="1" noRot="1" noChangeAspect="1"/>
+          </p:cNvSpPr>
+          <p:nvPr>
+            <p:ph type="sldImg"/>
+          </p:nvPr>
+        </p:nvSpPr>
+        <p:spPr/>
+      </p:sp>
+      <p:sp>
+        <p:nvSpPr>
+          <p:cNvPr id="3" name="Notizenplatzhalter 2"/>
+          <p:cNvSpPr>
+            <a:spLocks noGrp="1"/>
+          </p:cNvSpPr>
+          <p:nvPr>
+            <p:ph type="body" idx="1"/>
+          </p:nvPr>
+        </p:nvSpPr>
+        <p:spPr/>
+        <p:txBody>
+          <a:bodyPr/>
+          <a:lstStyle/>
+          <a:p>
+            <a:pPr marL="171450" indent="-171450">
+              <a:buFontTx/>
+              <a:buChar char="-"/>
+            </a:pPr>
+            <a:r>
+              <a:rPr lang="de-CH" baseline="0" dirty="0" smtClean="0"/>
+              <a:t>Anders </a:t>
+            </a:r>
+            <a:r>
+              <a:rPr lang="de-CH" baseline="0" dirty="0" smtClean="0"/>
+              <a:t>als in Vorlesung habe ich View nicht mit Java </a:t>
+            </a:r>
+            <a:r>
+              <a:rPr lang="de-CH" baseline="0" dirty="0" smtClean="0"/>
+              <a:t>programmiert</a:t>
+            </a:r>
+          </a:p>
+          <a:p>
+            <a:pPr marL="171450" marR="0" indent="-171450" algn="l" defTabSz="914400" rtl="0" eaLnBrk="1" fontAlgn="base" latinLnBrk="0" hangingPunct="1">
+              <a:lnSpc>
+                <a:spcPct val="100000"/>
+              </a:lnSpc>
+              <a:spcBef>
+                <a:spcPct val="30000"/>
+              </a:spcBef>
+              <a:spcAft>
+                <a:spcPct val="0"/>
+              </a:spcAft>
+              <a:buClrTx/>
+              <a:buSzTx/>
+              <a:buFontTx/>
+              <a:buChar char="-"/>
+              <a:tabLst/>
+              <a:defRPr/>
+            </a:pPr>
+            <a:r>
+              <a:rPr lang="de-CH" baseline="0" dirty="0" smtClean="0"/>
+              <a:t>Offizieller Teil von </a:t>
+            </a:r>
+            <a:r>
+              <a:rPr lang="de-CH" baseline="0" dirty="0" err="1" smtClean="0"/>
+              <a:t>JavaFX</a:t>
+            </a:r>
+            <a:endParaRPr lang="de-CH" baseline="0" dirty="0" smtClean="0"/>
+          </a:p>
+          <a:p>
+            <a:pPr marL="171450" indent="-171450">
+              <a:buFontTx/>
+              <a:buChar char="-"/>
+            </a:pPr>
+            <a:r>
+              <a:rPr lang="de-CH" baseline="0" dirty="0" smtClean="0"/>
+              <a:t>Äquivalent zu XAML</a:t>
+            </a:r>
+          </a:p>
+          <a:p>
+            <a:pPr marL="171450" indent="-171450">
+              <a:buFontTx/>
+              <a:buChar char="-"/>
+            </a:pPr>
+            <a:r>
+              <a:rPr lang="de-CH" baseline="0" dirty="0" smtClean="0"/>
+              <a:t>View deklarative mit XML beschrieben anstatt selber programmiert</a:t>
+            </a:r>
+          </a:p>
+        </p:txBody>
+      </p:sp>
+      <p:sp>
+        <p:nvSpPr>
+          <p:cNvPr id="4" name="Foliennummernplatzhalter 3"/>
+          <p:cNvSpPr>
+            <a:spLocks noGrp="1"/>
+          </p:cNvSpPr>
+          <p:nvPr>
+            <p:ph type="sldNum" sz="quarter" idx="10"/>
+          </p:nvPr>
+        </p:nvSpPr>
+        <p:spPr/>
+        <p:txBody>
+          <a:bodyPr/>
+          <a:lstStyle/>
+          <a:p>
+            <a:fld id="{058061DB-DF71-4765-99A4-14E22DF63CCF}" type="slidenum">
+              <a:rPr lang="de-CH" smtClean="0"/>
+              <a:pPr/>
+              <a:t>4</a:t>
+            </a:fld>
+            <a:endParaRPr lang="de-CH"/>
+          </a:p>
+        </p:txBody>
+      </p:sp>
+    </p:spTree>
+    <p:extLst>
+      <p:ext uri="{BB962C8B-B14F-4D97-AF65-F5344CB8AC3E}">
+        <p14:creationId xmlns:p14="http://schemas.microsoft.com/office/powerpoint/2010/main" val="1706272103"/>
+      </p:ext>
+    </p:extLst>
+  </p:cSld>
+  <p:clrMapOvr>
+    <a:masterClrMapping/>
+  </p:clrMapOvr>
+</p:notes>
+</file>
+
+<file path=ppt/notesSlides/notesSlide4.xml><?xml version="1.0" encoding="utf-8"?>
+<p:notes xmlns:a="http://schemas.openxmlformats.org/drawingml/2006/main" xmlns:r="http://schemas.openxmlformats.org/officeDocument/2006/relationships" xmlns:p="http://schemas.openxmlformats.org/presentationml/2006/main">
+  <p:cSld>
+    <p:spTree>
+      <p:nvGrpSpPr>
+        <p:cNvPr id="1" name=""/>
+        <p:cNvGrpSpPr/>
+        <p:nvPr/>
+      </p:nvGrpSpPr>
+      <p:grpSpPr>
+        <a:xfrm>
+          <a:off x="0" y="0"/>
+          <a:ext cx="0" cy="0"/>
+          <a:chOff x="0" y="0"/>
+          <a:chExt cx="0" cy="0"/>
+        </a:xfrm>
+      </p:grpSpPr>
+      <p:sp>
+        <p:nvSpPr>
+          <p:cNvPr id="2" name="Folienbildplatzhalter 1"/>
+          <p:cNvSpPr>
+            <a:spLocks noGrp="1" noRot="1" noChangeAspect="1"/>
+          </p:cNvSpPr>
+          <p:nvPr>
+            <p:ph type="sldImg"/>
+          </p:nvPr>
+        </p:nvSpPr>
+        <p:spPr/>
+      </p:sp>
+      <p:sp>
+        <p:nvSpPr>
+          <p:cNvPr id="3" name="Notizenplatzhalter 2"/>
+          <p:cNvSpPr>
+            <a:spLocks noGrp="1"/>
+          </p:cNvSpPr>
+          <p:nvPr>
+            <p:ph type="body" idx="1"/>
+          </p:nvPr>
+        </p:nvSpPr>
+        <p:spPr/>
+        <p:txBody>
+          <a:bodyPr/>
+          <a:lstStyle/>
+          <a:p>
+            <a:pPr marL="171450" indent="-171450">
+              <a:buFontTx/>
+              <a:buChar char="-"/>
+            </a:pPr>
+            <a:r>
+              <a:rPr lang="de-CH" baseline="0" dirty="0" smtClean="0"/>
+              <a:t>Scene </a:t>
+            </a:r>
+            <a:r>
+              <a:rPr lang="de-CH" baseline="0" dirty="0" err="1" smtClean="0"/>
+              <a:t>Builder</a:t>
+            </a:r>
+            <a:r>
+              <a:rPr lang="de-CH" baseline="0" dirty="0" smtClean="0"/>
+              <a:t> für einfach FXML-generation</a:t>
+            </a:r>
+          </a:p>
+          <a:p>
+            <a:pPr marL="171450" indent="-171450">
+              <a:buFontTx/>
+              <a:buChar char="-"/>
+            </a:pPr>
+            <a:r>
+              <a:rPr lang="de-CH" baseline="0" dirty="0" err="1" smtClean="0"/>
+              <a:t>Resizing</a:t>
+            </a:r>
+            <a:r>
+              <a:rPr lang="de-CH" baseline="0" dirty="0" smtClean="0"/>
+              <a:t>, verhalten und </a:t>
+            </a:r>
+            <a:r>
+              <a:rPr lang="de-CH" baseline="0" dirty="0" err="1" smtClean="0"/>
+              <a:t>styling</a:t>
+            </a:r>
+            <a:r>
+              <a:rPr lang="de-CH" baseline="0" dirty="0" smtClean="0"/>
+              <a:t> ohne zu </a:t>
+            </a:r>
+            <a:r>
+              <a:rPr lang="de-CH" baseline="0" dirty="0" err="1" smtClean="0"/>
+              <a:t>kompilierung</a:t>
+            </a:r>
+            <a:endParaRPr lang="de-CH" baseline="0" dirty="0" smtClean="0"/>
+          </a:p>
+          <a:p>
+            <a:endParaRPr lang="de-CH" dirty="0"/>
+          </a:p>
+        </p:txBody>
+      </p:sp>
+      <p:sp>
+        <p:nvSpPr>
+          <p:cNvPr id="4" name="Foliennummernplatzhalter 3"/>
+          <p:cNvSpPr>
+            <a:spLocks noGrp="1"/>
+          </p:cNvSpPr>
+          <p:nvPr>
+            <p:ph type="sldNum" sz="quarter" idx="10"/>
+          </p:nvPr>
+        </p:nvSpPr>
+        <p:spPr/>
+        <p:txBody>
+          <a:bodyPr/>
+          <a:lstStyle/>
+          <a:p>
+            <a:fld id="{058061DB-DF71-4765-99A4-14E22DF63CCF}" type="slidenum">
+              <a:rPr lang="de-CH" smtClean="0"/>
+              <a:pPr/>
+              <a:t>5</a:t>
+            </a:fld>
+            <a:endParaRPr lang="de-CH"/>
+          </a:p>
+        </p:txBody>
+      </p:sp>
+    </p:spTree>
+    <p:extLst>
+      <p:ext uri="{BB962C8B-B14F-4D97-AF65-F5344CB8AC3E}">
+        <p14:creationId xmlns:p14="http://schemas.microsoft.com/office/powerpoint/2010/main" val="1207562340"/>
+      </p:ext>
+    </p:extLst>
+  </p:cSld>
+  <p:clrMapOvr>
+    <a:masterClrMapping/>
+  </p:clrMapOvr>
+</p:notes>
+</file>
+
+<file path=ppt/notesSlides/notesSlide5.xml><?xml version="1.0" encoding="utf-8"?>
+<p:notes xmlns:a="http://schemas.openxmlformats.org/drawingml/2006/main" xmlns:r="http://schemas.openxmlformats.org/officeDocument/2006/relationships" xmlns:p="http://schemas.openxmlformats.org/presentationml/2006/main">
+  <p:cSld>
+    <p:spTree>
+      <p:nvGrpSpPr>
+        <p:cNvPr id="1" name=""/>
+        <p:cNvGrpSpPr/>
+        <p:nvPr/>
+      </p:nvGrpSpPr>
+      <p:grpSpPr>
+        <a:xfrm>
+          <a:off x="0" y="0"/>
+          <a:ext cx="0" cy="0"/>
+          <a:chOff x="0" y="0"/>
+          <a:chExt cx="0" cy="0"/>
+        </a:xfrm>
+      </p:grpSpPr>
+      <p:sp>
+        <p:nvSpPr>
+          <p:cNvPr id="2" name="Folienbildplatzhalter 1"/>
+          <p:cNvSpPr>
+            <a:spLocks noGrp="1" noRot="1" noChangeAspect="1"/>
+          </p:cNvSpPr>
+          <p:nvPr>
+            <p:ph type="sldImg"/>
+          </p:nvPr>
+        </p:nvSpPr>
+        <p:spPr/>
+      </p:sp>
+      <p:sp>
+        <p:nvSpPr>
+          <p:cNvPr id="3" name="Notizenplatzhalter 2"/>
+          <p:cNvSpPr>
+            <a:spLocks noGrp="1"/>
+          </p:cNvSpPr>
+          <p:nvPr>
+            <p:ph type="body" idx="1"/>
+          </p:nvPr>
+        </p:nvSpPr>
+        <p:spPr/>
+        <p:txBody>
+          <a:bodyPr/>
+          <a:lstStyle/>
+          <a:p>
+            <a:pPr marL="171450" indent="-171450">
+              <a:buFontTx/>
+              <a:buChar char="-"/>
+            </a:pPr>
+            <a:r>
+              <a:rPr lang="de-CH" baseline="0" dirty="0" smtClean="0"/>
+              <a:t>Damit ich auch eigene Instance injizieren kann</a:t>
+            </a:r>
+          </a:p>
+          <a:p>
+            <a:pPr marL="628650" lvl="1" indent="-171450">
+              <a:buFontTx/>
+              <a:buChar char="-"/>
+            </a:pPr>
+            <a:r>
+              <a:rPr lang="de-CH" baseline="0" dirty="0" smtClean="0"/>
+              <a:t>Z.B. </a:t>
+            </a:r>
+            <a:r>
+              <a:rPr lang="de-CH" baseline="0" dirty="0" err="1" smtClean="0"/>
+              <a:t>stage</a:t>
+            </a:r>
+            <a:endParaRPr lang="de-CH" baseline="0" dirty="0" smtClean="0"/>
+          </a:p>
+        </p:txBody>
+      </p:sp>
+      <p:sp>
+        <p:nvSpPr>
+          <p:cNvPr id="4" name="Foliennummernplatzhalter 3"/>
+          <p:cNvSpPr>
+            <a:spLocks noGrp="1"/>
+          </p:cNvSpPr>
+          <p:nvPr>
+            <p:ph type="sldNum" sz="quarter" idx="10"/>
+          </p:nvPr>
+        </p:nvSpPr>
+        <p:spPr/>
+        <p:txBody>
+          <a:bodyPr/>
+          <a:lstStyle/>
+          <a:p>
+            <a:fld id="{058061DB-DF71-4765-99A4-14E22DF63CCF}" type="slidenum">
+              <a:rPr lang="de-CH" smtClean="0"/>
+              <a:pPr/>
+              <a:t>9</a:t>
+            </a:fld>
+            <a:endParaRPr lang="de-CH"/>
+          </a:p>
+        </p:txBody>
+      </p:sp>
+    </p:spTree>
+    <p:extLst>
+      <p:ext uri="{BB962C8B-B14F-4D97-AF65-F5344CB8AC3E}">
+        <p14:creationId xmlns:p14="http://schemas.microsoft.com/office/powerpoint/2010/main" val="3133906547"/>
+      </p:ext>
+    </p:extLst>
+  </p:cSld>
+  <p:clrMapOvr>
+    <a:masterClrMapping/>
+  </p:clrMapOvr>
+</p:notes>
+</file>
+
+<file path=ppt/notesSlides/notesSlide6.xml><?xml version="1.0" encoding="utf-8"?>
+<p:notes xmlns:a="http://schemas.openxmlformats.org/drawingml/2006/main" xmlns:r="http://schemas.openxmlformats.org/officeDocument/2006/relationships" xmlns:p="http://schemas.openxmlformats.org/presentationml/2006/main">
+  <p:cSld>
+    <p:spTree>
+      <p:nvGrpSpPr>
+        <p:cNvPr id="1" name=""/>
+        <p:cNvGrpSpPr/>
+        <p:nvPr/>
+      </p:nvGrpSpPr>
+      <p:grpSpPr>
+        <a:xfrm>
+          <a:off x="0" y="0"/>
+          <a:ext cx="0" cy="0"/>
+          <a:chOff x="0" y="0"/>
+          <a:chExt cx="0" cy="0"/>
+        </a:xfrm>
+      </p:grpSpPr>
+      <p:sp>
+        <p:nvSpPr>
+          <p:cNvPr id="2" name="Folienbildplatzhalter 1"/>
+          <p:cNvSpPr>
+            <a:spLocks noGrp="1" noRot="1" noChangeAspect="1"/>
+          </p:cNvSpPr>
+          <p:nvPr>
+            <p:ph type="sldImg"/>
+          </p:nvPr>
+        </p:nvSpPr>
+        <p:spPr/>
+      </p:sp>
+      <p:sp>
+        <p:nvSpPr>
+          <p:cNvPr id="3" name="Notizenplatzhalter 2"/>
+          <p:cNvSpPr>
+            <a:spLocks noGrp="1"/>
+          </p:cNvSpPr>
+          <p:nvPr>
+            <p:ph type="body" idx="1"/>
+          </p:nvPr>
+        </p:nvSpPr>
+        <p:spPr/>
+        <p:txBody>
+          <a:bodyPr/>
+          <a:lstStyle/>
+          <a:p>
+            <a:r>
+              <a:rPr lang="de-CH" dirty="0" smtClean="0"/>
+              <a:t>- </a:t>
+            </a:r>
+            <a:r>
+              <a:rPr lang="de-CH" dirty="0" err="1" smtClean="0"/>
+              <a:t>Build</a:t>
+            </a:r>
+            <a:r>
+              <a:rPr lang="de-CH" dirty="0" smtClean="0"/>
+              <a:t>-Tool</a:t>
+            </a:r>
+          </a:p>
+          <a:p>
+            <a:r>
+              <a:rPr lang="de-CH" dirty="0" smtClean="0"/>
+              <a:t>-</a:t>
+            </a:r>
+            <a:r>
+              <a:rPr lang="de-CH" baseline="0" dirty="0" smtClean="0"/>
+              <a:t> Läuft auf allen IDEs und man muss nicht IDE-</a:t>
+            </a:r>
+            <a:r>
+              <a:rPr lang="de-CH" baseline="0" dirty="0" err="1" smtClean="0"/>
+              <a:t>Config</a:t>
+            </a:r>
+            <a:r>
+              <a:rPr lang="de-CH" baseline="0" dirty="0" smtClean="0"/>
+              <a:t>-Files ins </a:t>
+            </a:r>
+            <a:r>
+              <a:rPr lang="de-CH" baseline="0" dirty="0" err="1" smtClean="0"/>
+              <a:t>Repo</a:t>
+            </a:r>
+            <a:r>
+              <a:rPr lang="de-CH" baseline="0" dirty="0" smtClean="0"/>
+              <a:t> </a:t>
+            </a:r>
+            <a:r>
+              <a:rPr lang="de-CH" baseline="0" dirty="0" err="1" smtClean="0"/>
+              <a:t>commiten</a:t>
+            </a:r>
+            <a:endParaRPr lang="de-CH" baseline="0" dirty="0" smtClean="0"/>
+          </a:p>
+          <a:p>
+            <a:r>
+              <a:rPr lang="de-CH" baseline="0" dirty="0" smtClean="0"/>
+              <a:t>- </a:t>
+            </a:r>
+            <a:r>
+              <a:rPr lang="de-CH" dirty="0" smtClean="0"/>
+              <a:t>Über</a:t>
+            </a:r>
+            <a:r>
+              <a:rPr lang="de-CH" baseline="0" dirty="0" smtClean="0"/>
+              <a:t> Konvention vorgegeben wo </a:t>
+            </a:r>
+            <a:r>
+              <a:rPr lang="de-CH" baseline="0" dirty="0" err="1" smtClean="0"/>
+              <a:t>source</a:t>
+            </a:r>
+            <a:r>
+              <a:rPr lang="de-CH" baseline="0" dirty="0" smtClean="0"/>
+              <a:t>, </a:t>
+            </a:r>
+            <a:r>
+              <a:rPr lang="de-CH" baseline="0" dirty="0" err="1" smtClean="0"/>
+              <a:t>test</a:t>
+            </a:r>
+            <a:r>
+              <a:rPr lang="de-CH" baseline="0" dirty="0" smtClean="0"/>
+              <a:t> und </a:t>
+            </a:r>
+            <a:r>
+              <a:rPr lang="de-CH" baseline="0" dirty="0" err="1" smtClean="0"/>
+              <a:t>resources</a:t>
+            </a:r>
+            <a:r>
+              <a:rPr lang="de-CH" baseline="0" dirty="0" smtClean="0"/>
+              <a:t> Ordner ist</a:t>
+            </a:r>
+            <a:endParaRPr lang="de-CH" dirty="0"/>
+          </a:p>
+        </p:txBody>
+      </p:sp>
+      <p:sp>
+        <p:nvSpPr>
+          <p:cNvPr id="4" name="Foliennummernplatzhalter 3"/>
+          <p:cNvSpPr>
+            <a:spLocks noGrp="1"/>
+          </p:cNvSpPr>
+          <p:nvPr>
+            <p:ph type="sldNum" sz="quarter" idx="10"/>
+          </p:nvPr>
+        </p:nvSpPr>
+        <p:spPr/>
+        <p:txBody>
+          <a:bodyPr/>
+          <a:lstStyle/>
+          <a:p>
+            <a:fld id="{058061DB-DF71-4765-99A4-14E22DF63CCF}" type="slidenum">
+              <a:rPr lang="de-CH" smtClean="0"/>
+              <a:pPr/>
+              <a:t>10</a:t>
+            </a:fld>
+            <a:endParaRPr lang="de-CH"/>
+          </a:p>
+        </p:txBody>
+      </p:sp>
+    </p:spTree>
+    <p:extLst>
+      <p:ext uri="{BB962C8B-B14F-4D97-AF65-F5344CB8AC3E}">
+        <p14:creationId xmlns:p14="http://schemas.microsoft.com/office/powerpoint/2010/main" val="2479164671"/>
+      </p:ext>
+    </p:extLst>
+  </p:cSld>
+  <p:clrMapOvr>
+    <a:masterClrMapping/>
+  </p:clrMapOvr>
+</p:notes>
+</file>
+
+<file path=ppt/notesSlides/notesSlide7.xml><?xml version="1.0" encoding="utf-8"?>
+<p:notes xmlns:a="http://schemas.openxmlformats.org/drawingml/2006/main" xmlns:r="http://schemas.openxmlformats.org/officeDocument/2006/relationships" xmlns:p="http://schemas.openxmlformats.org/presentationml/2006/main">
+  <p:cSld>
+    <p:spTree>
+      <p:nvGrpSpPr>
+        <p:cNvPr id="1" name=""/>
+        <p:cNvGrpSpPr/>
+        <p:nvPr/>
+      </p:nvGrpSpPr>
+      <p:grpSpPr>
+        <a:xfrm>
+          <a:off x="0" y="0"/>
+          <a:ext cx="0" cy="0"/>
+          <a:chOff x="0" y="0"/>
+          <a:chExt cx="0" cy="0"/>
+        </a:xfrm>
+      </p:grpSpPr>
+      <p:sp>
+        <p:nvSpPr>
+          <p:cNvPr id="2" name="Folienbildplatzhalter 1"/>
+          <p:cNvSpPr>
+            <a:spLocks noGrp="1" noRot="1" noChangeAspect="1"/>
+          </p:cNvSpPr>
+          <p:nvPr>
+            <p:ph type="sldImg"/>
+          </p:nvPr>
+        </p:nvSpPr>
+        <p:spPr/>
+      </p:sp>
+      <p:sp>
+        <p:nvSpPr>
+          <p:cNvPr id="3" name="Notizenplatzhalter 2"/>
+          <p:cNvSpPr>
+            <a:spLocks noGrp="1"/>
+          </p:cNvSpPr>
+          <p:nvPr>
+            <p:ph type="body" idx="1"/>
+          </p:nvPr>
+        </p:nvSpPr>
+        <p:spPr/>
+        <p:txBody>
+          <a:bodyPr/>
+          <a:lstStyle/>
+          <a:p>
+            <a:r>
+              <a:rPr lang="de-CH" dirty="0" smtClean="0"/>
+              <a:t>- Tasks wie </a:t>
+            </a:r>
+            <a:r>
+              <a:rPr lang="de-CH" dirty="0" err="1" smtClean="0"/>
+              <a:t>shrinker</a:t>
+            </a:r>
+            <a:r>
+              <a:rPr lang="de-CH" dirty="0" smtClean="0"/>
+              <a:t>, </a:t>
+            </a:r>
+            <a:r>
+              <a:rPr lang="de-CH" dirty="0" err="1" smtClean="0"/>
+              <a:t>optimizer</a:t>
+            </a:r>
+            <a:r>
+              <a:rPr lang="de-CH" dirty="0" smtClean="0"/>
+              <a:t>, </a:t>
+            </a:r>
+            <a:r>
+              <a:rPr lang="de-CH" dirty="0" err="1" smtClean="0"/>
+              <a:t>obfuscator</a:t>
+            </a:r>
+            <a:endParaRPr lang="de-CH" dirty="0"/>
+          </a:p>
+        </p:txBody>
+      </p:sp>
+      <p:sp>
+        <p:nvSpPr>
+          <p:cNvPr id="4" name="Foliennummernplatzhalter 3"/>
+          <p:cNvSpPr>
+            <a:spLocks noGrp="1"/>
+          </p:cNvSpPr>
+          <p:nvPr>
+            <p:ph type="sldNum" sz="quarter" idx="10"/>
+          </p:nvPr>
+        </p:nvSpPr>
+        <p:spPr/>
+        <p:txBody>
+          <a:bodyPr/>
+          <a:lstStyle/>
+          <a:p>
+            <a:fld id="{058061DB-DF71-4765-99A4-14E22DF63CCF}" type="slidenum">
+              <a:rPr lang="de-CH" smtClean="0"/>
+              <a:pPr/>
+              <a:t>11</a:t>
+            </a:fld>
+            <a:endParaRPr lang="de-CH"/>
+          </a:p>
+        </p:txBody>
+      </p:sp>
+    </p:spTree>
+    <p:extLst>
+      <p:ext uri="{BB962C8B-B14F-4D97-AF65-F5344CB8AC3E}">
+        <p14:creationId xmlns:p14="http://schemas.microsoft.com/office/powerpoint/2010/main" val="3508227877"/>
+      </p:ext>
+    </p:extLst>
+  </p:cSld>
+  <p:clrMapOvr>
+    <a:masterClrMapping/>
+  </p:clrMapOvr>
+</p:notes>
+</file>
+
+<file path=ppt/notesSlides/notesSlide8.xml><?xml version="1.0" encoding="utf-8"?>
+<p:notes xmlns:a="http://schemas.openxmlformats.org/drawingml/2006/main" xmlns:r="http://schemas.openxmlformats.org/officeDocument/2006/relationships" xmlns:p="http://schemas.openxmlformats.org/presentationml/2006/main">
+  <p:cSld>
+    <p:spTree>
+      <p:nvGrpSpPr>
+        <p:cNvPr id="1" name=""/>
+        <p:cNvGrpSpPr/>
+        <p:nvPr/>
+      </p:nvGrpSpPr>
+      <p:grpSpPr>
+        <a:xfrm>
+          <a:off x="0" y="0"/>
+          <a:ext cx="0" cy="0"/>
+          <a:chOff x="0" y="0"/>
+          <a:chExt cx="0" cy="0"/>
+        </a:xfrm>
+      </p:grpSpPr>
+      <p:sp>
+        <p:nvSpPr>
+          <p:cNvPr id="2" name="Folienbildplatzhalter 1"/>
+          <p:cNvSpPr>
+            <a:spLocks noGrp="1" noRot="1" noChangeAspect="1"/>
+          </p:cNvSpPr>
+          <p:nvPr>
+            <p:ph type="sldImg"/>
+          </p:nvPr>
+        </p:nvSpPr>
+        <p:spPr/>
+      </p:sp>
+      <p:sp>
+        <p:nvSpPr>
+          <p:cNvPr id="3" name="Notizenplatzhalter 2"/>
+          <p:cNvSpPr>
+            <a:spLocks noGrp="1"/>
+          </p:cNvSpPr>
+          <p:nvPr>
+            <p:ph type="body" idx="1"/>
+          </p:nvPr>
+        </p:nvSpPr>
+        <p:spPr/>
+        <p:txBody>
+          <a:bodyPr/>
+          <a:lstStyle/>
+          <a:p>
+            <a:pPr marL="171450" indent="-171450">
+              <a:buFontTx/>
+              <a:buChar char="-"/>
+            </a:pPr>
+            <a:r>
+              <a:rPr lang="de-CH" dirty="0" err="1" smtClean="0"/>
+              <a:t>Libs</a:t>
+            </a:r>
+            <a:r>
+              <a:rPr lang="de-CH" dirty="0" smtClean="0"/>
+              <a:t> müssen nicht in </a:t>
+            </a:r>
+            <a:r>
+              <a:rPr lang="de-CH" dirty="0" err="1" smtClean="0"/>
+              <a:t>Repo</a:t>
+            </a:r>
+            <a:r>
+              <a:rPr lang="de-CH" dirty="0" smtClean="0"/>
+              <a:t> </a:t>
+            </a:r>
+            <a:r>
+              <a:rPr lang="de-CH" dirty="0" err="1" smtClean="0"/>
+              <a:t>commited</a:t>
+            </a:r>
+            <a:r>
+              <a:rPr lang="de-CH" dirty="0" smtClean="0"/>
+              <a:t> werden</a:t>
+            </a:r>
+          </a:p>
+          <a:p>
+            <a:pPr marL="171450" indent="-171450">
+              <a:buFontTx/>
+              <a:buChar char="-"/>
+            </a:pPr>
+            <a:r>
+              <a:rPr lang="de-CH" dirty="0" smtClean="0"/>
+              <a:t>Manche </a:t>
+            </a:r>
+            <a:r>
+              <a:rPr lang="de-CH" dirty="0" err="1" smtClean="0"/>
+              <a:t>Dependecies</a:t>
+            </a:r>
+            <a:r>
+              <a:rPr lang="de-CH" baseline="0" dirty="0" smtClean="0"/>
+              <a:t> nur dann, wenn nötig</a:t>
+            </a:r>
+          </a:p>
+          <a:p>
+            <a:pPr marL="171450" indent="-171450">
+              <a:buFontTx/>
+              <a:buChar char="-"/>
+            </a:pPr>
+            <a:r>
+              <a:rPr lang="de-CH" baseline="0" dirty="0" smtClean="0"/>
+              <a:t>Versionsänderungen einfacher verfolgbar</a:t>
+            </a:r>
+            <a:endParaRPr lang="de-CH" dirty="0"/>
+          </a:p>
+        </p:txBody>
+      </p:sp>
+      <p:sp>
+        <p:nvSpPr>
+          <p:cNvPr id="4" name="Foliennummernplatzhalter 3"/>
+          <p:cNvSpPr>
+            <a:spLocks noGrp="1"/>
+          </p:cNvSpPr>
+          <p:nvPr>
+            <p:ph type="sldNum" sz="quarter" idx="10"/>
+          </p:nvPr>
+        </p:nvSpPr>
+        <p:spPr/>
+        <p:txBody>
+          <a:bodyPr/>
+          <a:lstStyle/>
+          <a:p>
+            <a:fld id="{058061DB-DF71-4765-99A4-14E22DF63CCF}" type="slidenum">
+              <a:rPr lang="de-CH" smtClean="0"/>
+              <a:pPr/>
+              <a:t>12</a:t>
+            </a:fld>
+            <a:endParaRPr lang="de-CH"/>
+          </a:p>
+        </p:txBody>
+      </p:sp>
+    </p:spTree>
+    <p:extLst>
+      <p:ext uri="{BB962C8B-B14F-4D97-AF65-F5344CB8AC3E}">
+        <p14:creationId xmlns:p14="http://schemas.microsoft.com/office/powerpoint/2010/main" val="6644493"/>
+      </p:ext>
+    </p:extLst>
+  </p:cSld>
+  <p:clrMapOvr>
+    <a:masterClrMapping/>
+  </p:clrMapOvr>
+</p:notes>
+</file>
+
 <file path=ppt/slideLayouts/slideLayout1.xml><?xml version="1.0" encoding="utf-8"?>
 <p:sldLayout xmlns:a="http://schemas.openxmlformats.org/drawingml/2006/main" xmlns:r="http://schemas.openxmlformats.org/officeDocument/2006/relationships" xmlns:p="http://schemas.openxmlformats.org/presentationml/2006/main" showMasterSp="0" preserve="1" userDrawn="1">
   <p:cSld name="Titelfolie">
@@ -1382,7 +2531,7 @@
                   <a:srgbClr val="000000"/>
                 </a:solidFill>
               </a:rPr>
-              <a:t>24.05.2016</a:t>
+              <a:t>29.05.2016</a:t>
             </a:fld>
             <a:endParaRPr lang="de-CH">
               <a:solidFill>
@@ -1592,7 +2741,7 @@
                   <a:srgbClr val="000000"/>
                 </a:solidFill>
               </a:rPr>
-              <a:t>24.05.2016</a:t>
+              <a:t>29.05.2016</a:t>
             </a:fld>
             <a:endParaRPr lang="de-CH">
               <a:solidFill>
@@ -1800,7 +2949,7 @@
                   <a:srgbClr val="000000"/>
                 </a:solidFill>
               </a:rPr>
-              <a:t>24.05.2016</a:t>
+              <a:t>29.05.2016</a:t>
             </a:fld>
             <a:endParaRPr lang="de-CH">
               <a:solidFill>
@@ -2008,7 +3157,7 @@
                   <a:srgbClr val="000000"/>
                 </a:solidFill>
               </a:rPr>
-              <a:t>24.05.2016</a:t>
+              <a:t>29.05.2016</a:t>
             </a:fld>
             <a:endParaRPr lang="de-CH">
               <a:solidFill>
@@ -2464,7 +3613,7 @@
                   <a:srgbClr val="000000"/>
                 </a:solidFill>
               </a:rPr>
-              <a:t>24.05.2016</a:t>
+              <a:t>29.05.2016</a:t>
             </a:fld>
             <a:endParaRPr lang="de-CH">
               <a:solidFill>
@@ -3224,7 +4373,7 @@
           <a:bodyPr/>
           <a:lstStyle/>
           <a:p>
-            <a:endParaRPr lang="de-CH"/>
+            <a:endParaRPr lang="de-CH" dirty="0"/>
           </a:p>
         </p:txBody>
       </p:sp>
@@ -3243,7 +4392,7 @@
           <a:bodyPr/>
           <a:lstStyle/>
           <a:p>
-            <a:endParaRPr lang="de-CH"/>
+            <a:endParaRPr lang="de-CH" dirty="0"/>
           </a:p>
         </p:txBody>
       </p:sp>
@@ -3257,6 +4406,13 @@
   <p:clrMapOvr>
     <a:masterClrMapping/>
   </p:clrMapOvr>
+  <p:timing>
+    <p:tnLst>
+      <p:par>
+        <p:cTn id="1" dur="indefinite" restart="never" nodeType="tmRoot"/>
+      </p:par>
+    </p:tnLst>
+  </p:timing>
 </p:sld>
 </file>
 
@@ -3298,7 +4454,7 @@
                   <a:srgbClr val="000000"/>
                 </a:solidFill>
               </a:rPr>
-              <a:t>24.05.2016</a:t>
+              <a:t>29.05.2016</a:t>
             </a:fld>
             <a:endParaRPr lang="de-CH">
               <a:solidFill>
@@ -3354,6 +4510,1833 @@
               </a:rPr>
               <a:pPr/>
               <a:t>10</a:t>
+            </a:fld>
+            <a:endParaRPr lang="de-CH">
+              <a:solidFill>
+                <a:srgbClr val="000000"/>
+              </a:solidFill>
+            </a:endParaRPr>
+          </a:p>
+        </p:txBody>
+      </p:sp>
+      <p:sp>
+        <p:nvSpPr>
+          <p:cNvPr id="5" name="Titel 4"/>
+          <p:cNvSpPr>
+            <a:spLocks noGrp="1"/>
+          </p:cNvSpPr>
+          <p:nvPr>
+            <p:ph type="title"/>
+          </p:nvPr>
+        </p:nvSpPr>
+        <p:spPr/>
+        <p:txBody>
+          <a:bodyPr/>
+          <a:lstStyle/>
+          <a:p>
+            <a:r>
+              <a:rPr lang="de-CH" dirty="0" err="1" smtClean="0"/>
+              <a:t>Build</a:t>
+            </a:r>
+            <a:r>
+              <a:rPr lang="de-CH" dirty="0" smtClean="0"/>
+              <a:t>-Prozess</a:t>
+            </a:r>
+            <a:endParaRPr lang="de-CH" dirty="0"/>
+          </a:p>
+        </p:txBody>
+      </p:sp>
+      <p:sp>
+        <p:nvSpPr>
+          <p:cNvPr id="6" name="Textplatzhalter 5"/>
+          <p:cNvSpPr>
+            <a:spLocks noGrp="1"/>
+          </p:cNvSpPr>
+          <p:nvPr>
+            <p:ph type="body" idx="1"/>
+          </p:nvPr>
+        </p:nvSpPr>
+        <p:spPr>
+          <a:xfrm>
+            <a:off x="738188" y="2197100"/>
+            <a:ext cx="4248472" cy="4464050"/>
+          </a:xfrm>
+        </p:spPr>
+        <p:txBody>
+          <a:bodyPr/>
+          <a:lstStyle/>
+          <a:p>
+            <a:pPr marL="342900" indent="-342900">
+              <a:buFont typeface="Arial" panose="020B0604020202020204" pitchFamily="34" charset="0"/>
+              <a:buChar char="•"/>
+            </a:pPr>
+            <a:r>
+              <a:rPr lang="de-CH" dirty="0" err="1" smtClean="0"/>
+              <a:t>Maven</a:t>
+            </a:r>
+            <a:r>
+              <a:rPr lang="de-CH" dirty="0" smtClean="0"/>
+              <a:t> oder </a:t>
+            </a:r>
+            <a:r>
+              <a:rPr lang="de-CH" dirty="0" err="1" smtClean="0"/>
+              <a:t>Gradle</a:t>
+            </a:r>
+            <a:endParaRPr lang="de-CH" dirty="0" smtClean="0"/>
+          </a:p>
+          <a:p>
+            <a:pPr marL="342900" indent="-342900">
+              <a:buFont typeface="Arial" panose="020B0604020202020204" pitchFamily="34" charset="0"/>
+              <a:buChar char="•"/>
+            </a:pPr>
+            <a:r>
+              <a:rPr lang="de-CH" dirty="0"/>
+              <a:t>IDE </a:t>
+            </a:r>
+            <a:r>
+              <a:rPr lang="de-CH" dirty="0" smtClean="0"/>
+              <a:t>agnostisch</a:t>
+            </a:r>
+          </a:p>
+          <a:p>
+            <a:pPr marL="342900" indent="-342900">
+              <a:buFont typeface="Arial" panose="020B0604020202020204" pitchFamily="34" charset="0"/>
+              <a:buChar char="•"/>
+            </a:pPr>
+            <a:r>
+              <a:rPr lang="de-CH" dirty="0" smtClean="0"/>
+              <a:t>Standard Projekt-Struktur</a:t>
+            </a:r>
+          </a:p>
+          <a:p>
+            <a:pPr marL="342900" indent="-342900">
+              <a:buFont typeface="Arial" panose="020B0604020202020204" pitchFamily="34" charset="0"/>
+              <a:buChar char="•"/>
+            </a:pPr>
+            <a:r>
+              <a:rPr lang="de-CH" dirty="0" smtClean="0"/>
+              <a:t>Automatisierung</a:t>
+            </a:r>
+          </a:p>
+          <a:p>
+            <a:pPr marL="342900" indent="-342900">
+              <a:buFont typeface="Arial" panose="020B0604020202020204" pitchFamily="34" charset="0"/>
+              <a:buChar char="•"/>
+            </a:pPr>
+            <a:r>
+              <a:rPr lang="de-CH" dirty="0" err="1" smtClean="0"/>
+              <a:t>Dependency</a:t>
+            </a:r>
+            <a:r>
+              <a:rPr lang="de-CH" dirty="0" smtClean="0"/>
+              <a:t> </a:t>
+            </a:r>
+            <a:r>
+              <a:rPr lang="de-CH" dirty="0" err="1"/>
+              <a:t>resolution</a:t>
+            </a:r>
+            <a:endParaRPr lang="de-CH" dirty="0" smtClean="0"/>
+          </a:p>
+          <a:p>
+            <a:pPr marL="342900" indent="-342900">
+              <a:buFont typeface="Arial" panose="020B0604020202020204" pitchFamily="34" charset="0"/>
+              <a:buChar char="•"/>
+            </a:pPr>
+            <a:endParaRPr lang="de-CH" dirty="0"/>
+          </a:p>
+        </p:txBody>
+      </p:sp>
+    </p:spTree>
+    <p:extLst>
+      <p:ext uri="{BB962C8B-B14F-4D97-AF65-F5344CB8AC3E}">
+        <p14:creationId xmlns:p14="http://schemas.microsoft.com/office/powerpoint/2010/main" val="1882951707"/>
+      </p:ext>
+    </p:extLst>
+  </p:cSld>
+  <p:clrMapOvr>
+    <a:masterClrMapping/>
+  </p:clrMapOvr>
+  <p:timing>
+    <p:tnLst>
+      <p:par>
+        <p:cTn id="1" dur="indefinite" restart="never" nodeType="tmRoot"/>
+      </p:par>
+    </p:tnLst>
+  </p:timing>
+</p:sld>
+</file>
+
+<file path=ppt/slides/slide11.xml><?xml version="1.0" encoding="utf-8"?>
+<p:sld xmlns:a="http://schemas.openxmlformats.org/drawingml/2006/main" xmlns:r="http://schemas.openxmlformats.org/officeDocument/2006/relationships" xmlns:p="http://schemas.openxmlformats.org/presentationml/2006/main">
+  <p:cSld>
+    <p:spTree>
+      <p:nvGrpSpPr>
+        <p:cNvPr id="1" name=""/>
+        <p:cNvGrpSpPr/>
+        <p:nvPr/>
+      </p:nvGrpSpPr>
+      <p:grpSpPr>
+        <a:xfrm>
+          <a:off x="0" y="0"/>
+          <a:ext cx="0" cy="0"/>
+          <a:chOff x="0" y="0"/>
+          <a:chExt cx="0" cy="0"/>
+        </a:xfrm>
+      </p:grpSpPr>
+      <p:sp>
+        <p:nvSpPr>
+          <p:cNvPr id="2" name="Datumsplatzhalter 1"/>
+          <p:cNvSpPr>
+            <a:spLocks noGrp="1"/>
+          </p:cNvSpPr>
+          <p:nvPr>
+            <p:ph type="dt" sz="half" idx="10"/>
+          </p:nvPr>
+        </p:nvSpPr>
+        <p:spPr/>
+        <p:txBody>
+          <a:bodyPr/>
+          <a:lstStyle/>
+          <a:p>
+            <a:fld id="{5E48492E-72D1-4785-9351-8AE1E40FBA2D}" type="datetime1">
+              <a:rPr lang="de-CH" smtClean="0">
+                <a:solidFill>
+                  <a:srgbClr val="000000"/>
+                </a:solidFill>
+              </a:rPr>
+              <a:t>29.05.2016</a:t>
+            </a:fld>
+            <a:endParaRPr lang="de-CH">
+              <a:solidFill>
+                <a:srgbClr val="000000"/>
+              </a:solidFill>
+            </a:endParaRPr>
+          </a:p>
+        </p:txBody>
+      </p:sp>
+      <p:sp>
+        <p:nvSpPr>
+          <p:cNvPr id="3" name="Fußzeilenplatzhalter 2"/>
+          <p:cNvSpPr>
+            <a:spLocks noGrp="1"/>
+          </p:cNvSpPr>
+          <p:nvPr>
+            <p:ph type="ftr" sz="quarter" idx="11"/>
+          </p:nvPr>
+        </p:nvSpPr>
+        <p:spPr/>
+        <p:txBody>
+          <a:bodyPr/>
+          <a:lstStyle/>
+          <a:p>
+            <a:endParaRPr lang="de-CH" dirty="0">
+              <a:solidFill>
+                <a:srgbClr val="000000"/>
+              </a:solidFill>
+            </a:endParaRPr>
+          </a:p>
+        </p:txBody>
+      </p:sp>
+      <p:sp>
+        <p:nvSpPr>
+          <p:cNvPr id="4" name="Foliennummernplatzhalter 3"/>
+          <p:cNvSpPr>
+            <a:spLocks noGrp="1"/>
+          </p:cNvSpPr>
+          <p:nvPr>
+            <p:ph type="sldNum" sz="quarter" idx="12"/>
+          </p:nvPr>
+        </p:nvSpPr>
+        <p:spPr/>
+        <p:txBody>
+          <a:bodyPr/>
+          <a:lstStyle/>
+          <a:p>
+            <a:fld id="{351188DD-6605-4EF4-9E67-B567F731CE68}" type="slidenum">
+              <a:rPr lang="de-CH" smtClean="0">
+                <a:solidFill>
+                  <a:srgbClr val="000000"/>
+                </a:solidFill>
+              </a:rPr>
+              <a:pPr/>
+              <a:t>11</a:t>
+            </a:fld>
+            <a:endParaRPr lang="de-CH">
+              <a:solidFill>
+                <a:srgbClr val="000000"/>
+              </a:solidFill>
+            </a:endParaRPr>
+          </a:p>
+        </p:txBody>
+      </p:sp>
+      <p:sp>
+        <p:nvSpPr>
+          <p:cNvPr id="5" name="Titel 4"/>
+          <p:cNvSpPr>
+            <a:spLocks noGrp="1"/>
+          </p:cNvSpPr>
+          <p:nvPr>
+            <p:ph type="title"/>
+          </p:nvPr>
+        </p:nvSpPr>
+        <p:spPr/>
+        <p:txBody>
+          <a:bodyPr/>
+          <a:lstStyle/>
+          <a:p>
+            <a:r>
+              <a:rPr lang="de-CH" dirty="0" err="1" smtClean="0"/>
+              <a:t>Build</a:t>
+            </a:r>
+            <a:r>
+              <a:rPr lang="de-CH" dirty="0" smtClean="0"/>
+              <a:t>-Prozess</a:t>
+            </a:r>
+            <a:endParaRPr lang="de-CH" dirty="0"/>
+          </a:p>
+        </p:txBody>
+      </p:sp>
+      <p:sp>
+        <p:nvSpPr>
+          <p:cNvPr id="6" name="Textplatzhalter 5"/>
+          <p:cNvSpPr>
+            <a:spLocks noGrp="1"/>
+          </p:cNvSpPr>
+          <p:nvPr>
+            <p:ph type="body" idx="1"/>
+          </p:nvPr>
+        </p:nvSpPr>
+        <p:spPr>
+          <a:xfrm>
+            <a:off x="738188" y="2197100"/>
+            <a:ext cx="4248472" cy="4464050"/>
+          </a:xfrm>
+        </p:spPr>
+        <p:txBody>
+          <a:bodyPr/>
+          <a:lstStyle/>
+          <a:p>
+            <a:pPr marL="342900" indent="-342900">
+              <a:buFont typeface="Arial" panose="020B0604020202020204" pitchFamily="34" charset="0"/>
+              <a:buChar char="•"/>
+            </a:pPr>
+            <a:r>
+              <a:rPr lang="de-CH" dirty="0" err="1" smtClean="0"/>
+              <a:t>Maven</a:t>
+            </a:r>
+            <a:r>
+              <a:rPr lang="de-CH" dirty="0" smtClean="0"/>
+              <a:t> oder </a:t>
+            </a:r>
+            <a:r>
+              <a:rPr lang="de-CH" dirty="0" err="1" smtClean="0"/>
+              <a:t>Gradle</a:t>
+            </a:r>
+            <a:endParaRPr lang="de-CH" dirty="0" smtClean="0"/>
+          </a:p>
+          <a:p>
+            <a:pPr marL="342900" indent="-342900">
+              <a:buFont typeface="Arial" panose="020B0604020202020204" pitchFamily="34" charset="0"/>
+              <a:buChar char="•"/>
+            </a:pPr>
+            <a:r>
+              <a:rPr lang="de-CH" dirty="0"/>
+              <a:t>IDE </a:t>
+            </a:r>
+            <a:r>
+              <a:rPr lang="de-CH" dirty="0" smtClean="0"/>
+              <a:t>agnostisch</a:t>
+            </a:r>
+          </a:p>
+          <a:p>
+            <a:pPr marL="342900" indent="-342900">
+              <a:buFont typeface="Arial" panose="020B0604020202020204" pitchFamily="34" charset="0"/>
+              <a:buChar char="•"/>
+            </a:pPr>
+            <a:r>
+              <a:rPr lang="de-CH" dirty="0"/>
+              <a:t>Standard Projekt-Struktur</a:t>
+            </a:r>
+          </a:p>
+          <a:p>
+            <a:pPr marL="342900" indent="-342900">
+              <a:buFont typeface="Arial" panose="020B0604020202020204" pitchFamily="34" charset="0"/>
+              <a:buChar char="•"/>
+            </a:pPr>
+            <a:r>
+              <a:rPr lang="de-CH" dirty="0" smtClean="0"/>
+              <a:t>Automatisierung</a:t>
+            </a:r>
+          </a:p>
+          <a:p>
+            <a:pPr marL="342900" indent="-342900">
+              <a:buFont typeface="Arial" panose="020B0604020202020204" pitchFamily="34" charset="0"/>
+              <a:buChar char="•"/>
+            </a:pPr>
+            <a:r>
+              <a:rPr lang="de-CH" dirty="0" err="1" smtClean="0"/>
+              <a:t>Dependency</a:t>
+            </a:r>
+            <a:r>
+              <a:rPr lang="de-CH" dirty="0" smtClean="0"/>
+              <a:t> </a:t>
+            </a:r>
+            <a:r>
+              <a:rPr lang="de-CH" dirty="0" err="1"/>
+              <a:t>resolution</a:t>
+            </a:r>
+            <a:endParaRPr lang="de-CH" dirty="0" smtClean="0"/>
+          </a:p>
+          <a:p>
+            <a:pPr marL="342900" indent="-342900">
+              <a:buFont typeface="Arial" panose="020B0604020202020204" pitchFamily="34" charset="0"/>
+              <a:buChar char="•"/>
+            </a:pPr>
+            <a:endParaRPr lang="de-CH" dirty="0"/>
+          </a:p>
+        </p:txBody>
+      </p:sp>
+      <p:pic>
+        <p:nvPicPr>
+          <p:cNvPr id="7" name="Grafik 6"/>
+          <p:cNvPicPr>
+            <a:picLocks noChangeAspect="1"/>
+          </p:cNvPicPr>
+          <p:nvPr/>
+        </p:nvPicPr>
+        <p:blipFill rotWithShape="1">
+          <a:blip r:embed="rId3"/>
+          <a:srcRect r="39676"/>
+          <a:stretch/>
+        </p:blipFill>
+        <p:spPr>
+          <a:xfrm>
+            <a:off x="5922764" y="756494"/>
+            <a:ext cx="3678802" cy="5904656"/>
+          </a:xfrm>
+          <a:prstGeom prst="rect">
+            <a:avLst/>
+          </a:prstGeom>
+        </p:spPr>
+      </p:pic>
+    </p:spTree>
+    <p:extLst>
+      <p:ext uri="{BB962C8B-B14F-4D97-AF65-F5344CB8AC3E}">
+        <p14:creationId xmlns:p14="http://schemas.microsoft.com/office/powerpoint/2010/main" val="367889095"/>
+      </p:ext>
+    </p:extLst>
+  </p:cSld>
+  <p:clrMapOvr>
+    <a:masterClrMapping/>
+  </p:clrMapOvr>
+  <p:timing>
+    <p:tnLst>
+      <p:par>
+        <p:cTn id="1" dur="indefinite" restart="never" nodeType="tmRoot"/>
+      </p:par>
+    </p:tnLst>
+  </p:timing>
+</p:sld>
+</file>
+
+<file path=ppt/slides/slide12.xml><?xml version="1.0" encoding="utf-8"?>
+<p:sld xmlns:a="http://schemas.openxmlformats.org/drawingml/2006/main" xmlns:r="http://schemas.openxmlformats.org/officeDocument/2006/relationships" xmlns:p="http://schemas.openxmlformats.org/presentationml/2006/main">
+  <p:cSld>
+    <p:spTree>
+      <p:nvGrpSpPr>
+        <p:cNvPr id="1" name=""/>
+        <p:cNvGrpSpPr/>
+        <p:nvPr/>
+      </p:nvGrpSpPr>
+      <p:grpSpPr>
+        <a:xfrm>
+          <a:off x="0" y="0"/>
+          <a:ext cx="0" cy="0"/>
+          <a:chOff x="0" y="0"/>
+          <a:chExt cx="0" cy="0"/>
+        </a:xfrm>
+      </p:grpSpPr>
+      <p:sp>
+        <p:nvSpPr>
+          <p:cNvPr id="2" name="Datumsplatzhalter 1"/>
+          <p:cNvSpPr>
+            <a:spLocks noGrp="1"/>
+          </p:cNvSpPr>
+          <p:nvPr>
+            <p:ph type="dt" sz="half" idx="10"/>
+          </p:nvPr>
+        </p:nvSpPr>
+        <p:spPr/>
+        <p:txBody>
+          <a:bodyPr/>
+          <a:lstStyle/>
+          <a:p>
+            <a:fld id="{5E48492E-72D1-4785-9351-8AE1E40FBA2D}" type="datetime1">
+              <a:rPr lang="de-CH" smtClean="0">
+                <a:solidFill>
+                  <a:srgbClr val="000000"/>
+                </a:solidFill>
+              </a:rPr>
+              <a:t>29.05.2016</a:t>
+            </a:fld>
+            <a:endParaRPr lang="de-CH">
+              <a:solidFill>
+                <a:srgbClr val="000000"/>
+              </a:solidFill>
+            </a:endParaRPr>
+          </a:p>
+        </p:txBody>
+      </p:sp>
+      <p:sp>
+        <p:nvSpPr>
+          <p:cNvPr id="3" name="Fußzeilenplatzhalter 2"/>
+          <p:cNvSpPr>
+            <a:spLocks noGrp="1"/>
+          </p:cNvSpPr>
+          <p:nvPr>
+            <p:ph type="ftr" sz="quarter" idx="11"/>
+          </p:nvPr>
+        </p:nvSpPr>
+        <p:spPr/>
+        <p:txBody>
+          <a:bodyPr/>
+          <a:lstStyle/>
+          <a:p>
+            <a:endParaRPr lang="de-CH" dirty="0">
+              <a:solidFill>
+                <a:srgbClr val="000000"/>
+              </a:solidFill>
+            </a:endParaRPr>
+          </a:p>
+        </p:txBody>
+      </p:sp>
+      <p:sp>
+        <p:nvSpPr>
+          <p:cNvPr id="4" name="Foliennummernplatzhalter 3"/>
+          <p:cNvSpPr>
+            <a:spLocks noGrp="1"/>
+          </p:cNvSpPr>
+          <p:nvPr>
+            <p:ph type="sldNum" sz="quarter" idx="12"/>
+          </p:nvPr>
+        </p:nvSpPr>
+        <p:spPr/>
+        <p:txBody>
+          <a:bodyPr/>
+          <a:lstStyle/>
+          <a:p>
+            <a:fld id="{351188DD-6605-4EF4-9E67-B567F731CE68}" type="slidenum">
+              <a:rPr lang="de-CH" smtClean="0">
+                <a:solidFill>
+                  <a:srgbClr val="000000"/>
+                </a:solidFill>
+              </a:rPr>
+              <a:pPr/>
+              <a:t>12</a:t>
+            </a:fld>
+            <a:endParaRPr lang="de-CH">
+              <a:solidFill>
+                <a:srgbClr val="000000"/>
+              </a:solidFill>
+            </a:endParaRPr>
+          </a:p>
+        </p:txBody>
+      </p:sp>
+      <p:sp>
+        <p:nvSpPr>
+          <p:cNvPr id="5" name="Titel 4"/>
+          <p:cNvSpPr>
+            <a:spLocks noGrp="1"/>
+          </p:cNvSpPr>
+          <p:nvPr>
+            <p:ph type="title"/>
+          </p:nvPr>
+        </p:nvSpPr>
+        <p:spPr/>
+        <p:txBody>
+          <a:bodyPr/>
+          <a:lstStyle/>
+          <a:p>
+            <a:r>
+              <a:rPr lang="de-CH" dirty="0" err="1" smtClean="0"/>
+              <a:t>Build</a:t>
+            </a:r>
+            <a:r>
+              <a:rPr lang="de-CH" dirty="0" smtClean="0"/>
+              <a:t>-Prozess</a:t>
+            </a:r>
+            <a:endParaRPr lang="de-CH" dirty="0"/>
+          </a:p>
+        </p:txBody>
+      </p:sp>
+      <p:sp>
+        <p:nvSpPr>
+          <p:cNvPr id="6" name="Textplatzhalter 5"/>
+          <p:cNvSpPr>
+            <a:spLocks noGrp="1"/>
+          </p:cNvSpPr>
+          <p:nvPr>
+            <p:ph type="body" idx="1"/>
+          </p:nvPr>
+        </p:nvSpPr>
+        <p:spPr>
+          <a:xfrm>
+            <a:off x="738188" y="2197100"/>
+            <a:ext cx="4248472" cy="4464050"/>
+          </a:xfrm>
+        </p:spPr>
+        <p:txBody>
+          <a:bodyPr/>
+          <a:lstStyle/>
+          <a:p>
+            <a:pPr marL="342900" indent="-342900">
+              <a:buFont typeface="Arial" panose="020B0604020202020204" pitchFamily="34" charset="0"/>
+              <a:buChar char="•"/>
+            </a:pPr>
+            <a:r>
+              <a:rPr lang="de-CH" dirty="0" err="1" smtClean="0"/>
+              <a:t>Maven</a:t>
+            </a:r>
+            <a:r>
+              <a:rPr lang="de-CH" dirty="0" smtClean="0"/>
+              <a:t> oder </a:t>
+            </a:r>
+            <a:r>
+              <a:rPr lang="de-CH" dirty="0" err="1" smtClean="0"/>
+              <a:t>Gradle</a:t>
+            </a:r>
+            <a:endParaRPr lang="de-CH" dirty="0" smtClean="0"/>
+          </a:p>
+          <a:p>
+            <a:pPr marL="342900" indent="-342900">
+              <a:buFont typeface="Arial" panose="020B0604020202020204" pitchFamily="34" charset="0"/>
+              <a:buChar char="•"/>
+            </a:pPr>
+            <a:r>
+              <a:rPr lang="de-CH" dirty="0"/>
+              <a:t>IDE </a:t>
+            </a:r>
+            <a:r>
+              <a:rPr lang="de-CH" dirty="0" smtClean="0"/>
+              <a:t>agnostisch</a:t>
+            </a:r>
+          </a:p>
+          <a:p>
+            <a:pPr marL="342900" indent="-342900">
+              <a:buFont typeface="Arial" panose="020B0604020202020204" pitchFamily="34" charset="0"/>
+              <a:buChar char="•"/>
+            </a:pPr>
+            <a:r>
+              <a:rPr lang="de-CH" dirty="0"/>
+              <a:t>Standard Projekt-Struktur</a:t>
+            </a:r>
+          </a:p>
+          <a:p>
+            <a:pPr marL="342900" indent="-342900">
+              <a:buFont typeface="Arial" panose="020B0604020202020204" pitchFamily="34" charset="0"/>
+              <a:buChar char="•"/>
+            </a:pPr>
+            <a:r>
+              <a:rPr lang="de-CH" dirty="0" smtClean="0"/>
+              <a:t>Automatisierung</a:t>
+            </a:r>
+          </a:p>
+          <a:p>
+            <a:pPr marL="342900" indent="-342900">
+              <a:buFont typeface="Arial" panose="020B0604020202020204" pitchFamily="34" charset="0"/>
+              <a:buChar char="•"/>
+            </a:pPr>
+            <a:r>
+              <a:rPr lang="de-CH" dirty="0" err="1" smtClean="0"/>
+              <a:t>Dependency</a:t>
+            </a:r>
+            <a:r>
+              <a:rPr lang="de-CH" dirty="0" smtClean="0"/>
+              <a:t> </a:t>
+            </a:r>
+            <a:r>
+              <a:rPr lang="de-CH" dirty="0" err="1"/>
+              <a:t>resolution</a:t>
+            </a:r>
+            <a:endParaRPr lang="de-CH" dirty="0" smtClean="0"/>
+          </a:p>
+          <a:p>
+            <a:pPr marL="342900" indent="-342900">
+              <a:buFont typeface="Arial" panose="020B0604020202020204" pitchFamily="34" charset="0"/>
+              <a:buChar char="•"/>
+            </a:pPr>
+            <a:endParaRPr lang="de-CH" dirty="0"/>
+          </a:p>
+        </p:txBody>
+      </p:sp>
+      <p:sp>
+        <p:nvSpPr>
+          <p:cNvPr id="13" name="Rectangle 5"/>
+          <p:cNvSpPr>
+            <a:spLocks noChangeArrowheads="1"/>
+          </p:cNvSpPr>
+          <p:nvPr/>
+        </p:nvSpPr>
+        <p:spPr bwMode="auto">
+          <a:xfrm>
+            <a:off x="4914652" y="1964039"/>
+            <a:ext cx="5184576" cy="3046988"/>
+          </a:xfrm>
+          <a:prstGeom prst="rect">
+            <a:avLst/>
+          </a:prstGeom>
+          <a:ln/>
+          <a:extLst/>
+        </p:spPr>
+        <p:style>
+          <a:lnRef idx="2">
+            <a:schemeClr val="dk1"/>
+          </a:lnRef>
+          <a:fillRef idx="1">
+            <a:schemeClr val="lt1"/>
+          </a:fillRef>
+          <a:effectRef idx="0">
+            <a:schemeClr val="dk1"/>
+          </a:effectRef>
+          <a:fontRef idx="minor">
+            <a:schemeClr val="dk1"/>
+          </a:fontRef>
+        </p:style>
+        <p:txBody>
+          <a:bodyPr vert="horz" wrap="square" lIns="91440" tIns="45720" rIns="91440" bIns="45720" numCol="1" anchor="ctr" anchorCtr="0" compatLnSpc="1">
+            <a:prstTxWarp prst="textNoShape">
+              <a:avLst/>
+            </a:prstTxWarp>
+            <a:spAutoFit/>
+          </a:bodyPr>
+          <a:lstStyle/>
+          <a:p>
+            <a:pPr marL="0" marR="0" lvl="0" indent="0" algn="l" defTabSz="914400" rtl="0" eaLnBrk="0" fontAlgn="base" latinLnBrk="0" hangingPunct="0">
+              <a:lnSpc>
+                <a:spcPct val="100000"/>
+              </a:lnSpc>
+              <a:spcBef>
+                <a:spcPct val="0"/>
+              </a:spcBef>
+              <a:spcAft>
+                <a:spcPct val="0"/>
+              </a:spcAft>
+              <a:buClrTx/>
+              <a:buSzTx/>
+              <a:buFontTx/>
+              <a:buNone/>
+              <a:tabLst/>
+            </a:pPr>
+            <a:r>
+              <a:rPr kumimoji="0" lang="de-DE" altLang="de-DE" sz="1600" b="0" i="0" u="none" strike="noStrike" cap="none" normalizeH="0" baseline="0" dirty="0" smtClean="0">
+                <a:ln>
+                  <a:noFill/>
+                </a:ln>
+                <a:solidFill>
+                  <a:srgbClr val="000000"/>
+                </a:solidFill>
+                <a:effectLst/>
+                <a:latin typeface="Courier New" panose="02070309020205020404" pitchFamily="49" charset="0"/>
+                <a:cs typeface="Courier New" panose="02070309020205020404" pitchFamily="49" charset="0"/>
+              </a:rPr>
+              <a:t>&lt;</a:t>
+            </a:r>
+            <a:r>
+              <a:rPr kumimoji="0" lang="de-DE" altLang="de-DE" sz="1600" b="1" i="0" u="none" strike="noStrike" cap="none" normalizeH="0" baseline="0" dirty="0" err="1" smtClean="0">
+                <a:ln>
+                  <a:noFill/>
+                </a:ln>
+                <a:solidFill>
+                  <a:srgbClr val="000080"/>
+                </a:solidFill>
+                <a:effectLst/>
+                <a:latin typeface="Courier New" panose="02070309020205020404" pitchFamily="49" charset="0"/>
+                <a:cs typeface="Courier New" panose="02070309020205020404" pitchFamily="49" charset="0"/>
+              </a:rPr>
+              <a:t>dependency</a:t>
+            </a:r>
+            <a:r>
+              <a:rPr kumimoji="0" lang="de-DE" altLang="de-DE" sz="1600" b="0" i="0" u="none" strike="noStrike" cap="none" normalizeH="0" baseline="0" dirty="0" smtClean="0">
+                <a:ln>
+                  <a:noFill/>
+                </a:ln>
+                <a:solidFill>
+                  <a:srgbClr val="000000"/>
+                </a:solidFill>
+                <a:effectLst/>
+                <a:latin typeface="Courier New" panose="02070309020205020404" pitchFamily="49" charset="0"/>
+                <a:cs typeface="Courier New" panose="02070309020205020404" pitchFamily="49" charset="0"/>
+              </a:rPr>
+              <a:t>&gt;</a:t>
+            </a:r>
+            <a:br>
+              <a:rPr kumimoji="0" lang="de-DE" altLang="de-DE" sz="1600" b="0" i="0" u="none" strike="noStrike" cap="none" normalizeH="0" baseline="0" dirty="0" smtClean="0">
+                <a:ln>
+                  <a:noFill/>
+                </a:ln>
+                <a:solidFill>
+                  <a:srgbClr val="000000"/>
+                </a:solidFill>
+                <a:effectLst/>
+                <a:latin typeface="Courier New" panose="02070309020205020404" pitchFamily="49" charset="0"/>
+                <a:cs typeface="Courier New" panose="02070309020205020404" pitchFamily="49" charset="0"/>
+              </a:rPr>
+            </a:br>
+            <a:r>
+              <a:rPr kumimoji="0" lang="de-DE" altLang="de-DE" sz="1600" b="0" i="0" u="none" strike="noStrike" cap="none" normalizeH="0" baseline="0" dirty="0" smtClean="0">
+                <a:ln>
+                  <a:noFill/>
+                </a:ln>
+                <a:solidFill>
+                  <a:srgbClr val="000000"/>
+                </a:solidFill>
+                <a:effectLst/>
+                <a:latin typeface="Courier New" panose="02070309020205020404" pitchFamily="49" charset="0"/>
+                <a:cs typeface="Courier New" panose="02070309020205020404" pitchFamily="49" charset="0"/>
+              </a:rPr>
+              <a:t>    &lt;</a:t>
+            </a:r>
+            <a:r>
+              <a:rPr kumimoji="0" lang="de-DE" altLang="de-DE" sz="1600" b="1" i="0" u="none" strike="noStrike" cap="none" normalizeH="0" baseline="0" dirty="0" err="1" smtClean="0">
+                <a:ln>
+                  <a:noFill/>
+                </a:ln>
+                <a:solidFill>
+                  <a:srgbClr val="000080"/>
+                </a:solidFill>
+                <a:effectLst/>
+                <a:latin typeface="Courier New" panose="02070309020205020404" pitchFamily="49" charset="0"/>
+                <a:cs typeface="Courier New" panose="02070309020205020404" pitchFamily="49" charset="0"/>
+              </a:rPr>
+              <a:t>groupId</a:t>
+            </a:r>
+            <a:r>
+              <a:rPr kumimoji="0" lang="de-DE" altLang="de-DE" sz="1600" b="0" i="0" u="none" strike="noStrike" cap="none" normalizeH="0" baseline="0" dirty="0" smtClean="0">
+                <a:ln>
+                  <a:noFill/>
+                </a:ln>
+                <a:solidFill>
+                  <a:srgbClr val="000000"/>
+                </a:solidFill>
+                <a:effectLst/>
+                <a:latin typeface="Courier New" panose="02070309020205020404" pitchFamily="49" charset="0"/>
+                <a:cs typeface="Courier New" panose="02070309020205020404" pitchFamily="49" charset="0"/>
+              </a:rPr>
+              <a:t>&gt;</a:t>
+            </a:r>
+            <a:r>
+              <a:rPr kumimoji="0" lang="de-DE" altLang="de-DE" sz="1600" b="0" i="0" u="none" strike="noStrike" cap="none" normalizeH="0" baseline="0" dirty="0" err="1" smtClean="0">
+                <a:ln>
+                  <a:noFill/>
+                </a:ln>
+                <a:solidFill>
+                  <a:srgbClr val="000000"/>
+                </a:solidFill>
+                <a:effectLst/>
+                <a:latin typeface="Courier New" panose="02070309020205020404" pitchFamily="49" charset="0"/>
+                <a:cs typeface="Courier New" panose="02070309020205020404" pitchFamily="49" charset="0"/>
+              </a:rPr>
+              <a:t>org.mockito</a:t>
+            </a:r>
+            <a:r>
+              <a:rPr kumimoji="0" lang="de-DE" altLang="de-DE" sz="1600" b="0" i="0" u="none" strike="noStrike" cap="none" normalizeH="0" baseline="0" dirty="0" smtClean="0">
+                <a:ln>
+                  <a:noFill/>
+                </a:ln>
+                <a:solidFill>
+                  <a:srgbClr val="000000"/>
+                </a:solidFill>
+                <a:effectLst/>
+                <a:latin typeface="Courier New" panose="02070309020205020404" pitchFamily="49" charset="0"/>
+                <a:cs typeface="Courier New" panose="02070309020205020404" pitchFamily="49" charset="0"/>
+              </a:rPr>
+              <a:t>&lt;/</a:t>
+            </a:r>
+            <a:r>
+              <a:rPr kumimoji="0" lang="de-DE" altLang="de-DE" sz="1600" b="1" i="0" u="none" strike="noStrike" cap="none" normalizeH="0" baseline="0" dirty="0" err="1" smtClean="0">
+                <a:ln>
+                  <a:noFill/>
+                </a:ln>
+                <a:solidFill>
+                  <a:srgbClr val="000080"/>
+                </a:solidFill>
+                <a:effectLst/>
+                <a:latin typeface="Courier New" panose="02070309020205020404" pitchFamily="49" charset="0"/>
+                <a:cs typeface="Courier New" panose="02070309020205020404" pitchFamily="49" charset="0"/>
+              </a:rPr>
+              <a:t>groupId</a:t>
+            </a:r>
+            <a:r>
+              <a:rPr kumimoji="0" lang="de-DE" altLang="de-DE" sz="1600" b="0" i="0" u="none" strike="noStrike" cap="none" normalizeH="0" baseline="0" dirty="0" smtClean="0">
+                <a:ln>
+                  <a:noFill/>
+                </a:ln>
+                <a:solidFill>
+                  <a:srgbClr val="000000"/>
+                </a:solidFill>
+                <a:effectLst/>
+                <a:latin typeface="Courier New" panose="02070309020205020404" pitchFamily="49" charset="0"/>
+                <a:cs typeface="Courier New" panose="02070309020205020404" pitchFamily="49" charset="0"/>
+              </a:rPr>
+              <a:t>&gt;</a:t>
+            </a:r>
+            <a:br>
+              <a:rPr kumimoji="0" lang="de-DE" altLang="de-DE" sz="1600" b="0" i="0" u="none" strike="noStrike" cap="none" normalizeH="0" baseline="0" dirty="0" smtClean="0">
+                <a:ln>
+                  <a:noFill/>
+                </a:ln>
+                <a:solidFill>
+                  <a:srgbClr val="000000"/>
+                </a:solidFill>
+                <a:effectLst/>
+                <a:latin typeface="Courier New" panose="02070309020205020404" pitchFamily="49" charset="0"/>
+                <a:cs typeface="Courier New" panose="02070309020205020404" pitchFamily="49" charset="0"/>
+              </a:rPr>
+            </a:br>
+            <a:r>
+              <a:rPr kumimoji="0" lang="de-DE" altLang="de-DE" sz="1600" b="0" i="0" u="none" strike="noStrike" cap="none" normalizeH="0" baseline="0" dirty="0" smtClean="0">
+                <a:ln>
+                  <a:noFill/>
+                </a:ln>
+                <a:solidFill>
+                  <a:srgbClr val="000000"/>
+                </a:solidFill>
+                <a:effectLst/>
+                <a:latin typeface="Courier New" panose="02070309020205020404" pitchFamily="49" charset="0"/>
+                <a:cs typeface="Courier New" panose="02070309020205020404" pitchFamily="49" charset="0"/>
+              </a:rPr>
+              <a:t>    &lt;</a:t>
+            </a:r>
+            <a:r>
+              <a:rPr kumimoji="0" lang="de-DE" altLang="de-DE" sz="1600" b="1" i="0" u="none" strike="noStrike" cap="none" normalizeH="0" baseline="0" dirty="0" err="1" smtClean="0">
+                <a:ln>
+                  <a:noFill/>
+                </a:ln>
+                <a:solidFill>
+                  <a:srgbClr val="000080"/>
+                </a:solidFill>
+                <a:effectLst/>
+                <a:latin typeface="Courier New" panose="02070309020205020404" pitchFamily="49" charset="0"/>
+                <a:cs typeface="Courier New" panose="02070309020205020404" pitchFamily="49" charset="0"/>
+              </a:rPr>
+              <a:t>artifactId</a:t>
+            </a:r>
+            <a:r>
+              <a:rPr kumimoji="0" lang="de-DE" altLang="de-DE" sz="1600" b="0" i="0" u="none" strike="noStrike" cap="none" normalizeH="0" baseline="0" dirty="0" smtClean="0">
+                <a:ln>
+                  <a:noFill/>
+                </a:ln>
+                <a:solidFill>
+                  <a:srgbClr val="000000"/>
+                </a:solidFill>
+                <a:effectLst/>
+                <a:latin typeface="Courier New" panose="02070309020205020404" pitchFamily="49" charset="0"/>
+                <a:cs typeface="Courier New" panose="02070309020205020404" pitchFamily="49" charset="0"/>
+              </a:rPr>
+              <a:t>&gt;</a:t>
+            </a:r>
+            <a:r>
+              <a:rPr kumimoji="0" lang="de-DE" altLang="de-DE" sz="1600" b="0" i="0" u="none" strike="noStrike" cap="none" normalizeH="0" baseline="0" dirty="0" err="1" smtClean="0">
+                <a:ln>
+                  <a:noFill/>
+                </a:ln>
+                <a:solidFill>
+                  <a:srgbClr val="000000"/>
+                </a:solidFill>
+                <a:effectLst/>
+                <a:latin typeface="Courier New" panose="02070309020205020404" pitchFamily="49" charset="0"/>
+                <a:cs typeface="Courier New" panose="02070309020205020404" pitchFamily="49" charset="0"/>
+              </a:rPr>
+              <a:t>mockito</a:t>
+            </a:r>
+            <a:r>
+              <a:rPr kumimoji="0" lang="de-DE" altLang="de-DE" sz="1600" b="0" i="0" u="none" strike="noStrike" cap="none" normalizeH="0" baseline="0" dirty="0" smtClean="0">
+                <a:ln>
+                  <a:noFill/>
+                </a:ln>
+                <a:solidFill>
+                  <a:srgbClr val="000000"/>
+                </a:solidFill>
+                <a:effectLst/>
+                <a:latin typeface="Courier New" panose="02070309020205020404" pitchFamily="49" charset="0"/>
+                <a:cs typeface="Courier New" panose="02070309020205020404" pitchFamily="49" charset="0"/>
+              </a:rPr>
+              <a:t>-all&lt;/</a:t>
+            </a:r>
+            <a:r>
+              <a:rPr kumimoji="0" lang="de-DE" altLang="de-DE" sz="1600" b="1" i="0" u="none" strike="noStrike" cap="none" normalizeH="0" baseline="0" dirty="0" err="1" smtClean="0">
+                <a:ln>
+                  <a:noFill/>
+                </a:ln>
+                <a:solidFill>
+                  <a:srgbClr val="000080"/>
+                </a:solidFill>
+                <a:effectLst/>
+                <a:latin typeface="Courier New" panose="02070309020205020404" pitchFamily="49" charset="0"/>
+                <a:cs typeface="Courier New" panose="02070309020205020404" pitchFamily="49" charset="0"/>
+              </a:rPr>
+              <a:t>artifactId</a:t>
+            </a:r>
+            <a:r>
+              <a:rPr kumimoji="0" lang="de-DE" altLang="de-DE" sz="1600" b="0" i="0" u="none" strike="noStrike" cap="none" normalizeH="0" baseline="0" dirty="0" smtClean="0">
+                <a:ln>
+                  <a:noFill/>
+                </a:ln>
+                <a:solidFill>
+                  <a:srgbClr val="000000"/>
+                </a:solidFill>
+                <a:effectLst/>
+                <a:latin typeface="Courier New" panose="02070309020205020404" pitchFamily="49" charset="0"/>
+                <a:cs typeface="Courier New" panose="02070309020205020404" pitchFamily="49" charset="0"/>
+              </a:rPr>
+              <a:t>&gt;</a:t>
+            </a:r>
+            <a:br>
+              <a:rPr kumimoji="0" lang="de-DE" altLang="de-DE" sz="1600" b="0" i="0" u="none" strike="noStrike" cap="none" normalizeH="0" baseline="0" dirty="0" smtClean="0">
+                <a:ln>
+                  <a:noFill/>
+                </a:ln>
+                <a:solidFill>
+                  <a:srgbClr val="000000"/>
+                </a:solidFill>
+                <a:effectLst/>
+                <a:latin typeface="Courier New" panose="02070309020205020404" pitchFamily="49" charset="0"/>
+                <a:cs typeface="Courier New" panose="02070309020205020404" pitchFamily="49" charset="0"/>
+              </a:rPr>
+            </a:br>
+            <a:r>
+              <a:rPr kumimoji="0" lang="de-DE" altLang="de-DE" sz="1600" b="0" i="0" u="none" strike="noStrike" cap="none" normalizeH="0" baseline="0" dirty="0" smtClean="0">
+                <a:ln>
+                  <a:noFill/>
+                </a:ln>
+                <a:solidFill>
+                  <a:srgbClr val="000000"/>
+                </a:solidFill>
+                <a:effectLst/>
+                <a:latin typeface="Courier New" panose="02070309020205020404" pitchFamily="49" charset="0"/>
+                <a:cs typeface="Courier New" panose="02070309020205020404" pitchFamily="49" charset="0"/>
+              </a:rPr>
+              <a:t>    &lt;</a:t>
+            </a:r>
+            <a:r>
+              <a:rPr kumimoji="0" lang="de-DE" altLang="de-DE" sz="1600" b="1" i="0" u="none" strike="noStrike" cap="none" normalizeH="0" baseline="0" dirty="0" err="1" smtClean="0">
+                <a:ln>
+                  <a:noFill/>
+                </a:ln>
+                <a:solidFill>
+                  <a:srgbClr val="000080"/>
+                </a:solidFill>
+                <a:effectLst/>
+                <a:latin typeface="Courier New" panose="02070309020205020404" pitchFamily="49" charset="0"/>
+                <a:cs typeface="Courier New" panose="02070309020205020404" pitchFamily="49" charset="0"/>
+              </a:rPr>
+              <a:t>version</a:t>
+            </a:r>
+            <a:r>
+              <a:rPr kumimoji="0" lang="de-DE" altLang="de-DE" sz="1600" b="0" i="0" u="none" strike="noStrike" cap="none" normalizeH="0" baseline="0" dirty="0" smtClean="0">
+                <a:ln>
+                  <a:noFill/>
+                </a:ln>
+                <a:solidFill>
+                  <a:srgbClr val="000000"/>
+                </a:solidFill>
+                <a:effectLst/>
+                <a:latin typeface="Courier New" panose="02070309020205020404" pitchFamily="49" charset="0"/>
+                <a:cs typeface="Courier New" panose="02070309020205020404" pitchFamily="49" charset="0"/>
+              </a:rPr>
+              <a:t>&gt;1.9.5&lt;/</a:t>
+            </a:r>
+            <a:r>
+              <a:rPr kumimoji="0" lang="de-DE" altLang="de-DE" sz="1600" b="1" i="0" u="none" strike="noStrike" cap="none" normalizeH="0" baseline="0" dirty="0" err="1" smtClean="0">
+                <a:ln>
+                  <a:noFill/>
+                </a:ln>
+                <a:solidFill>
+                  <a:srgbClr val="000080"/>
+                </a:solidFill>
+                <a:effectLst/>
+                <a:latin typeface="Courier New" panose="02070309020205020404" pitchFamily="49" charset="0"/>
+                <a:cs typeface="Courier New" panose="02070309020205020404" pitchFamily="49" charset="0"/>
+              </a:rPr>
+              <a:t>version</a:t>
+            </a:r>
+            <a:r>
+              <a:rPr kumimoji="0" lang="de-DE" altLang="de-DE" sz="1600" b="0" i="0" u="none" strike="noStrike" cap="none" normalizeH="0" baseline="0" dirty="0" smtClean="0">
+                <a:ln>
+                  <a:noFill/>
+                </a:ln>
+                <a:solidFill>
+                  <a:srgbClr val="000000"/>
+                </a:solidFill>
+                <a:effectLst/>
+                <a:latin typeface="Courier New" panose="02070309020205020404" pitchFamily="49" charset="0"/>
+                <a:cs typeface="Courier New" panose="02070309020205020404" pitchFamily="49" charset="0"/>
+              </a:rPr>
+              <a:t>&gt;</a:t>
+            </a:r>
+            <a:br>
+              <a:rPr kumimoji="0" lang="de-DE" altLang="de-DE" sz="1600" b="0" i="0" u="none" strike="noStrike" cap="none" normalizeH="0" baseline="0" dirty="0" smtClean="0">
+                <a:ln>
+                  <a:noFill/>
+                </a:ln>
+                <a:solidFill>
+                  <a:srgbClr val="000000"/>
+                </a:solidFill>
+                <a:effectLst/>
+                <a:latin typeface="Courier New" panose="02070309020205020404" pitchFamily="49" charset="0"/>
+                <a:cs typeface="Courier New" panose="02070309020205020404" pitchFamily="49" charset="0"/>
+              </a:rPr>
+            </a:br>
+            <a:r>
+              <a:rPr kumimoji="0" lang="de-DE" altLang="de-DE" sz="1600" b="0" i="0" u="none" strike="noStrike" cap="none" normalizeH="0" baseline="0" dirty="0" smtClean="0">
+                <a:ln>
+                  <a:noFill/>
+                </a:ln>
+                <a:solidFill>
+                  <a:srgbClr val="000000"/>
+                </a:solidFill>
+                <a:effectLst/>
+                <a:latin typeface="Courier New" panose="02070309020205020404" pitchFamily="49" charset="0"/>
+                <a:cs typeface="Courier New" panose="02070309020205020404" pitchFamily="49" charset="0"/>
+              </a:rPr>
+              <a:t>    </a:t>
+            </a:r>
+            <a:r>
+              <a:rPr kumimoji="0" lang="de-DE" altLang="de-DE" sz="1600" b="0" i="0" u="none" strike="noStrike" cap="none" normalizeH="0" baseline="0" dirty="0" smtClean="0">
+                <a:ln>
+                  <a:noFill/>
+                </a:ln>
+                <a:solidFill>
+                  <a:srgbClr val="D85A5A"/>
+                </a:solidFill>
+                <a:effectLst/>
+                <a:latin typeface="Courier New" panose="02070309020205020404" pitchFamily="49" charset="0"/>
+                <a:cs typeface="Courier New" panose="02070309020205020404" pitchFamily="49" charset="0"/>
+              </a:rPr>
+              <a:t>&lt;</a:t>
+            </a:r>
+            <a:r>
+              <a:rPr kumimoji="0" lang="de-DE" altLang="de-DE" sz="1600" b="1" i="0" u="none" strike="noStrike" cap="none" normalizeH="0" baseline="0" dirty="0" err="1" smtClean="0">
+                <a:ln>
+                  <a:noFill/>
+                </a:ln>
+                <a:solidFill>
+                  <a:srgbClr val="D85A5A"/>
+                </a:solidFill>
+                <a:effectLst/>
+                <a:latin typeface="Courier New" panose="02070309020205020404" pitchFamily="49" charset="0"/>
+                <a:cs typeface="Courier New" panose="02070309020205020404" pitchFamily="49" charset="0"/>
+              </a:rPr>
+              <a:t>scope</a:t>
+            </a:r>
+            <a:r>
+              <a:rPr kumimoji="0" lang="de-DE" altLang="de-DE" sz="1600" b="0" i="0" u="none" strike="noStrike" cap="none" normalizeH="0" baseline="0" dirty="0" smtClean="0">
+                <a:ln>
+                  <a:noFill/>
+                </a:ln>
+                <a:solidFill>
+                  <a:srgbClr val="D85A5A"/>
+                </a:solidFill>
+                <a:effectLst/>
+                <a:latin typeface="Courier New" panose="02070309020205020404" pitchFamily="49" charset="0"/>
+                <a:cs typeface="Courier New" panose="02070309020205020404" pitchFamily="49" charset="0"/>
+              </a:rPr>
+              <a:t>&gt;</a:t>
+            </a:r>
+            <a:r>
+              <a:rPr kumimoji="0" lang="de-DE" altLang="de-DE" sz="1600" b="0" i="0" u="none" strike="noStrike" cap="none" normalizeH="0" baseline="0" dirty="0" err="1" smtClean="0">
+                <a:ln>
+                  <a:noFill/>
+                </a:ln>
+                <a:solidFill>
+                  <a:srgbClr val="D85A5A"/>
+                </a:solidFill>
+                <a:effectLst/>
+                <a:latin typeface="Courier New" panose="02070309020205020404" pitchFamily="49" charset="0"/>
+                <a:cs typeface="Courier New" panose="02070309020205020404" pitchFamily="49" charset="0"/>
+              </a:rPr>
+              <a:t>test</a:t>
+            </a:r>
+            <a:r>
+              <a:rPr kumimoji="0" lang="de-DE" altLang="de-DE" sz="1600" b="0" i="0" u="none" strike="noStrike" cap="none" normalizeH="0" baseline="0" dirty="0" smtClean="0">
+                <a:ln>
+                  <a:noFill/>
+                </a:ln>
+                <a:solidFill>
+                  <a:srgbClr val="D85A5A"/>
+                </a:solidFill>
+                <a:effectLst/>
+                <a:latin typeface="Courier New" panose="02070309020205020404" pitchFamily="49" charset="0"/>
+                <a:cs typeface="Courier New" panose="02070309020205020404" pitchFamily="49" charset="0"/>
+              </a:rPr>
+              <a:t>&lt;/</a:t>
+            </a:r>
+            <a:r>
+              <a:rPr kumimoji="0" lang="de-DE" altLang="de-DE" sz="1600" b="1" i="0" u="none" strike="noStrike" cap="none" normalizeH="0" baseline="0" dirty="0" err="1" smtClean="0">
+                <a:ln>
+                  <a:noFill/>
+                </a:ln>
+                <a:solidFill>
+                  <a:srgbClr val="D85A5A"/>
+                </a:solidFill>
+                <a:effectLst/>
+                <a:latin typeface="Courier New" panose="02070309020205020404" pitchFamily="49" charset="0"/>
+                <a:cs typeface="Courier New" panose="02070309020205020404" pitchFamily="49" charset="0"/>
+              </a:rPr>
+              <a:t>scope</a:t>
+            </a:r>
+            <a:r>
+              <a:rPr kumimoji="0" lang="de-DE" altLang="de-DE" sz="1600" b="0" i="0" u="none" strike="noStrike" cap="none" normalizeH="0" baseline="0" dirty="0" smtClean="0">
+                <a:ln>
+                  <a:noFill/>
+                </a:ln>
+                <a:solidFill>
+                  <a:srgbClr val="D85A5A"/>
+                </a:solidFill>
+                <a:effectLst/>
+                <a:latin typeface="Courier New" panose="02070309020205020404" pitchFamily="49" charset="0"/>
+                <a:cs typeface="Courier New" panose="02070309020205020404" pitchFamily="49" charset="0"/>
+              </a:rPr>
+              <a:t>&gt;</a:t>
+            </a:r>
+            <a:r>
+              <a:rPr kumimoji="0" lang="de-DE" altLang="de-DE" sz="1600" b="0" i="0" u="none" strike="noStrike" cap="none" normalizeH="0" baseline="0" dirty="0" smtClean="0">
+                <a:ln>
+                  <a:noFill/>
+                </a:ln>
+                <a:solidFill>
+                  <a:srgbClr val="000000"/>
+                </a:solidFill>
+                <a:effectLst/>
+                <a:latin typeface="Courier New" panose="02070309020205020404" pitchFamily="49" charset="0"/>
+                <a:cs typeface="Courier New" panose="02070309020205020404" pitchFamily="49" charset="0"/>
+              </a:rPr>
+              <a:t/>
+            </a:r>
+            <a:br>
+              <a:rPr kumimoji="0" lang="de-DE" altLang="de-DE" sz="1600" b="0" i="0" u="none" strike="noStrike" cap="none" normalizeH="0" baseline="0" dirty="0" smtClean="0">
+                <a:ln>
+                  <a:noFill/>
+                </a:ln>
+                <a:solidFill>
+                  <a:srgbClr val="000000"/>
+                </a:solidFill>
+                <a:effectLst/>
+                <a:latin typeface="Courier New" panose="02070309020205020404" pitchFamily="49" charset="0"/>
+                <a:cs typeface="Courier New" panose="02070309020205020404" pitchFamily="49" charset="0"/>
+              </a:rPr>
+            </a:br>
+            <a:r>
+              <a:rPr kumimoji="0" lang="de-DE" altLang="de-DE" sz="1600" b="0" i="0" u="none" strike="noStrike" cap="none" normalizeH="0" baseline="0" dirty="0" smtClean="0">
+                <a:ln>
+                  <a:noFill/>
+                </a:ln>
+                <a:solidFill>
+                  <a:srgbClr val="000000"/>
+                </a:solidFill>
+                <a:effectLst/>
+                <a:latin typeface="Courier New" panose="02070309020205020404" pitchFamily="49" charset="0"/>
+                <a:cs typeface="Courier New" panose="02070309020205020404" pitchFamily="49" charset="0"/>
+              </a:rPr>
+              <a:t>&lt;/</a:t>
+            </a:r>
+            <a:r>
+              <a:rPr kumimoji="0" lang="de-DE" altLang="de-DE" sz="1600" b="1" i="0" u="none" strike="noStrike" cap="none" normalizeH="0" baseline="0" dirty="0" err="1" smtClean="0">
+                <a:ln>
+                  <a:noFill/>
+                </a:ln>
+                <a:solidFill>
+                  <a:srgbClr val="000080"/>
+                </a:solidFill>
+                <a:effectLst/>
+                <a:latin typeface="Courier New" panose="02070309020205020404" pitchFamily="49" charset="0"/>
+                <a:cs typeface="Courier New" panose="02070309020205020404" pitchFamily="49" charset="0"/>
+              </a:rPr>
+              <a:t>dependency</a:t>
+            </a:r>
+            <a:r>
+              <a:rPr kumimoji="0" lang="de-DE" altLang="de-DE" sz="1600" b="0" i="0" u="none" strike="noStrike" cap="none" normalizeH="0" baseline="0" dirty="0" smtClean="0">
+                <a:ln>
+                  <a:noFill/>
+                </a:ln>
+                <a:solidFill>
+                  <a:srgbClr val="000000"/>
+                </a:solidFill>
+                <a:effectLst/>
+                <a:latin typeface="Courier New" panose="02070309020205020404" pitchFamily="49" charset="0"/>
+                <a:cs typeface="Courier New" panose="02070309020205020404" pitchFamily="49" charset="0"/>
+              </a:rPr>
+              <a:t>&gt;</a:t>
+            </a:r>
+            <a:br>
+              <a:rPr kumimoji="0" lang="de-DE" altLang="de-DE" sz="1600" b="0" i="0" u="none" strike="noStrike" cap="none" normalizeH="0" baseline="0" dirty="0" smtClean="0">
+                <a:ln>
+                  <a:noFill/>
+                </a:ln>
+                <a:solidFill>
+                  <a:srgbClr val="000000"/>
+                </a:solidFill>
+                <a:effectLst/>
+                <a:latin typeface="Courier New" panose="02070309020205020404" pitchFamily="49" charset="0"/>
+                <a:cs typeface="Courier New" panose="02070309020205020404" pitchFamily="49" charset="0"/>
+              </a:rPr>
+            </a:br>
+            <a:r>
+              <a:rPr kumimoji="0" lang="de-DE" altLang="de-DE" sz="1600" b="0" i="0" u="none" strike="noStrike" cap="none" normalizeH="0" baseline="0" dirty="0" smtClean="0">
+                <a:ln>
+                  <a:noFill/>
+                </a:ln>
+                <a:solidFill>
+                  <a:srgbClr val="000000"/>
+                </a:solidFill>
+                <a:effectLst/>
+                <a:latin typeface="Courier New" panose="02070309020205020404" pitchFamily="49" charset="0"/>
+                <a:cs typeface="Courier New" panose="02070309020205020404" pitchFamily="49" charset="0"/>
+              </a:rPr>
+              <a:t/>
+            </a:r>
+            <a:br>
+              <a:rPr kumimoji="0" lang="de-DE" altLang="de-DE" sz="1600" b="0" i="0" u="none" strike="noStrike" cap="none" normalizeH="0" baseline="0" dirty="0" smtClean="0">
+                <a:ln>
+                  <a:noFill/>
+                </a:ln>
+                <a:solidFill>
+                  <a:srgbClr val="000000"/>
+                </a:solidFill>
+                <a:effectLst/>
+                <a:latin typeface="Courier New" panose="02070309020205020404" pitchFamily="49" charset="0"/>
+                <a:cs typeface="Courier New" panose="02070309020205020404" pitchFamily="49" charset="0"/>
+              </a:rPr>
+            </a:br>
+            <a:r>
+              <a:rPr kumimoji="0" lang="de-DE" altLang="de-DE" sz="1600" b="0" i="0" u="none" strike="noStrike" cap="none" normalizeH="0" baseline="0" dirty="0" smtClean="0">
+                <a:ln>
+                  <a:noFill/>
+                </a:ln>
+                <a:solidFill>
+                  <a:srgbClr val="000000"/>
+                </a:solidFill>
+                <a:effectLst/>
+                <a:latin typeface="Courier New" panose="02070309020205020404" pitchFamily="49" charset="0"/>
+                <a:cs typeface="Courier New" panose="02070309020205020404" pitchFamily="49" charset="0"/>
+              </a:rPr>
+              <a:t>&lt;</a:t>
+            </a:r>
+            <a:r>
+              <a:rPr kumimoji="0" lang="de-DE" altLang="de-DE" sz="1600" b="1" i="0" u="none" strike="noStrike" cap="none" normalizeH="0" baseline="0" dirty="0" err="1" smtClean="0">
+                <a:ln>
+                  <a:noFill/>
+                </a:ln>
+                <a:solidFill>
+                  <a:srgbClr val="000080"/>
+                </a:solidFill>
+                <a:effectLst/>
+                <a:latin typeface="Courier New" panose="02070309020205020404" pitchFamily="49" charset="0"/>
+                <a:cs typeface="Courier New" panose="02070309020205020404" pitchFamily="49" charset="0"/>
+              </a:rPr>
+              <a:t>dependency</a:t>
+            </a:r>
+            <a:r>
+              <a:rPr kumimoji="0" lang="de-DE" altLang="de-DE" sz="1600" b="0" i="0" u="none" strike="noStrike" cap="none" normalizeH="0" baseline="0" dirty="0" smtClean="0">
+                <a:ln>
+                  <a:noFill/>
+                </a:ln>
+                <a:solidFill>
+                  <a:srgbClr val="000000"/>
+                </a:solidFill>
+                <a:effectLst/>
+                <a:latin typeface="Courier New" panose="02070309020205020404" pitchFamily="49" charset="0"/>
+                <a:cs typeface="Courier New" panose="02070309020205020404" pitchFamily="49" charset="0"/>
+              </a:rPr>
+              <a:t>&gt;</a:t>
+            </a:r>
+            <a:br>
+              <a:rPr kumimoji="0" lang="de-DE" altLang="de-DE" sz="1600" b="0" i="0" u="none" strike="noStrike" cap="none" normalizeH="0" baseline="0" dirty="0" smtClean="0">
+                <a:ln>
+                  <a:noFill/>
+                </a:ln>
+                <a:solidFill>
+                  <a:srgbClr val="000000"/>
+                </a:solidFill>
+                <a:effectLst/>
+                <a:latin typeface="Courier New" panose="02070309020205020404" pitchFamily="49" charset="0"/>
+                <a:cs typeface="Courier New" panose="02070309020205020404" pitchFamily="49" charset="0"/>
+              </a:rPr>
+            </a:br>
+            <a:r>
+              <a:rPr kumimoji="0" lang="de-DE" altLang="de-DE" sz="1600" b="0" i="0" u="none" strike="noStrike" cap="none" normalizeH="0" baseline="0" dirty="0" smtClean="0">
+                <a:ln>
+                  <a:noFill/>
+                </a:ln>
+                <a:solidFill>
+                  <a:srgbClr val="000000"/>
+                </a:solidFill>
+                <a:effectLst/>
+                <a:latin typeface="Courier New" panose="02070309020205020404" pitchFamily="49" charset="0"/>
+                <a:cs typeface="Courier New" panose="02070309020205020404" pitchFamily="49" charset="0"/>
+              </a:rPr>
+              <a:t>    &lt;</a:t>
+            </a:r>
+            <a:r>
+              <a:rPr kumimoji="0" lang="de-DE" altLang="de-DE" sz="1600" b="1" i="0" u="none" strike="noStrike" cap="none" normalizeH="0" baseline="0" dirty="0" err="1" smtClean="0">
+                <a:ln>
+                  <a:noFill/>
+                </a:ln>
+                <a:solidFill>
+                  <a:srgbClr val="000080"/>
+                </a:solidFill>
+                <a:effectLst/>
+                <a:latin typeface="Courier New" panose="02070309020205020404" pitchFamily="49" charset="0"/>
+                <a:cs typeface="Courier New" panose="02070309020205020404" pitchFamily="49" charset="0"/>
+              </a:rPr>
+              <a:t>groupId</a:t>
+            </a:r>
+            <a:r>
+              <a:rPr kumimoji="0" lang="de-DE" altLang="de-DE" sz="1600" b="0" i="0" u="none" strike="noStrike" cap="none" normalizeH="0" baseline="0" dirty="0" smtClean="0">
+                <a:ln>
+                  <a:noFill/>
+                </a:ln>
+                <a:solidFill>
+                  <a:srgbClr val="000000"/>
+                </a:solidFill>
+                <a:effectLst/>
+                <a:latin typeface="Courier New" panose="02070309020205020404" pitchFamily="49" charset="0"/>
+                <a:cs typeface="Courier New" panose="02070309020205020404" pitchFamily="49" charset="0"/>
+              </a:rPr>
+              <a:t>&gt;</a:t>
+            </a:r>
+            <a:r>
+              <a:rPr kumimoji="0" lang="de-DE" altLang="de-DE" sz="1600" b="0" i="0" u="none" strike="noStrike" cap="none" normalizeH="0" baseline="0" dirty="0" err="1" smtClean="0">
+                <a:ln>
+                  <a:noFill/>
+                </a:ln>
+                <a:solidFill>
+                  <a:srgbClr val="000000"/>
+                </a:solidFill>
+                <a:effectLst/>
+                <a:latin typeface="Courier New" panose="02070309020205020404" pitchFamily="49" charset="0"/>
+                <a:cs typeface="Courier New" panose="02070309020205020404" pitchFamily="49" charset="0"/>
+              </a:rPr>
+              <a:t>org.controlsfx</a:t>
+            </a:r>
+            <a:r>
+              <a:rPr kumimoji="0" lang="de-DE" altLang="de-DE" sz="1600" b="0" i="0" u="none" strike="noStrike" cap="none" normalizeH="0" baseline="0" dirty="0" smtClean="0">
+                <a:ln>
+                  <a:noFill/>
+                </a:ln>
+                <a:solidFill>
+                  <a:srgbClr val="000000"/>
+                </a:solidFill>
+                <a:effectLst/>
+                <a:latin typeface="Courier New" panose="02070309020205020404" pitchFamily="49" charset="0"/>
+                <a:cs typeface="Courier New" panose="02070309020205020404" pitchFamily="49" charset="0"/>
+              </a:rPr>
+              <a:t>&lt;/</a:t>
+            </a:r>
+            <a:r>
+              <a:rPr kumimoji="0" lang="de-DE" altLang="de-DE" sz="1600" b="1" i="0" u="none" strike="noStrike" cap="none" normalizeH="0" baseline="0" dirty="0" err="1" smtClean="0">
+                <a:ln>
+                  <a:noFill/>
+                </a:ln>
+                <a:solidFill>
+                  <a:srgbClr val="000080"/>
+                </a:solidFill>
+                <a:effectLst/>
+                <a:latin typeface="Courier New" panose="02070309020205020404" pitchFamily="49" charset="0"/>
+                <a:cs typeface="Courier New" panose="02070309020205020404" pitchFamily="49" charset="0"/>
+              </a:rPr>
+              <a:t>groupId</a:t>
+            </a:r>
+            <a:r>
+              <a:rPr kumimoji="0" lang="de-DE" altLang="de-DE" sz="1600" b="0" i="0" u="none" strike="noStrike" cap="none" normalizeH="0" baseline="0" dirty="0" smtClean="0">
+                <a:ln>
+                  <a:noFill/>
+                </a:ln>
+                <a:solidFill>
+                  <a:srgbClr val="000000"/>
+                </a:solidFill>
+                <a:effectLst/>
+                <a:latin typeface="Courier New" panose="02070309020205020404" pitchFamily="49" charset="0"/>
+                <a:cs typeface="Courier New" panose="02070309020205020404" pitchFamily="49" charset="0"/>
+              </a:rPr>
+              <a:t>&gt;</a:t>
+            </a:r>
+            <a:br>
+              <a:rPr kumimoji="0" lang="de-DE" altLang="de-DE" sz="1600" b="0" i="0" u="none" strike="noStrike" cap="none" normalizeH="0" baseline="0" dirty="0" smtClean="0">
+                <a:ln>
+                  <a:noFill/>
+                </a:ln>
+                <a:solidFill>
+                  <a:srgbClr val="000000"/>
+                </a:solidFill>
+                <a:effectLst/>
+                <a:latin typeface="Courier New" panose="02070309020205020404" pitchFamily="49" charset="0"/>
+                <a:cs typeface="Courier New" panose="02070309020205020404" pitchFamily="49" charset="0"/>
+              </a:rPr>
+            </a:br>
+            <a:r>
+              <a:rPr kumimoji="0" lang="de-DE" altLang="de-DE" sz="1600" b="0" i="0" u="none" strike="noStrike" cap="none" normalizeH="0" baseline="0" dirty="0" smtClean="0">
+                <a:ln>
+                  <a:noFill/>
+                </a:ln>
+                <a:solidFill>
+                  <a:srgbClr val="000000"/>
+                </a:solidFill>
+                <a:effectLst/>
+                <a:latin typeface="Courier New" panose="02070309020205020404" pitchFamily="49" charset="0"/>
+                <a:cs typeface="Courier New" panose="02070309020205020404" pitchFamily="49" charset="0"/>
+              </a:rPr>
+              <a:t>    &lt;</a:t>
+            </a:r>
+            <a:r>
+              <a:rPr kumimoji="0" lang="de-DE" altLang="de-DE" sz="1600" b="1" i="0" u="none" strike="noStrike" cap="none" normalizeH="0" baseline="0" dirty="0" err="1" smtClean="0">
+                <a:ln>
+                  <a:noFill/>
+                </a:ln>
+                <a:solidFill>
+                  <a:srgbClr val="000080"/>
+                </a:solidFill>
+                <a:effectLst/>
+                <a:latin typeface="Courier New" panose="02070309020205020404" pitchFamily="49" charset="0"/>
+                <a:cs typeface="Courier New" panose="02070309020205020404" pitchFamily="49" charset="0"/>
+              </a:rPr>
+              <a:t>artifactId</a:t>
+            </a:r>
+            <a:r>
+              <a:rPr kumimoji="0" lang="de-DE" altLang="de-DE" sz="1600" b="0" i="0" u="none" strike="noStrike" cap="none" normalizeH="0" baseline="0" dirty="0" smtClean="0">
+                <a:ln>
+                  <a:noFill/>
+                </a:ln>
+                <a:solidFill>
+                  <a:srgbClr val="000000"/>
+                </a:solidFill>
+                <a:effectLst/>
+                <a:latin typeface="Courier New" panose="02070309020205020404" pitchFamily="49" charset="0"/>
+                <a:cs typeface="Courier New" panose="02070309020205020404" pitchFamily="49" charset="0"/>
+              </a:rPr>
+              <a:t>&gt;</a:t>
+            </a:r>
+            <a:r>
+              <a:rPr kumimoji="0" lang="de-DE" altLang="de-DE" sz="1600" b="0" i="0" u="none" strike="noStrike" cap="none" normalizeH="0" baseline="0" dirty="0" err="1" smtClean="0">
+                <a:ln>
+                  <a:noFill/>
+                </a:ln>
+                <a:solidFill>
+                  <a:srgbClr val="000000"/>
+                </a:solidFill>
+                <a:effectLst/>
+                <a:latin typeface="Courier New" panose="02070309020205020404" pitchFamily="49" charset="0"/>
+                <a:cs typeface="Courier New" panose="02070309020205020404" pitchFamily="49" charset="0"/>
+              </a:rPr>
+              <a:t>controlsfx</a:t>
+            </a:r>
+            <a:r>
+              <a:rPr kumimoji="0" lang="de-DE" altLang="de-DE" sz="1600" b="0" i="0" u="none" strike="noStrike" cap="none" normalizeH="0" baseline="0" dirty="0" smtClean="0">
+                <a:ln>
+                  <a:noFill/>
+                </a:ln>
+                <a:solidFill>
+                  <a:srgbClr val="000000"/>
+                </a:solidFill>
+                <a:effectLst/>
+                <a:latin typeface="Courier New" panose="02070309020205020404" pitchFamily="49" charset="0"/>
+                <a:cs typeface="Courier New" panose="02070309020205020404" pitchFamily="49" charset="0"/>
+              </a:rPr>
+              <a:t>&lt;/</a:t>
+            </a:r>
+            <a:r>
+              <a:rPr kumimoji="0" lang="de-DE" altLang="de-DE" sz="1600" b="1" i="0" u="none" strike="noStrike" cap="none" normalizeH="0" baseline="0" dirty="0" err="1" smtClean="0">
+                <a:ln>
+                  <a:noFill/>
+                </a:ln>
+                <a:solidFill>
+                  <a:srgbClr val="000080"/>
+                </a:solidFill>
+                <a:effectLst/>
+                <a:latin typeface="Courier New" panose="02070309020205020404" pitchFamily="49" charset="0"/>
+                <a:cs typeface="Courier New" panose="02070309020205020404" pitchFamily="49" charset="0"/>
+              </a:rPr>
+              <a:t>artifactId</a:t>
+            </a:r>
+            <a:r>
+              <a:rPr kumimoji="0" lang="de-DE" altLang="de-DE" sz="1600" b="0" i="0" u="none" strike="noStrike" cap="none" normalizeH="0" baseline="0" dirty="0" smtClean="0">
+                <a:ln>
+                  <a:noFill/>
+                </a:ln>
+                <a:solidFill>
+                  <a:srgbClr val="000000"/>
+                </a:solidFill>
+                <a:effectLst/>
+                <a:latin typeface="Courier New" panose="02070309020205020404" pitchFamily="49" charset="0"/>
+                <a:cs typeface="Courier New" panose="02070309020205020404" pitchFamily="49" charset="0"/>
+              </a:rPr>
+              <a:t>&gt;</a:t>
+            </a:r>
+            <a:br>
+              <a:rPr kumimoji="0" lang="de-DE" altLang="de-DE" sz="1600" b="0" i="0" u="none" strike="noStrike" cap="none" normalizeH="0" baseline="0" dirty="0" smtClean="0">
+                <a:ln>
+                  <a:noFill/>
+                </a:ln>
+                <a:solidFill>
+                  <a:srgbClr val="000000"/>
+                </a:solidFill>
+                <a:effectLst/>
+                <a:latin typeface="Courier New" panose="02070309020205020404" pitchFamily="49" charset="0"/>
+                <a:cs typeface="Courier New" panose="02070309020205020404" pitchFamily="49" charset="0"/>
+              </a:rPr>
+            </a:br>
+            <a:r>
+              <a:rPr kumimoji="0" lang="de-DE" altLang="de-DE" sz="1600" b="0" i="0" u="none" strike="noStrike" cap="none" normalizeH="0" baseline="0" dirty="0" smtClean="0">
+                <a:ln>
+                  <a:noFill/>
+                </a:ln>
+                <a:solidFill>
+                  <a:srgbClr val="000000"/>
+                </a:solidFill>
+                <a:effectLst/>
+                <a:latin typeface="Courier New" panose="02070309020205020404" pitchFamily="49" charset="0"/>
+                <a:cs typeface="Courier New" panose="02070309020205020404" pitchFamily="49" charset="0"/>
+              </a:rPr>
+              <a:t>    &lt;</a:t>
+            </a:r>
+            <a:r>
+              <a:rPr kumimoji="0" lang="de-DE" altLang="de-DE" sz="1600" b="1" i="0" u="none" strike="noStrike" cap="none" normalizeH="0" baseline="0" dirty="0" err="1" smtClean="0">
+                <a:ln>
+                  <a:noFill/>
+                </a:ln>
+                <a:solidFill>
+                  <a:srgbClr val="000080"/>
+                </a:solidFill>
+                <a:effectLst/>
+                <a:latin typeface="Courier New" panose="02070309020205020404" pitchFamily="49" charset="0"/>
+                <a:cs typeface="Courier New" panose="02070309020205020404" pitchFamily="49" charset="0"/>
+              </a:rPr>
+              <a:t>version</a:t>
+            </a:r>
+            <a:r>
+              <a:rPr kumimoji="0" lang="de-DE" altLang="de-DE" sz="1600" b="0" i="0" u="none" strike="noStrike" cap="none" normalizeH="0" baseline="0" dirty="0" smtClean="0">
+                <a:ln>
+                  <a:noFill/>
+                </a:ln>
+                <a:solidFill>
+                  <a:srgbClr val="000000"/>
+                </a:solidFill>
+                <a:effectLst/>
+                <a:latin typeface="Courier New" panose="02070309020205020404" pitchFamily="49" charset="0"/>
+                <a:cs typeface="Courier New" panose="02070309020205020404" pitchFamily="49" charset="0"/>
+              </a:rPr>
+              <a:t>&gt;8.40.10&lt;/</a:t>
+            </a:r>
+            <a:r>
+              <a:rPr kumimoji="0" lang="de-DE" altLang="de-DE" sz="1600" b="1" i="0" u="none" strike="noStrike" cap="none" normalizeH="0" baseline="0" dirty="0" err="1" smtClean="0">
+                <a:ln>
+                  <a:noFill/>
+                </a:ln>
+                <a:solidFill>
+                  <a:srgbClr val="000080"/>
+                </a:solidFill>
+                <a:effectLst/>
+                <a:latin typeface="Courier New" panose="02070309020205020404" pitchFamily="49" charset="0"/>
+                <a:cs typeface="Courier New" panose="02070309020205020404" pitchFamily="49" charset="0"/>
+              </a:rPr>
+              <a:t>version</a:t>
+            </a:r>
+            <a:r>
+              <a:rPr kumimoji="0" lang="de-DE" altLang="de-DE" sz="1600" b="0" i="0" u="none" strike="noStrike" cap="none" normalizeH="0" baseline="0" dirty="0" smtClean="0">
+                <a:ln>
+                  <a:noFill/>
+                </a:ln>
+                <a:solidFill>
+                  <a:srgbClr val="000000"/>
+                </a:solidFill>
+                <a:effectLst/>
+                <a:latin typeface="Courier New" panose="02070309020205020404" pitchFamily="49" charset="0"/>
+                <a:cs typeface="Courier New" panose="02070309020205020404" pitchFamily="49" charset="0"/>
+              </a:rPr>
+              <a:t>&gt;</a:t>
+            </a:r>
+            <a:br>
+              <a:rPr kumimoji="0" lang="de-DE" altLang="de-DE" sz="1600" b="0" i="0" u="none" strike="noStrike" cap="none" normalizeH="0" baseline="0" dirty="0" smtClean="0">
+                <a:ln>
+                  <a:noFill/>
+                </a:ln>
+                <a:solidFill>
+                  <a:srgbClr val="000000"/>
+                </a:solidFill>
+                <a:effectLst/>
+                <a:latin typeface="Courier New" panose="02070309020205020404" pitchFamily="49" charset="0"/>
+                <a:cs typeface="Courier New" panose="02070309020205020404" pitchFamily="49" charset="0"/>
+              </a:rPr>
+            </a:br>
+            <a:r>
+              <a:rPr kumimoji="0" lang="de-DE" altLang="de-DE" sz="1600" b="0" i="0" u="none" strike="noStrike" cap="none" normalizeH="0" baseline="0" dirty="0" smtClean="0">
+                <a:ln>
+                  <a:noFill/>
+                </a:ln>
+                <a:solidFill>
+                  <a:srgbClr val="000000"/>
+                </a:solidFill>
+                <a:effectLst/>
+                <a:latin typeface="Courier New" panose="02070309020205020404" pitchFamily="49" charset="0"/>
+                <a:cs typeface="Courier New" panose="02070309020205020404" pitchFamily="49" charset="0"/>
+              </a:rPr>
+              <a:t>&lt;/</a:t>
+            </a:r>
+            <a:r>
+              <a:rPr kumimoji="0" lang="de-DE" altLang="de-DE" sz="1600" b="1" i="0" u="none" strike="noStrike" cap="none" normalizeH="0" baseline="0" dirty="0" err="1" smtClean="0">
+                <a:ln>
+                  <a:noFill/>
+                </a:ln>
+                <a:solidFill>
+                  <a:srgbClr val="000080"/>
+                </a:solidFill>
+                <a:effectLst/>
+                <a:latin typeface="Courier New" panose="02070309020205020404" pitchFamily="49" charset="0"/>
+                <a:cs typeface="Courier New" panose="02070309020205020404" pitchFamily="49" charset="0"/>
+              </a:rPr>
+              <a:t>dependency</a:t>
+            </a:r>
+            <a:r>
+              <a:rPr kumimoji="0" lang="de-DE" altLang="de-DE" sz="1600" b="0" i="0" u="none" strike="noStrike" cap="none" normalizeH="0" baseline="0" dirty="0" smtClean="0">
+                <a:ln>
+                  <a:noFill/>
+                </a:ln>
+                <a:solidFill>
+                  <a:srgbClr val="000000"/>
+                </a:solidFill>
+                <a:effectLst/>
+                <a:latin typeface="Courier New" panose="02070309020205020404" pitchFamily="49" charset="0"/>
+                <a:cs typeface="Courier New" panose="02070309020205020404" pitchFamily="49" charset="0"/>
+              </a:rPr>
+              <a:t>&gt;</a:t>
+            </a:r>
+            <a:endParaRPr kumimoji="0" lang="de-DE" altLang="de-DE" sz="1600" b="0" i="0" u="none" strike="noStrike" cap="none" normalizeH="0" baseline="0" dirty="0" smtClean="0">
+              <a:ln>
+                <a:noFill/>
+              </a:ln>
+              <a:solidFill>
+                <a:schemeClr val="tx1"/>
+              </a:solidFill>
+              <a:effectLst/>
+              <a:latin typeface="Arial" panose="020B0604020202020204" pitchFamily="34" charset="0"/>
+            </a:endParaRPr>
+          </a:p>
+        </p:txBody>
+      </p:sp>
+    </p:spTree>
+    <p:extLst>
+      <p:ext uri="{BB962C8B-B14F-4D97-AF65-F5344CB8AC3E}">
+        <p14:creationId xmlns:p14="http://schemas.microsoft.com/office/powerpoint/2010/main" val="3981804624"/>
+      </p:ext>
+    </p:extLst>
+  </p:cSld>
+  <p:clrMapOvr>
+    <a:masterClrMapping/>
+  </p:clrMapOvr>
+  <p:timing>
+    <p:tnLst>
+      <p:par>
+        <p:cTn id="1" dur="indefinite" restart="never" nodeType="tmRoot"/>
+      </p:par>
+    </p:tnLst>
+  </p:timing>
+</p:sld>
+</file>
+
+<file path=ppt/slides/slide13.xml><?xml version="1.0" encoding="utf-8"?>
+<p:sld xmlns:a="http://schemas.openxmlformats.org/drawingml/2006/main" xmlns:r="http://schemas.openxmlformats.org/officeDocument/2006/relationships" xmlns:p="http://schemas.openxmlformats.org/presentationml/2006/main">
+  <p:cSld>
+    <p:spTree>
+      <p:nvGrpSpPr>
+        <p:cNvPr id="1" name=""/>
+        <p:cNvGrpSpPr/>
+        <p:nvPr/>
+      </p:nvGrpSpPr>
+      <p:grpSpPr>
+        <a:xfrm>
+          <a:off x="0" y="0"/>
+          <a:ext cx="0" cy="0"/>
+          <a:chOff x="0" y="0"/>
+          <a:chExt cx="0" cy="0"/>
+        </a:xfrm>
+      </p:grpSpPr>
+      <p:sp>
+        <p:nvSpPr>
+          <p:cNvPr id="2" name="Datumsplatzhalter 1"/>
+          <p:cNvSpPr>
+            <a:spLocks noGrp="1"/>
+          </p:cNvSpPr>
+          <p:nvPr>
+            <p:ph type="dt" sz="half" idx="10"/>
+          </p:nvPr>
+        </p:nvSpPr>
+        <p:spPr/>
+        <p:txBody>
+          <a:bodyPr/>
+          <a:lstStyle/>
+          <a:p>
+            <a:fld id="{5E48492E-72D1-4785-9351-8AE1E40FBA2D}" type="datetime1">
+              <a:rPr lang="de-CH" smtClean="0">
+                <a:solidFill>
+                  <a:srgbClr val="000000"/>
+                </a:solidFill>
+              </a:rPr>
+              <a:t>29.05.2016</a:t>
+            </a:fld>
+            <a:endParaRPr lang="de-CH">
+              <a:solidFill>
+                <a:srgbClr val="000000"/>
+              </a:solidFill>
+            </a:endParaRPr>
+          </a:p>
+        </p:txBody>
+      </p:sp>
+      <p:sp>
+        <p:nvSpPr>
+          <p:cNvPr id="3" name="Fußzeilenplatzhalter 2"/>
+          <p:cNvSpPr>
+            <a:spLocks noGrp="1"/>
+          </p:cNvSpPr>
+          <p:nvPr>
+            <p:ph type="ftr" sz="quarter" idx="11"/>
+          </p:nvPr>
+        </p:nvSpPr>
+        <p:spPr/>
+        <p:txBody>
+          <a:bodyPr/>
+          <a:lstStyle/>
+          <a:p>
+            <a:endParaRPr lang="de-CH" dirty="0">
+              <a:solidFill>
+                <a:srgbClr val="000000"/>
+              </a:solidFill>
+            </a:endParaRPr>
+          </a:p>
+        </p:txBody>
+      </p:sp>
+      <p:sp>
+        <p:nvSpPr>
+          <p:cNvPr id="4" name="Foliennummernplatzhalter 3"/>
+          <p:cNvSpPr>
+            <a:spLocks noGrp="1"/>
+          </p:cNvSpPr>
+          <p:nvPr>
+            <p:ph type="sldNum" sz="quarter" idx="12"/>
+          </p:nvPr>
+        </p:nvSpPr>
+        <p:spPr/>
+        <p:txBody>
+          <a:bodyPr/>
+          <a:lstStyle/>
+          <a:p>
+            <a:fld id="{351188DD-6605-4EF4-9E67-B567F731CE68}" type="slidenum">
+              <a:rPr lang="de-CH" smtClean="0">
+                <a:solidFill>
+                  <a:srgbClr val="000000"/>
+                </a:solidFill>
+              </a:rPr>
+              <a:pPr/>
+              <a:t>13</a:t>
             </a:fld>
             <a:endParaRPr lang="de-CH">
               <a:solidFill>
@@ -3463,6 +6446,723 @@
           </a:extLst>
         </p:spPr>
       </p:pic>
+      <p:sp>
+        <p:nvSpPr>
+          <p:cNvPr id="9" name="Rectangle 2"/>
+          <p:cNvSpPr>
+            <a:spLocks noChangeArrowheads="1"/>
+          </p:cNvSpPr>
+          <p:nvPr/>
+        </p:nvSpPr>
+        <p:spPr bwMode="auto">
+          <a:xfrm>
+            <a:off x="666180" y="3785855"/>
+            <a:ext cx="9284270" cy="2031325"/>
+          </a:xfrm>
+          <a:prstGeom prst="rect">
+            <a:avLst/>
+          </a:prstGeom>
+          <a:solidFill>
+            <a:srgbClr val="000000"/>
+          </a:solidFill>
+          <a:ln>
+            <a:noFill/>
+          </a:ln>
+          <a:effectLst/>
+          <a:extLst>
+            <a:ext uri="{91240B29-F687-4F45-9708-019B960494DF}">
+              <a14:hiddenLine xmlns:a14="http://schemas.microsoft.com/office/drawing/2010/main" w="9525">
+                <a:solidFill>
+                  <a:schemeClr val="tx1"/>
+                </a:solidFill>
+                <a:miter lim="800000"/>
+                <a:headEnd/>
+                <a:tailEnd/>
+              </a14:hiddenLine>
+            </a:ext>
+            <a:ext uri="{AF507438-7753-43E0-B8FC-AC1667EBCBE1}">
+              <a14:hiddenEffects xmlns:a14="http://schemas.microsoft.com/office/drawing/2010/main">
+                <a:effectLst>
+                  <a:outerShdw dist="35921" dir="2700000" algn="ctr" rotWithShape="0">
+                    <a:schemeClr val="bg2"/>
+                  </a:outerShdw>
+                </a:effectLst>
+              </a14:hiddenEffects>
+            </a:ext>
+          </a:extLst>
+        </p:spPr>
+        <p:txBody>
+          <a:bodyPr vert="horz" wrap="square" lIns="0" tIns="0" rIns="0" bIns="0" numCol="1" anchor="ctr" anchorCtr="0" compatLnSpc="1">
+            <a:prstTxWarp prst="textNoShape">
+              <a:avLst/>
+            </a:prstTxWarp>
+            <a:spAutoFit/>
+          </a:bodyPr>
+          <a:lstStyle/>
+          <a:p>
+            <a:pPr marL="0" marR="0" lvl="0" indent="0" algn="l" defTabSz="914400" rtl="0" eaLnBrk="0" fontAlgn="base" latinLnBrk="0" hangingPunct="0">
+              <a:lnSpc>
+                <a:spcPct val="100000"/>
+              </a:lnSpc>
+              <a:spcBef>
+                <a:spcPct val="0"/>
+              </a:spcBef>
+              <a:spcAft>
+                <a:spcPct val="0"/>
+              </a:spcAft>
+              <a:buClrTx/>
+              <a:buSzTx/>
+              <a:buFontTx/>
+              <a:buNone/>
+              <a:tabLst/>
+            </a:pPr>
+            <a:r>
+              <a:rPr kumimoji="0" lang="de-DE" altLang="de-DE" sz="2000" b="0" i="0" u="none" strike="noStrike" cap="none" normalizeH="0" baseline="0" dirty="0" smtClean="0">
+                <a:ln>
+                  <a:noFill/>
+                </a:ln>
+                <a:solidFill>
+                  <a:srgbClr val="F8F8F8"/>
+                </a:solidFill>
+                <a:effectLst/>
+                <a:latin typeface="Consolas" panose="020B0609020204030204" pitchFamily="49" charset="0"/>
+                <a:cs typeface="Consolas" panose="020B0609020204030204" pitchFamily="49" charset="0"/>
+              </a:rPr>
+              <a:t> </a:t>
+            </a:r>
+            <a:r>
+              <a:rPr kumimoji="0" lang="de-DE" altLang="de-DE" sz="2000" b="0" i="0" u="none" strike="noStrike" cap="none" normalizeH="0" baseline="0" dirty="0" err="1" smtClean="0">
+                <a:ln>
+                  <a:noFill/>
+                </a:ln>
+                <a:solidFill>
+                  <a:srgbClr val="F8F8F8"/>
+                </a:solidFill>
+                <a:effectLst/>
+                <a:latin typeface="Consolas" panose="020B0609020204030204" pitchFamily="49" charset="0"/>
+                <a:cs typeface="Consolas" panose="020B0609020204030204" pitchFamily="49" charset="0"/>
+              </a:rPr>
+              <a:t>git</a:t>
+            </a:r>
+            <a:r>
+              <a:rPr kumimoji="0" lang="de-DE" altLang="de-DE" sz="2000" b="0" i="0" u="none" strike="noStrike" cap="none" normalizeH="0" baseline="0" dirty="0" smtClean="0">
+                <a:ln>
+                  <a:noFill/>
+                </a:ln>
+                <a:solidFill>
+                  <a:srgbClr val="F8F8F8"/>
+                </a:solidFill>
+                <a:effectLst/>
+                <a:latin typeface="Consolas" panose="020B0609020204030204" pitchFamily="49" charset="0"/>
+                <a:cs typeface="Consolas" panose="020B0609020204030204" pitchFamily="49" charset="0"/>
+              </a:rPr>
+              <a:t> </a:t>
+            </a:r>
+            <a:r>
+              <a:rPr kumimoji="0" lang="de-DE" altLang="de-DE" sz="2000" b="0" i="0" u="none" strike="noStrike" cap="none" normalizeH="0" baseline="0" dirty="0" err="1" smtClean="0">
+                <a:ln>
+                  <a:noFill/>
+                </a:ln>
+                <a:solidFill>
+                  <a:srgbClr val="F8F8F8"/>
+                </a:solidFill>
+                <a:effectLst/>
+                <a:latin typeface="Consolas" panose="020B0609020204030204" pitchFamily="49" charset="0"/>
+                <a:cs typeface="Consolas" panose="020B0609020204030204" pitchFamily="49" charset="0"/>
+              </a:rPr>
+              <a:t>clone</a:t>
+            </a:r>
+            <a:r>
+              <a:rPr kumimoji="0" lang="de-DE" altLang="de-DE" sz="2000" b="0" i="0" u="none" strike="noStrike" cap="none" normalizeH="0" baseline="0" dirty="0" smtClean="0">
+                <a:ln>
+                  <a:noFill/>
+                </a:ln>
+                <a:solidFill>
+                  <a:srgbClr val="F8F8F8"/>
+                </a:solidFill>
+                <a:effectLst/>
+                <a:latin typeface="Consolas" panose="020B0609020204030204" pitchFamily="49" charset="0"/>
+                <a:cs typeface="Consolas" panose="020B0609020204030204" pitchFamily="49" charset="0"/>
+              </a:rPr>
+              <a:t> https://github.com/haisi/oop2Project.git </a:t>
+            </a:r>
+            <a:r>
+              <a:rPr kumimoji="0" lang="de-DE" altLang="de-DE" sz="2000" b="0" i="0" u="none" strike="noStrike" cap="none" normalizeH="0" baseline="0" dirty="0" err="1" smtClean="0">
+                <a:ln>
+                  <a:noFill/>
+                </a:ln>
+                <a:solidFill>
+                  <a:srgbClr val="F8F8F8"/>
+                </a:solidFill>
+                <a:effectLst/>
+                <a:latin typeface="Consolas" panose="020B0609020204030204" pitchFamily="49" charset="0"/>
+                <a:cs typeface="Consolas" panose="020B0609020204030204" pitchFamily="49" charset="0"/>
+              </a:rPr>
+              <a:t>hasan_project</a:t>
+            </a:r>
+            <a:r>
+              <a:rPr kumimoji="0" lang="de-DE" altLang="de-DE" sz="2000" b="0" i="0" u="none" strike="noStrike" cap="none" normalizeH="0" baseline="0" dirty="0" smtClean="0">
+                <a:ln>
+                  <a:noFill/>
+                </a:ln>
+                <a:solidFill>
+                  <a:srgbClr val="F8F8F8"/>
+                </a:solidFill>
+                <a:effectLst/>
+                <a:latin typeface="Consolas" panose="020B0609020204030204" pitchFamily="49" charset="0"/>
+                <a:cs typeface="Consolas" panose="020B0609020204030204" pitchFamily="49" charset="0"/>
+              </a:rPr>
+              <a:t> </a:t>
+            </a:r>
+          </a:p>
+          <a:p>
+            <a:pPr marL="0" marR="0" lvl="0" indent="0" algn="l" defTabSz="914400" rtl="0" eaLnBrk="0" fontAlgn="base" latinLnBrk="0" hangingPunct="0">
+              <a:lnSpc>
+                <a:spcPct val="100000"/>
+              </a:lnSpc>
+              <a:spcBef>
+                <a:spcPct val="0"/>
+              </a:spcBef>
+              <a:spcAft>
+                <a:spcPct val="0"/>
+              </a:spcAft>
+              <a:buClrTx/>
+              <a:buSzTx/>
+              <a:buFontTx/>
+              <a:buNone/>
+              <a:tabLst/>
+            </a:pPr>
+            <a:r>
+              <a:rPr kumimoji="0" lang="de-DE" altLang="de-DE" sz="2000" b="0" i="0" u="none" strike="noStrike" cap="none" normalizeH="0" baseline="0" dirty="0" smtClean="0">
+                <a:ln>
+                  <a:noFill/>
+                </a:ln>
+                <a:solidFill>
+                  <a:srgbClr val="DAD085"/>
+                </a:solidFill>
+                <a:effectLst/>
+                <a:latin typeface="Consolas" panose="020B0609020204030204" pitchFamily="49" charset="0"/>
+                <a:cs typeface="Consolas" panose="020B0609020204030204" pitchFamily="49" charset="0"/>
+              </a:rPr>
+              <a:t> cd</a:t>
+            </a:r>
+            <a:r>
+              <a:rPr kumimoji="0" lang="de-DE" altLang="de-DE" sz="2000" b="0" i="0" u="none" strike="noStrike" cap="none" normalizeH="0" baseline="0" dirty="0" smtClean="0">
+                <a:ln>
+                  <a:noFill/>
+                </a:ln>
+                <a:solidFill>
+                  <a:srgbClr val="F8F8F8"/>
+                </a:solidFill>
+                <a:effectLst/>
+                <a:latin typeface="Consolas" panose="020B0609020204030204" pitchFamily="49" charset="0"/>
+                <a:cs typeface="Consolas" panose="020B0609020204030204" pitchFamily="49" charset="0"/>
+              </a:rPr>
+              <a:t> </a:t>
+            </a:r>
+            <a:r>
+              <a:rPr kumimoji="0" lang="de-DE" altLang="de-DE" sz="2000" b="0" i="0" u="none" strike="noStrike" cap="none" normalizeH="0" baseline="0" dirty="0" err="1" smtClean="0">
+                <a:ln>
+                  <a:noFill/>
+                </a:ln>
+                <a:solidFill>
+                  <a:srgbClr val="F8F8F8"/>
+                </a:solidFill>
+                <a:effectLst/>
+                <a:latin typeface="Consolas" panose="020B0609020204030204" pitchFamily="49" charset="0"/>
+                <a:cs typeface="Consolas" panose="020B0609020204030204" pitchFamily="49" charset="0"/>
+              </a:rPr>
+              <a:t>hasan_project</a:t>
+            </a:r>
+            <a:r>
+              <a:rPr kumimoji="0" lang="de-DE" altLang="de-DE" sz="2000" b="0" i="0" u="none" strike="noStrike" cap="none" normalizeH="0" baseline="0" dirty="0" smtClean="0">
+                <a:ln>
+                  <a:noFill/>
+                </a:ln>
+                <a:solidFill>
+                  <a:srgbClr val="F8F8F8"/>
+                </a:solidFill>
+                <a:effectLst/>
+                <a:latin typeface="Consolas" panose="020B0609020204030204" pitchFamily="49" charset="0"/>
+                <a:cs typeface="Consolas" panose="020B0609020204030204" pitchFamily="49" charset="0"/>
+              </a:rPr>
+              <a:t> </a:t>
+            </a:r>
+          </a:p>
+          <a:p>
+            <a:pPr marL="0" marR="0" lvl="0" indent="0" algn="l" defTabSz="914400" rtl="0" eaLnBrk="0" fontAlgn="base" latinLnBrk="0" hangingPunct="0">
+              <a:lnSpc>
+                <a:spcPct val="100000"/>
+              </a:lnSpc>
+              <a:spcBef>
+                <a:spcPct val="0"/>
+              </a:spcBef>
+              <a:spcAft>
+                <a:spcPct val="0"/>
+              </a:spcAft>
+              <a:buClrTx/>
+              <a:buSzTx/>
+              <a:buFontTx/>
+              <a:buNone/>
+              <a:tabLst/>
+            </a:pPr>
+            <a:r>
+              <a:rPr kumimoji="0" lang="de-DE" altLang="de-DE" sz="2000" b="0" i="1" u="none" strike="noStrike" cap="none" normalizeH="0" baseline="0" dirty="0" smtClean="0">
+                <a:ln>
+                  <a:noFill/>
+                </a:ln>
+                <a:solidFill>
+                  <a:srgbClr val="AEAEAE"/>
+                </a:solidFill>
+                <a:effectLst/>
+                <a:latin typeface="Consolas" panose="020B0609020204030204" pitchFamily="49" charset="0"/>
+                <a:cs typeface="Consolas" panose="020B0609020204030204" pitchFamily="49" charset="0"/>
+              </a:rPr>
+              <a:t> # JAVA_HOME must </a:t>
+            </a:r>
+            <a:r>
+              <a:rPr kumimoji="0" lang="de-DE" altLang="de-DE" sz="2000" b="0" i="1" u="none" strike="noStrike" cap="none" normalizeH="0" baseline="0" dirty="0" err="1" smtClean="0">
+                <a:ln>
+                  <a:noFill/>
+                </a:ln>
+                <a:solidFill>
+                  <a:srgbClr val="AEAEAE"/>
+                </a:solidFill>
+                <a:effectLst/>
+                <a:latin typeface="Consolas" panose="020B0609020204030204" pitchFamily="49" charset="0"/>
+                <a:cs typeface="Consolas" panose="020B0609020204030204" pitchFamily="49" charset="0"/>
+              </a:rPr>
+              <a:t>be</a:t>
+            </a:r>
+            <a:r>
+              <a:rPr kumimoji="0" lang="de-DE" altLang="de-DE" sz="2000" b="0" i="1" u="none" strike="noStrike" cap="none" normalizeH="0" baseline="0" dirty="0" smtClean="0">
+                <a:ln>
+                  <a:noFill/>
+                </a:ln>
+                <a:solidFill>
+                  <a:srgbClr val="AEAEAE"/>
+                </a:solidFill>
+                <a:effectLst/>
+                <a:latin typeface="Consolas" panose="020B0609020204030204" pitchFamily="49" charset="0"/>
+                <a:cs typeface="Consolas" panose="020B0609020204030204" pitchFamily="49" charset="0"/>
+              </a:rPr>
+              <a:t> </a:t>
+            </a:r>
+            <a:r>
+              <a:rPr kumimoji="0" lang="de-DE" altLang="de-DE" sz="2000" b="0" i="1" u="none" strike="noStrike" cap="none" normalizeH="0" baseline="0" dirty="0" err="1" smtClean="0">
+                <a:ln>
+                  <a:noFill/>
+                </a:ln>
+                <a:solidFill>
+                  <a:srgbClr val="AEAEAE"/>
+                </a:solidFill>
+                <a:effectLst/>
+                <a:latin typeface="Consolas" panose="020B0609020204030204" pitchFamily="49" charset="0"/>
+                <a:cs typeface="Consolas" panose="020B0609020204030204" pitchFamily="49" charset="0"/>
+              </a:rPr>
+              <a:t>set</a:t>
+            </a:r>
+            <a:r>
+              <a:rPr kumimoji="0" lang="de-DE" altLang="de-DE" sz="2000" b="0" i="1" u="none" strike="noStrike" cap="none" normalizeH="0" baseline="0" dirty="0" smtClean="0">
+                <a:ln>
+                  <a:noFill/>
+                </a:ln>
+                <a:solidFill>
+                  <a:srgbClr val="AEAEAE"/>
+                </a:solidFill>
+                <a:effectLst/>
+                <a:latin typeface="Consolas" panose="020B0609020204030204" pitchFamily="49" charset="0"/>
+                <a:cs typeface="Consolas" panose="020B0609020204030204" pitchFamily="49" charset="0"/>
+              </a:rPr>
+              <a:t>!</a:t>
+            </a:r>
+            <a:r>
+              <a:rPr kumimoji="0" lang="de-DE" altLang="de-DE" sz="2000" b="0" i="0" u="none" strike="noStrike" cap="none" normalizeH="0" baseline="0" dirty="0" smtClean="0">
+                <a:ln>
+                  <a:noFill/>
+                </a:ln>
+                <a:solidFill>
+                  <a:srgbClr val="F8F8F8"/>
+                </a:solidFill>
+                <a:effectLst/>
+                <a:latin typeface="Consolas" panose="020B0609020204030204" pitchFamily="49" charset="0"/>
+                <a:cs typeface="Consolas" panose="020B0609020204030204" pitchFamily="49" charset="0"/>
+              </a:rPr>
+              <a:t> </a:t>
+            </a:r>
+          </a:p>
+          <a:p>
+            <a:pPr marL="0" marR="0" lvl="0" indent="0" algn="l" defTabSz="914400" rtl="0" eaLnBrk="0" fontAlgn="base" latinLnBrk="0" hangingPunct="0">
+              <a:lnSpc>
+                <a:spcPct val="100000"/>
+              </a:lnSpc>
+              <a:spcBef>
+                <a:spcPct val="0"/>
+              </a:spcBef>
+              <a:spcAft>
+                <a:spcPct val="0"/>
+              </a:spcAft>
+              <a:buClrTx/>
+              <a:buSzTx/>
+              <a:buFontTx/>
+              <a:buNone/>
+              <a:tabLst/>
+            </a:pPr>
+            <a:r>
+              <a:rPr kumimoji="0" lang="de-DE" altLang="de-DE" sz="2000" b="0" i="1" u="none" strike="noStrike" cap="none" normalizeH="0" baseline="0" dirty="0" smtClean="0">
+                <a:ln>
+                  <a:noFill/>
+                </a:ln>
+                <a:solidFill>
+                  <a:srgbClr val="AEAEAE"/>
+                </a:solidFill>
+                <a:effectLst/>
+                <a:latin typeface="Consolas" panose="020B0609020204030204" pitchFamily="49" charset="0"/>
+                <a:cs typeface="Consolas" panose="020B0609020204030204" pitchFamily="49" charset="0"/>
+              </a:rPr>
+              <a:t> # Downloads </a:t>
+            </a:r>
+            <a:r>
+              <a:rPr kumimoji="0" lang="de-DE" altLang="de-DE" sz="2000" b="0" i="1" u="none" strike="noStrike" cap="none" normalizeH="0" baseline="0" dirty="0" err="1" smtClean="0">
+                <a:ln>
+                  <a:noFill/>
+                </a:ln>
+                <a:solidFill>
+                  <a:srgbClr val="AEAEAE"/>
+                </a:solidFill>
+                <a:effectLst/>
+                <a:latin typeface="Consolas" panose="020B0609020204030204" pitchFamily="49" charset="0"/>
+                <a:cs typeface="Consolas" panose="020B0609020204030204" pitchFamily="49" charset="0"/>
+              </a:rPr>
+              <a:t>maven</a:t>
+            </a:r>
+            <a:r>
+              <a:rPr kumimoji="0" lang="de-DE" altLang="de-DE" sz="2000" b="0" i="1" u="none" strike="noStrike" cap="none" normalizeH="0" baseline="0" dirty="0" smtClean="0">
+                <a:ln>
+                  <a:noFill/>
+                </a:ln>
+                <a:solidFill>
+                  <a:srgbClr val="AEAEAE"/>
+                </a:solidFill>
+                <a:effectLst/>
+                <a:latin typeface="Consolas" panose="020B0609020204030204" pitchFamily="49" charset="0"/>
+                <a:cs typeface="Consolas" panose="020B0609020204030204" pitchFamily="49" charset="0"/>
+              </a:rPr>
+              <a:t> </a:t>
+            </a:r>
+            <a:r>
+              <a:rPr kumimoji="0" lang="de-DE" altLang="de-DE" sz="2000" b="0" i="1" u="none" strike="noStrike" cap="none" normalizeH="0" baseline="0" dirty="0" err="1" smtClean="0">
+                <a:ln>
+                  <a:noFill/>
+                </a:ln>
+                <a:solidFill>
+                  <a:srgbClr val="AEAEAE"/>
+                </a:solidFill>
+                <a:effectLst/>
+                <a:latin typeface="Consolas" panose="020B0609020204030204" pitchFamily="49" charset="0"/>
+                <a:cs typeface="Consolas" panose="020B0609020204030204" pitchFamily="49" charset="0"/>
+              </a:rPr>
+              <a:t>and</a:t>
+            </a:r>
+            <a:r>
+              <a:rPr kumimoji="0" lang="de-DE" altLang="de-DE" sz="2000" b="0" i="1" u="none" strike="noStrike" cap="none" normalizeH="0" baseline="0" dirty="0" smtClean="0">
+                <a:ln>
+                  <a:noFill/>
+                </a:ln>
+                <a:solidFill>
+                  <a:srgbClr val="AEAEAE"/>
+                </a:solidFill>
+                <a:effectLst/>
+                <a:latin typeface="Consolas" panose="020B0609020204030204" pitchFamily="49" charset="0"/>
+                <a:cs typeface="Consolas" panose="020B0609020204030204" pitchFamily="49" charset="0"/>
+              </a:rPr>
+              <a:t> </a:t>
+            </a:r>
+            <a:r>
+              <a:rPr kumimoji="0" lang="de-DE" altLang="de-DE" sz="2000" b="0" i="1" u="none" strike="noStrike" cap="none" normalizeH="0" baseline="0" dirty="0" err="1" smtClean="0">
+                <a:ln>
+                  <a:noFill/>
+                </a:ln>
+                <a:solidFill>
+                  <a:srgbClr val="AEAEAE"/>
+                </a:solidFill>
+                <a:effectLst/>
+                <a:latin typeface="Consolas" panose="020B0609020204030204" pitchFamily="49" charset="0"/>
+                <a:cs typeface="Consolas" panose="020B0609020204030204" pitchFamily="49" charset="0"/>
+              </a:rPr>
+              <a:t>builds</a:t>
+            </a:r>
+            <a:r>
+              <a:rPr kumimoji="0" lang="de-DE" altLang="de-DE" sz="2000" b="0" i="1" u="none" strike="noStrike" cap="none" normalizeH="0" baseline="0" dirty="0" smtClean="0">
+                <a:ln>
+                  <a:noFill/>
+                </a:ln>
+                <a:solidFill>
+                  <a:srgbClr val="AEAEAE"/>
+                </a:solidFill>
+                <a:effectLst/>
+                <a:latin typeface="Consolas" panose="020B0609020204030204" pitchFamily="49" charset="0"/>
+                <a:cs typeface="Consolas" panose="020B0609020204030204" pitchFamily="49" charset="0"/>
+              </a:rPr>
+              <a:t> </a:t>
+            </a:r>
+            <a:r>
+              <a:rPr kumimoji="0" lang="de-DE" altLang="de-DE" sz="2000" b="0" i="1" u="none" strike="noStrike" cap="none" normalizeH="0" baseline="0" dirty="0" err="1" smtClean="0">
+                <a:ln>
+                  <a:noFill/>
+                </a:ln>
+                <a:solidFill>
+                  <a:srgbClr val="AEAEAE"/>
+                </a:solidFill>
+                <a:effectLst/>
+                <a:latin typeface="Consolas" panose="020B0609020204030204" pitchFamily="49" charset="0"/>
+                <a:cs typeface="Consolas" panose="020B0609020204030204" pitchFamily="49" charset="0"/>
+              </a:rPr>
+              <a:t>project</a:t>
+            </a:r>
+            <a:r>
+              <a:rPr kumimoji="0" lang="de-DE" altLang="de-DE" sz="2000" b="0" i="0" u="none" strike="noStrike" cap="none" normalizeH="0" baseline="0" dirty="0" smtClean="0">
+                <a:ln>
+                  <a:noFill/>
+                </a:ln>
+                <a:solidFill>
+                  <a:srgbClr val="F8F8F8"/>
+                </a:solidFill>
+                <a:effectLst/>
+                <a:latin typeface="Consolas" panose="020B0609020204030204" pitchFamily="49" charset="0"/>
+                <a:cs typeface="Consolas" panose="020B0609020204030204" pitchFamily="49" charset="0"/>
+              </a:rPr>
+              <a:t> </a:t>
+            </a:r>
+          </a:p>
+          <a:p>
+            <a:pPr marL="0" marR="0" lvl="0" indent="0" algn="l" defTabSz="914400" rtl="0" eaLnBrk="0" fontAlgn="base" latinLnBrk="0" hangingPunct="0">
+              <a:lnSpc>
+                <a:spcPct val="100000"/>
+              </a:lnSpc>
+              <a:spcBef>
+                <a:spcPct val="0"/>
+              </a:spcBef>
+              <a:spcAft>
+                <a:spcPct val="0"/>
+              </a:spcAft>
+              <a:buClrTx/>
+              <a:buSzTx/>
+              <a:buFontTx/>
+              <a:buNone/>
+              <a:tabLst/>
+            </a:pPr>
+            <a:r>
+              <a:rPr kumimoji="0" lang="de-DE" altLang="de-DE" sz="2000" b="0" i="0" u="none" strike="noStrike" cap="none" normalizeH="0" baseline="0" dirty="0" smtClean="0">
+                <a:ln>
+                  <a:noFill/>
+                </a:ln>
+                <a:solidFill>
+                  <a:srgbClr val="F8F8F8"/>
+                </a:solidFill>
+                <a:effectLst/>
+                <a:latin typeface="Consolas" panose="020B0609020204030204" pitchFamily="49" charset="0"/>
+                <a:cs typeface="Consolas" panose="020B0609020204030204" pitchFamily="49" charset="0"/>
+              </a:rPr>
+              <a:t> ./</a:t>
+            </a:r>
+            <a:r>
+              <a:rPr kumimoji="0" lang="de-DE" altLang="de-DE" sz="2000" b="0" i="0" u="none" strike="noStrike" cap="none" normalizeH="0" baseline="0" dirty="0" err="1" smtClean="0">
+                <a:ln>
+                  <a:noFill/>
+                </a:ln>
+                <a:solidFill>
+                  <a:srgbClr val="F8F8F8"/>
+                </a:solidFill>
+                <a:effectLst/>
+                <a:latin typeface="Consolas" panose="020B0609020204030204" pitchFamily="49" charset="0"/>
+                <a:cs typeface="Consolas" panose="020B0609020204030204" pitchFamily="49" charset="0"/>
+              </a:rPr>
+              <a:t>mvnw</a:t>
+            </a:r>
+            <a:r>
+              <a:rPr kumimoji="0" lang="de-DE" altLang="de-DE" sz="2000" b="0" i="0" u="none" strike="noStrike" cap="none" normalizeH="0" baseline="0" dirty="0" smtClean="0">
+                <a:ln>
+                  <a:noFill/>
+                </a:ln>
+                <a:solidFill>
+                  <a:srgbClr val="F8F8F8"/>
+                </a:solidFill>
+                <a:effectLst/>
+                <a:latin typeface="Consolas" panose="020B0609020204030204" pitchFamily="49" charset="0"/>
+                <a:cs typeface="Consolas" panose="020B0609020204030204" pitchFamily="49" charset="0"/>
+              </a:rPr>
+              <a:t> clean </a:t>
+            </a:r>
+            <a:r>
+              <a:rPr kumimoji="0" lang="de-DE" altLang="de-DE" sz="2000" b="0" i="0" u="none" strike="noStrike" cap="none" normalizeH="0" baseline="0" dirty="0" err="1" smtClean="0">
+                <a:ln>
+                  <a:noFill/>
+                </a:ln>
+                <a:solidFill>
+                  <a:srgbClr val="F8F8F8"/>
+                </a:solidFill>
+                <a:effectLst/>
+                <a:latin typeface="Consolas" panose="020B0609020204030204" pitchFamily="49" charset="0"/>
+                <a:cs typeface="Consolas" panose="020B0609020204030204" pitchFamily="49" charset="0"/>
+              </a:rPr>
+              <a:t>install</a:t>
+            </a:r>
+            <a:r>
+              <a:rPr kumimoji="0" lang="de-DE" altLang="de-DE" sz="2000" b="0" i="0" u="none" strike="noStrike" cap="none" normalizeH="0" baseline="0" dirty="0" smtClean="0">
+                <a:ln>
+                  <a:noFill/>
+                </a:ln>
+                <a:solidFill>
+                  <a:srgbClr val="F8F8F8"/>
+                </a:solidFill>
+                <a:effectLst/>
+                <a:latin typeface="Consolas" panose="020B0609020204030204" pitchFamily="49" charset="0"/>
+                <a:cs typeface="Consolas" panose="020B0609020204030204" pitchFamily="49" charset="0"/>
+              </a:rPr>
+              <a:t> </a:t>
+            </a:r>
+          </a:p>
+          <a:p>
+            <a:pPr marL="0" marR="0" lvl="0" indent="0" algn="l" defTabSz="914400" rtl="0" eaLnBrk="0" fontAlgn="base" latinLnBrk="0" hangingPunct="0">
+              <a:lnSpc>
+                <a:spcPct val="100000"/>
+              </a:lnSpc>
+              <a:spcBef>
+                <a:spcPct val="0"/>
+              </a:spcBef>
+              <a:spcAft>
+                <a:spcPct val="0"/>
+              </a:spcAft>
+              <a:buClrTx/>
+              <a:buSzTx/>
+              <a:buFontTx/>
+              <a:buNone/>
+              <a:tabLst/>
+            </a:pPr>
+            <a:r>
+              <a:rPr kumimoji="0" lang="de-DE" altLang="de-DE" sz="2000" b="0" i="0" u="none" strike="noStrike" cap="none" normalizeH="0" baseline="0" dirty="0" smtClean="0">
+                <a:ln>
+                  <a:noFill/>
+                </a:ln>
+                <a:solidFill>
+                  <a:srgbClr val="F8F8F8"/>
+                </a:solidFill>
+                <a:effectLst/>
+                <a:latin typeface="Consolas" panose="020B0609020204030204" pitchFamily="49" charset="0"/>
+                <a:cs typeface="Consolas" panose="020B0609020204030204" pitchFamily="49" charset="0"/>
+              </a:rPr>
+              <a:t> </a:t>
+            </a:r>
+            <a:r>
+              <a:rPr kumimoji="0" lang="de-DE" altLang="de-DE" sz="2000" b="0" i="0" u="none" strike="noStrike" cap="none" normalizeH="0" baseline="0" dirty="0" err="1" smtClean="0">
+                <a:ln>
+                  <a:noFill/>
+                </a:ln>
+                <a:solidFill>
+                  <a:srgbClr val="F8F8F8"/>
+                </a:solidFill>
+                <a:effectLst/>
+                <a:latin typeface="Consolas" panose="020B0609020204030204" pitchFamily="49" charset="0"/>
+                <a:cs typeface="Consolas" panose="020B0609020204030204" pitchFamily="49" charset="0"/>
+              </a:rPr>
+              <a:t>java</a:t>
+            </a:r>
+            <a:r>
+              <a:rPr kumimoji="0" lang="de-DE" altLang="de-DE" sz="2000" b="0" i="0" u="none" strike="noStrike" cap="none" normalizeH="0" baseline="0" dirty="0" smtClean="0">
+                <a:ln>
+                  <a:noFill/>
+                </a:ln>
+                <a:solidFill>
+                  <a:srgbClr val="F8F8F8"/>
+                </a:solidFill>
+                <a:effectLst/>
+                <a:latin typeface="Consolas" panose="020B0609020204030204" pitchFamily="49" charset="0"/>
+                <a:cs typeface="Consolas" panose="020B0609020204030204" pitchFamily="49" charset="0"/>
+              </a:rPr>
+              <a:t> -</a:t>
+            </a:r>
+            <a:r>
+              <a:rPr kumimoji="0" lang="de-DE" altLang="de-DE" sz="2000" b="0" i="0" u="none" strike="noStrike" cap="none" normalizeH="0" baseline="0" dirty="0" err="1" smtClean="0">
+                <a:ln>
+                  <a:noFill/>
+                </a:ln>
+                <a:solidFill>
+                  <a:srgbClr val="F8F8F8"/>
+                </a:solidFill>
+                <a:effectLst/>
+                <a:latin typeface="Consolas" panose="020B0609020204030204" pitchFamily="49" charset="0"/>
+                <a:cs typeface="Consolas" panose="020B0609020204030204" pitchFamily="49" charset="0"/>
+              </a:rPr>
+              <a:t>jar</a:t>
+            </a:r>
+            <a:r>
+              <a:rPr kumimoji="0" lang="de-DE" altLang="de-DE" sz="2000" b="0" i="0" u="none" strike="noStrike" cap="none" normalizeH="0" baseline="0" dirty="0" smtClean="0">
+                <a:ln>
+                  <a:noFill/>
+                </a:ln>
+                <a:solidFill>
+                  <a:srgbClr val="F8F8F8"/>
+                </a:solidFill>
+                <a:effectLst/>
+                <a:latin typeface="Consolas" panose="020B0609020204030204" pitchFamily="49" charset="0"/>
+                <a:cs typeface="Consolas" panose="020B0609020204030204" pitchFamily="49" charset="0"/>
+              </a:rPr>
+              <a:t> </a:t>
+            </a:r>
+            <a:r>
+              <a:rPr kumimoji="0" lang="de-DE" altLang="de-DE" sz="2000" b="0" i="0" u="none" strike="noStrike" cap="none" normalizeH="0" baseline="0" dirty="0" err="1" smtClean="0">
+                <a:ln>
+                  <a:noFill/>
+                </a:ln>
+                <a:solidFill>
+                  <a:srgbClr val="F8F8F8"/>
+                </a:solidFill>
+                <a:effectLst/>
+                <a:latin typeface="Consolas" panose="020B0609020204030204" pitchFamily="49" charset="0"/>
+                <a:cs typeface="Consolas" panose="020B0609020204030204" pitchFamily="49" charset="0"/>
+              </a:rPr>
+              <a:t>target</a:t>
+            </a:r>
+            <a:r>
+              <a:rPr kumimoji="0" lang="de-DE" altLang="de-DE" sz="2000" b="0" i="0" u="none" strike="noStrike" cap="none" normalizeH="0" baseline="0" dirty="0" smtClean="0">
+                <a:ln>
+                  <a:noFill/>
+                </a:ln>
+                <a:solidFill>
+                  <a:srgbClr val="F8F8F8"/>
+                </a:solidFill>
+                <a:effectLst/>
+                <a:latin typeface="Consolas" panose="020B0609020204030204" pitchFamily="49" charset="0"/>
+                <a:cs typeface="Consolas" panose="020B0609020204030204" pitchFamily="49" charset="0"/>
+              </a:rPr>
+              <a:t>/oop2Projekt-app.jar</a:t>
+            </a:r>
+            <a:r>
+              <a:rPr kumimoji="0" lang="de-DE" altLang="de-DE" sz="2000" b="0" i="0" u="none" strike="noStrike" cap="none" normalizeH="0" baseline="0" dirty="0" smtClean="0">
+                <a:ln>
+                  <a:noFill/>
+                </a:ln>
+                <a:solidFill>
+                  <a:schemeClr val="tx1"/>
+                </a:solidFill>
+                <a:effectLst/>
+              </a:rPr>
+              <a:t> </a:t>
+            </a:r>
+            <a:endParaRPr kumimoji="0" lang="de-DE" altLang="de-DE" sz="2000" b="0" i="0" u="none" strike="noStrike" cap="none" normalizeH="0" baseline="0" dirty="0" smtClean="0">
+              <a:ln>
+                <a:noFill/>
+              </a:ln>
+              <a:solidFill>
+                <a:schemeClr val="tx1"/>
+              </a:solidFill>
+              <a:effectLst/>
+              <a:latin typeface="Arial" panose="020B0604020202020204" pitchFamily="34" charset="0"/>
+            </a:endParaRPr>
+          </a:p>
+        </p:txBody>
+      </p:sp>
     </p:spTree>
     <p:extLst>
       <p:ext uri="{BB962C8B-B14F-4D97-AF65-F5344CB8AC3E}">
@@ -3521,7 +7221,7 @@
                   <a:srgbClr val="000000"/>
                 </a:solidFill>
               </a:rPr>
-              <a:t>24.05.2016</a:t>
+              <a:t>29.05.2016</a:t>
             </a:fld>
             <a:endParaRPr lang="de-CH">
               <a:solidFill>
@@ -3685,6 +7385,13 @@
   <p:clrMapOvr>
     <a:masterClrMapping/>
   </p:clrMapOvr>
+  <p:timing>
+    <p:tnLst>
+      <p:par>
+        <p:cTn id="1" dur="indefinite" restart="never" nodeType="tmRoot"/>
+      </p:par>
+    </p:tnLst>
+  </p:timing>
 </p:sld>
 </file>
 
@@ -3726,7 +7433,7 @@
                   <a:srgbClr val="000000"/>
                 </a:solidFill>
               </a:rPr>
-              <a:t>24.05.2016</a:t>
+              <a:t>29.05.2016</a:t>
             </a:fld>
             <a:endParaRPr lang="de-CH">
               <a:solidFill>
@@ -3814,25 +7521,36 @@
           </a:p>
         </p:txBody>
       </p:sp>
-      <p:sp>
-        <p:nvSpPr>
-          <p:cNvPr id="6" name="Textplatzhalter 5"/>
-          <p:cNvSpPr>
-            <a:spLocks noGrp="1"/>
-          </p:cNvSpPr>
-          <p:nvPr>
-            <p:ph type="body" idx="1"/>
-          </p:nvPr>
-        </p:nvSpPr>
-        <p:spPr/>
-        <p:txBody>
-          <a:bodyPr/>
-          <a:lstStyle/>
-          <a:p>
-            <a:endParaRPr lang="de-CH" dirty="0"/>
-          </a:p>
-        </p:txBody>
-      </p:sp>
+      <p:pic>
+        <p:nvPicPr>
+          <p:cNvPr id="8" name="Grafik 7"/>
+          <p:cNvPicPr>
+            <a:picLocks noChangeAspect="1"/>
+          </p:cNvPicPr>
+          <p:nvPr/>
+        </p:nvPicPr>
+        <p:blipFill>
+          <a:blip r:embed="rId3">
+            <a:extLst>
+              <a:ext uri="{28A0092B-C50C-407E-A947-70E740481C1C}">
+                <a14:useLocalDpi xmlns:a14="http://schemas.microsoft.com/office/drawing/2010/main" val="0"/>
+              </a:ext>
+            </a:extLst>
+          </a:blip>
+          <a:stretch>
+            <a:fillRect/>
+          </a:stretch>
+        </p:blipFill>
+        <p:spPr>
+          <a:xfrm>
+            <a:off x="1818308" y="1980431"/>
+            <a:ext cx="7416824" cy="4768596"/>
+          </a:xfrm>
+          <a:prstGeom prst="rect">
+            <a:avLst/>
+          </a:prstGeom>
+        </p:spPr>
+      </p:pic>
     </p:spTree>
     <p:extLst>
       <p:ext uri="{BB962C8B-B14F-4D97-AF65-F5344CB8AC3E}">
@@ -3891,7 +7609,7 @@
                   <a:srgbClr val="000000"/>
                 </a:solidFill>
               </a:rPr>
-              <a:t>24.05.2016</a:t>
+              <a:t>29.05.2016</a:t>
             </a:fld>
             <a:endParaRPr lang="de-CH">
               <a:solidFill>
@@ -4000,7 +7718,15 @@
             </a:pPr>
             <a:r>
               <a:rPr lang="de-CH" dirty="0" smtClean="0"/>
-              <a:t>FXML</a:t>
+              <a:t>Fast wie C# </a:t>
+            </a:r>
+            <a:r>
+              <a:rPr lang="de-CH" dirty="0" err="1" smtClean="0"/>
+              <a:t>WPF’s</a:t>
+            </a:r>
+            <a:r>
+              <a:rPr lang="de-CH" dirty="0" smtClean="0"/>
+              <a:t> XAML</a:t>
             </a:r>
           </a:p>
           <a:p>
@@ -4024,7 +7750,6 @@
               <a:rPr lang="de-CH" dirty="0" smtClean="0"/>
               <a:t>)</a:t>
             </a:r>
-            <a:endParaRPr lang="de-CH" dirty="0" smtClean="0"/>
           </a:p>
           <a:p>
             <a:pPr marL="342900" indent="-342900">
@@ -4040,8 +7765,12 @@
               <a:t> ohne </a:t>
             </a:r>
             <a:r>
-              <a:rPr lang="de-CH" dirty="0" err="1" smtClean="0"/>
-              <a:t>compilierung</a:t>
+              <a:rPr lang="de-CH" dirty="0"/>
+              <a:t>K</a:t>
+            </a:r>
+            <a:r>
+              <a:rPr lang="de-CH" dirty="0" smtClean="0"/>
+              <a:t>ompilierung</a:t>
             </a:r>
             <a:endParaRPr lang="de-CH" dirty="0"/>
           </a:p>
@@ -4057,41 +7786,29 @@
         </p:nvSpPr>
         <p:spPr bwMode="auto">
           <a:xfrm>
-            <a:off x="1026220" y="3662564"/>
-            <a:ext cx="6516936" cy="3108543"/>
+            <a:off x="1026220" y="3770285"/>
+            <a:ext cx="8856984" cy="2893100"/>
           </a:xfrm>
           <a:prstGeom prst="rect">
             <a:avLst/>
           </a:prstGeom>
-          <a:solidFill>
-            <a:srgbClr val="FFFFFF"/>
-          </a:solidFill>
-          <a:ln>
-            <a:noFill/>
-          </a:ln>
-          <a:effectLst/>
-          <a:extLst>
-            <a:ext uri="{91240B29-F687-4F45-9708-019B960494DF}">
-              <a14:hiddenLine xmlns:a14="http://schemas.microsoft.com/office/drawing/2010/main" w="9525">
-                <a:solidFill>
-                  <a:schemeClr val="tx1"/>
-                </a:solidFill>
-                <a:miter lim="800000"/>
-                <a:headEnd/>
-                <a:tailEnd/>
-              </a14:hiddenLine>
-            </a:ext>
-            <a:ext uri="{AF507438-7753-43E0-B8FC-AC1667EBCBE1}">
-              <a14:hiddenEffects xmlns:a14="http://schemas.microsoft.com/office/drawing/2010/main">
-                <a:effectLst>
-                  <a:outerShdw dist="35921" dir="2700000" algn="ctr" rotWithShape="0">
-                    <a:schemeClr val="bg2"/>
-                  </a:outerShdw>
-                </a:effectLst>
-              </a14:hiddenEffects>
-            </a:ext>
-          </a:extLst>
+          <a:ln/>
+          <a:extLst/>
         </p:spPr>
+        <p:style>
+          <a:lnRef idx="2">
+            <a:schemeClr val="dk1"/>
+          </a:lnRef>
+          <a:fillRef idx="1">
+            <a:schemeClr val="lt1"/>
+          </a:fillRef>
+          <a:effectRef idx="0">
+            <a:schemeClr val="dk1"/>
+          </a:effectRef>
+          <a:fontRef idx="minor">
+            <a:schemeClr val="dk1"/>
+          </a:fontRef>
+        </p:style>
         <p:txBody>
           <a:bodyPr vert="horz" wrap="square" lIns="91440" tIns="45720" rIns="91440" bIns="45720" numCol="1" anchor="ctr" anchorCtr="0" compatLnSpc="1">
             <a:prstTxWarp prst="textNoShape">
@@ -4441,27 +8158,13 @@
                   <a:noFill/>
                 </a:ln>
                 <a:solidFill>
-                  <a:srgbClr val="660E7A"/>
-                </a:solidFill>
-                <a:effectLst/>
-                <a:latin typeface="Courier New" panose="02070309020205020404" pitchFamily="49" charset="0"/>
-                <a:cs typeface="Courier New" panose="02070309020205020404" pitchFamily="49" charset="0"/>
-              </a:rPr>
-              <a:t>fx</a:t>
-            </a:r>
-            <a:r>
-              <a:rPr kumimoji="0" lang="de-DE" altLang="de-DE" sz="1400" b="1" i="0" u="none" strike="noStrike" cap="none" normalizeH="0" baseline="0" dirty="0" err="1" smtClean="0">
-                <a:ln>
-                  <a:noFill/>
-                </a:ln>
-                <a:solidFill>
-                  <a:srgbClr val="0000FF"/>
-                </a:solidFill>
-                <a:effectLst/>
-                <a:latin typeface="Courier New" panose="02070309020205020404" pitchFamily="49" charset="0"/>
-                <a:cs typeface="Courier New" panose="02070309020205020404" pitchFamily="49" charset="0"/>
-              </a:rPr>
-              <a:t>:controller</a:t>
+                  <a:srgbClr val="FF0000"/>
+                </a:solidFill>
+                <a:effectLst/>
+                <a:latin typeface="Courier New" panose="02070309020205020404" pitchFamily="49" charset="0"/>
+                <a:cs typeface="Courier New" panose="02070309020205020404" pitchFamily="49" charset="0"/>
+              </a:rPr>
+              <a:t>fx:controller</a:t>
             </a:r>
             <a:r>
               <a:rPr kumimoji="0" lang="de-DE" altLang="de-DE" sz="1400" b="1" i="0" u="none" strike="noStrike" cap="none" normalizeH="0" baseline="0" dirty="0" smtClean="0">
@@ -4635,27 +8338,13 @@
                   <a:noFill/>
                 </a:ln>
                 <a:solidFill>
-                  <a:srgbClr val="660E7A"/>
-                </a:solidFill>
-                <a:effectLst/>
-                <a:latin typeface="Courier New" panose="02070309020205020404" pitchFamily="49" charset="0"/>
-                <a:cs typeface="Courier New" panose="02070309020205020404" pitchFamily="49" charset="0"/>
-              </a:rPr>
-              <a:t>fx</a:t>
-            </a:r>
-            <a:r>
-              <a:rPr kumimoji="0" lang="de-DE" altLang="de-DE" sz="1400" b="1" i="0" u="none" strike="noStrike" cap="none" normalizeH="0" baseline="0" dirty="0" err="1" smtClean="0">
-                <a:ln>
-                  <a:noFill/>
-                </a:ln>
-                <a:solidFill>
-                  <a:srgbClr val="0000FF"/>
-                </a:solidFill>
-                <a:effectLst/>
-                <a:latin typeface="Courier New" panose="02070309020205020404" pitchFamily="49" charset="0"/>
-                <a:cs typeface="Courier New" panose="02070309020205020404" pitchFamily="49" charset="0"/>
-              </a:rPr>
-              <a:t>:id</a:t>
+                  <a:srgbClr val="FF0000"/>
+                </a:solidFill>
+                <a:effectLst/>
+                <a:latin typeface="Courier New" panose="02070309020205020404" pitchFamily="49" charset="0"/>
+                <a:cs typeface="Courier New" panose="02070309020205020404" pitchFamily="49" charset="0"/>
+              </a:rPr>
+              <a:t>fx:id</a:t>
             </a:r>
             <a:r>
               <a:rPr kumimoji="0" lang="de-DE" altLang="de-DE" sz="1400" b="1" i="0" u="none" strike="noStrike" cap="none" normalizeH="0" baseline="0" dirty="0" smtClean="0">
@@ -5255,7 +8944,7 @@
                   <a:srgbClr val="000000"/>
                 </a:solidFill>
               </a:rPr>
-              <a:t>24.05.2016</a:t>
+              <a:t>29.05.2016</a:t>
             </a:fld>
             <a:endParaRPr lang="de-CH">
               <a:solidFill>
@@ -5363,8 +9052,20 @@
               <a:buChar char="•"/>
             </a:pPr>
             <a:r>
+              <a:rPr lang="de-CH" dirty="0"/>
+              <a:t>Fast wie C# </a:t>
+            </a:r>
+            <a:r>
+              <a:rPr lang="de-CH" dirty="0" err="1"/>
+              <a:t>WPF’s</a:t>
+            </a:r>
+            <a:r>
+              <a:rPr lang="de-CH" dirty="0"/>
+              <a:t> </a:t>
+            </a:r>
+            <a:r>
               <a:rPr lang="de-CH" dirty="0" smtClean="0"/>
-              <a:t>FXML</a:t>
+              <a:t>XAML</a:t>
             </a:r>
           </a:p>
           <a:p>
@@ -5388,7 +9089,6 @@
               <a:rPr lang="de-CH" dirty="0" smtClean="0"/>
               <a:t>)</a:t>
             </a:r>
-            <a:endParaRPr lang="de-CH" dirty="0" smtClean="0"/>
           </a:p>
           <a:p>
             <a:pPr marL="342900" indent="-342900">
@@ -5404,8 +9104,12 @@
               <a:t> ohne </a:t>
             </a:r>
             <a:r>
+              <a:rPr lang="de-CH" dirty="0" err="1"/>
+              <a:t>k</a:t>
+            </a:r>
+            <a:r>
               <a:rPr lang="de-CH" dirty="0" err="1" smtClean="0"/>
-              <a:t>compilierung</a:t>
+              <a:t>ompilierung</a:t>
             </a:r>
             <a:endParaRPr lang="de-CH" dirty="0"/>
           </a:p>
@@ -5420,7 +9124,7 @@
           <p:nvPr/>
         </p:nvPicPr>
         <p:blipFill>
-          <a:blip r:embed="rId2">
+          <a:blip r:embed="rId3">
             <a:extLst>
               <a:ext uri="{28A0092B-C50C-407E-A947-70E740481C1C}">
                 <a14:useLocalDpi xmlns:a14="http://schemas.microsoft.com/office/drawing/2010/main" val="0"/>
@@ -5499,7 +9203,7 @@
                   <a:srgbClr val="000000"/>
                 </a:solidFill>
               </a:rPr>
-              <a:t>24.05.2016</a:t>
+              <a:t>29.05.2016</a:t>
             </a:fld>
             <a:endParaRPr lang="de-CH">
               <a:solidFill>
@@ -5580,8 +9284,8 @@
           <a:lstStyle/>
           <a:p>
             <a:r>
-              <a:rPr lang="de-CH" dirty="0" err="1" smtClean="0"/>
-              <a:t>Afterburner.fx</a:t>
+              <a:rPr lang="de-CH" dirty="0" smtClean="0"/>
+              <a:t>FXML</a:t>
             </a:r>
             <a:endParaRPr lang="de-CH" dirty="0"/>
           </a:p>
@@ -5607,30 +9311,17 @@
               <a:buChar char="•"/>
             </a:pPr>
             <a:r>
-              <a:rPr lang="de-CH" dirty="0" smtClean="0">
-                <a:hlinkClick r:id="rId2"/>
-              </a:rPr>
-              <a:t>Open </a:t>
-            </a:r>
-            <a:r>
-              <a:rPr lang="de-CH" dirty="0" err="1" smtClean="0">
-                <a:hlinkClick r:id="rId2"/>
-              </a:rPr>
-              <a:t>source</a:t>
-            </a:r>
-            <a:r>
-              <a:rPr lang="de-CH" dirty="0" smtClean="0">
-                <a:hlinkClick r:id="rId2"/>
-              </a:rPr>
-              <a:t> mini </a:t>
-            </a:r>
-            <a:r>
-              <a:rPr lang="de-CH" dirty="0" err="1" smtClean="0">
-                <a:hlinkClick r:id="rId2"/>
-              </a:rPr>
-              <a:t>framework</a:t>
-            </a:r>
-            <a:endParaRPr lang="de-CH" dirty="0" smtClean="0"/>
+              <a:rPr lang="de-CH" dirty="0"/>
+              <a:t>Fast wie C# </a:t>
+            </a:r>
+            <a:r>
+              <a:rPr lang="de-CH" dirty="0" err="1"/>
+              <a:t>WPF’s</a:t>
+            </a:r>
+            <a:r>
+              <a:rPr lang="de-CH" dirty="0"/>
+              <a:t> XAML</a:t>
+            </a:r>
           </a:p>
           <a:p>
             <a:pPr marL="342900" indent="-342900">
@@ -5638,26 +9329,17 @@
               <a:buChar char="•"/>
             </a:pPr>
             <a:r>
-              <a:rPr lang="de-CH" dirty="0" err="1" smtClean="0"/>
-              <a:t>Convention</a:t>
-            </a:r>
-            <a:r>
-              <a:rPr lang="de-CH" dirty="0" smtClean="0"/>
-              <a:t> </a:t>
-            </a:r>
-            <a:r>
-              <a:rPr lang="de-CH" dirty="0" err="1" smtClean="0"/>
-              <a:t>over</a:t>
-            </a:r>
-            <a:r>
-              <a:rPr lang="de-CH" dirty="0" smtClean="0"/>
-              <a:t> </a:t>
-            </a:r>
-            <a:r>
-              <a:rPr lang="de-CH" dirty="0" err="1" smtClean="0"/>
-              <a:t>configuration</a:t>
-            </a:r>
-            <a:endParaRPr lang="de-CH" dirty="0" smtClean="0"/>
+              <a:rPr lang="de-CH" dirty="0"/>
+              <a:t>Scene </a:t>
+            </a:r>
+            <a:r>
+              <a:rPr lang="de-CH" dirty="0" err="1"/>
+              <a:t>Builder</a:t>
+            </a:r>
+            <a:r>
+              <a:rPr lang="de-CH" dirty="0"/>
+              <a:t> (WYSIWYG)</a:t>
+            </a:r>
           </a:p>
           <a:p>
             <a:pPr marL="342900" indent="-342900">
@@ -5665,6 +9347,866 @@
               <a:buChar char="•"/>
             </a:pPr>
             <a:r>
+              <a:rPr lang="de-CH" dirty="0" err="1"/>
+              <a:t>Prototyping</a:t>
+            </a:r>
+            <a:r>
+              <a:rPr lang="de-CH" dirty="0"/>
+              <a:t> ohne </a:t>
+            </a:r>
+            <a:r>
+              <a:rPr lang="de-CH" dirty="0" err="1"/>
+              <a:t>kompilierung</a:t>
+            </a:r>
+            <a:endParaRPr lang="de-CH" dirty="0"/>
+          </a:p>
+        </p:txBody>
+      </p:sp>
+      <p:sp>
+        <p:nvSpPr>
+          <p:cNvPr id="8" name="Rectangle 1"/>
+          <p:cNvSpPr>
+            <a:spLocks noChangeArrowheads="1"/>
+          </p:cNvSpPr>
+          <p:nvPr/>
+        </p:nvSpPr>
+        <p:spPr bwMode="auto">
+          <a:xfrm>
+            <a:off x="738188" y="3942645"/>
+            <a:ext cx="9361040" cy="2862322"/>
+          </a:xfrm>
+          <a:prstGeom prst="rect">
+            <a:avLst/>
+          </a:prstGeom>
+          <a:ln/>
+        </p:spPr>
+        <p:style>
+          <a:lnRef idx="2">
+            <a:schemeClr val="dk1"/>
+          </a:lnRef>
+          <a:fillRef idx="1">
+            <a:schemeClr val="lt1"/>
+          </a:fillRef>
+          <a:effectRef idx="0">
+            <a:schemeClr val="dk1"/>
+          </a:effectRef>
+          <a:fontRef idx="minor">
+            <a:schemeClr val="dk1"/>
+          </a:fontRef>
+        </p:style>
+        <p:txBody>
+          <a:bodyPr vert="horz" wrap="square" lIns="91440" tIns="45720" rIns="91440" bIns="45720" numCol="1" anchor="ctr" anchorCtr="0" compatLnSpc="1">
+            <a:prstTxWarp prst="textNoShape">
+              <a:avLst/>
+            </a:prstTxWarp>
+            <a:spAutoFit/>
+          </a:bodyPr>
+          <a:lstStyle/>
+          <a:p>
+            <a:pPr marL="0" marR="0" lvl="0" indent="0" algn="l" defTabSz="914400" rtl="0" eaLnBrk="0" fontAlgn="base" latinLnBrk="0" hangingPunct="0">
+              <a:lnSpc>
+                <a:spcPct val="100000"/>
+              </a:lnSpc>
+              <a:spcBef>
+                <a:spcPct val="0"/>
+              </a:spcBef>
+              <a:spcAft>
+                <a:spcPct val="0"/>
+              </a:spcAft>
+              <a:buClrTx/>
+              <a:buSzTx/>
+              <a:buFontTx/>
+              <a:buNone/>
+              <a:tabLst/>
+            </a:pPr>
+            <a:r>
+              <a:rPr kumimoji="0" lang="de-DE" altLang="de-DE" sz="2000" b="0" i="0" u="none" strike="noStrike" cap="none" normalizeH="0" baseline="0" dirty="0" smtClean="0">
+                <a:ln>
+                  <a:noFill/>
+                </a:ln>
+                <a:solidFill>
+                  <a:srgbClr val="808000"/>
+                </a:solidFill>
+                <a:effectLst/>
+                <a:latin typeface="Courier New" panose="02070309020205020404" pitchFamily="49" charset="0"/>
+                <a:cs typeface="Courier New" panose="02070309020205020404" pitchFamily="49" charset="0"/>
+              </a:rPr>
+              <a:t>@FXML</a:t>
+            </a:r>
+            <a:br>
+              <a:rPr kumimoji="0" lang="de-DE" altLang="de-DE" sz="2000" b="0" i="0" u="none" strike="noStrike" cap="none" normalizeH="0" baseline="0" dirty="0" smtClean="0">
+                <a:ln>
+                  <a:noFill/>
+                </a:ln>
+                <a:solidFill>
+                  <a:srgbClr val="808000"/>
+                </a:solidFill>
+                <a:effectLst/>
+                <a:latin typeface="Courier New" panose="02070309020205020404" pitchFamily="49" charset="0"/>
+                <a:cs typeface="Courier New" panose="02070309020205020404" pitchFamily="49" charset="0"/>
+              </a:rPr>
+            </a:br>
+            <a:r>
+              <a:rPr kumimoji="0" lang="de-DE" altLang="de-DE" sz="2000" b="0" i="0" u="none" strike="noStrike" cap="none" normalizeH="0" baseline="0" dirty="0" smtClean="0">
+                <a:ln>
+                  <a:noFill/>
+                </a:ln>
+                <a:solidFill>
+                  <a:srgbClr val="000000"/>
+                </a:solidFill>
+                <a:effectLst/>
+                <a:latin typeface="Courier New" panose="02070309020205020404" pitchFamily="49" charset="0"/>
+                <a:cs typeface="Courier New" panose="02070309020205020404" pitchFamily="49" charset="0"/>
+              </a:rPr>
+              <a:t>Button </a:t>
+            </a:r>
+            <a:r>
+              <a:rPr kumimoji="0" lang="de-DE" altLang="de-DE" sz="2000" b="1" i="0" u="none" strike="noStrike" cap="none" normalizeH="0" baseline="0" dirty="0" err="1" smtClean="0">
+                <a:ln>
+                  <a:noFill/>
+                </a:ln>
+                <a:solidFill>
+                  <a:srgbClr val="660E7A"/>
+                </a:solidFill>
+                <a:effectLst/>
+                <a:latin typeface="Courier New" panose="02070309020205020404" pitchFamily="49" charset="0"/>
+                <a:cs typeface="Courier New" panose="02070309020205020404" pitchFamily="49" charset="0"/>
+              </a:rPr>
+              <a:t>addBtn</a:t>
+            </a:r>
+            <a:r>
+              <a:rPr kumimoji="0" lang="de-DE" altLang="de-DE" sz="2000" b="0" i="0" u="none" strike="noStrike" cap="none" normalizeH="0" baseline="0" dirty="0" smtClean="0">
+                <a:ln>
+                  <a:noFill/>
+                </a:ln>
+                <a:solidFill>
+                  <a:srgbClr val="000000"/>
+                </a:solidFill>
+                <a:effectLst/>
+                <a:latin typeface="Courier New" panose="02070309020205020404" pitchFamily="49" charset="0"/>
+                <a:cs typeface="Courier New" panose="02070309020205020404" pitchFamily="49" charset="0"/>
+              </a:rPr>
+              <a:t>;</a:t>
+            </a:r>
+            <a:br>
+              <a:rPr kumimoji="0" lang="de-DE" altLang="de-DE" sz="2000" b="0" i="0" u="none" strike="noStrike" cap="none" normalizeH="0" baseline="0" dirty="0" smtClean="0">
+                <a:ln>
+                  <a:noFill/>
+                </a:ln>
+                <a:solidFill>
+                  <a:srgbClr val="000000"/>
+                </a:solidFill>
+                <a:effectLst/>
+                <a:latin typeface="Courier New" panose="02070309020205020404" pitchFamily="49" charset="0"/>
+                <a:cs typeface="Courier New" panose="02070309020205020404" pitchFamily="49" charset="0"/>
+              </a:rPr>
+            </a:br>
+            <a:r>
+              <a:rPr kumimoji="0" lang="de-DE" altLang="de-DE" sz="2000" b="0" i="0" u="none" strike="noStrike" cap="none" normalizeH="0" baseline="0" dirty="0" smtClean="0">
+                <a:ln>
+                  <a:noFill/>
+                </a:ln>
+                <a:solidFill>
+                  <a:srgbClr val="000000"/>
+                </a:solidFill>
+                <a:effectLst/>
+                <a:latin typeface="Courier New" panose="02070309020205020404" pitchFamily="49" charset="0"/>
+                <a:cs typeface="Courier New" panose="02070309020205020404" pitchFamily="49" charset="0"/>
+              </a:rPr>
+              <a:t/>
+            </a:r>
+            <a:br>
+              <a:rPr kumimoji="0" lang="de-DE" altLang="de-DE" sz="2000" b="0" i="0" u="none" strike="noStrike" cap="none" normalizeH="0" baseline="0" dirty="0" smtClean="0">
+                <a:ln>
+                  <a:noFill/>
+                </a:ln>
+                <a:solidFill>
+                  <a:srgbClr val="000000"/>
+                </a:solidFill>
+                <a:effectLst/>
+                <a:latin typeface="Courier New" panose="02070309020205020404" pitchFamily="49" charset="0"/>
+                <a:cs typeface="Courier New" panose="02070309020205020404" pitchFamily="49" charset="0"/>
+              </a:rPr>
+            </a:br>
+            <a:r>
+              <a:rPr kumimoji="0" lang="de-DE" altLang="de-DE" sz="2000" b="0" i="0" u="none" strike="noStrike" cap="none" normalizeH="0" baseline="0" dirty="0" smtClean="0">
+                <a:ln>
+                  <a:noFill/>
+                </a:ln>
+                <a:solidFill>
+                  <a:srgbClr val="808000"/>
+                </a:solidFill>
+                <a:effectLst/>
+                <a:latin typeface="Courier New" panose="02070309020205020404" pitchFamily="49" charset="0"/>
+                <a:cs typeface="Courier New" panose="02070309020205020404" pitchFamily="49" charset="0"/>
+              </a:rPr>
+              <a:t>@</a:t>
+            </a:r>
+            <a:r>
+              <a:rPr kumimoji="0" lang="de-DE" altLang="de-DE" sz="2000" b="0" i="0" u="none" strike="noStrike" cap="none" normalizeH="0" baseline="0" dirty="0" err="1" smtClean="0">
+                <a:ln>
+                  <a:noFill/>
+                </a:ln>
+                <a:solidFill>
+                  <a:srgbClr val="808000"/>
+                </a:solidFill>
+                <a:effectLst/>
+                <a:latin typeface="Courier New" panose="02070309020205020404" pitchFamily="49" charset="0"/>
+                <a:cs typeface="Courier New" panose="02070309020205020404" pitchFamily="49" charset="0"/>
+              </a:rPr>
+              <a:t>Override</a:t>
+            </a:r>
+            <a:r>
+              <a:rPr kumimoji="0" lang="de-DE" altLang="de-DE" sz="2000" b="0" i="0" u="none" strike="noStrike" cap="none" normalizeH="0" baseline="0" dirty="0" smtClean="0">
+                <a:ln>
+                  <a:noFill/>
+                </a:ln>
+                <a:solidFill>
+                  <a:srgbClr val="808000"/>
+                </a:solidFill>
+                <a:effectLst/>
+                <a:latin typeface="Courier New" panose="02070309020205020404" pitchFamily="49" charset="0"/>
+                <a:cs typeface="Courier New" panose="02070309020205020404" pitchFamily="49" charset="0"/>
+              </a:rPr>
+              <a:t/>
+            </a:r>
+            <a:br>
+              <a:rPr kumimoji="0" lang="de-DE" altLang="de-DE" sz="2000" b="0" i="0" u="none" strike="noStrike" cap="none" normalizeH="0" baseline="0" dirty="0" smtClean="0">
+                <a:ln>
+                  <a:noFill/>
+                </a:ln>
+                <a:solidFill>
+                  <a:srgbClr val="808000"/>
+                </a:solidFill>
+                <a:effectLst/>
+                <a:latin typeface="Courier New" panose="02070309020205020404" pitchFamily="49" charset="0"/>
+                <a:cs typeface="Courier New" panose="02070309020205020404" pitchFamily="49" charset="0"/>
+              </a:rPr>
+            </a:br>
+            <a:r>
+              <a:rPr kumimoji="0" lang="de-DE" altLang="de-DE" sz="2000" b="1" i="0" u="none" strike="noStrike" cap="none" normalizeH="0" baseline="0" dirty="0" err="1" smtClean="0">
+                <a:ln>
+                  <a:noFill/>
+                </a:ln>
+                <a:solidFill>
+                  <a:srgbClr val="000080"/>
+                </a:solidFill>
+                <a:effectLst/>
+                <a:latin typeface="Courier New" panose="02070309020205020404" pitchFamily="49" charset="0"/>
+                <a:cs typeface="Courier New" panose="02070309020205020404" pitchFamily="49" charset="0"/>
+              </a:rPr>
+              <a:t>public</a:t>
+            </a:r>
+            <a:r>
+              <a:rPr kumimoji="0" lang="de-DE" altLang="de-DE" sz="2000" b="1" i="0" u="none" strike="noStrike" cap="none" normalizeH="0" baseline="0" dirty="0" smtClean="0">
+                <a:ln>
+                  <a:noFill/>
+                </a:ln>
+                <a:solidFill>
+                  <a:srgbClr val="000080"/>
+                </a:solidFill>
+                <a:effectLst/>
+                <a:latin typeface="Courier New" panose="02070309020205020404" pitchFamily="49" charset="0"/>
+                <a:cs typeface="Courier New" panose="02070309020205020404" pitchFamily="49" charset="0"/>
+              </a:rPr>
+              <a:t> </a:t>
+            </a:r>
+            <a:r>
+              <a:rPr kumimoji="0" lang="de-DE" altLang="de-DE" sz="2000" b="1" i="0" u="none" strike="noStrike" cap="none" normalizeH="0" baseline="0" dirty="0" err="1" smtClean="0">
+                <a:ln>
+                  <a:noFill/>
+                </a:ln>
+                <a:solidFill>
+                  <a:srgbClr val="000080"/>
+                </a:solidFill>
+                <a:effectLst/>
+                <a:latin typeface="Courier New" panose="02070309020205020404" pitchFamily="49" charset="0"/>
+                <a:cs typeface="Courier New" panose="02070309020205020404" pitchFamily="49" charset="0"/>
+              </a:rPr>
+              <a:t>void</a:t>
+            </a:r>
+            <a:r>
+              <a:rPr kumimoji="0" lang="de-DE" altLang="de-DE" sz="2000" b="1" i="0" u="none" strike="noStrike" cap="none" normalizeH="0" baseline="0" dirty="0" smtClean="0">
+                <a:ln>
+                  <a:noFill/>
+                </a:ln>
+                <a:solidFill>
+                  <a:srgbClr val="000080"/>
+                </a:solidFill>
+                <a:effectLst/>
+                <a:latin typeface="Courier New" panose="02070309020205020404" pitchFamily="49" charset="0"/>
+                <a:cs typeface="Courier New" panose="02070309020205020404" pitchFamily="49" charset="0"/>
+              </a:rPr>
+              <a:t> </a:t>
+            </a:r>
+            <a:r>
+              <a:rPr kumimoji="0" lang="de-DE" altLang="de-DE" sz="2000" b="0" i="0" u="none" strike="noStrike" cap="none" normalizeH="0" baseline="0" dirty="0" err="1" smtClean="0">
+                <a:ln>
+                  <a:noFill/>
+                </a:ln>
+                <a:solidFill>
+                  <a:srgbClr val="000000"/>
+                </a:solidFill>
+                <a:effectLst/>
+                <a:latin typeface="Courier New" panose="02070309020205020404" pitchFamily="49" charset="0"/>
+                <a:cs typeface="Courier New" panose="02070309020205020404" pitchFamily="49" charset="0"/>
+              </a:rPr>
+              <a:t>initialize</a:t>
+            </a:r>
+            <a:r>
+              <a:rPr kumimoji="0" lang="de-DE" altLang="de-DE" sz="2000" b="0" i="0" u="none" strike="noStrike" cap="none" normalizeH="0" baseline="0" dirty="0" smtClean="0">
+                <a:ln>
+                  <a:noFill/>
+                </a:ln>
+                <a:solidFill>
+                  <a:srgbClr val="000000"/>
+                </a:solidFill>
+                <a:effectLst/>
+                <a:latin typeface="Courier New" panose="02070309020205020404" pitchFamily="49" charset="0"/>
+                <a:cs typeface="Courier New" panose="02070309020205020404" pitchFamily="49" charset="0"/>
+              </a:rPr>
+              <a:t>(URL </a:t>
+            </a:r>
+            <a:r>
+              <a:rPr kumimoji="0" lang="de-DE" altLang="de-DE" sz="2000" b="0" i="0" u="none" strike="noStrike" cap="none" normalizeH="0" baseline="0" dirty="0" err="1" smtClean="0">
+                <a:ln>
+                  <a:noFill/>
+                </a:ln>
+                <a:solidFill>
+                  <a:srgbClr val="000000"/>
+                </a:solidFill>
+                <a:effectLst/>
+                <a:latin typeface="Courier New" panose="02070309020205020404" pitchFamily="49" charset="0"/>
+                <a:cs typeface="Courier New" panose="02070309020205020404" pitchFamily="49" charset="0"/>
+              </a:rPr>
+              <a:t>location</a:t>
+            </a:r>
+            <a:r>
+              <a:rPr kumimoji="0" lang="de-DE" altLang="de-DE" sz="2000" b="0" i="0" u="none" strike="noStrike" cap="none" normalizeH="0" baseline="0" dirty="0" smtClean="0">
+                <a:ln>
+                  <a:noFill/>
+                </a:ln>
+                <a:solidFill>
+                  <a:srgbClr val="000000"/>
+                </a:solidFill>
+                <a:effectLst/>
+                <a:latin typeface="Courier New" panose="02070309020205020404" pitchFamily="49" charset="0"/>
+                <a:cs typeface="Courier New" panose="02070309020205020404" pitchFamily="49" charset="0"/>
+              </a:rPr>
+              <a:t>, </a:t>
+            </a:r>
+            <a:r>
+              <a:rPr kumimoji="0" lang="de-DE" altLang="de-DE" sz="2000" b="0" i="0" u="none" strike="noStrike" cap="none" normalizeH="0" baseline="0" dirty="0" err="1" smtClean="0">
+                <a:ln>
+                  <a:noFill/>
+                </a:ln>
+                <a:solidFill>
+                  <a:srgbClr val="000000"/>
+                </a:solidFill>
+                <a:effectLst/>
+                <a:latin typeface="Courier New" panose="02070309020205020404" pitchFamily="49" charset="0"/>
+                <a:cs typeface="Courier New" panose="02070309020205020404" pitchFamily="49" charset="0"/>
+              </a:rPr>
+              <a:t>ResourceBundle</a:t>
+            </a:r>
+            <a:r>
+              <a:rPr kumimoji="0" lang="de-DE" altLang="de-DE" sz="2000" b="0" i="0" u="none" strike="noStrike" cap="none" normalizeH="0" baseline="0" dirty="0" smtClean="0">
+                <a:ln>
+                  <a:noFill/>
+                </a:ln>
+                <a:solidFill>
+                  <a:srgbClr val="000000"/>
+                </a:solidFill>
+                <a:effectLst/>
+                <a:latin typeface="Courier New" panose="02070309020205020404" pitchFamily="49" charset="0"/>
+                <a:cs typeface="Courier New" panose="02070309020205020404" pitchFamily="49" charset="0"/>
+              </a:rPr>
+              <a:t> </a:t>
+            </a:r>
+            <a:r>
+              <a:rPr kumimoji="0" lang="de-DE" altLang="de-DE" sz="2000" b="0" i="0" u="none" strike="noStrike" cap="none" normalizeH="0" baseline="0" dirty="0" err="1" smtClean="0">
+                <a:ln>
+                  <a:noFill/>
+                </a:ln>
+                <a:solidFill>
+                  <a:srgbClr val="000000"/>
+                </a:solidFill>
+                <a:effectLst/>
+                <a:latin typeface="Courier New" panose="02070309020205020404" pitchFamily="49" charset="0"/>
+                <a:cs typeface="Courier New" panose="02070309020205020404" pitchFamily="49" charset="0"/>
+              </a:rPr>
+              <a:t>rs</a:t>
+            </a:r>
+            <a:r>
+              <a:rPr kumimoji="0" lang="de-DE" altLang="de-DE" sz="2000" b="0" i="0" u="none" strike="noStrike" cap="none" normalizeH="0" baseline="0" dirty="0" smtClean="0">
+                <a:ln>
+                  <a:noFill/>
+                </a:ln>
+                <a:solidFill>
+                  <a:srgbClr val="000000"/>
+                </a:solidFill>
+                <a:effectLst/>
+                <a:latin typeface="Courier New" panose="02070309020205020404" pitchFamily="49" charset="0"/>
+                <a:cs typeface="Courier New" panose="02070309020205020404" pitchFamily="49" charset="0"/>
+              </a:rPr>
+              <a:t>) {</a:t>
+            </a:r>
+            <a:br>
+              <a:rPr kumimoji="0" lang="de-DE" altLang="de-DE" sz="2000" b="0" i="0" u="none" strike="noStrike" cap="none" normalizeH="0" baseline="0" dirty="0" smtClean="0">
+                <a:ln>
+                  <a:noFill/>
+                </a:ln>
+                <a:solidFill>
+                  <a:srgbClr val="000000"/>
+                </a:solidFill>
+                <a:effectLst/>
+                <a:latin typeface="Courier New" panose="02070309020205020404" pitchFamily="49" charset="0"/>
+                <a:cs typeface="Courier New" panose="02070309020205020404" pitchFamily="49" charset="0"/>
+              </a:rPr>
+            </a:br>
+            <a:r>
+              <a:rPr kumimoji="0" lang="de-DE" altLang="de-DE" sz="2000" b="0" i="0" u="none" strike="noStrike" cap="none" normalizeH="0" baseline="0" dirty="0" smtClean="0">
+                <a:ln>
+                  <a:noFill/>
+                </a:ln>
+                <a:solidFill>
+                  <a:srgbClr val="000000"/>
+                </a:solidFill>
+                <a:effectLst/>
+                <a:latin typeface="Courier New" panose="02070309020205020404" pitchFamily="49" charset="0"/>
+                <a:cs typeface="Courier New" panose="02070309020205020404" pitchFamily="49" charset="0"/>
+              </a:rPr>
+              <a:t>    </a:t>
+            </a:r>
+            <a:br>
+              <a:rPr kumimoji="0" lang="de-DE" altLang="de-DE" sz="2000" b="0" i="0" u="none" strike="noStrike" cap="none" normalizeH="0" baseline="0" dirty="0" smtClean="0">
+                <a:ln>
+                  <a:noFill/>
+                </a:ln>
+                <a:solidFill>
+                  <a:srgbClr val="000000"/>
+                </a:solidFill>
+                <a:effectLst/>
+                <a:latin typeface="Courier New" panose="02070309020205020404" pitchFamily="49" charset="0"/>
+                <a:cs typeface="Courier New" panose="02070309020205020404" pitchFamily="49" charset="0"/>
+              </a:rPr>
+            </a:br>
+            <a:r>
+              <a:rPr kumimoji="0" lang="de-DE" altLang="de-DE" sz="2000" b="0" i="0" u="none" strike="noStrike" cap="none" normalizeH="0" baseline="0" dirty="0" smtClean="0">
+                <a:ln>
+                  <a:noFill/>
+                </a:ln>
+                <a:solidFill>
+                  <a:srgbClr val="000000"/>
+                </a:solidFill>
+                <a:effectLst/>
+                <a:latin typeface="Courier New" panose="02070309020205020404" pitchFamily="49" charset="0"/>
+                <a:cs typeface="Courier New" panose="02070309020205020404" pitchFamily="49" charset="0"/>
+              </a:rPr>
+              <a:t>    </a:t>
+            </a:r>
+            <a:r>
+              <a:rPr kumimoji="0" lang="de-DE" altLang="de-DE" sz="2000" b="1" i="0" u="none" strike="noStrike" cap="none" normalizeH="0" baseline="0" dirty="0" err="1" smtClean="0">
+                <a:ln>
+                  <a:noFill/>
+                </a:ln>
+                <a:solidFill>
+                  <a:srgbClr val="660E7A"/>
+                </a:solidFill>
+                <a:effectLst/>
+                <a:latin typeface="Courier New" panose="02070309020205020404" pitchFamily="49" charset="0"/>
+                <a:cs typeface="Courier New" panose="02070309020205020404" pitchFamily="49" charset="0"/>
+              </a:rPr>
+              <a:t>addBtn</a:t>
+            </a:r>
+            <a:r>
+              <a:rPr kumimoji="0" lang="de-DE" altLang="de-DE" sz="2000" b="0" i="0" u="none" strike="noStrike" cap="none" normalizeH="0" baseline="0" dirty="0" err="1" smtClean="0">
+                <a:ln>
+                  <a:noFill/>
+                </a:ln>
+                <a:solidFill>
+                  <a:srgbClr val="000000"/>
+                </a:solidFill>
+                <a:effectLst/>
+                <a:latin typeface="Courier New" panose="02070309020205020404" pitchFamily="49" charset="0"/>
+                <a:cs typeface="Courier New" panose="02070309020205020404" pitchFamily="49" charset="0"/>
+              </a:rPr>
+              <a:t>.setText</a:t>
+            </a:r>
+            <a:r>
+              <a:rPr kumimoji="0" lang="de-DE" altLang="de-DE" sz="2000" b="0" i="0" u="none" strike="noStrike" cap="none" normalizeH="0" baseline="0" dirty="0" smtClean="0">
+                <a:ln>
+                  <a:noFill/>
+                </a:ln>
+                <a:solidFill>
+                  <a:srgbClr val="000000"/>
+                </a:solidFill>
+                <a:effectLst/>
+                <a:latin typeface="Courier New" panose="02070309020205020404" pitchFamily="49" charset="0"/>
+                <a:cs typeface="Courier New" panose="02070309020205020404" pitchFamily="49" charset="0"/>
+              </a:rPr>
+              <a:t>(</a:t>
+            </a:r>
+            <a:r>
+              <a:rPr kumimoji="0" lang="de-DE" altLang="de-DE" sz="2000" b="1" i="0" u="none" strike="noStrike" cap="none" normalizeH="0" baseline="0" dirty="0" smtClean="0">
+                <a:ln>
+                  <a:noFill/>
+                </a:ln>
+                <a:solidFill>
+                  <a:srgbClr val="008000"/>
+                </a:solidFill>
+                <a:effectLst/>
+                <a:latin typeface="Courier New" panose="02070309020205020404" pitchFamily="49" charset="0"/>
+                <a:cs typeface="Courier New" panose="02070309020205020404" pitchFamily="49" charset="0"/>
+              </a:rPr>
+              <a:t>"</a:t>
+            </a:r>
+            <a:r>
+              <a:rPr kumimoji="0" lang="de-DE" altLang="de-DE" sz="2000" b="1" i="0" u="none" strike="noStrike" cap="none" normalizeH="0" baseline="0" dirty="0" err="1" smtClean="0">
+                <a:ln>
+                  <a:noFill/>
+                </a:ln>
+                <a:solidFill>
+                  <a:srgbClr val="008000"/>
+                </a:solidFill>
+                <a:effectLst/>
+                <a:latin typeface="Courier New" panose="02070309020205020404" pitchFamily="49" charset="0"/>
+                <a:cs typeface="Courier New" panose="02070309020205020404" pitchFamily="49" charset="0"/>
+              </a:rPr>
+              <a:t>Hello</a:t>
+            </a:r>
+            <a:r>
+              <a:rPr kumimoji="0" lang="de-DE" altLang="de-DE" sz="2000" b="1" i="0" u="none" strike="noStrike" cap="none" normalizeH="0" baseline="0" dirty="0" smtClean="0">
+                <a:ln>
+                  <a:noFill/>
+                </a:ln>
+                <a:solidFill>
+                  <a:srgbClr val="008000"/>
+                </a:solidFill>
+                <a:effectLst/>
+                <a:latin typeface="Courier New" panose="02070309020205020404" pitchFamily="49" charset="0"/>
+                <a:cs typeface="Courier New" panose="02070309020205020404" pitchFamily="49" charset="0"/>
+              </a:rPr>
+              <a:t> World"</a:t>
+            </a:r>
+            <a:r>
+              <a:rPr kumimoji="0" lang="de-DE" altLang="de-DE" sz="2000" b="0" i="0" u="none" strike="noStrike" cap="none" normalizeH="0" baseline="0" dirty="0" smtClean="0">
+                <a:ln>
+                  <a:noFill/>
+                </a:ln>
+                <a:solidFill>
+                  <a:srgbClr val="000000"/>
+                </a:solidFill>
+                <a:effectLst/>
+                <a:latin typeface="Courier New" panose="02070309020205020404" pitchFamily="49" charset="0"/>
+                <a:cs typeface="Courier New" panose="02070309020205020404" pitchFamily="49" charset="0"/>
+              </a:rPr>
+              <a:t>);</a:t>
+            </a:r>
+          </a:p>
+          <a:p>
+            <a:pPr marL="0" marR="0" lvl="0" indent="0" algn="l" defTabSz="914400" rtl="0" eaLnBrk="0" fontAlgn="base" latinLnBrk="0" hangingPunct="0">
+              <a:lnSpc>
+                <a:spcPct val="100000"/>
+              </a:lnSpc>
+              <a:spcBef>
+                <a:spcPct val="0"/>
+              </a:spcBef>
+              <a:spcAft>
+                <a:spcPct val="0"/>
+              </a:spcAft>
+              <a:buClrTx/>
+              <a:buSzTx/>
+              <a:buFontTx/>
+              <a:buNone/>
+              <a:tabLst/>
+            </a:pPr>
+            <a:r>
+              <a:rPr lang="de-DE" altLang="de-DE" sz="2000" dirty="0" smtClean="0">
+                <a:solidFill>
+                  <a:srgbClr val="000000"/>
+                </a:solidFill>
+                <a:latin typeface="Courier New" panose="02070309020205020404" pitchFamily="49" charset="0"/>
+                <a:cs typeface="Courier New" panose="02070309020205020404" pitchFamily="49" charset="0"/>
+              </a:rPr>
+              <a:t>    ...</a:t>
+            </a:r>
+            <a:endParaRPr kumimoji="0" lang="de-DE" altLang="de-DE" sz="2000" b="0" i="0" u="none" strike="noStrike" cap="none" normalizeH="0" baseline="0" dirty="0" smtClean="0">
+              <a:ln>
+                <a:noFill/>
+              </a:ln>
+              <a:solidFill>
+                <a:srgbClr val="000000"/>
+              </a:solidFill>
+              <a:effectLst/>
+              <a:latin typeface="Courier New" panose="02070309020205020404" pitchFamily="49" charset="0"/>
+              <a:cs typeface="Courier New" panose="02070309020205020404" pitchFamily="49" charset="0"/>
+            </a:endParaRPr>
+          </a:p>
+          <a:p>
+            <a:pPr marL="0" marR="0" lvl="0" indent="0" algn="l" defTabSz="914400" rtl="0" eaLnBrk="0" fontAlgn="base" latinLnBrk="0" hangingPunct="0">
+              <a:lnSpc>
+                <a:spcPct val="100000"/>
+              </a:lnSpc>
+              <a:spcBef>
+                <a:spcPct val="0"/>
+              </a:spcBef>
+              <a:spcAft>
+                <a:spcPct val="0"/>
+              </a:spcAft>
+              <a:buClrTx/>
+              <a:buSzTx/>
+              <a:buFontTx/>
+              <a:buNone/>
+              <a:tabLst/>
+            </a:pPr>
+            <a:r>
+              <a:rPr lang="de-DE" altLang="de-DE" sz="2000" dirty="0">
+                <a:solidFill>
+                  <a:srgbClr val="000000"/>
+                </a:solidFill>
+                <a:latin typeface="Courier New" panose="02070309020205020404" pitchFamily="49" charset="0"/>
+                <a:cs typeface="Courier New" panose="02070309020205020404" pitchFamily="49" charset="0"/>
+              </a:rPr>
+              <a:t>}</a:t>
+            </a:r>
+            <a:endParaRPr kumimoji="0" lang="de-DE" altLang="de-DE" sz="2000" b="0" i="0" u="none" strike="noStrike" cap="none" normalizeH="0" baseline="0" dirty="0" smtClean="0">
+              <a:ln>
+                <a:noFill/>
+              </a:ln>
+              <a:solidFill>
+                <a:schemeClr val="tx1"/>
+              </a:solidFill>
+              <a:effectLst/>
+              <a:latin typeface="Arial" panose="020B0604020202020204" pitchFamily="34" charset="0"/>
+            </a:endParaRPr>
+          </a:p>
+        </p:txBody>
+      </p:sp>
+    </p:spTree>
+    <p:extLst>
+      <p:ext uri="{BB962C8B-B14F-4D97-AF65-F5344CB8AC3E}">
+        <p14:creationId xmlns:p14="http://schemas.microsoft.com/office/powerpoint/2010/main" val="2968375327"/>
+      </p:ext>
+    </p:extLst>
+  </p:cSld>
+  <p:clrMapOvr>
+    <a:masterClrMapping/>
+  </p:clrMapOvr>
+  <p:timing>
+    <p:tnLst>
+      <p:par>
+        <p:cTn id="1" dur="indefinite" restart="never" nodeType="tmRoot"/>
+      </p:par>
+    </p:tnLst>
+  </p:timing>
+</p:sld>
+</file>
+
+<file path=ppt/slides/slide7.xml><?xml version="1.0" encoding="utf-8"?>
+<p:sld xmlns:a="http://schemas.openxmlformats.org/drawingml/2006/main" xmlns:r="http://schemas.openxmlformats.org/officeDocument/2006/relationships" xmlns:p="http://schemas.openxmlformats.org/presentationml/2006/main">
+  <p:cSld>
+    <p:spTree>
+      <p:nvGrpSpPr>
+        <p:cNvPr id="1" name=""/>
+        <p:cNvGrpSpPr/>
+        <p:nvPr/>
+      </p:nvGrpSpPr>
+      <p:grpSpPr>
+        <a:xfrm>
+          <a:off x="0" y="0"/>
+          <a:ext cx="0" cy="0"/>
+          <a:chOff x="0" y="0"/>
+          <a:chExt cx="0" cy="0"/>
+        </a:xfrm>
+      </p:grpSpPr>
+      <p:sp>
+        <p:nvSpPr>
+          <p:cNvPr id="2" name="Datumsplatzhalter 1"/>
+          <p:cNvSpPr>
+            <a:spLocks noGrp="1"/>
+          </p:cNvSpPr>
+          <p:nvPr>
+            <p:ph type="dt" sz="half" idx="10"/>
+          </p:nvPr>
+        </p:nvSpPr>
+        <p:spPr/>
+        <p:txBody>
+          <a:bodyPr/>
+          <a:lstStyle/>
+          <a:p>
+            <a:fld id="{5E48492E-72D1-4785-9351-8AE1E40FBA2D}" type="datetime1">
+              <a:rPr lang="de-CH" smtClean="0">
+                <a:solidFill>
+                  <a:srgbClr val="000000"/>
+                </a:solidFill>
+              </a:rPr>
+              <a:t>29.05.2016</a:t>
+            </a:fld>
+            <a:endParaRPr lang="de-CH">
+              <a:solidFill>
+                <a:srgbClr val="000000"/>
+              </a:solidFill>
+            </a:endParaRPr>
+          </a:p>
+        </p:txBody>
+      </p:sp>
+      <p:sp>
+        <p:nvSpPr>
+          <p:cNvPr id="3" name="Fußzeilenplatzhalter 2"/>
+          <p:cNvSpPr>
+            <a:spLocks noGrp="1"/>
+          </p:cNvSpPr>
+          <p:nvPr>
+            <p:ph type="ftr" sz="quarter" idx="11"/>
+          </p:nvPr>
+        </p:nvSpPr>
+        <p:spPr/>
+        <p:txBody>
+          <a:bodyPr/>
+          <a:lstStyle/>
+          <a:p>
+            <a:endParaRPr lang="de-CH" dirty="0">
+              <a:solidFill>
+                <a:srgbClr val="000000"/>
+              </a:solidFill>
+            </a:endParaRPr>
+          </a:p>
+        </p:txBody>
+      </p:sp>
+      <p:sp>
+        <p:nvSpPr>
+          <p:cNvPr id="4" name="Foliennummernplatzhalter 3"/>
+          <p:cNvSpPr>
+            <a:spLocks noGrp="1"/>
+          </p:cNvSpPr>
+          <p:nvPr>
+            <p:ph type="sldNum" sz="quarter" idx="12"/>
+          </p:nvPr>
+        </p:nvSpPr>
+        <p:spPr/>
+        <p:txBody>
+          <a:bodyPr/>
+          <a:lstStyle/>
+          <a:p>
+            <a:fld id="{351188DD-6605-4EF4-9E67-B567F731CE68}" type="slidenum">
+              <a:rPr lang="de-CH" smtClean="0">
+                <a:solidFill>
+                  <a:srgbClr val="000000"/>
+                </a:solidFill>
+              </a:rPr>
+              <a:pPr/>
+              <a:t>7</a:t>
+            </a:fld>
+            <a:endParaRPr lang="de-CH">
+              <a:solidFill>
+                <a:srgbClr val="000000"/>
+              </a:solidFill>
+            </a:endParaRPr>
+          </a:p>
+        </p:txBody>
+      </p:sp>
+      <p:sp>
+        <p:nvSpPr>
+          <p:cNvPr id="5" name="Titel 4"/>
+          <p:cNvSpPr>
+            <a:spLocks noGrp="1"/>
+          </p:cNvSpPr>
+          <p:nvPr>
+            <p:ph type="title"/>
+          </p:nvPr>
+        </p:nvSpPr>
+        <p:spPr/>
+        <p:txBody>
+          <a:bodyPr/>
+          <a:lstStyle/>
+          <a:p>
+            <a:r>
+              <a:rPr lang="de-CH" dirty="0" err="1" smtClean="0"/>
+              <a:t>Afterburner.fx</a:t>
+            </a:r>
+            <a:endParaRPr lang="de-CH" dirty="0"/>
+          </a:p>
+        </p:txBody>
+      </p:sp>
+      <p:sp>
+        <p:nvSpPr>
+          <p:cNvPr id="6" name="Textplatzhalter 5"/>
+          <p:cNvSpPr>
+            <a:spLocks noGrp="1"/>
+          </p:cNvSpPr>
+          <p:nvPr>
+            <p:ph type="body" idx="1"/>
+          </p:nvPr>
+        </p:nvSpPr>
+        <p:spPr/>
+        <p:txBody>
+          <a:bodyPr/>
+          <a:lstStyle/>
+          <a:p>
+            <a:pPr marL="342900" indent="-342900">
+              <a:buFont typeface="Arial" panose="020B0604020202020204" pitchFamily="34" charset="0"/>
+              <a:buChar char="•"/>
+            </a:pPr>
+            <a:r>
+              <a:rPr lang="de-CH" dirty="0" smtClean="0">
+                <a:hlinkClick r:id="rId2"/>
+              </a:rPr>
+              <a:t>Open </a:t>
+            </a:r>
+            <a:r>
+              <a:rPr lang="de-CH" dirty="0" err="1" smtClean="0">
+                <a:hlinkClick r:id="rId2"/>
+              </a:rPr>
+              <a:t>source</a:t>
+            </a:r>
+            <a:r>
+              <a:rPr lang="de-CH" dirty="0" smtClean="0">
+                <a:hlinkClick r:id="rId2"/>
+              </a:rPr>
+              <a:t> mini </a:t>
+            </a:r>
+            <a:r>
+              <a:rPr lang="de-CH" dirty="0" err="1" smtClean="0">
+                <a:hlinkClick r:id="rId2"/>
+              </a:rPr>
+              <a:t>framework</a:t>
+            </a:r>
+            <a:endParaRPr lang="de-CH" dirty="0" smtClean="0"/>
+          </a:p>
+          <a:p>
+            <a:pPr marL="342900" indent="-342900">
+              <a:buFont typeface="Arial" panose="020B0604020202020204" pitchFamily="34" charset="0"/>
+              <a:buChar char="•"/>
+            </a:pPr>
+            <a:r>
+              <a:rPr lang="de-CH" dirty="0" err="1" smtClean="0"/>
+              <a:t>Convention</a:t>
+            </a:r>
+            <a:r>
+              <a:rPr lang="de-CH" dirty="0" smtClean="0"/>
+              <a:t> </a:t>
+            </a:r>
+            <a:r>
+              <a:rPr lang="de-CH" dirty="0" err="1" smtClean="0"/>
+              <a:t>over</a:t>
+            </a:r>
+            <a:r>
+              <a:rPr lang="de-CH" dirty="0" smtClean="0"/>
+              <a:t> </a:t>
+            </a:r>
+            <a:r>
+              <a:rPr lang="de-CH" dirty="0" err="1" smtClean="0"/>
+              <a:t>configuration</a:t>
+            </a:r>
+            <a:endParaRPr lang="de-CH" dirty="0" smtClean="0"/>
+          </a:p>
+          <a:p>
+            <a:pPr marL="342900" indent="-342900">
+              <a:buFont typeface="Arial" panose="020B0604020202020204" pitchFamily="34" charset="0"/>
+              <a:buChar char="•"/>
+            </a:pPr>
+            <a:r>
               <a:rPr lang="de-CH" dirty="0"/>
               <a:t>Simple </a:t>
             </a:r>
@@ -5677,10 +10219,10 @@
               <a:t> </a:t>
             </a:r>
             <a:r>
-              <a:rPr lang="de-CH" dirty="0" err="1"/>
+              <a:rPr lang="de-CH" dirty="0" err="1" smtClean="0"/>
               <a:t>injection</a:t>
             </a:r>
-            <a:endParaRPr lang="de-CH" dirty="0"/>
+            <a:endParaRPr lang="de-CH" dirty="0" smtClean="0"/>
           </a:p>
         </p:txBody>
       </p:sp>
@@ -5728,256 +10270,6 @@
 </p:sld>
 </file>
 
-<file path=ppt/slides/slide7.xml><?xml version="1.0" encoding="utf-8"?>
-<p:sld xmlns:a="http://schemas.openxmlformats.org/drawingml/2006/main" xmlns:r="http://schemas.openxmlformats.org/officeDocument/2006/relationships" xmlns:p="http://schemas.openxmlformats.org/presentationml/2006/main">
-  <p:cSld>
-    <p:spTree>
-      <p:nvGrpSpPr>
-        <p:cNvPr id="1" name=""/>
-        <p:cNvGrpSpPr/>
-        <p:nvPr/>
-      </p:nvGrpSpPr>
-      <p:grpSpPr>
-        <a:xfrm>
-          <a:off x="0" y="0"/>
-          <a:ext cx="0" cy="0"/>
-          <a:chOff x="0" y="0"/>
-          <a:chExt cx="0" cy="0"/>
-        </a:xfrm>
-      </p:grpSpPr>
-      <p:sp>
-        <p:nvSpPr>
-          <p:cNvPr id="2" name="Datumsplatzhalter 1"/>
-          <p:cNvSpPr>
-            <a:spLocks noGrp="1"/>
-          </p:cNvSpPr>
-          <p:nvPr>
-            <p:ph type="dt" sz="half" idx="10"/>
-          </p:nvPr>
-        </p:nvSpPr>
-        <p:spPr/>
-        <p:txBody>
-          <a:bodyPr/>
-          <a:lstStyle/>
-          <a:p>
-            <a:fld id="{5E48492E-72D1-4785-9351-8AE1E40FBA2D}" type="datetime1">
-              <a:rPr lang="de-CH" smtClean="0">
-                <a:solidFill>
-                  <a:srgbClr val="000000"/>
-                </a:solidFill>
-              </a:rPr>
-              <a:t>24.05.2016</a:t>
-            </a:fld>
-            <a:endParaRPr lang="de-CH">
-              <a:solidFill>
-                <a:srgbClr val="000000"/>
-              </a:solidFill>
-            </a:endParaRPr>
-          </a:p>
-        </p:txBody>
-      </p:sp>
-      <p:sp>
-        <p:nvSpPr>
-          <p:cNvPr id="3" name="Fußzeilenplatzhalter 2"/>
-          <p:cNvSpPr>
-            <a:spLocks noGrp="1"/>
-          </p:cNvSpPr>
-          <p:nvPr>
-            <p:ph type="ftr" sz="quarter" idx="11"/>
-          </p:nvPr>
-        </p:nvSpPr>
-        <p:spPr/>
-        <p:txBody>
-          <a:bodyPr/>
-          <a:lstStyle/>
-          <a:p>
-            <a:endParaRPr lang="de-CH" dirty="0">
-              <a:solidFill>
-                <a:srgbClr val="000000"/>
-              </a:solidFill>
-            </a:endParaRPr>
-          </a:p>
-        </p:txBody>
-      </p:sp>
-      <p:sp>
-        <p:nvSpPr>
-          <p:cNvPr id="4" name="Foliennummernplatzhalter 3"/>
-          <p:cNvSpPr>
-            <a:spLocks noGrp="1"/>
-          </p:cNvSpPr>
-          <p:nvPr>
-            <p:ph type="sldNum" sz="quarter" idx="12"/>
-          </p:nvPr>
-        </p:nvSpPr>
-        <p:spPr/>
-        <p:txBody>
-          <a:bodyPr/>
-          <a:lstStyle/>
-          <a:p>
-            <a:fld id="{351188DD-6605-4EF4-9E67-B567F731CE68}" type="slidenum">
-              <a:rPr lang="de-CH" smtClean="0">
-                <a:solidFill>
-                  <a:srgbClr val="000000"/>
-                </a:solidFill>
-              </a:rPr>
-              <a:pPr/>
-              <a:t>7</a:t>
-            </a:fld>
-            <a:endParaRPr lang="de-CH">
-              <a:solidFill>
-                <a:srgbClr val="000000"/>
-              </a:solidFill>
-            </a:endParaRPr>
-          </a:p>
-        </p:txBody>
-      </p:sp>
-      <p:sp>
-        <p:nvSpPr>
-          <p:cNvPr id="5" name="Titel 4"/>
-          <p:cNvSpPr>
-            <a:spLocks noGrp="1"/>
-          </p:cNvSpPr>
-          <p:nvPr>
-            <p:ph type="title"/>
-          </p:nvPr>
-        </p:nvSpPr>
-        <p:spPr/>
-        <p:txBody>
-          <a:bodyPr/>
-          <a:lstStyle/>
-          <a:p>
-            <a:r>
-              <a:rPr lang="de-CH" dirty="0" err="1" smtClean="0"/>
-              <a:t>Build</a:t>
-            </a:r>
-            <a:r>
-              <a:rPr lang="de-CH" dirty="0" smtClean="0"/>
-              <a:t>-Prozess</a:t>
-            </a:r>
-            <a:endParaRPr lang="de-CH" dirty="0"/>
-          </a:p>
-        </p:txBody>
-      </p:sp>
-      <p:sp>
-        <p:nvSpPr>
-          <p:cNvPr id="6" name="Textplatzhalter 5"/>
-          <p:cNvSpPr>
-            <a:spLocks noGrp="1"/>
-          </p:cNvSpPr>
-          <p:nvPr>
-            <p:ph type="body" idx="1"/>
-          </p:nvPr>
-        </p:nvSpPr>
-        <p:spPr>
-          <a:xfrm>
-            <a:off x="738188" y="2197100"/>
-            <a:ext cx="4248472" cy="4464050"/>
-          </a:xfrm>
-        </p:spPr>
-        <p:txBody>
-          <a:bodyPr/>
-          <a:lstStyle/>
-          <a:p>
-            <a:pPr marL="342900" indent="-342900">
-              <a:buFont typeface="Arial" panose="020B0604020202020204" pitchFamily="34" charset="0"/>
-              <a:buChar char="•"/>
-            </a:pPr>
-            <a:r>
-              <a:rPr lang="de-CH" dirty="0" err="1" smtClean="0"/>
-              <a:t>Maven</a:t>
-            </a:r>
-            <a:r>
-              <a:rPr lang="de-CH" dirty="0" smtClean="0"/>
-              <a:t> 3 oder </a:t>
-            </a:r>
-            <a:r>
-              <a:rPr lang="de-CH" dirty="0" err="1" smtClean="0"/>
-              <a:t>Gradle</a:t>
-            </a:r>
-            <a:endParaRPr lang="de-CH" dirty="0" smtClean="0"/>
-          </a:p>
-          <a:p>
-            <a:pPr marL="342900" indent="-342900">
-              <a:buFont typeface="Arial" panose="020B0604020202020204" pitchFamily="34" charset="0"/>
-              <a:buChar char="•"/>
-            </a:pPr>
-            <a:r>
-              <a:rPr lang="de-CH" dirty="0"/>
-              <a:t>IDE </a:t>
-            </a:r>
-            <a:r>
-              <a:rPr lang="de-CH" dirty="0" smtClean="0"/>
-              <a:t>agnostisch</a:t>
-            </a:r>
-          </a:p>
-          <a:p>
-            <a:pPr marL="342900" indent="-342900">
-              <a:buFont typeface="Arial" panose="020B0604020202020204" pitchFamily="34" charset="0"/>
-              <a:buChar char="•"/>
-            </a:pPr>
-            <a:r>
-              <a:rPr lang="de-CH" dirty="0" smtClean="0"/>
-              <a:t>Standard Format</a:t>
-            </a:r>
-          </a:p>
-          <a:p>
-            <a:pPr marL="342900" indent="-342900">
-              <a:buFont typeface="Arial" panose="020B0604020202020204" pitchFamily="34" charset="0"/>
-              <a:buChar char="•"/>
-            </a:pPr>
-            <a:r>
-              <a:rPr lang="de-CH" dirty="0" smtClean="0"/>
-              <a:t>Automatisierung</a:t>
-            </a:r>
-          </a:p>
-          <a:p>
-            <a:pPr marL="342900" indent="-342900">
-              <a:buFont typeface="Arial" panose="020B0604020202020204" pitchFamily="34" charset="0"/>
-              <a:buChar char="•"/>
-            </a:pPr>
-            <a:r>
-              <a:rPr lang="de-CH" dirty="0" err="1" smtClean="0"/>
-              <a:t>Dependency</a:t>
-            </a:r>
-            <a:r>
-              <a:rPr lang="de-CH" dirty="0" smtClean="0"/>
-              <a:t> </a:t>
-            </a:r>
-            <a:r>
-              <a:rPr lang="de-CH" dirty="0" err="1"/>
-              <a:t>resolution</a:t>
-            </a:r>
-            <a:endParaRPr lang="de-CH" dirty="0" smtClean="0"/>
-          </a:p>
-          <a:p>
-            <a:pPr marL="342900" indent="-342900">
-              <a:buFont typeface="Arial" panose="020B0604020202020204" pitchFamily="34" charset="0"/>
-              <a:buChar char="•"/>
-            </a:pPr>
-            <a:endParaRPr lang="de-CH" dirty="0"/>
-          </a:p>
-        </p:txBody>
-      </p:sp>
-    </p:spTree>
-    <p:extLst>
-      <p:ext uri="{BB962C8B-B14F-4D97-AF65-F5344CB8AC3E}">
-        <p14:creationId xmlns:p14="http://schemas.microsoft.com/office/powerpoint/2010/main" val="1882951707"/>
-      </p:ext>
-    </p:extLst>
-  </p:cSld>
-  <p:clrMapOvr>
-    <a:masterClrMapping/>
-  </p:clrMapOvr>
-  <p:timing>
-    <p:tnLst>
-      <p:par>
-        <p:cTn id="1" dur="indefinite" restart="never" nodeType="tmRoot"/>
-      </p:par>
-    </p:tnLst>
-  </p:timing>
-</p:sld>
-</file>
-
 <file path=ppt/slides/slide8.xml><?xml version="1.0" encoding="utf-8"?>
 <p:sld xmlns:a="http://schemas.openxmlformats.org/drawingml/2006/main" xmlns:r="http://schemas.openxmlformats.org/officeDocument/2006/relationships" xmlns:p="http://schemas.openxmlformats.org/presentationml/2006/main">
   <p:cSld>
@@ -6016,7 +10308,7 @@
                   <a:srgbClr val="000000"/>
                 </a:solidFill>
               </a:rPr>
-              <a:t>24.05.2016</a:t>
+              <a:t>29.05.2016</a:t>
             </a:fld>
             <a:endParaRPr lang="de-CH">
               <a:solidFill>
@@ -6098,11 +10390,7 @@
           <a:p>
             <a:r>
               <a:rPr lang="de-CH" dirty="0" err="1" smtClean="0"/>
-              <a:t>Build</a:t>
-            </a:r>
-            <a:r>
-              <a:rPr lang="de-CH" dirty="0" smtClean="0"/>
-              <a:t>-Prozess</a:t>
+              <a:t>Afterburner.fx</a:t>
             </a:r>
             <a:endParaRPr lang="de-CH" dirty="0"/>
           </a:p>
@@ -6118,12 +10406,7 @@
             <p:ph type="body" idx="1"/>
           </p:nvPr>
         </p:nvSpPr>
-        <p:spPr>
-          <a:xfrm>
-            <a:off x="738188" y="2197100"/>
-            <a:ext cx="4248472" cy="4464050"/>
-          </a:xfrm>
-        </p:spPr>
+        <p:spPr/>
         <p:txBody>
           <a:bodyPr/>
           <a:lstStyle/>
@@ -6133,16 +10416,28 @@
               <a:buChar char="•"/>
             </a:pPr>
             <a:r>
-              <a:rPr lang="de-CH" dirty="0" err="1" smtClean="0"/>
-              <a:t>Maven</a:t>
-            </a:r>
-            <a:r>
-              <a:rPr lang="de-CH" dirty="0" smtClean="0"/>
-              <a:t> 3 oder </a:t>
-            </a:r>
-            <a:r>
-              <a:rPr lang="de-CH" dirty="0" err="1" smtClean="0"/>
-              <a:t>Gradle</a:t>
+              <a:rPr lang="de-CH" dirty="0" smtClean="0">
+                <a:hlinkClick r:id="rId2"/>
+              </a:rPr>
+              <a:t>Open </a:t>
+            </a:r>
+            <a:r>
+              <a:rPr lang="de-CH" dirty="0" err="1" smtClean="0">
+                <a:hlinkClick r:id="rId2"/>
+              </a:rPr>
+              <a:t>source</a:t>
+            </a:r>
+            <a:r>
+              <a:rPr lang="de-CH" dirty="0" smtClean="0">
+                <a:hlinkClick r:id="rId2"/>
+              </a:rPr>
+              <a:t> mini </a:t>
+            </a:r>
+            <a:r>
+              <a:rPr lang="de-CH" dirty="0" err="1" smtClean="0">
+                <a:hlinkClick r:id="rId2"/>
+              </a:rPr>
+              <a:t>framework</a:t>
             </a:r>
             <a:endParaRPr lang="de-CH" dirty="0" smtClean="0"/>
           </a:p>
@@ -6152,13 +10447,26 @@
               <a:buChar char="•"/>
             </a:pPr>
             <a:r>
-              <a:rPr lang="de-CH" dirty="0"/>
-              <a:t>IDE </a:t>
+              <a:rPr lang="de-CH" dirty="0" err="1" smtClean="0"/>
+              <a:t>Convention</a:t>
             </a:r>
             <a:r>
               <a:rPr lang="de-CH" dirty="0" smtClean="0"/>
-              <a:t>agnostisch</a:t>
-            </a:r>
+              <a:t> </a:t>
+            </a:r>
+            <a:r>
+              <a:rPr lang="de-CH" dirty="0" err="1" smtClean="0"/>
+              <a:t>over</a:t>
+            </a:r>
+            <a:r>
+              <a:rPr lang="de-CH" dirty="0" smtClean="0"/>
+              <a:t> </a:t>
+            </a:r>
+            <a:r>
+              <a:rPr lang="de-CH" dirty="0" err="1" smtClean="0"/>
+              <a:t>configuration</a:t>
+            </a:r>
+            <a:endParaRPr lang="de-CH" dirty="0" smtClean="0"/>
           </a:p>
           <a:p>
             <a:pPr marL="342900" indent="-342900">
@@ -6166,75 +10474,480 @@
               <a:buChar char="•"/>
             </a:pPr>
             <a:r>
-              <a:rPr lang="de-CH" dirty="0" smtClean="0"/>
-              <a:t>Standard Format</a:t>
-            </a:r>
-          </a:p>
-          <a:p>
-            <a:pPr marL="342900" indent="-342900">
-              <a:buFont typeface="Arial" panose="020B0604020202020204" pitchFamily="34" charset="0"/>
-              <a:buChar char="•"/>
-            </a:pPr>
-            <a:r>
-              <a:rPr lang="de-CH" dirty="0" smtClean="0"/>
-              <a:t>Automatisierung</a:t>
-            </a:r>
-          </a:p>
-          <a:p>
-            <a:pPr marL="342900" indent="-342900">
-              <a:buFont typeface="Arial" panose="020B0604020202020204" pitchFamily="34" charset="0"/>
-              <a:buChar char="•"/>
-            </a:pPr>
+              <a:rPr lang="de-CH" dirty="0"/>
+              <a:t>Simple </a:t>
+            </a:r>
+            <a:r>
+              <a:rPr lang="de-CH" dirty="0" err="1"/>
+              <a:t>dependency</a:t>
+            </a:r>
+            <a:r>
+              <a:rPr lang="de-CH" dirty="0"/>
+              <a:t> </a:t>
+            </a:r>
             <a:r>
               <a:rPr lang="de-CH" dirty="0" err="1" smtClean="0"/>
-              <a:t>Dependency</a:t>
-            </a:r>
-            <a:r>
-              <a:rPr lang="de-CH" dirty="0" smtClean="0"/>
-              <a:t> </a:t>
-            </a:r>
-            <a:r>
-              <a:rPr lang="de-CH" dirty="0" err="1"/>
-              <a:t>resolution</a:t>
+              <a:t>injection</a:t>
             </a:r>
             <a:endParaRPr lang="de-CH" dirty="0" smtClean="0"/>
           </a:p>
-          <a:p>
-            <a:pPr marL="342900" indent="-342900">
-              <a:buFont typeface="Arial" panose="020B0604020202020204" pitchFamily="34" charset="0"/>
-              <a:buChar char="•"/>
-            </a:pPr>
-            <a:endParaRPr lang="de-CH" dirty="0"/>
-          </a:p>
         </p:txBody>
       </p:sp>
-      <p:pic>
-        <p:nvPicPr>
-          <p:cNvPr id="7" name="Grafik 6"/>
-          <p:cNvPicPr>
-            <a:picLocks noChangeAspect="1"/>
-          </p:cNvPicPr>
+      <p:sp>
+        <p:nvSpPr>
+          <p:cNvPr id="10" name="Rectangle 3"/>
+          <p:cNvSpPr>
+            <a:spLocks noChangeArrowheads="1"/>
+          </p:cNvSpPr>
           <p:nvPr/>
-        </p:nvPicPr>
-        <p:blipFill rotWithShape="1">
-          <a:blip r:embed="rId2"/>
-          <a:srcRect r="39676"/>
-          <a:stretch/>
-        </p:blipFill>
-        <p:spPr>
+        </p:nvSpPr>
+        <p:spPr bwMode="auto">
           <a:xfrm>
-            <a:off x="5922764" y="756494"/>
-            <a:ext cx="3678802" cy="5904656"/>
+            <a:off x="736600" y="3996655"/>
+            <a:ext cx="9217024" cy="1631216"/>
           </a:xfrm>
           <a:prstGeom prst="rect">
             <a:avLst/>
           </a:prstGeom>
+          <a:ln/>
         </p:spPr>
-      </p:pic>
+        <p:style>
+          <a:lnRef idx="2">
+            <a:schemeClr val="dk1"/>
+          </a:lnRef>
+          <a:fillRef idx="1">
+            <a:schemeClr val="lt1"/>
+          </a:fillRef>
+          <a:effectRef idx="0">
+            <a:schemeClr val="dk1"/>
+          </a:effectRef>
+          <a:fontRef idx="minor">
+            <a:schemeClr val="dk1"/>
+          </a:fontRef>
+        </p:style>
+        <p:txBody>
+          <a:bodyPr vert="horz" wrap="square" lIns="91440" tIns="45720" rIns="91440" bIns="45720" numCol="1" anchor="ctr" anchorCtr="0" compatLnSpc="1">
+            <a:prstTxWarp prst="textNoShape">
+              <a:avLst/>
+            </a:prstTxWarp>
+            <a:spAutoFit/>
+          </a:bodyPr>
+          <a:lstStyle/>
+          <a:p>
+            <a:pPr marL="0" marR="0" lvl="0" indent="0" algn="l" defTabSz="914400" rtl="0" eaLnBrk="0" fontAlgn="base" latinLnBrk="0" hangingPunct="0">
+              <a:lnSpc>
+                <a:spcPct val="100000"/>
+              </a:lnSpc>
+              <a:spcBef>
+                <a:spcPct val="0"/>
+              </a:spcBef>
+              <a:spcAft>
+                <a:spcPct val="0"/>
+              </a:spcAft>
+              <a:buClrTx/>
+              <a:buSzTx/>
+              <a:buFontTx/>
+              <a:buNone/>
+              <a:tabLst/>
+            </a:pPr>
+            <a:r>
+              <a:rPr kumimoji="0" lang="de-DE" altLang="de-DE" sz="2000" b="0" i="0" u="none" strike="noStrike" cap="none" normalizeH="0" baseline="0" dirty="0" err="1" smtClean="0">
+                <a:ln>
+                  <a:noFill/>
+                </a:ln>
+                <a:solidFill>
+                  <a:srgbClr val="000000"/>
+                </a:solidFill>
+                <a:effectLst/>
+                <a:latin typeface="Courier New" panose="02070309020205020404" pitchFamily="49" charset="0"/>
+                <a:cs typeface="Courier New" panose="02070309020205020404" pitchFamily="49" charset="0"/>
+              </a:rPr>
+              <a:t>ToolbarView</a:t>
+            </a:r>
+            <a:r>
+              <a:rPr kumimoji="0" lang="de-DE" altLang="de-DE" sz="2000" b="0" i="0" u="none" strike="noStrike" cap="none" normalizeH="0" baseline="0" dirty="0" smtClean="0">
+                <a:ln>
+                  <a:noFill/>
+                </a:ln>
+                <a:solidFill>
+                  <a:srgbClr val="000000"/>
+                </a:solidFill>
+                <a:effectLst/>
+                <a:latin typeface="Courier New" panose="02070309020205020404" pitchFamily="49" charset="0"/>
+                <a:cs typeface="Courier New" panose="02070309020205020404" pitchFamily="49" charset="0"/>
+              </a:rPr>
+              <a:t> </a:t>
+            </a:r>
+            <a:r>
+              <a:rPr kumimoji="0" lang="de-DE" altLang="de-DE" sz="2000" b="0" i="0" u="none" strike="noStrike" cap="none" normalizeH="0" baseline="0" dirty="0" err="1" smtClean="0">
+                <a:ln>
+                  <a:noFill/>
+                </a:ln>
+                <a:solidFill>
+                  <a:srgbClr val="000000"/>
+                </a:solidFill>
+                <a:effectLst/>
+                <a:latin typeface="Courier New" panose="02070309020205020404" pitchFamily="49" charset="0"/>
+                <a:cs typeface="Courier New" panose="02070309020205020404" pitchFamily="49" charset="0"/>
+              </a:rPr>
+              <a:t>toolbarView</a:t>
+            </a:r>
+            <a:r>
+              <a:rPr kumimoji="0" lang="de-DE" altLang="de-DE" sz="2000" b="0" i="0" u="none" strike="noStrike" cap="none" normalizeH="0" baseline="0" dirty="0" smtClean="0">
+                <a:ln>
+                  <a:noFill/>
+                </a:ln>
+                <a:solidFill>
+                  <a:srgbClr val="000000"/>
+                </a:solidFill>
+                <a:effectLst/>
+                <a:latin typeface="Courier New" panose="02070309020205020404" pitchFamily="49" charset="0"/>
+                <a:cs typeface="Courier New" panose="02070309020205020404" pitchFamily="49" charset="0"/>
+              </a:rPr>
+              <a:t> = </a:t>
+            </a:r>
+            <a:r>
+              <a:rPr kumimoji="0" lang="de-DE" altLang="de-DE" sz="2000" b="1" i="0" u="none" strike="noStrike" cap="none" normalizeH="0" baseline="0" dirty="0" err="1" smtClean="0">
+                <a:ln>
+                  <a:noFill/>
+                </a:ln>
+                <a:solidFill>
+                  <a:srgbClr val="000080"/>
+                </a:solidFill>
+                <a:effectLst/>
+                <a:latin typeface="Courier New" panose="02070309020205020404" pitchFamily="49" charset="0"/>
+                <a:cs typeface="Courier New" panose="02070309020205020404" pitchFamily="49" charset="0"/>
+              </a:rPr>
+              <a:t>new</a:t>
+            </a:r>
+            <a:r>
+              <a:rPr kumimoji="0" lang="de-DE" altLang="de-DE" sz="2000" b="1" i="0" u="none" strike="noStrike" cap="none" normalizeH="0" baseline="0" dirty="0" smtClean="0">
+                <a:ln>
+                  <a:noFill/>
+                </a:ln>
+                <a:solidFill>
+                  <a:srgbClr val="000080"/>
+                </a:solidFill>
+                <a:effectLst/>
+                <a:latin typeface="Courier New" panose="02070309020205020404" pitchFamily="49" charset="0"/>
+                <a:cs typeface="Courier New" panose="02070309020205020404" pitchFamily="49" charset="0"/>
+              </a:rPr>
+              <a:t> </a:t>
+            </a:r>
+            <a:r>
+              <a:rPr kumimoji="0" lang="de-DE" altLang="de-DE" sz="2000" b="0" i="0" u="none" strike="noStrike" cap="none" normalizeH="0" baseline="0" dirty="0" err="1" smtClean="0">
+                <a:ln>
+                  <a:noFill/>
+                </a:ln>
+                <a:solidFill>
+                  <a:srgbClr val="000000"/>
+                </a:solidFill>
+                <a:effectLst/>
+                <a:latin typeface="Courier New" panose="02070309020205020404" pitchFamily="49" charset="0"/>
+                <a:cs typeface="Courier New" panose="02070309020205020404" pitchFamily="49" charset="0"/>
+              </a:rPr>
+              <a:t>ToolbarView</a:t>
+            </a:r>
+            <a:r>
+              <a:rPr kumimoji="0" lang="de-DE" altLang="de-DE" sz="2000" b="0" i="0" u="none" strike="noStrike" cap="none" normalizeH="0" baseline="0" dirty="0" smtClean="0">
+                <a:ln>
+                  <a:noFill/>
+                </a:ln>
+                <a:solidFill>
+                  <a:srgbClr val="000000"/>
+                </a:solidFill>
+                <a:effectLst/>
+                <a:latin typeface="Courier New" panose="02070309020205020404" pitchFamily="49" charset="0"/>
+                <a:cs typeface="Courier New" panose="02070309020205020404" pitchFamily="49" charset="0"/>
+              </a:rPr>
+              <a:t>();</a:t>
+            </a:r>
+            <a:br>
+              <a:rPr kumimoji="0" lang="de-DE" altLang="de-DE" sz="2000" b="0" i="0" u="none" strike="noStrike" cap="none" normalizeH="0" baseline="0" dirty="0" smtClean="0">
+                <a:ln>
+                  <a:noFill/>
+                </a:ln>
+                <a:solidFill>
+                  <a:srgbClr val="000000"/>
+                </a:solidFill>
+                <a:effectLst/>
+                <a:latin typeface="Courier New" panose="02070309020205020404" pitchFamily="49" charset="0"/>
+                <a:cs typeface="Courier New" panose="02070309020205020404" pitchFamily="49" charset="0"/>
+              </a:rPr>
+            </a:br>
+            <a:r>
+              <a:rPr kumimoji="0" lang="de-DE" altLang="de-DE" sz="2000" b="0" i="0" u="none" strike="noStrike" cap="none" normalizeH="0" baseline="0" dirty="0" err="1" smtClean="0">
+                <a:ln>
+                  <a:noFill/>
+                </a:ln>
+                <a:solidFill>
+                  <a:srgbClr val="000000"/>
+                </a:solidFill>
+                <a:effectLst/>
+                <a:latin typeface="Courier New" panose="02070309020205020404" pitchFamily="49" charset="0"/>
+                <a:cs typeface="Courier New" panose="02070309020205020404" pitchFamily="49" charset="0"/>
+              </a:rPr>
+              <a:t>ToolbarPresenter</a:t>
+            </a:r>
+            <a:r>
+              <a:rPr kumimoji="0" lang="de-DE" altLang="de-DE" sz="2000" b="0" i="0" u="none" strike="noStrike" cap="none" normalizeH="0" baseline="0" dirty="0" smtClean="0">
+                <a:ln>
+                  <a:noFill/>
+                </a:ln>
+                <a:solidFill>
+                  <a:srgbClr val="000000"/>
+                </a:solidFill>
+                <a:effectLst/>
+                <a:latin typeface="Courier New" panose="02070309020205020404" pitchFamily="49" charset="0"/>
+                <a:cs typeface="Courier New" panose="02070309020205020404" pitchFamily="49" charset="0"/>
+              </a:rPr>
+              <a:t> </a:t>
+            </a:r>
+            <a:r>
+              <a:rPr kumimoji="0" lang="de-DE" altLang="de-DE" sz="2000" b="0" i="0" u="none" strike="noStrike" cap="none" normalizeH="0" baseline="0" dirty="0" err="1" smtClean="0">
+                <a:ln>
+                  <a:noFill/>
+                </a:ln>
+                <a:solidFill>
+                  <a:srgbClr val="000000"/>
+                </a:solidFill>
+                <a:effectLst/>
+                <a:latin typeface="Courier New" panose="02070309020205020404" pitchFamily="49" charset="0"/>
+                <a:cs typeface="Courier New" panose="02070309020205020404" pitchFamily="49" charset="0"/>
+              </a:rPr>
+              <a:t>toolbarPresenter</a:t>
+            </a:r>
+            <a:r>
+              <a:rPr kumimoji="0" lang="de-DE" altLang="de-DE" sz="2000" b="0" i="0" u="none" strike="noStrike" cap="none" normalizeH="0" baseline="0" dirty="0" smtClean="0">
+                <a:ln>
+                  <a:noFill/>
+                </a:ln>
+                <a:solidFill>
+                  <a:srgbClr val="000000"/>
+                </a:solidFill>
+                <a:effectLst/>
+                <a:latin typeface="Courier New" panose="02070309020205020404" pitchFamily="49" charset="0"/>
+                <a:cs typeface="Courier New" panose="02070309020205020404" pitchFamily="49" charset="0"/>
+              </a:rPr>
+              <a:t> = </a:t>
+            </a:r>
+          </a:p>
+          <a:p>
+            <a:pPr marL="0" marR="0" lvl="0" indent="0" algn="l" defTabSz="914400" rtl="0" eaLnBrk="0" fontAlgn="base" latinLnBrk="0" hangingPunct="0">
+              <a:lnSpc>
+                <a:spcPct val="100000"/>
+              </a:lnSpc>
+              <a:spcBef>
+                <a:spcPct val="0"/>
+              </a:spcBef>
+              <a:spcAft>
+                <a:spcPct val="0"/>
+              </a:spcAft>
+              <a:buClrTx/>
+              <a:buSzTx/>
+              <a:buFontTx/>
+              <a:buNone/>
+              <a:tabLst/>
+            </a:pPr>
+            <a:r>
+              <a:rPr kumimoji="0" lang="de-DE" altLang="de-DE" sz="2000" b="0" i="0" u="none" strike="noStrike" cap="none" normalizeH="0" baseline="0" dirty="0" smtClean="0">
+                <a:ln>
+                  <a:noFill/>
+                </a:ln>
+                <a:solidFill>
+                  <a:srgbClr val="000000"/>
+                </a:solidFill>
+                <a:effectLst/>
+                <a:latin typeface="Courier New" panose="02070309020205020404" pitchFamily="49" charset="0"/>
+                <a:cs typeface="Courier New" panose="02070309020205020404" pitchFamily="49" charset="0"/>
+              </a:rPr>
+              <a:t>		(</a:t>
+            </a:r>
+            <a:r>
+              <a:rPr kumimoji="0" lang="de-DE" altLang="de-DE" sz="2000" b="0" i="0" u="none" strike="noStrike" cap="none" normalizeH="0" baseline="0" dirty="0" err="1" smtClean="0">
+                <a:ln>
+                  <a:noFill/>
+                </a:ln>
+                <a:solidFill>
+                  <a:srgbClr val="000000"/>
+                </a:solidFill>
+                <a:effectLst/>
+                <a:latin typeface="Courier New" panose="02070309020205020404" pitchFamily="49" charset="0"/>
+                <a:cs typeface="Courier New" panose="02070309020205020404" pitchFamily="49" charset="0"/>
+              </a:rPr>
+              <a:t>ToolbarPresenter</a:t>
+            </a:r>
+            <a:r>
+              <a:rPr kumimoji="0" lang="de-DE" altLang="de-DE" sz="2000" b="0" i="0" u="none" strike="noStrike" cap="none" normalizeH="0" baseline="0" dirty="0" smtClean="0">
+                <a:ln>
+                  <a:noFill/>
+                </a:ln>
+                <a:solidFill>
+                  <a:srgbClr val="000000"/>
+                </a:solidFill>
+                <a:effectLst/>
+                <a:latin typeface="Courier New" panose="02070309020205020404" pitchFamily="49" charset="0"/>
+                <a:cs typeface="Courier New" panose="02070309020205020404" pitchFamily="49" charset="0"/>
+              </a:rPr>
+              <a:t>) </a:t>
+            </a:r>
+            <a:r>
+              <a:rPr kumimoji="0" lang="de-DE" altLang="de-DE" sz="2000" b="0" i="0" u="none" strike="noStrike" cap="none" normalizeH="0" baseline="0" dirty="0" err="1" smtClean="0">
+                <a:ln>
+                  <a:noFill/>
+                </a:ln>
+                <a:solidFill>
+                  <a:srgbClr val="000000"/>
+                </a:solidFill>
+                <a:effectLst/>
+                <a:latin typeface="Courier New" panose="02070309020205020404" pitchFamily="49" charset="0"/>
+                <a:cs typeface="Courier New" panose="02070309020205020404" pitchFamily="49" charset="0"/>
+              </a:rPr>
+              <a:t>toolbarView.getPresenter</a:t>
+            </a:r>
+            <a:r>
+              <a:rPr kumimoji="0" lang="de-DE" altLang="de-DE" sz="2000" b="0" i="0" u="none" strike="noStrike" cap="none" normalizeH="0" baseline="0" dirty="0" smtClean="0">
+                <a:ln>
+                  <a:noFill/>
+                </a:ln>
+                <a:solidFill>
+                  <a:srgbClr val="000000"/>
+                </a:solidFill>
+                <a:effectLst/>
+                <a:latin typeface="Courier New" panose="02070309020205020404" pitchFamily="49" charset="0"/>
+                <a:cs typeface="Courier New" panose="02070309020205020404" pitchFamily="49" charset="0"/>
+              </a:rPr>
+              <a:t>();</a:t>
+            </a:r>
+            <a:br>
+              <a:rPr kumimoji="0" lang="de-DE" altLang="de-DE" sz="2000" b="0" i="0" u="none" strike="noStrike" cap="none" normalizeH="0" baseline="0" dirty="0" smtClean="0">
+                <a:ln>
+                  <a:noFill/>
+                </a:ln>
+                <a:solidFill>
+                  <a:srgbClr val="000000"/>
+                </a:solidFill>
+                <a:effectLst/>
+                <a:latin typeface="Courier New" panose="02070309020205020404" pitchFamily="49" charset="0"/>
+                <a:cs typeface="Courier New" panose="02070309020205020404" pitchFamily="49" charset="0"/>
+              </a:rPr>
+            </a:br>
+            <a:endParaRPr kumimoji="0" lang="de-DE" altLang="de-DE" sz="2000" b="0" i="0" u="none" strike="noStrike" cap="none" normalizeH="0" baseline="0" dirty="0" smtClean="0">
+              <a:ln>
+                <a:noFill/>
+              </a:ln>
+              <a:solidFill>
+                <a:srgbClr val="000000"/>
+              </a:solidFill>
+              <a:effectLst/>
+              <a:latin typeface="Courier New" panose="02070309020205020404" pitchFamily="49" charset="0"/>
+              <a:cs typeface="Courier New" panose="02070309020205020404" pitchFamily="49" charset="0"/>
+            </a:endParaRPr>
+          </a:p>
+          <a:p>
+            <a:pPr marL="0" marR="0" lvl="0" indent="0" algn="l" defTabSz="914400" rtl="0" eaLnBrk="0" fontAlgn="base" latinLnBrk="0" hangingPunct="0">
+              <a:lnSpc>
+                <a:spcPct val="100000"/>
+              </a:lnSpc>
+              <a:spcBef>
+                <a:spcPct val="0"/>
+              </a:spcBef>
+              <a:spcAft>
+                <a:spcPct val="0"/>
+              </a:spcAft>
+              <a:buClrTx/>
+              <a:buSzTx/>
+              <a:buFontTx/>
+              <a:buNone/>
+              <a:tabLst/>
+            </a:pPr>
+            <a:r>
+              <a:rPr kumimoji="0" lang="de-DE" altLang="de-DE" sz="2000" b="1" i="0" u="none" strike="noStrike" cap="none" normalizeH="0" baseline="0" dirty="0" err="1" smtClean="0">
+                <a:ln>
+                  <a:noFill/>
+                </a:ln>
+                <a:solidFill>
+                  <a:srgbClr val="660E7A"/>
+                </a:solidFill>
+                <a:effectLst/>
+                <a:latin typeface="Courier New" panose="02070309020205020404" pitchFamily="49" charset="0"/>
+                <a:cs typeface="Courier New" panose="02070309020205020404" pitchFamily="49" charset="0"/>
+              </a:rPr>
+              <a:t>borderPane</a:t>
+            </a:r>
+            <a:r>
+              <a:rPr kumimoji="0" lang="de-DE" altLang="de-DE" sz="2000" b="0" i="0" u="none" strike="noStrike" cap="none" normalizeH="0" baseline="0" dirty="0" err="1" smtClean="0">
+                <a:ln>
+                  <a:noFill/>
+                </a:ln>
+                <a:solidFill>
+                  <a:srgbClr val="000000"/>
+                </a:solidFill>
+                <a:effectLst/>
+                <a:latin typeface="Courier New" panose="02070309020205020404" pitchFamily="49" charset="0"/>
+                <a:cs typeface="Courier New" panose="02070309020205020404" pitchFamily="49" charset="0"/>
+              </a:rPr>
+              <a:t>.setTop</a:t>
+            </a:r>
+            <a:r>
+              <a:rPr kumimoji="0" lang="de-DE" altLang="de-DE" sz="2000" b="0" i="0" u="none" strike="noStrike" cap="none" normalizeH="0" baseline="0" dirty="0" smtClean="0">
+                <a:ln>
+                  <a:noFill/>
+                </a:ln>
+                <a:solidFill>
+                  <a:srgbClr val="000000"/>
+                </a:solidFill>
+                <a:effectLst/>
+                <a:latin typeface="Courier New" panose="02070309020205020404" pitchFamily="49" charset="0"/>
+                <a:cs typeface="Courier New" panose="02070309020205020404" pitchFamily="49" charset="0"/>
+              </a:rPr>
+              <a:t>(</a:t>
+            </a:r>
+            <a:r>
+              <a:rPr kumimoji="0" lang="de-DE" altLang="de-DE" sz="2000" b="0" i="0" u="none" strike="noStrike" cap="none" normalizeH="0" baseline="0" dirty="0" err="1" smtClean="0">
+                <a:ln>
+                  <a:noFill/>
+                </a:ln>
+                <a:solidFill>
+                  <a:srgbClr val="000000"/>
+                </a:solidFill>
+                <a:effectLst/>
+                <a:latin typeface="Courier New" panose="02070309020205020404" pitchFamily="49" charset="0"/>
+                <a:cs typeface="Courier New" panose="02070309020205020404" pitchFamily="49" charset="0"/>
+              </a:rPr>
+              <a:t>toolbarView.getView</a:t>
+            </a:r>
+            <a:r>
+              <a:rPr kumimoji="0" lang="de-DE" altLang="de-DE" sz="2000" b="0" i="0" u="none" strike="noStrike" cap="none" normalizeH="0" baseline="0" dirty="0" smtClean="0">
+                <a:ln>
+                  <a:noFill/>
+                </a:ln>
+                <a:solidFill>
+                  <a:srgbClr val="000000"/>
+                </a:solidFill>
+                <a:effectLst/>
+                <a:latin typeface="Courier New" panose="02070309020205020404" pitchFamily="49" charset="0"/>
+                <a:cs typeface="Courier New" panose="02070309020205020404" pitchFamily="49" charset="0"/>
+              </a:rPr>
+              <a:t>());</a:t>
+            </a:r>
+            <a:endParaRPr kumimoji="0" lang="de-DE" altLang="de-DE" sz="2000" b="0" i="0" u="none" strike="noStrike" cap="none" normalizeH="0" baseline="0" dirty="0" smtClean="0">
+              <a:ln>
+                <a:noFill/>
+              </a:ln>
+              <a:solidFill>
+                <a:schemeClr val="tx1"/>
+              </a:solidFill>
+              <a:effectLst/>
+              <a:latin typeface="Arial" panose="020B0604020202020204" pitchFamily="34" charset="0"/>
+            </a:endParaRPr>
+          </a:p>
+        </p:txBody>
+      </p:sp>
     </p:spTree>
     <p:extLst>
       <p:ext uri="{BB962C8B-B14F-4D97-AF65-F5344CB8AC3E}">
-        <p14:creationId xmlns:p14="http://schemas.microsoft.com/office/powerpoint/2010/main" val="367889095"/>
+        <p14:creationId xmlns:p14="http://schemas.microsoft.com/office/powerpoint/2010/main" val="3823548398"/>
       </p:ext>
     </p:extLst>
   </p:cSld>
@@ -6289,7 +11002,7 @@
                   <a:srgbClr val="000000"/>
                 </a:solidFill>
               </a:rPr>
-              <a:t>24.05.2016</a:t>
+              <a:t>29.05.2016</a:t>
             </a:fld>
             <a:endParaRPr lang="de-CH">
               <a:solidFill>
@@ -6371,11 +11084,7 @@
           <a:p>
             <a:r>
               <a:rPr lang="de-CH" dirty="0" err="1" smtClean="0"/>
-              <a:t>Build</a:t>
-            </a:r>
-            <a:r>
-              <a:rPr lang="de-CH" dirty="0" smtClean="0"/>
-              <a:t>-Prozess</a:t>
+              <a:t>Afterburner.fx</a:t>
             </a:r>
             <a:endParaRPr lang="de-CH" dirty="0"/>
           </a:p>
@@ -6391,12 +11100,7 @@
             <p:ph type="body" idx="1"/>
           </p:nvPr>
         </p:nvSpPr>
-        <p:spPr>
-          <a:xfrm>
-            <a:off x="738188" y="2197100"/>
-            <a:ext cx="4248472" cy="4464050"/>
-          </a:xfrm>
-        </p:spPr>
+        <p:spPr/>
         <p:txBody>
           <a:bodyPr/>
           <a:lstStyle/>
@@ -6406,16 +11110,28 @@
               <a:buChar char="•"/>
             </a:pPr>
             <a:r>
-              <a:rPr lang="de-CH" dirty="0" err="1" smtClean="0"/>
-              <a:t>Maven</a:t>
-            </a:r>
-            <a:r>
-              <a:rPr lang="de-CH" dirty="0" smtClean="0"/>
-              <a:t> 3 oder </a:t>
-            </a:r>
-            <a:r>
-              <a:rPr lang="de-CH" dirty="0" err="1" smtClean="0"/>
-              <a:t>Gradle</a:t>
+              <a:rPr lang="de-CH" dirty="0" smtClean="0">
+                <a:hlinkClick r:id="rId3"/>
+              </a:rPr>
+              <a:t>Open </a:t>
+            </a:r>
+            <a:r>
+              <a:rPr lang="de-CH" dirty="0" err="1" smtClean="0">
+                <a:hlinkClick r:id="rId3"/>
+              </a:rPr>
+              <a:t>source</a:t>
+            </a:r>
+            <a:r>
+              <a:rPr lang="de-CH" dirty="0" smtClean="0">
+                <a:hlinkClick r:id="rId3"/>
+              </a:rPr>
+              <a:t> mini </a:t>
+            </a:r>
+            <a:r>
+              <a:rPr lang="de-CH" dirty="0" err="1" smtClean="0">
+                <a:hlinkClick r:id="rId3"/>
+              </a:rPr>
+              <a:t>framework</a:t>
             </a:r>
             <a:endParaRPr lang="de-CH" dirty="0" smtClean="0"/>
           </a:p>
@@ -6425,13 +11141,26 @@
               <a:buChar char="•"/>
             </a:pPr>
             <a:r>
-              <a:rPr lang="de-CH" dirty="0"/>
-              <a:t>IDE </a:t>
+              <a:rPr lang="de-CH" dirty="0" err="1" smtClean="0"/>
+              <a:t>Convention</a:t>
             </a:r>
             <a:r>
               <a:rPr lang="de-CH" dirty="0" smtClean="0"/>
-              <a:t>agnostisch</a:t>
-            </a:r>
+              <a:t> </a:t>
+            </a:r>
+            <a:r>
+              <a:rPr lang="de-CH" dirty="0" err="1" smtClean="0"/>
+              <a:t>over</a:t>
+            </a:r>
+            <a:r>
+              <a:rPr lang="de-CH" dirty="0" smtClean="0"/>
+              <a:t> </a:t>
+            </a:r>
+            <a:r>
+              <a:rPr lang="de-CH" dirty="0" err="1" smtClean="0"/>
+              <a:t>configuration</a:t>
+            </a:r>
+            <a:endParaRPr lang="de-CH" dirty="0" smtClean="0"/>
           </a:p>
           <a:p>
             <a:pPr marL="342900" indent="-342900">
@@ -6439,41 +11168,73 @@
               <a:buChar char="•"/>
             </a:pPr>
             <a:r>
-              <a:rPr lang="de-CH" dirty="0" smtClean="0"/>
-              <a:t>Standard Format</a:t>
-            </a:r>
-          </a:p>
-          <a:p>
-            <a:pPr marL="342900" indent="-342900">
+              <a:rPr lang="de-CH" dirty="0"/>
+              <a:t>Simple </a:t>
+            </a:r>
+            <a:r>
+              <a:rPr lang="de-CH" dirty="0" err="1"/>
+              <a:t>dependency</a:t>
+            </a:r>
+            <a:r>
+              <a:rPr lang="de-CH" dirty="0"/>
+              <a:t> </a:t>
+            </a:r>
+            <a:r>
+              <a:rPr lang="de-CH" dirty="0" err="1" smtClean="0"/>
+              <a:t>injection</a:t>
+            </a:r>
+            <a:endParaRPr lang="de-CH" dirty="0" smtClean="0"/>
+          </a:p>
+          <a:p>
+            <a:pPr marL="695325" lvl="1" indent="-342900">
               <a:buFont typeface="Arial" panose="020B0604020202020204" pitchFamily="34" charset="0"/>
               <a:buChar char="•"/>
             </a:pPr>
             <a:r>
               <a:rPr lang="de-CH" dirty="0" smtClean="0"/>
-              <a:t>Automatisierung</a:t>
-            </a:r>
-          </a:p>
-          <a:p>
-            <a:pPr marL="342900" indent="-342900">
+              <a:t>Alle POJOs als Singleton</a:t>
+            </a:r>
+          </a:p>
+          <a:p>
+            <a:pPr lvl="1" indent="0">
+              <a:buNone/>
+            </a:pPr>
+            <a:endParaRPr lang="de-CH" dirty="0" smtClean="0"/>
+          </a:p>
+          <a:p>
+            <a:pPr marL="695325" lvl="1" indent="-342900">
               <a:buFont typeface="Arial" panose="020B0604020202020204" pitchFamily="34" charset="0"/>
               <a:buChar char="•"/>
             </a:pPr>
             <a:r>
+              <a:rPr lang="de-CH" dirty="0" smtClean="0"/>
+              <a:t>Strings in «</a:t>
+            </a:r>
+            <a:r>
               <a:rPr lang="de-CH" dirty="0" err="1" smtClean="0"/>
-              <a:t>Dependency</a:t>
+              <a:t>configuration.properties</a:t>
             </a:r>
             <a:r>
               <a:rPr lang="de-CH" dirty="0" smtClean="0"/>
-              <a:t> </a:t>
-            </a:r>
-            <a:r>
-              <a:rPr lang="de-CH" dirty="0" err="1"/>
-              <a:t>resolution</a:t>
-            </a:r>
+              <a:t>»</a:t>
+            </a:r>
+            <a:br>
+              <a:rPr lang="de-CH" dirty="0" smtClean="0"/>
+            </a:br>
             <a:endParaRPr lang="de-CH" dirty="0" smtClean="0"/>
           </a:p>
           <a:p>
-            <a:pPr marL="342900" indent="-342900">
+            <a:pPr marL="695325" lvl="1" indent="-342900">
+              <a:buFont typeface="Arial" panose="020B0604020202020204" pitchFamily="34" charset="0"/>
+              <a:buChar char="•"/>
+            </a:pPr>
+            <a:r>
+              <a:rPr lang="de-CH" dirty="0" smtClean="0"/>
+              <a:t>Producer Objekte</a:t>
+            </a:r>
+          </a:p>
+          <a:p>
+            <a:pPr marL="695325" lvl="1" indent="-342900">
               <a:buFont typeface="Arial" panose="020B0604020202020204" pitchFamily="34" charset="0"/>
               <a:buChar char="•"/>
             </a:pPr>
@@ -6483,7 +11244,7 @@
       </p:sp>
       <p:sp>
         <p:nvSpPr>
-          <p:cNvPr id="13" name="Rectangle 5"/>
+          <p:cNvPr id="7" name="Rectangle 1"/>
           <p:cNvSpPr>
             <a:spLocks noChangeArrowheads="1"/>
           </p:cNvSpPr>
@@ -6491,8 +11252,8 @@
         </p:nvSpPr>
         <p:spPr bwMode="auto">
           <a:xfrm>
-            <a:off x="4914652" y="1964039"/>
-            <a:ext cx="5184576" cy="3046988"/>
+            <a:off x="6282804" y="3488529"/>
+            <a:ext cx="4176464" cy="646331"/>
           </a:xfrm>
           <a:prstGeom prst="rect">
             <a:avLst/>
@@ -6552,54 +11313,54 @@
               <a:tabLst/>
             </a:pPr>
             <a:r>
-              <a:rPr kumimoji="0" lang="de-DE" altLang="de-DE" sz="1600" b="0" i="0" u="none" strike="noStrike" cap="none" normalizeH="0" baseline="0" dirty="0" smtClean="0">
-                <a:ln>
-                  <a:noFill/>
-                </a:ln>
-                <a:solidFill>
-                  <a:srgbClr val="000000"/>
-                </a:solidFill>
-                <a:effectLst/>
-                <a:latin typeface="Courier New" panose="02070309020205020404" pitchFamily="49" charset="0"/>
-                <a:cs typeface="Courier New" panose="02070309020205020404" pitchFamily="49" charset="0"/>
-              </a:rPr>
-              <a:t>&lt;</a:t>
-            </a:r>
-            <a:r>
-              <a:rPr kumimoji="0" lang="de-DE" altLang="de-DE" sz="1600" b="1" i="0" u="none" strike="noStrike" cap="none" normalizeH="0" baseline="0" dirty="0" err="1" smtClean="0">
-                <a:ln>
-                  <a:noFill/>
-                </a:ln>
-                <a:solidFill>
-                  <a:srgbClr val="000080"/>
-                </a:solidFill>
-                <a:effectLst/>
-                <a:latin typeface="Courier New" panose="02070309020205020404" pitchFamily="49" charset="0"/>
-                <a:cs typeface="Courier New" panose="02070309020205020404" pitchFamily="49" charset="0"/>
-              </a:rPr>
-              <a:t>dependency</a:t>
-            </a:r>
-            <a:r>
-              <a:rPr kumimoji="0" lang="de-DE" altLang="de-DE" sz="1600" b="0" i="0" u="none" strike="noStrike" cap="none" normalizeH="0" baseline="0" dirty="0" smtClean="0">
-                <a:ln>
-                  <a:noFill/>
-                </a:ln>
-                <a:solidFill>
-                  <a:srgbClr val="000000"/>
-                </a:solidFill>
-                <a:effectLst/>
-                <a:latin typeface="Courier New" panose="02070309020205020404" pitchFamily="49" charset="0"/>
-                <a:cs typeface="Courier New" panose="02070309020205020404" pitchFamily="49" charset="0"/>
-              </a:rPr>
-              <a:t>&gt;</a:t>
+              <a:rPr kumimoji="0" lang="de-DE" altLang="de-DE" sz="1800" b="0" i="0" u="none" strike="noStrike" cap="none" normalizeH="0" baseline="0" dirty="0" smtClean="0">
+                <a:ln>
+                  <a:noFill/>
+                </a:ln>
+                <a:solidFill>
+                  <a:srgbClr val="808000"/>
+                </a:solidFill>
+                <a:effectLst/>
+                <a:latin typeface="Courier New" panose="02070309020205020404" pitchFamily="49" charset="0"/>
+                <a:cs typeface="Courier New" panose="02070309020205020404" pitchFamily="49" charset="0"/>
+              </a:rPr>
+              <a:t>@</a:t>
+            </a:r>
+            <a:r>
+              <a:rPr kumimoji="0" lang="de-DE" altLang="de-DE" sz="1800" b="0" i="0" u="none" strike="noStrike" cap="none" normalizeH="0" baseline="0" dirty="0" err="1" smtClean="0">
+                <a:ln>
+                  <a:noFill/>
+                </a:ln>
+                <a:solidFill>
+                  <a:srgbClr val="808000"/>
+                </a:solidFill>
+                <a:effectLst/>
+                <a:latin typeface="Courier New" panose="02070309020205020404" pitchFamily="49" charset="0"/>
+                <a:cs typeface="Courier New" panose="02070309020205020404" pitchFamily="49" charset="0"/>
+              </a:rPr>
+              <a:t>Inject</a:t>
+            </a:r>
+            <a:r>
+              <a:rPr kumimoji="0" lang="de-DE" altLang="de-DE" sz="1800" b="0" i="0" u="none" strike="noStrike" cap="none" normalizeH="0" baseline="0" dirty="0" smtClean="0">
+                <a:ln>
+                  <a:noFill/>
+                </a:ln>
+                <a:solidFill>
+                  <a:srgbClr val="808000"/>
+                </a:solidFill>
+                <a:effectLst/>
+                <a:latin typeface="Courier New" panose="02070309020205020404" pitchFamily="49" charset="0"/>
+                <a:cs typeface="Courier New" panose="02070309020205020404" pitchFamily="49" charset="0"/>
+              </a:rPr>
+              <a:t/>
             </a:r>
             <a:br>
-              <a:rPr kumimoji="0" lang="de-DE" altLang="de-DE" sz="1600" b="0" i="0" u="none" strike="noStrike" cap="none" normalizeH="0" baseline="0" dirty="0" smtClean="0">
-                <a:ln>
-                  <a:noFill/>
-                </a:ln>
-                <a:solidFill>
-                  <a:srgbClr val="000000"/>
+              <a:rPr kumimoji="0" lang="de-DE" altLang="de-DE" sz="1800" b="0" i="0" u="none" strike="noStrike" cap="none" normalizeH="0" baseline="0" dirty="0" smtClean="0">
+                <a:ln>
+                  <a:noFill/>
+                </a:ln>
+                <a:solidFill>
+                  <a:srgbClr val="808000"/>
                 </a:solidFill>
                 <a:effectLst/>
                 <a:latin typeface="Courier New" panose="02070309020205020404" pitchFamily="49" charset="0"/>
@@ -6607,934 +11368,62 @@
               </a:rPr>
             </a:br>
             <a:r>
-              <a:rPr kumimoji="0" lang="de-DE" altLang="de-DE" sz="1600" b="0" i="0" u="none" strike="noStrike" cap="none" normalizeH="0" baseline="0" dirty="0" smtClean="0">
-                <a:ln>
-                  <a:noFill/>
-                </a:ln>
-                <a:solidFill>
-                  <a:srgbClr val="000000"/>
-                </a:solidFill>
-                <a:effectLst/>
-                <a:latin typeface="Courier New" panose="02070309020205020404" pitchFamily="49" charset="0"/>
-                <a:cs typeface="Courier New" panose="02070309020205020404" pitchFamily="49" charset="0"/>
-              </a:rPr>
-              <a:t>    &lt;</a:t>
-            </a:r>
-            <a:r>
-              <a:rPr kumimoji="0" lang="de-DE" altLang="de-DE" sz="1600" b="1" i="0" u="none" strike="noStrike" cap="none" normalizeH="0" baseline="0" dirty="0" err="1" smtClean="0">
-                <a:ln>
-                  <a:noFill/>
-                </a:ln>
-                <a:solidFill>
-                  <a:srgbClr val="000080"/>
-                </a:solidFill>
-                <a:effectLst/>
-                <a:latin typeface="Courier New" panose="02070309020205020404" pitchFamily="49" charset="0"/>
-                <a:cs typeface="Courier New" panose="02070309020205020404" pitchFamily="49" charset="0"/>
-              </a:rPr>
-              <a:t>groupId</a:t>
-            </a:r>
-            <a:r>
-              <a:rPr kumimoji="0" lang="de-DE" altLang="de-DE" sz="1600" b="0" i="0" u="none" strike="noStrike" cap="none" normalizeH="0" baseline="0" dirty="0" smtClean="0">
-                <a:ln>
-                  <a:noFill/>
-                </a:ln>
-                <a:solidFill>
-                  <a:srgbClr val="000000"/>
-                </a:solidFill>
-                <a:effectLst/>
-                <a:latin typeface="Courier New" panose="02070309020205020404" pitchFamily="49" charset="0"/>
-                <a:cs typeface="Courier New" panose="02070309020205020404" pitchFamily="49" charset="0"/>
-              </a:rPr>
-              <a:t>&gt;</a:t>
-            </a:r>
-            <a:r>
-              <a:rPr kumimoji="0" lang="de-DE" altLang="de-DE" sz="1600" b="0" i="0" u="none" strike="noStrike" cap="none" normalizeH="0" baseline="0" dirty="0" err="1" smtClean="0">
-                <a:ln>
-                  <a:noFill/>
-                </a:ln>
-                <a:solidFill>
-                  <a:srgbClr val="000000"/>
-                </a:solidFill>
-                <a:effectLst/>
-                <a:latin typeface="Courier New" panose="02070309020205020404" pitchFamily="49" charset="0"/>
-                <a:cs typeface="Courier New" panose="02070309020205020404" pitchFamily="49" charset="0"/>
-              </a:rPr>
-              <a:t>org.mockito</a:t>
-            </a:r>
-            <a:r>
-              <a:rPr kumimoji="0" lang="de-DE" altLang="de-DE" sz="1600" b="0" i="0" u="none" strike="noStrike" cap="none" normalizeH="0" baseline="0" dirty="0" smtClean="0">
-                <a:ln>
-                  <a:noFill/>
-                </a:ln>
-                <a:solidFill>
-                  <a:srgbClr val="000000"/>
-                </a:solidFill>
-                <a:effectLst/>
-                <a:latin typeface="Courier New" panose="02070309020205020404" pitchFamily="49" charset="0"/>
-                <a:cs typeface="Courier New" panose="02070309020205020404" pitchFamily="49" charset="0"/>
-              </a:rPr>
-              <a:t>&lt;/</a:t>
-            </a:r>
-            <a:r>
-              <a:rPr kumimoji="0" lang="de-DE" altLang="de-DE" sz="1600" b="1" i="0" u="none" strike="noStrike" cap="none" normalizeH="0" baseline="0" dirty="0" err="1" smtClean="0">
-                <a:ln>
-                  <a:noFill/>
-                </a:ln>
-                <a:solidFill>
-                  <a:srgbClr val="000080"/>
-                </a:solidFill>
-                <a:effectLst/>
-                <a:latin typeface="Courier New" panose="02070309020205020404" pitchFamily="49" charset="0"/>
-                <a:cs typeface="Courier New" panose="02070309020205020404" pitchFamily="49" charset="0"/>
-              </a:rPr>
-              <a:t>groupId</a:t>
-            </a:r>
-            <a:r>
-              <a:rPr kumimoji="0" lang="de-DE" altLang="de-DE" sz="1600" b="0" i="0" u="none" strike="noStrike" cap="none" normalizeH="0" baseline="0" dirty="0" smtClean="0">
-                <a:ln>
-                  <a:noFill/>
-                </a:ln>
-                <a:solidFill>
-                  <a:srgbClr val="000000"/>
-                </a:solidFill>
-                <a:effectLst/>
-                <a:latin typeface="Courier New" panose="02070309020205020404" pitchFamily="49" charset="0"/>
-                <a:cs typeface="Courier New" panose="02070309020205020404" pitchFamily="49" charset="0"/>
-              </a:rPr>
-              <a:t>&gt;</a:t>
-            </a:r>
-            <a:br>
-              <a:rPr kumimoji="0" lang="de-DE" altLang="de-DE" sz="1600" b="0" i="0" u="none" strike="noStrike" cap="none" normalizeH="0" baseline="0" dirty="0" smtClean="0">
-                <a:ln>
-                  <a:noFill/>
-                </a:ln>
-                <a:solidFill>
-                  <a:srgbClr val="000000"/>
-                </a:solidFill>
-                <a:effectLst/>
-                <a:latin typeface="Courier New" panose="02070309020205020404" pitchFamily="49" charset="0"/>
-                <a:cs typeface="Courier New" panose="02070309020205020404" pitchFamily="49" charset="0"/>
-              </a:rPr>
-            </a:br>
-            <a:r>
-              <a:rPr kumimoji="0" lang="de-DE" altLang="de-DE" sz="1600" b="0" i="0" u="none" strike="noStrike" cap="none" normalizeH="0" baseline="0" dirty="0" smtClean="0">
-                <a:ln>
-                  <a:noFill/>
-                </a:ln>
-                <a:solidFill>
-                  <a:srgbClr val="000000"/>
-                </a:solidFill>
-                <a:effectLst/>
-                <a:latin typeface="Courier New" panose="02070309020205020404" pitchFamily="49" charset="0"/>
-                <a:cs typeface="Courier New" panose="02070309020205020404" pitchFamily="49" charset="0"/>
-              </a:rPr>
-              <a:t>    &lt;</a:t>
-            </a:r>
-            <a:r>
-              <a:rPr kumimoji="0" lang="de-DE" altLang="de-DE" sz="1600" b="1" i="0" u="none" strike="noStrike" cap="none" normalizeH="0" baseline="0" dirty="0" err="1" smtClean="0">
-                <a:ln>
-                  <a:noFill/>
-                </a:ln>
-                <a:solidFill>
-                  <a:srgbClr val="000080"/>
-                </a:solidFill>
-                <a:effectLst/>
-                <a:latin typeface="Courier New" panose="02070309020205020404" pitchFamily="49" charset="0"/>
-                <a:cs typeface="Courier New" panose="02070309020205020404" pitchFamily="49" charset="0"/>
-              </a:rPr>
-              <a:t>artifactId</a:t>
-            </a:r>
-            <a:r>
-              <a:rPr kumimoji="0" lang="de-DE" altLang="de-DE" sz="1600" b="0" i="0" u="none" strike="noStrike" cap="none" normalizeH="0" baseline="0" dirty="0" smtClean="0">
-                <a:ln>
-                  <a:noFill/>
-                </a:ln>
-                <a:solidFill>
-                  <a:srgbClr val="000000"/>
-                </a:solidFill>
-                <a:effectLst/>
-                <a:latin typeface="Courier New" panose="02070309020205020404" pitchFamily="49" charset="0"/>
-                <a:cs typeface="Courier New" panose="02070309020205020404" pitchFamily="49" charset="0"/>
-              </a:rPr>
-              <a:t>&gt;</a:t>
-            </a:r>
-            <a:r>
-              <a:rPr kumimoji="0" lang="de-DE" altLang="de-DE" sz="1600" b="0" i="0" u="none" strike="noStrike" cap="none" normalizeH="0" baseline="0" dirty="0" err="1" smtClean="0">
-                <a:ln>
-                  <a:noFill/>
-                </a:ln>
-                <a:solidFill>
-                  <a:srgbClr val="000000"/>
-                </a:solidFill>
-                <a:effectLst/>
-                <a:latin typeface="Courier New" panose="02070309020205020404" pitchFamily="49" charset="0"/>
-                <a:cs typeface="Courier New" panose="02070309020205020404" pitchFamily="49" charset="0"/>
-              </a:rPr>
-              <a:t>mockito</a:t>
-            </a:r>
-            <a:r>
-              <a:rPr kumimoji="0" lang="de-DE" altLang="de-DE" sz="1600" b="0" i="0" u="none" strike="noStrike" cap="none" normalizeH="0" baseline="0" dirty="0" smtClean="0">
-                <a:ln>
-                  <a:noFill/>
-                </a:ln>
-                <a:solidFill>
-                  <a:srgbClr val="000000"/>
-                </a:solidFill>
-                <a:effectLst/>
-                <a:latin typeface="Courier New" panose="02070309020205020404" pitchFamily="49" charset="0"/>
-                <a:cs typeface="Courier New" panose="02070309020205020404" pitchFamily="49" charset="0"/>
-              </a:rPr>
-              <a:t>-all&lt;/</a:t>
-            </a:r>
-            <a:r>
-              <a:rPr kumimoji="0" lang="de-DE" altLang="de-DE" sz="1600" b="1" i="0" u="none" strike="noStrike" cap="none" normalizeH="0" baseline="0" dirty="0" err="1" smtClean="0">
-                <a:ln>
-                  <a:noFill/>
-                </a:ln>
-                <a:solidFill>
-                  <a:srgbClr val="000080"/>
-                </a:solidFill>
-                <a:effectLst/>
-                <a:latin typeface="Courier New" panose="02070309020205020404" pitchFamily="49" charset="0"/>
-                <a:cs typeface="Courier New" panose="02070309020205020404" pitchFamily="49" charset="0"/>
-              </a:rPr>
-              <a:t>artifactId</a:t>
-            </a:r>
-            <a:r>
-              <a:rPr kumimoji="0" lang="de-DE" altLang="de-DE" sz="1600" b="0" i="0" u="none" strike="noStrike" cap="none" normalizeH="0" baseline="0" dirty="0" smtClean="0">
-                <a:ln>
-                  <a:noFill/>
-                </a:ln>
-                <a:solidFill>
-                  <a:srgbClr val="000000"/>
-                </a:solidFill>
-                <a:effectLst/>
-                <a:latin typeface="Courier New" panose="02070309020205020404" pitchFamily="49" charset="0"/>
-                <a:cs typeface="Courier New" panose="02070309020205020404" pitchFamily="49" charset="0"/>
-              </a:rPr>
-              <a:t>&gt;</a:t>
-            </a:r>
-            <a:br>
-              <a:rPr kumimoji="0" lang="de-DE" altLang="de-DE" sz="1600" b="0" i="0" u="none" strike="noStrike" cap="none" normalizeH="0" baseline="0" dirty="0" smtClean="0">
-                <a:ln>
-                  <a:noFill/>
-                </a:ln>
-                <a:solidFill>
-                  <a:srgbClr val="000000"/>
-                </a:solidFill>
-                <a:effectLst/>
-                <a:latin typeface="Courier New" panose="02070309020205020404" pitchFamily="49" charset="0"/>
-                <a:cs typeface="Courier New" panose="02070309020205020404" pitchFamily="49" charset="0"/>
-              </a:rPr>
-            </a:br>
-            <a:r>
-              <a:rPr kumimoji="0" lang="de-DE" altLang="de-DE" sz="1600" b="0" i="0" u="none" strike="noStrike" cap="none" normalizeH="0" baseline="0" dirty="0" smtClean="0">
-                <a:ln>
-                  <a:noFill/>
-                </a:ln>
-                <a:solidFill>
-                  <a:srgbClr val="000000"/>
-                </a:solidFill>
-                <a:effectLst/>
-                <a:latin typeface="Courier New" panose="02070309020205020404" pitchFamily="49" charset="0"/>
-                <a:cs typeface="Courier New" panose="02070309020205020404" pitchFamily="49" charset="0"/>
-              </a:rPr>
-              <a:t>    &lt;</a:t>
-            </a:r>
-            <a:r>
-              <a:rPr kumimoji="0" lang="de-DE" altLang="de-DE" sz="1600" b="1" i="0" u="none" strike="noStrike" cap="none" normalizeH="0" baseline="0" dirty="0" err="1" smtClean="0">
-                <a:ln>
-                  <a:noFill/>
-                </a:ln>
-                <a:solidFill>
-                  <a:srgbClr val="000080"/>
-                </a:solidFill>
-                <a:effectLst/>
-                <a:latin typeface="Courier New" panose="02070309020205020404" pitchFamily="49" charset="0"/>
-                <a:cs typeface="Courier New" panose="02070309020205020404" pitchFamily="49" charset="0"/>
-              </a:rPr>
-              <a:t>version</a:t>
-            </a:r>
-            <a:r>
-              <a:rPr kumimoji="0" lang="de-DE" altLang="de-DE" sz="1600" b="0" i="0" u="none" strike="noStrike" cap="none" normalizeH="0" baseline="0" dirty="0" smtClean="0">
-                <a:ln>
-                  <a:noFill/>
-                </a:ln>
-                <a:solidFill>
-                  <a:srgbClr val="000000"/>
-                </a:solidFill>
-                <a:effectLst/>
-                <a:latin typeface="Courier New" panose="02070309020205020404" pitchFamily="49" charset="0"/>
-                <a:cs typeface="Courier New" panose="02070309020205020404" pitchFamily="49" charset="0"/>
-              </a:rPr>
-              <a:t>&gt;1.9.5&lt;/</a:t>
-            </a:r>
-            <a:r>
-              <a:rPr kumimoji="0" lang="de-DE" altLang="de-DE" sz="1600" b="1" i="0" u="none" strike="noStrike" cap="none" normalizeH="0" baseline="0" dirty="0" err="1" smtClean="0">
-                <a:ln>
-                  <a:noFill/>
-                </a:ln>
-                <a:solidFill>
-                  <a:srgbClr val="000080"/>
-                </a:solidFill>
-                <a:effectLst/>
-                <a:latin typeface="Courier New" panose="02070309020205020404" pitchFamily="49" charset="0"/>
-                <a:cs typeface="Courier New" panose="02070309020205020404" pitchFamily="49" charset="0"/>
-              </a:rPr>
-              <a:t>version</a:t>
-            </a:r>
-            <a:r>
-              <a:rPr kumimoji="0" lang="de-DE" altLang="de-DE" sz="1600" b="0" i="0" u="none" strike="noStrike" cap="none" normalizeH="0" baseline="0" dirty="0" smtClean="0">
-                <a:ln>
-                  <a:noFill/>
-                </a:ln>
-                <a:solidFill>
-                  <a:srgbClr val="000000"/>
-                </a:solidFill>
-                <a:effectLst/>
-                <a:latin typeface="Courier New" panose="02070309020205020404" pitchFamily="49" charset="0"/>
-                <a:cs typeface="Courier New" panose="02070309020205020404" pitchFamily="49" charset="0"/>
-              </a:rPr>
-              <a:t>&gt;</a:t>
-            </a:r>
-            <a:br>
-              <a:rPr kumimoji="0" lang="de-DE" altLang="de-DE" sz="1600" b="0" i="0" u="none" strike="noStrike" cap="none" normalizeH="0" baseline="0" dirty="0" smtClean="0">
-                <a:ln>
-                  <a:noFill/>
-                </a:ln>
-                <a:solidFill>
-                  <a:srgbClr val="000000"/>
-                </a:solidFill>
-                <a:effectLst/>
-                <a:latin typeface="Courier New" panose="02070309020205020404" pitchFamily="49" charset="0"/>
-                <a:cs typeface="Courier New" panose="02070309020205020404" pitchFamily="49" charset="0"/>
-              </a:rPr>
-            </a:br>
-            <a:r>
-              <a:rPr kumimoji="0" lang="de-DE" altLang="de-DE" sz="1600" b="0" i="0" u="none" strike="noStrike" cap="none" normalizeH="0" baseline="0" dirty="0" smtClean="0">
-                <a:ln>
-                  <a:noFill/>
-                </a:ln>
-                <a:solidFill>
-                  <a:srgbClr val="000000"/>
-                </a:solidFill>
-                <a:effectLst/>
-                <a:latin typeface="Courier New" panose="02070309020205020404" pitchFamily="49" charset="0"/>
-                <a:cs typeface="Courier New" panose="02070309020205020404" pitchFamily="49" charset="0"/>
-              </a:rPr>
-              <a:t>    </a:t>
-            </a:r>
-            <a:r>
-              <a:rPr kumimoji="0" lang="de-DE" altLang="de-DE" sz="1600" b="0" i="0" u="none" strike="noStrike" cap="none" normalizeH="0" baseline="0" dirty="0" smtClean="0">
-                <a:ln>
-                  <a:noFill/>
-                </a:ln>
-                <a:solidFill>
-                  <a:srgbClr val="D85A5A"/>
-                </a:solidFill>
-                <a:effectLst/>
-                <a:latin typeface="Courier New" panose="02070309020205020404" pitchFamily="49" charset="0"/>
-                <a:cs typeface="Courier New" panose="02070309020205020404" pitchFamily="49" charset="0"/>
-              </a:rPr>
-              <a:t>&lt;</a:t>
-            </a:r>
-            <a:r>
-              <a:rPr kumimoji="0" lang="de-DE" altLang="de-DE" sz="1600" b="1" i="0" u="none" strike="noStrike" cap="none" normalizeH="0" baseline="0" dirty="0" err="1" smtClean="0">
-                <a:ln>
-                  <a:noFill/>
-                </a:ln>
-                <a:solidFill>
-                  <a:srgbClr val="D85A5A"/>
-                </a:solidFill>
-                <a:effectLst/>
-                <a:latin typeface="Courier New" panose="02070309020205020404" pitchFamily="49" charset="0"/>
-                <a:cs typeface="Courier New" panose="02070309020205020404" pitchFamily="49" charset="0"/>
-              </a:rPr>
-              <a:t>scope</a:t>
-            </a:r>
-            <a:r>
-              <a:rPr kumimoji="0" lang="de-DE" altLang="de-DE" sz="1600" b="0" i="0" u="none" strike="noStrike" cap="none" normalizeH="0" baseline="0" dirty="0" smtClean="0">
-                <a:ln>
-                  <a:noFill/>
-                </a:ln>
-                <a:solidFill>
-                  <a:srgbClr val="D85A5A"/>
-                </a:solidFill>
-                <a:effectLst/>
-                <a:latin typeface="Courier New" panose="02070309020205020404" pitchFamily="49" charset="0"/>
-                <a:cs typeface="Courier New" panose="02070309020205020404" pitchFamily="49" charset="0"/>
-              </a:rPr>
-              <a:t>&gt;</a:t>
-            </a:r>
-            <a:r>
-              <a:rPr kumimoji="0" lang="de-DE" altLang="de-DE" sz="1600" b="0" i="0" u="none" strike="noStrike" cap="none" normalizeH="0" baseline="0" dirty="0" err="1" smtClean="0">
-                <a:ln>
-                  <a:noFill/>
-                </a:ln>
-                <a:solidFill>
-                  <a:srgbClr val="D85A5A"/>
-                </a:solidFill>
-                <a:effectLst/>
-                <a:latin typeface="Courier New" panose="02070309020205020404" pitchFamily="49" charset="0"/>
-                <a:cs typeface="Courier New" panose="02070309020205020404" pitchFamily="49" charset="0"/>
-              </a:rPr>
-              <a:t>test</a:t>
-            </a:r>
-            <a:r>
-              <a:rPr kumimoji="0" lang="de-DE" altLang="de-DE" sz="1600" b="0" i="0" u="none" strike="noStrike" cap="none" normalizeH="0" baseline="0" dirty="0" smtClean="0">
-                <a:ln>
-                  <a:noFill/>
-                </a:ln>
-                <a:solidFill>
-                  <a:srgbClr val="D85A5A"/>
-                </a:solidFill>
-                <a:effectLst/>
-                <a:latin typeface="Courier New" panose="02070309020205020404" pitchFamily="49" charset="0"/>
-                <a:cs typeface="Courier New" panose="02070309020205020404" pitchFamily="49" charset="0"/>
-              </a:rPr>
-              <a:t>&lt;/</a:t>
-            </a:r>
-            <a:r>
-              <a:rPr kumimoji="0" lang="de-DE" altLang="de-DE" sz="1600" b="1" i="0" u="none" strike="noStrike" cap="none" normalizeH="0" baseline="0" dirty="0" err="1" smtClean="0">
-                <a:ln>
-                  <a:noFill/>
-                </a:ln>
-                <a:solidFill>
-                  <a:srgbClr val="D85A5A"/>
-                </a:solidFill>
-                <a:effectLst/>
-                <a:latin typeface="Courier New" panose="02070309020205020404" pitchFamily="49" charset="0"/>
-                <a:cs typeface="Courier New" panose="02070309020205020404" pitchFamily="49" charset="0"/>
-              </a:rPr>
-              <a:t>scope</a:t>
-            </a:r>
-            <a:r>
-              <a:rPr kumimoji="0" lang="de-DE" altLang="de-DE" sz="1600" b="0" i="0" u="none" strike="noStrike" cap="none" normalizeH="0" baseline="0" dirty="0" smtClean="0">
-                <a:ln>
-                  <a:noFill/>
-                </a:ln>
-                <a:solidFill>
-                  <a:srgbClr val="D85A5A"/>
-                </a:solidFill>
-                <a:effectLst/>
-                <a:latin typeface="Courier New" panose="02070309020205020404" pitchFamily="49" charset="0"/>
-                <a:cs typeface="Courier New" panose="02070309020205020404" pitchFamily="49" charset="0"/>
-              </a:rPr>
-              <a:t>&gt;</a:t>
-            </a:r>
-            <a:r>
-              <a:rPr kumimoji="0" lang="de-DE" altLang="de-DE" sz="1600" b="0" i="0" u="none" strike="noStrike" cap="none" normalizeH="0" baseline="0" dirty="0" smtClean="0">
-                <a:ln>
-                  <a:noFill/>
-                </a:ln>
-                <a:solidFill>
-                  <a:srgbClr val="000000"/>
-                </a:solidFill>
-                <a:effectLst/>
-                <a:latin typeface="Courier New" panose="02070309020205020404" pitchFamily="49" charset="0"/>
-                <a:cs typeface="Courier New" panose="02070309020205020404" pitchFamily="49" charset="0"/>
-              </a:rPr>
-              <a:t/>
-            </a:r>
-            <a:br>
-              <a:rPr kumimoji="0" lang="de-DE" altLang="de-DE" sz="1600" b="0" i="0" u="none" strike="noStrike" cap="none" normalizeH="0" baseline="0" dirty="0" smtClean="0">
-                <a:ln>
-                  <a:noFill/>
-                </a:ln>
-                <a:solidFill>
-                  <a:srgbClr val="000000"/>
-                </a:solidFill>
-                <a:effectLst/>
-                <a:latin typeface="Courier New" panose="02070309020205020404" pitchFamily="49" charset="0"/>
-                <a:cs typeface="Courier New" panose="02070309020205020404" pitchFamily="49" charset="0"/>
-              </a:rPr>
-            </a:br>
-            <a:r>
-              <a:rPr kumimoji="0" lang="de-DE" altLang="de-DE" sz="1600" b="0" i="0" u="none" strike="noStrike" cap="none" normalizeH="0" baseline="0" dirty="0" smtClean="0">
-                <a:ln>
-                  <a:noFill/>
-                </a:ln>
-                <a:solidFill>
-                  <a:srgbClr val="000000"/>
-                </a:solidFill>
-                <a:effectLst/>
-                <a:latin typeface="Courier New" panose="02070309020205020404" pitchFamily="49" charset="0"/>
-                <a:cs typeface="Courier New" panose="02070309020205020404" pitchFamily="49" charset="0"/>
-              </a:rPr>
-              <a:t>&lt;/</a:t>
-            </a:r>
-            <a:r>
-              <a:rPr kumimoji="0" lang="de-DE" altLang="de-DE" sz="1600" b="1" i="0" u="none" strike="noStrike" cap="none" normalizeH="0" baseline="0" dirty="0" err="1" smtClean="0">
-                <a:ln>
-                  <a:noFill/>
-                </a:ln>
-                <a:solidFill>
-                  <a:srgbClr val="000080"/>
-                </a:solidFill>
-                <a:effectLst/>
-                <a:latin typeface="Courier New" panose="02070309020205020404" pitchFamily="49" charset="0"/>
-                <a:cs typeface="Courier New" panose="02070309020205020404" pitchFamily="49" charset="0"/>
-              </a:rPr>
-              <a:t>dependency</a:t>
-            </a:r>
-            <a:r>
-              <a:rPr kumimoji="0" lang="de-DE" altLang="de-DE" sz="1600" b="0" i="0" u="none" strike="noStrike" cap="none" normalizeH="0" baseline="0" dirty="0" smtClean="0">
-                <a:ln>
-                  <a:noFill/>
-                </a:ln>
-                <a:solidFill>
-                  <a:srgbClr val="000000"/>
-                </a:solidFill>
-                <a:effectLst/>
-                <a:latin typeface="Courier New" panose="02070309020205020404" pitchFamily="49" charset="0"/>
-                <a:cs typeface="Courier New" panose="02070309020205020404" pitchFamily="49" charset="0"/>
-              </a:rPr>
-              <a:t>&gt;</a:t>
-            </a:r>
-            <a:br>
-              <a:rPr kumimoji="0" lang="de-DE" altLang="de-DE" sz="1600" b="0" i="0" u="none" strike="noStrike" cap="none" normalizeH="0" baseline="0" dirty="0" smtClean="0">
-                <a:ln>
-                  <a:noFill/>
-                </a:ln>
-                <a:solidFill>
-                  <a:srgbClr val="000000"/>
-                </a:solidFill>
-                <a:effectLst/>
-                <a:latin typeface="Courier New" panose="02070309020205020404" pitchFamily="49" charset="0"/>
-                <a:cs typeface="Courier New" panose="02070309020205020404" pitchFamily="49" charset="0"/>
-              </a:rPr>
-            </a:br>
-            <a:r>
-              <a:rPr kumimoji="0" lang="de-DE" altLang="de-DE" sz="1600" b="0" i="0" u="none" strike="noStrike" cap="none" normalizeH="0" baseline="0" dirty="0" smtClean="0">
-                <a:ln>
-                  <a:noFill/>
-                </a:ln>
-                <a:solidFill>
-                  <a:srgbClr val="000000"/>
-                </a:solidFill>
-                <a:effectLst/>
-                <a:latin typeface="Courier New" panose="02070309020205020404" pitchFamily="49" charset="0"/>
-                <a:cs typeface="Courier New" panose="02070309020205020404" pitchFamily="49" charset="0"/>
-              </a:rPr>
-              <a:t/>
-            </a:r>
-            <a:br>
-              <a:rPr kumimoji="0" lang="de-DE" altLang="de-DE" sz="1600" b="0" i="0" u="none" strike="noStrike" cap="none" normalizeH="0" baseline="0" dirty="0" smtClean="0">
-                <a:ln>
-                  <a:noFill/>
-                </a:ln>
-                <a:solidFill>
-                  <a:srgbClr val="000000"/>
-                </a:solidFill>
-                <a:effectLst/>
-                <a:latin typeface="Courier New" panose="02070309020205020404" pitchFamily="49" charset="0"/>
-                <a:cs typeface="Courier New" panose="02070309020205020404" pitchFamily="49" charset="0"/>
-              </a:rPr>
-            </a:br>
-            <a:r>
-              <a:rPr kumimoji="0" lang="de-DE" altLang="de-DE" sz="1600" b="0" i="0" u="none" strike="noStrike" cap="none" normalizeH="0" baseline="0" dirty="0" smtClean="0">
-                <a:ln>
-                  <a:noFill/>
-                </a:ln>
-                <a:solidFill>
-                  <a:srgbClr val="000000"/>
-                </a:solidFill>
-                <a:effectLst/>
-                <a:latin typeface="Courier New" panose="02070309020205020404" pitchFamily="49" charset="0"/>
-                <a:cs typeface="Courier New" panose="02070309020205020404" pitchFamily="49" charset="0"/>
-              </a:rPr>
-              <a:t>&lt;</a:t>
-            </a:r>
-            <a:r>
-              <a:rPr kumimoji="0" lang="de-DE" altLang="de-DE" sz="1600" b="1" i="0" u="none" strike="noStrike" cap="none" normalizeH="0" baseline="0" dirty="0" err="1" smtClean="0">
-                <a:ln>
-                  <a:noFill/>
-                </a:ln>
-                <a:solidFill>
-                  <a:srgbClr val="000080"/>
-                </a:solidFill>
-                <a:effectLst/>
-                <a:latin typeface="Courier New" panose="02070309020205020404" pitchFamily="49" charset="0"/>
-                <a:cs typeface="Courier New" panose="02070309020205020404" pitchFamily="49" charset="0"/>
-              </a:rPr>
-              <a:t>dependency</a:t>
-            </a:r>
-            <a:r>
-              <a:rPr kumimoji="0" lang="de-DE" altLang="de-DE" sz="1600" b="0" i="0" u="none" strike="noStrike" cap="none" normalizeH="0" baseline="0" dirty="0" smtClean="0">
-                <a:ln>
-                  <a:noFill/>
-                </a:ln>
-                <a:solidFill>
-                  <a:srgbClr val="000000"/>
-                </a:solidFill>
-                <a:effectLst/>
-                <a:latin typeface="Courier New" panose="02070309020205020404" pitchFamily="49" charset="0"/>
-                <a:cs typeface="Courier New" panose="02070309020205020404" pitchFamily="49" charset="0"/>
-              </a:rPr>
-              <a:t>&gt;</a:t>
-            </a:r>
-            <a:br>
-              <a:rPr kumimoji="0" lang="de-DE" altLang="de-DE" sz="1600" b="0" i="0" u="none" strike="noStrike" cap="none" normalizeH="0" baseline="0" dirty="0" smtClean="0">
-                <a:ln>
-                  <a:noFill/>
-                </a:ln>
-                <a:solidFill>
-                  <a:srgbClr val="000000"/>
-                </a:solidFill>
-                <a:effectLst/>
-                <a:latin typeface="Courier New" panose="02070309020205020404" pitchFamily="49" charset="0"/>
-                <a:cs typeface="Courier New" panose="02070309020205020404" pitchFamily="49" charset="0"/>
-              </a:rPr>
-            </a:br>
-            <a:r>
-              <a:rPr kumimoji="0" lang="de-DE" altLang="de-DE" sz="1600" b="0" i="0" u="none" strike="noStrike" cap="none" normalizeH="0" baseline="0" dirty="0" smtClean="0">
-                <a:ln>
-                  <a:noFill/>
-                </a:ln>
-                <a:solidFill>
-                  <a:srgbClr val="000000"/>
-                </a:solidFill>
-                <a:effectLst/>
-                <a:latin typeface="Courier New" panose="02070309020205020404" pitchFamily="49" charset="0"/>
-                <a:cs typeface="Courier New" panose="02070309020205020404" pitchFamily="49" charset="0"/>
-              </a:rPr>
-              <a:t>    &lt;</a:t>
-            </a:r>
-            <a:r>
-              <a:rPr kumimoji="0" lang="de-DE" altLang="de-DE" sz="1600" b="1" i="0" u="none" strike="noStrike" cap="none" normalizeH="0" baseline="0" dirty="0" err="1" smtClean="0">
-                <a:ln>
-                  <a:noFill/>
-                </a:ln>
-                <a:solidFill>
-                  <a:srgbClr val="000080"/>
-                </a:solidFill>
-                <a:effectLst/>
-                <a:latin typeface="Courier New" panose="02070309020205020404" pitchFamily="49" charset="0"/>
-                <a:cs typeface="Courier New" panose="02070309020205020404" pitchFamily="49" charset="0"/>
-              </a:rPr>
-              <a:t>groupId</a:t>
-            </a:r>
-            <a:r>
-              <a:rPr kumimoji="0" lang="de-DE" altLang="de-DE" sz="1600" b="0" i="0" u="none" strike="noStrike" cap="none" normalizeH="0" baseline="0" dirty="0" smtClean="0">
-                <a:ln>
-                  <a:noFill/>
-                </a:ln>
-                <a:solidFill>
-                  <a:srgbClr val="000000"/>
-                </a:solidFill>
-                <a:effectLst/>
-                <a:latin typeface="Courier New" panose="02070309020205020404" pitchFamily="49" charset="0"/>
-                <a:cs typeface="Courier New" panose="02070309020205020404" pitchFamily="49" charset="0"/>
-              </a:rPr>
-              <a:t>&gt;</a:t>
-            </a:r>
-            <a:r>
-              <a:rPr kumimoji="0" lang="de-DE" altLang="de-DE" sz="1600" b="0" i="0" u="none" strike="noStrike" cap="none" normalizeH="0" baseline="0" dirty="0" err="1" smtClean="0">
-                <a:ln>
-                  <a:noFill/>
-                </a:ln>
-                <a:solidFill>
-                  <a:srgbClr val="000000"/>
-                </a:solidFill>
-                <a:effectLst/>
-                <a:latin typeface="Courier New" panose="02070309020205020404" pitchFamily="49" charset="0"/>
-                <a:cs typeface="Courier New" panose="02070309020205020404" pitchFamily="49" charset="0"/>
-              </a:rPr>
-              <a:t>org.controlsfx</a:t>
-            </a:r>
-            <a:r>
-              <a:rPr kumimoji="0" lang="de-DE" altLang="de-DE" sz="1600" b="0" i="0" u="none" strike="noStrike" cap="none" normalizeH="0" baseline="0" dirty="0" smtClean="0">
-                <a:ln>
-                  <a:noFill/>
-                </a:ln>
-                <a:solidFill>
-                  <a:srgbClr val="000000"/>
-                </a:solidFill>
-                <a:effectLst/>
-                <a:latin typeface="Courier New" panose="02070309020205020404" pitchFamily="49" charset="0"/>
-                <a:cs typeface="Courier New" panose="02070309020205020404" pitchFamily="49" charset="0"/>
-              </a:rPr>
-              <a:t>&lt;/</a:t>
-            </a:r>
-            <a:r>
-              <a:rPr kumimoji="0" lang="de-DE" altLang="de-DE" sz="1600" b="1" i="0" u="none" strike="noStrike" cap="none" normalizeH="0" baseline="0" dirty="0" err="1" smtClean="0">
-                <a:ln>
-                  <a:noFill/>
-                </a:ln>
-                <a:solidFill>
-                  <a:srgbClr val="000080"/>
-                </a:solidFill>
-                <a:effectLst/>
-                <a:latin typeface="Courier New" panose="02070309020205020404" pitchFamily="49" charset="0"/>
-                <a:cs typeface="Courier New" panose="02070309020205020404" pitchFamily="49" charset="0"/>
-              </a:rPr>
-              <a:t>groupId</a:t>
-            </a:r>
-            <a:r>
-              <a:rPr kumimoji="0" lang="de-DE" altLang="de-DE" sz="1600" b="0" i="0" u="none" strike="noStrike" cap="none" normalizeH="0" baseline="0" dirty="0" smtClean="0">
-                <a:ln>
-                  <a:noFill/>
-                </a:ln>
-                <a:solidFill>
-                  <a:srgbClr val="000000"/>
-                </a:solidFill>
-                <a:effectLst/>
-                <a:latin typeface="Courier New" panose="02070309020205020404" pitchFamily="49" charset="0"/>
-                <a:cs typeface="Courier New" panose="02070309020205020404" pitchFamily="49" charset="0"/>
-              </a:rPr>
-              <a:t>&gt;</a:t>
-            </a:r>
-            <a:br>
-              <a:rPr kumimoji="0" lang="de-DE" altLang="de-DE" sz="1600" b="0" i="0" u="none" strike="noStrike" cap="none" normalizeH="0" baseline="0" dirty="0" smtClean="0">
-                <a:ln>
-                  <a:noFill/>
-                </a:ln>
-                <a:solidFill>
-                  <a:srgbClr val="000000"/>
-                </a:solidFill>
-                <a:effectLst/>
-                <a:latin typeface="Courier New" panose="02070309020205020404" pitchFamily="49" charset="0"/>
-                <a:cs typeface="Courier New" panose="02070309020205020404" pitchFamily="49" charset="0"/>
-              </a:rPr>
-            </a:br>
-            <a:r>
-              <a:rPr kumimoji="0" lang="de-DE" altLang="de-DE" sz="1600" b="0" i="0" u="none" strike="noStrike" cap="none" normalizeH="0" baseline="0" dirty="0" smtClean="0">
-                <a:ln>
-                  <a:noFill/>
-                </a:ln>
-                <a:solidFill>
-                  <a:srgbClr val="000000"/>
-                </a:solidFill>
-                <a:effectLst/>
-                <a:latin typeface="Courier New" panose="02070309020205020404" pitchFamily="49" charset="0"/>
-                <a:cs typeface="Courier New" panose="02070309020205020404" pitchFamily="49" charset="0"/>
-              </a:rPr>
-              <a:t>    &lt;</a:t>
-            </a:r>
-            <a:r>
-              <a:rPr kumimoji="0" lang="de-DE" altLang="de-DE" sz="1600" b="1" i="0" u="none" strike="noStrike" cap="none" normalizeH="0" baseline="0" dirty="0" err="1" smtClean="0">
-                <a:ln>
-                  <a:noFill/>
-                </a:ln>
-                <a:solidFill>
-                  <a:srgbClr val="000080"/>
-                </a:solidFill>
-                <a:effectLst/>
-                <a:latin typeface="Courier New" panose="02070309020205020404" pitchFamily="49" charset="0"/>
-                <a:cs typeface="Courier New" panose="02070309020205020404" pitchFamily="49" charset="0"/>
-              </a:rPr>
-              <a:t>artifactId</a:t>
-            </a:r>
-            <a:r>
-              <a:rPr kumimoji="0" lang="de-DE" altLang="de-DE" sz="1600" b="0" i="0" u="none" strike="noStrike" cap="none" normalizeH="0" baseline="0" dirty="0" smtClean="0">
-                <a:ln>
-                  <a:noFill/>
-                </a:ln>
-                <a:solidFill>
-                  <a:srgbClr val="000000"/>
-                </a:solidFill>
-                <a:effectLst/>
-                <a:latin typeface="Courier New" panose="02070309020205020404" pitchFamily="49" charset="0"/>
-                <a:cs typeface="Courier New" panose="02070309020205020404" pitchFamily="49" charset="0"/>
-              </a:rPr>
-              <a:t>&gt;</a:t>
-            </a:r>
-            <a:r>
-              <a:rPr kumimoji="0" lang="de-DE" altLang="de-DE" sz="1600" b="0" i="0" u="none" strike="noStrike" cap="none" normalizeH="0" baseline="0" dirty="0" err="1" smtClean="0">
-                <a:ln>
-                  <a:noFill/>
-                </a:ln>
-                <a:solidFill>
-                  <a:srgbClr val="000000"/>
-                </a:solidFill>
-                <a:effectLst/>
-                <a:latin typeface="Courier New" panose="02070309020205020404" pitchFamily="49" charset="0"/>
-                <a:cs typeface="Courier New" panose="02070309020205020404" pitchFamily="49" charset="0"/>
-              </a:rPr>
-              <a:t>controlsfx</a:t>
-            </a:r>
-            <a:r>
-              <a:rPr kumimoji="0" lang="de-DE" altLang="de-DE" sz="1600" b="0" i="0" u="none" strike="noStrike" cap="none" normalizeH="0" baseline="0" dirty="0" smtClean="0">
-                <a:ln>
-                  <a:noFill/>
-                </a:ln>
-                <a:solidFill>
-                  <a:srgbClr val="000000"/>
-                </a:solidFill>
-                <a:effectLst/>
-                <a:latin typeface="Courier New" panose="02070309020205020404" pitchFamily="49" charset="0"/>
-                <a:cs typeface="Courier New" panose="02070309020205020404" pitchFamily="49" charset="0"/>
-              </a:rPr>
-              <a:t>&lt;/</a:t>
-            </a:r>
-            <a:r>
-              <a:rPr kumimoji="0" lang="de-DE" altLang="de-DE" sz="1600" b="1" i="0" u="none" strike="noStrike" cap="none" normalizeH="0" baseline="0" dirty="0" err="1" smtClean="0">
-                <a:ln>
-                  <a:noFill/>
-                </a:ln>
-                <a:solidFill>
-                  <a:srgbClr val="000080"/>
-                </a:solidFill>
-                <a:effectLst/>
-                <a:latin typeface="Courier New" panose="02070309020205020404" pitchFamily="49" charset="0"/>
-                <a:cs typeface="Courier New" panose="02070309020205020404" pitchFamily="49" charset="0"/>
-              </a:rPr>
-              <a:t>artifactId</a:t>
-            </a:r>
-            <a:r>
-              <a:rPr kumimoji="0" lang="de-DE" altLang="de-DE" sz="1600" b="0" i="0" u="none" strike="noStrike" cap="none" normalizeH="0" baseline="0" dirty="0" smtClean="0">
-                <a:ln>
-                  <a:noFill/>
-                </a:ln>
-                <a:solidFill>
-                  <a:srgbClr val="000000"/>
-                </a:solidFill>
-                <a:effectLst/>
-                <a:latin typeface="Courier New" panose="02070309020205020404" pitchFamily="49" charset="0"/>
-                <a:cs typeface="Courier New" panose="02070309020205020404" pitchFamily="49" charset="0"/>
-              </a:rPr>
-              <a:t>&gt;</a:t>
-            </a:r>
-            <a:br>
-              <a:rPr kumimoji="0" lang="de-DE" altLang="de-DE" sz="1600" b="0" i="0" u="none" strike="noStrike" cap="none" normalizeH="0" baseline="0" dirty="0" smtClean="0">
-                <a:ln>
-                  <a:noFill/>
-                </a:ln>
-                <a:solidFill>
-                  <a:srgbClr val="000000"/>
-                </a:solidFill>
-                <a:effectLst/>
-                <a:latin typeface="Courier New" panose="02070309020205020404" pitchFamily="49" charset="0"/>
-                <a:cs typeface="Courier New" panose="02070309020205020404" pitchFamily="49" charset="0"/>
-              </a:rPr>
-            </a:br>
-            <a:r>
-              <a:rPr kumimoji="0" lang="de-DE" altLang="de-DE" sz="1600" b="0" i="0" u="none" strike="noStrike" cap="none" normalizeH="0" baseline="0" dirty="0" smtClean="0">
-                <a:ln>
-                  <a:noFill/>
-                </a:ln>
-                <a:solidFill>
-                  <a:srgbClr val="000000"/>
-                </a:solidFill>
-                <a:effectLst/>
-                <a:latin typeface="Courier New" panose="02070309020205020404" pitchFamily="49" charset="0"/>
-                <a:cs typeface="Courier New" panose="02070309020205020404" pitchFamily="49" charset="0"/>
-              </a:rPr>
-              <a:t>    &lt;</a:t>
-            </a:r>
-            <a:r>
-              <a:rPr kumimoji="0" lang="de-DE" altLang="de-DE" sz="1600" b="1" i="0" u="none" strike="noStrike" cap="none" normalizeH="0" baseline="0" dirty="0" err="1" smtClean="0">
-                <a:ln>
-                  <a:noFill/>
-                </a:ln>
-                <a:solidFill>
-                  <a:srgbClr val="000080"/>
-                </a:solidFill>
-                <a:effectLst/>
-                <a:latin typeface="Courier New" panose="02070309020205020404" pitchFamily="49" charset="0"/>
-                <a:cs typeface="Courier New" panose="02070309020205020404" pitchFamily="49" charset="0"/>
-              </a:rPr>
-              <a:t>version</a:t>
-            </a:r>
-            <a:r>
-              <a:rPr kumimoji="0" lang="de-DE" altLang="de-DE" sz="1600" b="0" i="0" u="none" strike="noStrike" cap="none" normalizeH="0" baseline="0" dirty="0" smtClean="0">
-                <a:ln>
-                  <a:noFill/>
-                </a:ln>
-                <a:solidFill>
-                  <a:srgbClr val="000000"/>
-                </a:solidFill>
-                <a:effectLst/>
-                <a:latin typeface="Courier New" panose="02070309020205020404" pitchFamily="49" charset="0"/>
-                <a:cs typeface="Courier New" panose="02070309020205020404" pitchFamily="49" charset="0"/>
-              </a:rPr>
-              <a:t>&gt;8.40.10&lt;/</a:t>
-            </a:r>
-            <a:r>
-              <a:rPr kumimoji="0" lang="de-DE" altLang="de-DE" sz="1600" b="1" i="0" u="none" strike="noStrike" cap="none" normalizeH="0" baseline="0" dirty="0" err="1" smtClean="0">
-                <a:ln>
-                  <a:noFill/>
-                </a:ln>
-                <a:solidFill>
-                  <a:srgbClr val="000080"/>
-                </a:solidFill>
-                <a:effectLst/>
-                <a:latin typeface="Courier New" panose="02070309020205020404" pitchFamily="49" charset="0"/>
-                <a:cs typeface="Courier New" panose="02070309020205020404" pitchFamily="49" charset="0"/>
-              </a:rPr>
-              <a:t>version</a:t>
-            </a:r>
-            <a:r>
-              <a:rPr kumimoji="0" lang="de-DE" altLang="de-DE" sz="1600" b="0" i="0" u="none" strike="noStrike" cap="none" normalizeH="0" baseline="0" dirty="0" smtClean="0">
-                <a:ln>
-                  <a:noFill/>
-                </a:ln>
-                <a:solidFill>
-                  <a:srgbClr val="000000"/>
-                </a:solidFill>
-                <a:effectLst/>
-                <a:latin typeface="Courier New" panose="02070309020205020404" pitchFamily="49" charset="0"/>
-                <a:cs typeface="Courier New" panose="02070309020205020404" pitchFamily="49" charset="0"/>
-              </a:rPr>
-              <a:t>&gt;</a:t>
-            </a:r>
-            <a:br>
-              <a:rPr kumimoji="0" lang="de-DE" altLang="de-DE" sz="1600" b="0" i="0" u="none" strike="noStrike" cap="none" normalizeH="0" baseline="0" dirty="0" smtClean="0">
-                <a:ln>
-                  <a:noFill/>
-                </a:ln>
-                <a:solidFill>
-                  <a:srgbClr val="000000"/>
-                </a:solidFill>
-                <a:effectLst/>
-                <a:latin typeface="Courier New" panose="02070309020205020404" pitchFamily="49" charset="0"/>
-                <a:cs typeface="Courier New" panose="02070309020205020404" pitchFamily="49" charset="0"/>
-              </a:rPr>
-            </a:br>
-            <a:r>
-              <a:rPr kumimoji="0" lang="de-DE" altLang="de-DE" sz="1600" b="0" i="0" u="none" strike="noStrike" cap="none" normalizeH="0" baseline="0" dirty="0" smtClean="0">
-                <a:ln>
-                  <a:noFill/>
-                </a:ln>
-                <a:solidFill>
-                  <a:srgbClr val="000000"/>
-                </a:solidFill>
-                <a:effectLst/>
-                <a:latin typeface="Courier New" panose="02070309020205020404" pitchFamily="49" charset="0"/>
-                <a:cs typeface="Courier New" panose="02070309020205020404" pitchFamily="49" charset="0"/>
-              </a:rPr>
-              <a:t>&lt;/</a:t>
-            </a:r>
-            <a:r>
-              <a:rPr kumimoji="0" lang="de-DE" altLang="de-DE" sz="1600" b="1" i="0" u="none" strike="noStrike" cap="none" normalizeH="0" baseline="0" dirty="0" err="1" smtClean="0">
-                <a:ln>
-                  <a:noFill/>
-                </a:ln>
-                <a:solidFill>
-                  <a:srgbClr val="000080"/>
-                </a:solidFill>
-                <a:effectLst/>
-                <a:latin typeface="Courier New" panose="02070309020205020404" pitchFamily="49" charset="0"/>
-                <a:cs typeface="Courier New" panose="02070309020205020404" pitchFamily="49" charset="0"/>
-              </a:rPr>
-              <a:t>dependency</a:t>
-            </a:r>
-            <a:r>
-              <a:rPr kumimoji="0" lang="de-DE" altLang="de-DE" sz="1600" b="0" i="0" u="none" strike="noStrike" cap="none" normalizeH="0" baseline="0" dirty="0" smtClean="0">
-                <a:ln>
-                  <a:noFill/>
-                </a:ln>
-                <a:solidFill>
-                  <a:srgbClr val="000000"/>
-                </a:solidFill>
-                <a:effectLst/>
-                <a:latin typeface="Courier New" panose="02070309020205020404" pitchFamily="49" charset="0"/>
-                <a:cs typeface="Courier New" panose="02070309020205020404" pitchFamily="49" charset="0"/>
-              </a:rPr>
-              <a:t>&gt;</a:t>
-            </a:r>
-            <a:endParaRPr kumimoji="0" lang="de-DE" altLang="de-DE" sz="1600" b="0" i="0" u="none" strike="noStrike" cap="none" normalizeH="0" baseline="0" dirty="0" smtClean="0">
+              <a:rPr kumimoji="0" lang="de-DE" altLang="de-DE" sz="1800" b="0" i="0" u="none" strike="noStrike" cap="none" normalizeH="0" baseline="0" dirty="0" err="1" smtClean="0">
+                <a:ln>
+                  <a:noFill/>
+                </a:ln>
+                <a:solidFill>
+                  <a:srgbClr val="000000"/>
+                </a:solidFill>
+                <a:effectLst/>
+                <a:latin typeface="Courier New" panose="02070309020205020404" pitchFamily="49" charset="0"/>
+                <a:cs typeface="Courier New" panose="02070309020205020404" pitchFamily="49" charset="0"/>
+              </a:rPr>
+              <a:t>MovieService</a:t>
+            </a:r>
+            <a:r>
+              <a:rPr kumimoji="0" lang="de-DE" altLang="de-DE" sz="1800" b="0" i="0" u="none" strike="noStrike" cap="none" normalizeH="0" baseline="0" dirty="0" smtClean="0">
+                <a:ln>
+                  <a:noFill/>
+                </a:ln>
+                <a:solidFill>
+                  <a:srgbClr val="000000"/>
+                </a:solidFill>
+                <a:effectLst/>
+                <a:latin typeface="Courier New" panose="02070309020205020404" pitchFamily="49" charset="0"/>
+                <a:cs typeface="Courier New" panose="02070309020205020404" pitchFamily="49" charset="0"/>
+              </a:rPr>
+              <a:t> </a:t>
+            </a:r>
+            <a:r>
+              <a:rPr kumimoji="0" lang="de-DE" altLang="de-DE" sz="1800" b="1" i="0" u="none" strike="noStrike" cap="none" normalizeH="0" baseline="0" dirty="0" err="1" smtClean="0">
+                <a:ln>
+                  <a:noFill/>
+                </a:ln>
+                <a:solidFill>
+                  <a:srgbClr val="660E7A"/>
+                </a:solidFill>
+                <a:effectLst/>
+                <a:latin typeface="Courier New" panose="02070309020205020404" pitchFamily="49" charset="0"/>
+                <a:cs typeface="Courier New" panose="02070309020205020404" pitchFamily="49" charset="0"/>
+              </a:rPr>
+              <a:t>movieService</a:t>
+            </a:r>
+            <a:r>
+              <a:rPr kumimoji="0" lang="de-DE" altLang="de-DE" sz="1800" b="0" i="0" u="none" strike="noStrike" cap="none" normalizeH="0" baseline="0" dirty="0" smtClean="0">
+                <a:ln>
+                  <a:noFill/>
+                </a:ln>
+                <a:solidFill>
+                  <a:srgbClr val="000000"/>
+                </a:solidFill>
+                <a:effectLst/>
+                <a:latin typeface="Courier New" panose="02070309020205020404" pitchFamily="49" charset="0"/>
+                <a:cs typeface="Courier New" panose="02070309020205020404" pitchFamily="49" charset="0"/>
+              </a:rPr>
+              <a:t>;</a:t>
+            </a:r>
+            <a:endParaRPr kumimoji="0" lang="de-DE" altLang="de-DE" sz="1800" b="0" i="0" u="none" strike="noStrike" cap="none" normalizeH="0" baseline="0" dirty="0" smtClean="0">
               <a:ln>
                 <a:noFill/>
               </a:ln>
@@ -7547,10 +11436,384 @@
           </a:p>
         </p:txBody>
       </p:sp>
+      <p:sp>
+        <p:nvSpPr>
+          <p:cNvPr id="8" name="Rectangle 2"/>
+          <p:cNvSpPr>
+            <a:spLocks noChangeArrowheads="1"/>
+          </p:cNvSpPr>
+          <p:nvPr/>
+        </p:nvSpPr>
+        <p:spPr bwMode="auto">
+          <a:xfrm>
+            <a:off x="6282804" y="4356695"/>
+            <a:ext cx="3906540" cy="646331"/>
+          </a:xfrm>
+          <a:prstGeom prst="rect">
+            <a:avLst/>
+          </a:prstGeom>
+          <a:solidFill>
+            <a:srgbClr val="FFFFFF"/>
+          </a:solidFill>
+          <a:ln>
+            <a:noFill/>
+          </a:ln>
+          <a:effectLst/>
+          <a:extLst>
+            <a:ext uri="{91240B29-F687-4F45-9708-019B960494DF}">
+              <a14:hiddenLine xmlns:a14="http://schemas.microsoft.com/office/drawing/2010/main" w="9525">
+                <a:solidFill>
+                  <a:schemeClr val="tx1"/>
+                </a:solidFill>
+                <a:miter lim="800000"/>
+                <a:headEnd/>
+                <a:tailEnd/>
+              </a14:hiddenLine>
+            </a:ext>
+            <a:ext uri="{AF507438-7753-43E0-B8FC-AC1667EBCBE1}">
+              <a14:hiddenEffects xmlns:a14="http://schemas.microsoft.com/office/drawing/2010/main">
+                <a:effectLst>
+                  <a:outerShdw dist="35921" dir="2700000" algn="ctr" rotWithShape="0">
+                    <a:schemeClr val="bg2"/>
+                  </a:outerShdw>
+                </a:effectLst>
+              </a14:hiddenEffects>
+            </a:ext>
+          </a:extLst>
+        </p:spPr>
+        <p:txBody>
+          <a:bodyPr vert="horz" wrap="square" lIns="91440" tIns="45720" rIns="91440" bIns="45720" numCol="1" anchor="ctr" anchorCtr="0" compatLnSpc="1">
+            <a:prstTxWarp prst="textNoShape">
+              <a:avLst/>
+            </a:prstTxWarp>
+            <a:spAutoFit/>
+          </a:bodyPr>
+          <a:lstStyle/>
+          <a:p>
+            <a:pPr marL="0" marR="0" lvl="0" indent="0" algn="l" defTabSz="914400" rtl="0" eaLnBrk="0" fontAlgn="base" latinLnBrk="0" hangingPunct="0">
+              <a:lnSpc>
+                <a:spcPct val="100000"/>
+              </a:lnSpc>
+              <a:spcBef>
+                <a:spcPct val="0"/>
+              </a:spcBef>
+              <a:spcAft>
+                <a:spcPct val="0"/>
+              </a:spcAft>
+              <a:buClrTx/>
+              <a:buSzTx/>
+              <a:buFontTx/>
+              <a:buNone/>
+              <a:tabLst/>
+            </a:pPr>
+            <a:r>
+              <a:rPr kumimoji="0" lang="de-DE" altLang="de-DE" sz="1800" b="0" i="0" u="none" strike="noStrike" cap="none" normalizeH="0" baseline="0" dirty="0" smtClean="0">
+                <a:ln>
+                  <a:noFill/>
+                </a:ln>
+                <a:solidFill>
+                  <a:srgbClr val="808000"/>
+                </a:solidFill>
+                <a:effectLst/>
+                <a:latin typeface="Courier New" panose="02070309020205020404" pitchFamily="49" charset="0"/>
+                <a:cs typeface="Courier New" panose="02070309020205020404" pitchFamily="49" charset="0"/>
+              </a:rPr>
+              <a:t>@</a:t>
+            </a:r>
+            <a:r>
+              <a:rPr kumimoji="0" lang="de-DE" altLang="de-DE" sz="1800" b="0" i="0" u="none" strike="noStrike" cap="none" normalizeH="0" baseline="0" dirty="0" err="1" smtClean="0">
+                <a:ln>
+                  <a:noFill/>
+                </a:ln>
+                <a:solidFill>
+                  <a:srgbClr val="808000"/>
+                </a:solidFill>
+                <a:effectLst/>
+                <a:latin typeface="Courier New" panose="02070309020205020404" pitchFamily="49" charset="0"/>
+                <a:cs typeface="Courier New" panose="02070309020205020404" pitchFamily="49" charset="0"/>
+              </a:rPr>
+              <a:t>Inject</a:t>
+            </a:r>
+            <a:r>
+              <a:rPr kumimoji="0" lang="de-DE" altLang="de-DE" sz="1800" b="0" i="0" u="none" strike="noStrike" cap="none" normalizeH="0" baseline="0" dirty="0" smtClean="0">
+                <a:ln>
+                  <a:noFill/>
+                </a:ln>
+                <a:solidFill>
+                  <a:srgbClr val="808000"/>
+                </a:solidFill>
+                <a:effectLst/>
+                <a:latin typeface="Courier New" panose="02070309020205020404" pitchFamily="49" charset="0"/>
+                <a:cs typeface="Courier New" panose="02070309020205020404" pitchFamily="49" charset="0"/>
+              </a:rPr>
+              <a:t/>
+            </a:r>
+            <a:br>
+              <a:rPr kumimoji="0" lang="de-DE" altLang="de-DE" sz="1800" b="0" i="0" u="none" strike="noStrike" cap="none" normalizeH="0" baseline="0" dirty="0" smtClean="0">
+                <a:ln>
+                  <a:noFill/>
+                </a:ln>
+                <a:solidFill>
+                  <a:srgbClr val="808000"/>
+                </a:solidFill>
+                <a:effectLst/>
+                <a:latin typeface="Courier New" panose="02070309020205020404" pitchFamily="49" charset="0"/>
+                <a:cs typeface="Courier New" panose="02070309020205020404" pitchFamily="49" charset="0"/>
+              </a:rPr>
+            </a:br>
+            <a:r>
+              <a:rPr kumimoji="0" lang="de-DE" altLang="de-DE" sz="1800" b="0" i="0" u="none" strike="noStrike" cap="none" normalizeH="0" baseline="0" dirty="0" smtClean="0">
+                <a:ln>
+                  <a:noFill/>
+                </a:ln>
+                <a:solidFill>
+                  <a:srgbClr val="000000"/>
+                </a:solidFill>
+                <a:effectLst/>
+                <a:latin typeface="Courier New" panose="02070309020205020404" pitchFamily="49" charset="0"/>
+                <a:cs typeface="Courier New" panose="02070309020205020404" pitchFamily="49" charset="0"/>
+              </a:rPr>
+              <a:t>String </a:t>
+            </a:r>
+            <a:r>
+              <a:rPr kumimoji="0" lang="de-DE" altLang="de-DE" sz="1800" b="0" i="0" u="none" strike="noStrike" cap="none" normalizeH="0" baseline="0" dirty="0" err="1" smtClean="0">
+                <a:ln>
+                  <a:noFill/>
+                </a:ln>
+                <a:solidFill>
+                  <a:srgbClr val="000000"/>
+                </a:solidFill>
+                <a:effectLst/>
+                <a:latin typeface="Courier New" panose="02070309020205020404" pitchFamily="49" charset="0"/>
+                <a:cs typeface="Courier New" panose="02070309020205020404" pitchFamily="49" charset="0"/>
+              </a:rPr>
+              <a:t>keyAsQualifier</a:t>
+            </a:r>
+            <a:r>
+              <a:rPr kumimoji="0" lang="de-DE" altLang="de-DE" sz="1800" b="0" i="0" u="none" strike="noStrike" cap="none" normalizeH="0" baseline="0" dirty="0" smtClean="0">
+                <a:ln>
+                  <a:noFill/>
+                </a:ln>
+                <a:solidFill>
+                  <a:srgbClr val="000000"/>
+                </a:solidFill>
+                <a:effectLst/>
+                <a:latin typeface="Courier New" panose="02070309020205020404" pitchFamily="49" charset="0"/>
+                <a:cs typeface="Courier New" panose="02070309020205020404" pitchFamily="49" charset="0"/>
+              </a:rPr>
+              <a:t>;</a:t>
+            </a:r>
+            <a:endParaRPr kumimoji="0" lang="de-DE" altLang="de-DE" sz="4400" b="0" i="0" u="none" strike="noStrike" cap="none" normalizeH="0" baseline="0" dirty="0" smtClean="0">
+              <a:ln>
+                <a:noFill/>
+              </a:ln>
+              <a:solidFill>
+                <a:schemeClr val="tx1"/>
+              </a:solidFill>
+              <a:effectLst/>
+              <a:latin typeface="Arial" panose="020B0604020202020204" pitchFamily="34" charset="0"/>
+            </a:endParaRPr>
+          </a:p>
+        </p:txBody>
+      </p:sp>
+      <p:sp>
+        <p:nvSpPr>
+          <p:cNvPr id="9" name="Rectangle 1"/>
+          <p:cNvSpPr>
+            <a:spLocks noChangeArrowheads="1"/>
+          </p:cNvSpPr>
+          <p:nvPr/>
+        </p:nvSpPr>
+        <p:spPr bwMode="auto">
+          <a:xfrm>
+            <a:off x="6301911" y="5222532"/>
+            <a:ext cx="2252540" cy="646331"/>
+          </a:xfrm>
+          <a:prstGeom prst="rect">
+            <a:avLst/>
+          </a:prstGeom>
+          <a:solidFill>
+            <a:srgbClr val="FFFFFF"/>
+          </a:solidFill>
+          <a:ln>
+            <a:noFill/>
+          </a:ln>
+          <a:effectLst/>
+          <a:extLst>
+            <a:ext uri="{91240B29-F687-4F45-9708-019B960494DF}">
+              <a14:hiddenLine xmlns:a14="http://schemas.microsoft.com/office/drawing/2010/main" w="9525">
+                <a:solidFill>
+                  <a:schemeClr val="tx1"/>
+                </a:solidFill>
+                <a:miter lim="800000"/>
+                <a:headEnd/>
+                <a:tailEnd/>
+              </a14:hiddenLine>
+            </a:ext>
+            <a:ext uri="{AF507438-7753-43E0-B8FC-AC1667EBCBE1}">
+              <a14:hiddenEffects xmlns:a14="http://schemas.microsoft.com/office/drawing/2010/main">
+                <a:effectLst>
+                  <a:outerShdw dist="35921" dir="2700000" algn="ctr" rotWithShape="0">
+                    <a:schemeClr val="bg2"/>
+                  </a:outerShdw>
+                </a:effectLst>
+              </a14:hiddenEffects>
+            </a:ext>
+          </a:extLst>
+        </p:spPr>
+        <p:txBody>
+          <a:bodyPr vert="horz" wrap="none" lIns="91440" tIns="45720" rIns="91440" bIns="45720" numCol="1" anchor="ctr" anchorCtr="0" compatLnSpc="1">
+            <a:prstTxWarp prst="textNoShape">
+              <a:avLst/>
+            </a:prstTxWarp>
+            <a:spAutoFit/>
+          </a:bodyPr>
+          <a:lstStyle/>
+          <a:p>
+            <a:pPr marL="0" marR="0" lvl="0" indent="0" algn="l" defTabSz="914400" rtl="0" eaLnBrk="0" fontAlgn="base" latinLnBrk="0" hangingPunct="0">
+              <a:lnSpc>
+                <a:spcPct val="100000"/>
+              </a:lnSpc>
+              <a:spcBef>
+                <a:spcPct val="0"/>
+              </a:spcBef>
+              <a:spcAft>
+                <a:spcPct val="0"/>
+              </a:spcAft>
+              <a:buClrTx/>
+              <a:buSzTx/>
+              <a:buFontTx/>
+              <a:buNone/>
+              <a:tabLst/>
+            </a:pPr>
+            <a:r>
+              <a:rPr kumimoji="0" lang="de-DE" altLang="de-DE" sz="1800" b="0" i="0" u="none" strike="noStrike" cap="none" normalizeH="0" baseline="0" dirty="0" smtClean="0">
+                <a:ln>
+                  <a:noFill/>
+                </a:ln>
+                <a:solidFill>
+                  <a:srgbClr val="808000"/>
+                </a:solidFill>
+                <a:effectLst/>
+                <a:latin typeface="Courier New" panose="02070309020205020404" pitchFamily="49" charset="0"/>
+                <a:cs typeface="Courier New" panose="02070309020205020404" pitchFamily="49" charset="0"/>
+              </a:rPr>
+              <a:t>@</a:t>
+            </a:r>
+            <a:r>
+              <a:rPr kumimoji="0" lang="de-DE" altLang="de-DE" sz="1800" b="0" i="0" u="none" strike="noStrike" cap="none" normalizeH="0" baseline="0" dirty="0" err="1" smtClean="0">
+                <a:ln>
+                  <a:noFill/>
+                </a:ln>
+                <a:solidFill>
+                  <a:srgbClr val="808000"/>
+                </a:solidFill>
+                <a:effectLst/>
+                <a:latin typeface="Courier New" panose="02070309020205020404" pitchFamily="49" charset="0"/>
+                <a:cs typeface="Courier New" panose="02070309020205020404" pitchFamily="49" charset="0"/>
+              </a:rPr>
+              <a:t>Inject</a:t>
+            </a:r>
+            <a:r>
+              <a:rPr kumimoji="0" lang="de-DE" altLang="de-DE" sz="1800" b="0" i="0" u="none" strike="noStrike" cap="none" normalizeH="0" baseline="0" dirty="0" smtClean="0">
+                <a:ln>
+                  <a:noFill/>
+                </a:ln>
+                <a:solidFill>
+                  <a:srgbClr val="808000"/>
+                </a:solidFill>
+                <a:effectLst/>
+                <a:latin typeface="Courier New" panose="02070309020205020404" pitchFamily="49" charset="0"/>
+                <a:cs typeface="Courier New" panose="02070309020205020404" pitchFamily="49" charset="0"/>
+              </a:rPr>
+              <a:t/>
+            </a:r>
+            <a:br>
+              <a:rPr kumimoji="0" lang="de-DE" altLang="de-DE" sz="1800" b="0" i="0" u="none" strike="noStrike" cap="none" normalizeH="0" baseline="0" dirty="0" smtClean="0">
+                <a:ln>
+                  <a:noFill/>
+                </a:ln>
+                <a:solidFill>
+                  <a:srgbClr val="808000"/>
+                </a:solidFill>
+                <a:effectLst/>
+                <a:latin typeface="Courier New" panose="02070309020205020404" pitchFamily="49" charset="0"/>
+                <a:cs typeface="Courier New" panose="02070309020205020404" pitchFamily="49" charset="0"/>
+              </a:rPr>
+            </a:br>
+            <a:r>
+              <a:rPr kumimoji="0" lang="de-DE" altLang="de-DE" sz="1800" b="0" i="0" u="none" strike="noStrike" cap="none" normalizeH="0" baseline="0" dirty="0" err="1" smtClean="0">
+                <a:ln>
+                  <a:noFill/>
+                </a:ln>
+                <a:solidFill>
+                  <a:srgbClr val="000000"/>
+                </a:solidFill>
+                <a:effectLst/>
+                <a:latin typeface="Courier New" panose="02070309020205020404" pitchFamily="49" charset="0"/>
+                <a:cs typeface="Courier New" panose="02070309020205020404" pitchFamily="49" charset="0"/>
+              </a:rPr>
+              <a:t>LocalDate</a:t>
+            </a:r>
+            <a:r>
+              <a:rPr kumimoji="0" lang="de-DE" altLang="de-DE" sz="1800" b="0" i="0" u="none" strike="noStrike" cap="none" normalizeH="0" baseline="0" dirty="0" smtClean="0">
+                <a:ln>
+                  <a:noFill/>
+                </a:ln>
+                <a:solidFill>
+                  <a:srgbClr val="000000"/>
+                </a:solidFill>
+                <a:effectLst/>
+                <a:latin typeface="Courier New" panose="02070309020205020404" pitchFamily="49" charset="0"/>
+                <a:cs typeface="Courier New" panose="02070309020205020404" pitchFamily="49" charset="0"/>
+              </a:rPr>
+              <a:t> </a:t>
+            </a:r>
+            <a:r>
+              <a:rPr kumimoji="0" lang="de-DE" altLang="de-DE" sz="1800" b="1" i="0" u="none" strike="noStrike" cap="none" normalizeH="0" baseline="0" dirty="0" err="1" smtClean="0">
+                <a:ln>
+                  <a:noFill/>
+                </a:ln>
+                <a:solidFill>
+                  <a:srgbClr val="660E7A"/>
+                </a:solidFill>
+                <a:effectLst/>
+                <a:latin typeface="Courier New" panose="02070309020205020404" pitchFamily="49" charset="0"/>
+                <a:cs typeface="Courier New" panose="02070309020205020404" pitchFamily="49" charset="0"/>
+              </a:rPr>
+              <a:t>date</a:t>
+            </a:r>
+            <a:r>
+              <a:rPr kumimoji="0" lang="de-DE" altLang="de-DE" sz="1800" b="0" i="0" u="none" strike="noStrike" cap="none" normalizeH="0" baseline="0" dirty="0" smtClean="0">
+                <a:ln>
+                  <a:noFill/>
+                </a:ln>
+                <a:solidFill>
+                  <a:srgbClr val="000000"/>
+                </a:solidFill>
+                <a:effectLst/>
+                <a:latin typeface="Courier New" panose="02070309020205020404" pitchFamily="49" charset="0"/>
+                <a:cs typeface="Courier New" panose="02070309020205020404" pitchFamily="49" charset="0"/>
+              </a:rPr>
+              <a:t>;</a:t>
+            </a:r>
+            <a:endParaRPr kumimoji="0" lang="de-DE" altLang="de-DE" sz="4400" b="0" i="0" u="none" strike="noStrike" cap="none" normalizeH="0" baseline="0" dirty="0" smtClean="0">
+              <a:ln>
+                <a:noFill/>
+              </a:ln>
+              <a:solidFill>
+                <a:schemeClr val="tx1"/>
+              </a:solidFill>
+              <a:effectLst/>
+              <a:latin typeface="Arial" panose="020B0604020202020204" pitchFamily="34" charset="0"/>
+            </a:endParaRPr>
+          </a:p>
+        </p:txBody>
+      </p:sp>
     </p:spTree>
     <p:extLst>
       <p:ext uri="{BB962C8B-B14F-4D97-AF65-F5344CB8AC3E}">
-        <p14:creationId xmlns:p14="http://schemas.microsoft.com/office/powerpoint/2010/main" val="3981804624"/>
+        <p14:creationId xmlns:p14="http://schemas.microsoft.com/office/powerpoint/2010/main" val="1699272644"/>
       </p:ext>
     </p:extLst>
   </p:cSld>

--- a/presentation.pptx
+++ b/presentation.pptx
@@ -5,10 +5,10 @@
     <p:sldMasterId id="2147483713" r:id="rId1"/>
   </p:sldMasterIdLst>
   <p:notesMasterIdLst>
-    <p:notesMasterId r:id="rId15"/>
+    <p:notesMasterId r:id="rId17"/>
   </p:notesMasterIdLst>
   <p:handoutMasterIdLst>
-    <p:handoutMasterId r:id="rId16"/>
+    <p:handoutMasterId r:id="rId18"/>
   </p:handoutMasterIdLst>
   <p:sldIdLst>
     <p:sldId id="256" r:id="rId2"/>
@@ -23,17 +23,19 @@
     <p:sldId id="260" r:id="rId11"/>
     <p:sldId id="263" r:id="rId12"/>
     <p:sldId id="262" r:id="rId13"/>
-    <p:sldId id="264" r:id="rId14"/>
+    <p:sldId id="269" r:id="rId14"/>
+    <p:sldId id="270" r:id="rId15"/>
+    <p:sldId id="264" r:id="rId16"/>
   </p:sldIdLst>
   <p:sldSz cx="10693400" cy="7561263"/>
   <p:notesSz cx="6858000" cy="9144000"/>
   <p:embeddedFontLst>
     <p:embeddedFont>
       <p:font typeface="Consolas" panose="020B0609020204030204" pitchFamily="49" charset="0"/>
-      <p:regular r:id="rId17"/>
-      <p:bold r:id="rId18"/>
-      <p:italic r:id="rId19"/>
-      <p:boldItalic r:id="rId20"/>
+      <p:regular r:id="rId19"/>
+      <p:bold r:id="rId20"/>
+      <p:italic r:id="rId21"/>
+      <p:boldItalic r:id="rId22"/>
     </p:embeddedFont>
   </p:embeddedFontLst>
   <p:defaultTextStyle>
@@ -1131,19 +1133,11 @@
             </a:pPr>
             <a:r>
               <a:rPr lang="de-CH" dirty="0" smtClean="0"/>
-              <a:t>Sehr </a:t>
-            </a:r>
-            <a:r>
-              <a:rPr lang="de-CH" dirty="0" smtClean="0"/>
-              <a:t>mühsam bei grosser</a:t>
+              <a:t>Sehr mühsam bei grosser</a:t>
             </a:r>
             <a:r>
               <a:rPr lang="de-CH" baseline="0" dirty="0" smtClean="0"/>
-              <a:t> Code-Base und mehreren </a:t>
-            </a:r>
-            <a:r>
-              <a:rPr lang="de-CH" baseline="0" dirty="0" smtClean="0"/>
-              <a:t>Entwicklern</a:t>
+              <a:t> Code-Base und mehreren Entwicklern</a:t>
             </a:r>
           </a:p>
           <a:p>
@@ -1195,6 +1189,113 @@
     <p:extLst>
       <p:ext uri="{BB962C8B-B14F-4D97-AF65-F5344CB8AC3E}">
         <p14:creationId xmlns:p14="http://schemas.microsoft.com/office/powerpoint/2010/main" val="2175607041"/>
+      </p:ext>
+    </p:extLst>
+  </p:cSld>
+  <p:clrMapOvr>
+    <a:masterClrMapping/>
+  </p:clrMapOvr>
+</p:notes>
+</file>
+
+<file path=ppt/notesSlides/notesSlide10.xml><?xml version="1.0" encoding="utf-8"?>
+<p:notes xmlns:a="http://schemas.openxmlformats.org/drawingml/2006/main" xmlns:r="http://schemas.openxmlformats.org/officeDocument/2006/relationships" xmlns:p="http://schemas.openxmlformats.org/presentationml/2006/main">
+  <p:cSld>
+    <p:spTree>
+      <p:nvGrpSpPr>
+        <p:cNvPr id="1" name=""/>
+        <p:cNvGrpSpPr/>
+        <p:nvPr/>
+      </p:nvGrpSpPr>
+      <p:grpSpPr>
+        <a:xfrm>
+          <a:off x="0" y="0"/>
+          <a:ext cx="0" cy="0"/>
+          <a:chOff x="0" y="0"/>
+          <a:chExt cx="0" cy="0"/>
+        </a:xfrm>
+      </p:grpSpPr>
+      <p:sp>
+        <p:nvSpPr>
+          <p:cNvPr id="2" name="Folienbildplatzhalter 1"/>
+          <p:cNvSpPr>
+            <a:spLocks noGrp="1" noRot="1" noChangeAspect="1"/>
+          </p:cNvSpPr>
+          <p:nvPr>
+            <p:ph type="sldImg"/>
+          </p:nvPr>
+        </p:nvSpPr>
+        <p:spPr/>
+      </p:sp>
+      <p:sp>
+        <p:nvSpPr>
+          <p:cNvPr id="3" name="Notizenplatzhalter 2"/>
+          <p:cNvSpPr>
+            <a:spLocks noGrp="1"/>
+          </p:cNvSpPr>
+          <p:nvPr>
+            <p:ph type="body" idx="1"/>
+          </p:nvPr>
+        </p:nvSpPr>
+        <p:spPr/>
+        <p:txBody>
+          <a:bodyPr/>
+          <a:lstStyle/>
+          <a:p>
+            <a:pPr marL="171450" indent="-171450">
+              <a:buFontTx/>
+              <a:buChar char="-"/>
+            </a:pPr>
+            <a:r>
+              <a:rPr lang="de-CH" dirty="0" smtClean="0"/>
+              <a:t>Wollt Ihr</a:t>
+            </a:r>
+            <a:r>
+              <a:rPr lang="de-CH" baseline="0" dirty="0" smtClean="0"/>
+              <a:t> noch i18n sehen?</a:t>
+            </a:r>
+          </a:p>
+          <a:p>
+            <a:pPr marL="171450" indent="-171450">
+              <a:buFontTx/>
+              <a:buChar char="-"/>
+            </a:pPr>
+            <a:r>
+              <a:rPr lang="de-CH" baseline="0" dirty="0" smtClean="0"/>
+              <a:t>Wollt Ihr Code sehen?</a:t>
+            </a:r>
+            <a:endParaRPr lang="de-CH" dirty="0"/>
+          </a:p>
+        </p:txBody>
+      </p:sp>
+      <p:sp>
+        <p:nvSpPr>
+          <p:cNvPr id="4" name="Foliennummernplatzhalter 3"/>
+          <p:cNvSpPr>
+            <a:spLocks noGrp="1"/>
+          </p:cNvSpPr>
+          <p:nvPr>
+            <p:ph type="sldNum" sz="quarter" idx="10"/>
+          </p:nvPr>
+        </p:nvSpPr>
+        <p:spPr/>
+        <p:txBody>
+          <a:bodyPr/>
+          <a:lstStyle/>
+          <a:p>
+            <a:fld id="{058061DB-DF71-4765-99A4-14E22DF63CCF}" type="slidenum">
+              <a:rPr lang="de-CH" smtClean="0"/>
+              <a:pPr/>
+              <a:t>15</a:t>
+            </a:fld>
+            <a:endParaRPr lang="de-CH"/>
+          </a:p>
+        </p:txBody>
+      </p:sp>
+    </p:spTree>
+    <p:extLst>
+      <p:ext uri="{BB962C8B-B14F-4D97-AF65-F5344CB8AC3E}">
+        <p14:creationId xmlns:p14="http://schemas.microsoft.com/office/powerpoint/2010/main" val="4183228217"/>
       </p:ext>
     </p:extLst>
   </p:cSld>
@@ -1457,15 +1558,7 @@
             </a:pPr>
             <a:r>
               <a:rPr lang="de-CH" baseline="0" dirty="0" smtClean="0"/>
-              <a:t>Anders </a:t>
-            </a:r>
-            <a:r>
-              <a:rPr lang="de-CH" baseline="0" dirty="0" smtClean="0"/>
-              <a:t>als in Vorlesung habe ich View nicht mit Java </a:t>
-            </a:r>
-            <a:r>
-              <a:rPr lang="de-CH" baseline="0" dirty="0" smtClean="0"/>
-              <a:t>programmiert</a:t>
+              <a:t>Anders als in Vorlesung habe ich View nicht mit Java programmiert</a:t>
             </a:r>
           </a:p>
           <a:p>
@@ -1729,29 +1822,19 @@
           <a:bodyPr/>
           <a:lstStyle/>
           <a:p>
-            <a:pPr marL="171450" indent="-171450">
-              <a:buFontTx/>
-              <a:buChar char="-"/>
-            </a:pPr>
+            <a:r>
+              <a:rPr lang="de-CH" dirty="0" smtClean="0"/>
+              <a:t>- </a:t>
+            </a:r>
+            <a:r>
+              <a:rPr lang="de-CH" dirty="0" err="1" smtClean="0"/>
+              <a:t>Convention</a:t>
+            </a:r>
             <a:r>
               <a:rPr lang="de-CH" baseline="0" dirty="0" smtClean="0"/>
-              <a:t>Damit ich auch eigene Instance injizieren kann</a:t>
-            </a:r>
-          </a:p>
-          <a:p>
-            <a:pPr marL="628650" lvl="1" indent="-171450">
-              <a:buFontTx/>
-              <a:buChar char="-"/>
-            </a:pPr>
-            <a:r>
-              <a:rPr lang="de-CH" baseline="0" dirty="0" smtClean="0"/>
-              <a:t>Z.B. </a:t>
-            </a:r>
-            <a:r>
-              <a:rPr lang="de-CH" baseline="0" dirty="0" err="1" smtClean="0"/>
-              <a:t>stage</a:t>
-            </a:r>
-            <a:endParaRPr lang="de-CH" baseline="0" dirty="0" smtClean="0"/>
+              <a:t> zeigen!</a:t>
+            </a:r>
+            <a:endParaRPr lang="de-CH" dirty="0"/>
           </a:p>
         </p:txBody>
       </p:sp>
@@ -1773,7 +1856,7 @@
             <a:fld id="{058061DB-DF71-4765-99A4-14E22DF63CCF}" type="slidenum">
               <a:rPr lang="de-CH" smtClean="0"/>
               <a:pPr/>
-              <a:t>9</a:t>
+              <a:t>7</a:t>
             </a:fld>
             <a:endParaRPr lang="de-CH"/>
           </a:p>
@@ -1782,7 +1865,7 @@
     </p:spTree>
     <p:extLst>
       <p:ext uri="{BB962C8B-B14F-4D97-AF65-F5344CB8AC3E}">
-        <p14:creationId xmlns:p14="http://schemas.microsoft.com/office/powerpoint/2010/main" val="3133906547"/>
+        <p14:creationId xmlns:p14="http://schemas.microsoft.com/office/powerpoint/2010/main" val="3700188619"/>
       </p:ext>
     </p:extLst>
   </p:cSld>
@@ -1836,88 +1919,29 @@
           <a:bodyPr/>
           <a:lstStyle/>
           <a:p>
-            <a:r>
-              <a:rPr lang="de-CH" dirty="0" smtClean="0"/>
-              <a:t>- </a:t>
-            </a:r>
-            <a:r>
-              <a:rPr lang="de-CH" dirty="0" err="1" smtClean="0"/>
-              <a:t>Build</a:t>
-            </a:r>
-            <a:r>
-              <a:rPr lang="de-CH" dirty="0" smtClean="0"/>
-              <a:t>-Tool</a:t>
-            </a:r>
-          </a:p>
-          <a:p>
-            <a:r>
-              <a:rPr lang="de-CH" dirty="0" smtClean="0"/>
-              <a:t>-</a:t>
-            </a:r>
+            <a:pPr marL="171450" indent="-171450">
+              <a:buFontTx/>
+              <a:buChar char="-"/>
+            </a:pPr>
             <a:r>
               <a:rPr lang="de-CH" baseline="0" dirty="0" smtClean="0"/>
-              <a:t> Läuft auf allen IDEs und man muss nicht IDE-</a:t>
+              <a:t>Damit ich auch eigene Instance injizieren kann</a:t>
+            </a:r>
+          </a:p>
+          <a:p>
+            <a:pPr marL="628650" lvl="1" indent="-171450">
+              <a:buFontTx/>
+              <a:buChar char="-"/>
+            </a:pPr>
+            <a:r>
+              <a:rPr lang="de-CH" baseline="0" dirty="0" smtClean="0"/>
+              <a:t>Z.B. </a:t>
             </a:r>
             <a:r>
               <a:rPr lang="de-CH" baseline="0" dirty="0" err="1" smtClean="0"/>
-              <a:t>Config</a:t>
-            </a:r>
-            <a:r>
-              <a:rPr lang="de-CH" baseline="0" dirty="0" smtClean="0"/>
-              <a:t>-Files ins </a:t>
-            </a:r>
-            <a:r>
-              <a:rPr lang="de-CH" baseline="0" dirty="0" err="1" smtClean="0"/>
-              <a:t>Repo</a:t>
-            </a:r>
-            <a:r>
-              <a:rPr lang="de-CH" baseline="0" dirty="0" smtClean="0"/>
-              <a:t> </a:t>
-            </a:r>
-            <a:r>
-              <a:rPr lang="de-CH" baseline="0" dirty="0" err="1" smtClean="0"/>
-              <a:t>commiten</a:t>
+              <a:t>stage</a:t>
             </a:r>
             <a:endParaRPr lang="de-CH" baseline="0" dirty="0" smtClean="0"/>
-          </a:p>
-          <a:p>
-            <a:r>
-              <a:rPr lang="de-CH" baseline="0" dirty="0" smtClean="0"/>
-              <a:t>- </a:t>
-            </a:r>
-            <a:r>
-              <a:rPr lang="de-CH" dirty="0" smtClean="0"/>
-              <a:t>Über</a:t>
-            </a:r>
-            <a:r>
-              <a:rPr lang="de-CH" baseline="0" dirty="0" smtClean="0"/>
-              <a:t> Konvention vorgegeben wo </a:t>
-            </a:r>
-            <a:r>
-              <a:rPr lang="de-CH" baseline="0" dirty="0" err="1" smtClean="0"/>
-              <a:t>source</a:t>
-            </a:r>
-            <a:r>
-              <a:rPr lang="de-CH" baseline="0" dirty="0" smtClean="0"/>
-              <a:t>, </a:t>
-            </a:r>
-            <a:r>
-              <a:rPr lang="de-CH" baseline="0" dirty="0" err="1" smtClean="0"/>
-              <a:t>test</a:t>
-            </a:r>
-            <a:r>
-              <a:rPr lang="de-CH" baseline="0" dirty="0" smtClean="0"/>
-              <a:t> und </a:t>
-            </a:r>
-            <a:r>
-              <a:rPr lang="de-CH" baseline="0" dirty="0" err="1" smtClean="0"/>
-              <a:t>resources</a:t>
-            </a:r>
-            <a:r>
-              <a:rPr lang="de-CH" baseline="0" dirty="0" smtClean="0"/>
-              <a:t> Ordner ist</a:t>
-            </a:r>
-            <a:endParaRPr lang="de-CH" dirty="0"/>
           </a:p>
         </p:txBody>
       </p:sp>
@@ -1939,7 +1963,7 @@
             <a:fld id="{058061DB-DF71-4765-99A4-14E22DF63CCF}" type="slidenum">
               <a:rPr lang="de-CH" smtClean="0"/>
               <a:pPr/>
-              <a:t>10</a:t>
+              <a:t>9</a:t>
             </a:fld>
             <a:endParaRPr lang="de-CH"/>
           </a:p>
@@ -1948,7 +1972,7 @@
     </p:spTree>
     <p:extLst>
       <p:ext uri="{BB962C8B-B14F-4D97-AF65-F5344CB8AC3E}">
-        <p14:creationId xmlns:p14="http://schemas.microsoft.com/office/powerpoint/2010/main" val="2479164671"/>
+        <p14:creationId xmlns:p14="http://schemas.microsoft.com/office/powerpoint/2010/main" val="3133906547"/>
       </p:ext>
     </p:extLst>
   </p:cSld>
@@ -2004,6 +2028,172 @@
           <a:p>
             <a:r>
               <a:rPr lang="de-CH" dirty="0" smtClean="0"/>
+              <a:t>- </a:t>
+            </a:r>
+            <a:r>
+              <a:rPr lang="de-CH" dirty="0" err="1" smtClean="0"/>
+              <a:t>Build</a:t>
+            </a:r>
+            <a:r>
+              <a:rPr lang="de-CH" dirty="0" smtClean="0"/>
+              <a:t>-Tool</a:t>
+            </a:r>
+          </a:p>
+          <a:p>
+            <a:r>
+              <a:rPr lang="de-CH" dirty="0" smtClean="0"/>
+              <a:t>-</a:t>
+            </a:r>
+            <a:r>
+              <a:rPr lang="de-CH" baseline="0" dirty="0" smtClean="0"/>
+              <a:t> Läuft auf allen IDEs und man muss nicht IDE-</a:t>
+            </a:r>
+            <a:r>
+              <a:rPr lang="de-CH" baseline="0" dirty="0" err="1" smtClean="0"/>
+              <a:t>Config</a:t>
+            </a:r>
+            <a:r>
+              <a:rPr lang="de-CH" baseline="0" dirty="0" smtClean="0"/>
+              <a:t>-Files ins </a:t>
+            </a:r>
+            <a:r>
+              <a:rPr lang="de-CH" baseline="0" dirty="0" err="1" smtClean="0"/>
+              <a:t>Repo</a:t>
+            </a:r>
+            <a:r>
+              <a:rPr lang="de-CH" baseline="0" dirty="0" smtClean="0"/>
+              <a:t> </a:t>
+            </a:r>
+            <a:r>
+              <a:rPr lang="de-CH" baseline="0" dirty="0" err="1" smtClean="0"/>
+              <a:t>commiten</a:t>
+            </a:r>
+            <a:endParaRPr lang="de-CH" baseline="0" dirty="0" smtClean="0"/>
+          </a:p>
+          <a:p>
+            <a:r>
+              <a:rPr lang="de-CH" baseline="0" dirty="0" smtClean="0"/>
+              <a:t>- </a:t>
+            </a:r>
+            <a:r>
+              <a:rPr lang="de-CH" dirty="0" smtClean="0"/>
+              <a:t>Über</a:t>
+            </a:r>
+            <a:r>
+              <a:rPr lang="de-CH" baseline="0" dirty="0" smtClean="0"/>
+              <a:t> Konvention vorgegeben wo </a:t>
+            </a:r>
+            <a:r>
+              <a:rPr lang="de-CH" baseline="0" dirty="0" err="1" smtClean="0"/>
+              <a:t>source</a:t>
+            </a:r>
+            <a:r>
+              <a:rPr lang="de-CH" baseline="0" dirty="0" smtClean="0"/>
+              <a:t>, </a:t>
+            </a:r>
+            <a:r>
+              <a:rPr lang="de-CH" baseline="0" dirty="0" err="1" smtClean="0"/>
+              <a:t>test</a:t>
+            </a:r>
+            <a:r>
+              <a:rPr lang="de-CH" baseline="0" dirty="0" smtClean="0"/>
+              <a:t> und </a:t>
+            </a:r>
+            <a:r>
+              <a:rPr lang="de-CH" baseline="0" dirty="0" err="1" smtClean="0"/>
+              <a:t>resources</a:t>
+            </a:r>
+            <a:r>
+              <a:rPr lang="de-CH" baseline="0" dirty="0" smtClean="0"/>
+              <a:t> Ordner ist</a:t>
+            </a:r>
+            <a:endParaRPr lang="de-CH" dirty="0"/>
+          </a:p>
+        </p:txBody>
+      </p:sp>
+      <p:sp>
+        <p:nvSpPr>
+          <p:cNvPr id="4" name="Foliennummernplatzhalter 3"/>
+          <p:cNvSpPr>
+            <a:spLocks noGrp="1"/>
+          </p:cNvSpPr>
+          <p:nvPr>
+            <p:ph type="sldNum" sz="quarter" idx="10"/>
+          </p:nvPr>
+        </p:nvSpPr>
+        <p:spPr/>
+        <p:txBody>
+          <a:bodyPr/>
+          <a:lstStyle/>
+          <a:p>
+            <a:fld id="{058061DB-DF71-4765-99A4-14E22DF63CCF}" type="slidenum">
+              <a:rPr lang="de-CH" smtClean="0"/>
+              <a:pPr/>
+              <a:t>10</a:t>
+            </a:fld>
+            <a:endParaRPr lang="de-CH"/>
+          </a:p>
+        </p:txBody>
+      </p:sp>
+    </p:spTree>
+    <p:extLst>
+      <p:ext uri="{BB962C8B-B14F-4D97-AF65-F5344CB8AC3E}">
+        <p14:creationId xmlns:p14="http://schemas.microsoft.com/office/powerpoint/2010/main" val="2479164671"/>
+      </p:ext>
+    </p:extLst>
+  </p:cSld>
+  <p:clrMapOvr>
+    <a:masterClrMapping/>
+  </p:clrMapOvr>
+</p:notes>
+</file>
+
+<file path=ppt/notesSlides/notesSlide8.xml><?xml version="1.0" encoding="utf-8"?>
+<p:notes xmlns:a="http://schemas.openxmlformats.org/drawingml/2006/main" xmlns:r="http://schemas.openxmlformats.org/officeDocument/2006/relationships" xmlns:p="http://schemas.openxmlformats.org/presentationml/2006/main">
+  <p:cSld>
+    <p:spTree>
+      <p:nvGrpSpPr>
+        <p:cNvPr id="1" name=""/>
+        <p:cNvGrpSpPr/>
+        <p:nvPr/>
+      </p:nvGrpSpPr>
+      <p:grpSpPr>
+        <a:xfrm>
+          <a:off x="0" y="0"/>
+          <a:ext cx="0" cy="0"/>
+          <a:chOff x="0" y="0"/>
+          <a:chExt cx="0" cy="0"/>
+        </a:xfrm>
+      </p:grpSpPr>
+      <p:sp>
+        <p:nvSpPr>
+          <p:cNvPr id="2" name="Folienbildplatzhalter 1"/>
+          <p:cNvSpPr>
+            <a:spLocks noGrp="1" noRot="1" noChangeAspect="1"/>
+          </p:cNvSpPr>
+          <p:nvPr>
+            <p:ph type="sldImg"/>
+          </p:nvPr>
+        </p:nvSpPr>
+        <p:spPr/>
+      </p:sp>
+      <p:sp>
+        <p:nvSpPr>
+          <p:cNvPr id="3" name="Notizenplatzhalter 2"/>
+          <p:cNvSpPr>
+            <a:spLocks noGrp="1"/>
+          </p:cNvSpPr>
+          <p:nvPr>
+            <p:ph type="body" idx="1"/>
+          </p:nvPr>
+        </p:nvSpPr>
+        <p:spPr/>
+        <p:txBody>
+          <a:bodyPr/>
+          <a:lstStyle/>
+          <a:p>
+            <a:r>
+              <a:rPr lang="de-CH" dirty="0" smtClean="0"/>
               <a:t>- Tasks wie </a:t>
             </a:r>
             <a:r>
@@ -2067,7 +2257,7 @@
 </p:notes>
 </file>
 
-<file path=ppt/notesSlides/notesSlide8.xml><?xml version="1.0" encoding="utf-8"?>
+<file path=ppt/notesSlides/notesSlide9.xml><?xml version="1.0" encoding="utf-8"?>
 <p:notes xmlns:a="http://schemas.openxmlformats.org/drawingml/2006/main" xmlns:r="http://schemas.openxmlformats.org/officeDocument/2006/relationships" xmlns:p="http://schemas.openxmlformats.org/presentationml/2006/main">
   <p:cSld>
     <p:spTree>
@@ -2531,7 +2721,7 @@
                   <a:srgbClr val="000000"/>
                 </a:solidFill>
               </a:rPr>
-              <a:t>29.05.2016</a:t>
+              <a:t>14.06.2016</a:t>
             </a:fld>
             <a:endParaRPr lang="de-CH">
               <a:solidFill>
@@ -2741,7 +2931,7 @@
                   <a:srgbClr val="000000"/>
                 </a:solidFill>
               </a:rPr>
-              <a:t>29.05.2016</a:t>
+              <a:t>14.06.2016</a:t>
             </a:fld>
             <a:endParaRPr lang="de-CH">
               <a:solidFill>
@@ -2949,7 +3139,7 @@
                   <a:srgbClr val="000000"/>
                 </a:solidFill>
               </a:rPr>
-              <a:t>29.05.2016</a:t>
+              <a:t>14.06.2016</a:t>
             </a:fld>
             <a:endParaRPr lang="de-CH">
               <a:solidFill>
@@ -3157,7 +3347,7 @@
                   <a:srgbClr val="000000"/>
                 </a:solidFill>
               </a:rPr>
-              <a:t>29.05.2016</a:t>
+              <a:t>14.06.2016</a:t>
             </a:fld>
             <a:endParaRPr lang="de-CH">
               <a:solidFill>
@@ -3613,7 +3803,7 @@
                   <a:srgbClr val="000000"/>
                 </a:solidFill>
               </a:rPr>
-              <a:t>29.05.2016</a:t>
+              <a:t>14.06.2016</a:t>
             </a:fld>
             <a:endParaRPr lang="de-CH">
               <a:solidFill>
@@ -4454,7 +4644,7 @@
                   <a:srgbClr val="000000"/>
                 </a:solidFill>
               </a:rPr>
-              <a:t>29.05.2016</a:t>
+              <a:t>14.06.2016</a:t>
             </a:fld>
             <a:endParaRPr lang="de-CH">
               <a:solidFill>
@@ -4704,7 +4894,7 @@
                   <a:srgbClr val="000000"/>
                 </a:solidFill>
               </a:rPr>
-              <a:t>29.05.2016</a:t>
+              <a:t>14.06.2016</a:t>
             </a:fld>
             <a:endParaRPr lang="de-CH">
               <a:solidFill>
@@ -4977,7 +5167,7 @@
                   <a:srgbClr val="000000"/>
                 </a:solidFill>
               </a:rPr>
-              <a:t>29.05.2016</a:t>
+              <a:t>14.06.2016</a:t>
             </a:fld>
             <a:endParaRPr lang="de-CH">
               <a:solidFill>
@@ -5179,8 +5369,8 @@
         </p:nvSpPr>
         <p:spPr bwMode="auto">
           <a:xfrm>
-            <a:off x="4914652" y="1964039"/>
-            <a:ext cx="5184576" cy="3046988"/>
+            <a:off x="4410596" y="1779373"/>
+            <a:ext cx="5688632" cy="3416320"/>
           </a:xfrm>
           <a:prstGeom prst="rect">
             <a:avLst/>
@@ -5228,7 +5418,7 @@
               <a:tabLst/>
             </a:pPr>
             <a:r>
-              <a:rPr kumimoji="0" lang="de-DE" altLang="de-DE" sz="1600" b="0" i="0" u="none" strike="noStrike" cap="none" normalizeH="0" baseline="0" dirty="0" smtClean="0">
+              <a:rPr kumimoji="0" lang="de-DE" altLang="de-DE" sz="1800" b="0" i="0" u="none" strike="noStrike" cap="none" normalizeH="0" baseline="0" dirty="0" smtClean="0">
                 <a:ln>
                   <a:noFill/>
                 </a:ln>
@@ -5242,7 +5432,7 @@
               <a:t>&lt;</a:t>
             </a:r>
             <a:r>
-              <a:rPr kumimoji="0" lang="de-DE" altLang="de-DE" sz="1600" b="1" i="0" u="none" strike="noStrike" cap="none" normalizeH="0" baseline="0" dirty="0" err="1" smtClean="0">
+              <a:rPr kumimoji="0" lang="de-DE" altLang="de-DE" sz="1800" b="1" i="0" u="none" strike="noStrike" cap="none" normalizeH="0" baseline="0" dirty="0" err="1" smtClean="0">
                 <a:ln>
                   <a:noFill/>
                 </a:ln>
@@ -5256,7 +5446,7 @@
               <a:t>dependency</a:t>
             </a:r>
             <a:r>
-              <a:rPr kumimoji="0" lang="de-DE" altLang="de-DE" sz="1600" b="0" i="0" u="none" strike="noStrike" cap="none" normalizeH="0" baseline="0" dirty="0" smtClean="0">
+              <a:rPr kumimoji="0" lang="de-DE" altLang="de-DE" sz="1800" b="0" i="0" u="none" strike="noStrike" cap="none" normalizeH="0" baseline="0" dirty="0" smtClean="0">
                 <a:ln>
                   <a:noFill/>
                 </a:ln>
@@ -5270,7 +5460,7 @@
               <a:t>&gt;</a:t>
             </a:r>
             <a:br>
-              <a:rPr kumimoji="0" lang="de-DE" altLang="de-DE" sz="1600" b="0" i="0" u="none" strike="noStrike" cap="none" normalizeH="0" baseline="0" dirty="0" smtClean="0">
+              <a:rPr kumimoji="0" lang="de-DE" altLang="de-DE" sz="1800" b="0" i="0" u="none" strike="noStrike" cap="none" normalizeH="0" baseline="0" dirty="0" smtClean="0">
                 <a:ln>
                   <a:noFill/>
                 </a:ln>
@@ -5283,7 +5473,7 @@
               </a:rPr>
             </a:br>
             <a:r>
-              <a:rPr kumimoji="0" lang="de-DE" altLang="de-DE" sz="1600" b="0" i="0" u="none" strike="noStrike" cap="none" normalizeH="0" baseline="0" dirty="0" smtClean="0">
+              <a:rPr kumimoji="0" lang="de-DE" altLang="de-DE" sz="1800" b="0" i="0" u="none" strike="noStrike" cap="none" normalizeH="0" baseline="0" dirty="0" smtClean="0">
                 <a:ln>
                   <a:noFill/>
                 </a:ln>
@@ -5297,7 +5487,7 @@
               <a:t>    &lt;</a:t>
             </a:r>
             <a:r>
-              <a:rPr kumimoji="0" lang="de-DE" altLang="de-DE" sz="1600" b="1" i="0" u="none" strike="noStrike" cap="none" normalizeH="0" baseline="0" dirty="0" err="1" smtClean="0">
+              <a:rPr kumimoji="0" lang="de-DE" altLang="de-DE" sz="1800" b="1" i="0" u="none" strike="noStrike" cap="none" normalizeH="0" baseline="0" dirty="0" err="1" smtClean="0">
                 <a:ln>
                   <a:noFill/>
                 </a:ln>
@@ -5311,7 +5501,7 @@
               <a:t>groupId</a:t>
             </a:r>
             <a:r>
-              <a:rPr kumimoji="0" lang="de-DE" altLang="de-DE" sz="1600" b="0" i="0" u="none" strike="noStrike" cap="none" normalizeH="0" baseline="0" dirty="0" smtClean="0">
+              <a:rPr kumimoji="0" lang="de-DE" altLang="de-DE" sz="1800" b="0" i="0" u="none" strike="noStrike" cap="none" normalizeH="0" baseline="0" dirty="0" smtClean="0">
                 <a:ln>
                   <a:noFill/>
                 </a:ln>
@@ -5325,7 +5515,7 @@
               <a:t>&gt;</a:t>
             </a:r>
             <a:r>
-              <a:rPr kumimoji="0" lang="de-DE" altLang="de-DE" sz="1600" b="0" i="0" u="none" strike="noStrike" cap="none" normalizeH="0" baseline="0" dirty="0" err="1" smtClean="0">
+              <a:rPr kumimoji="0" lang="de-DE" altLang="de-DE" sz="1800" b="0" i="0" u="none" strike="noStrike" cap="none" normalizeH="0" baseline="0" dirty="0" err="1" smtClean="0">
                 <a:ln>
                   <a:noFill/>
                 </a:ln>
@@ -5339,7 +5529,7 @@
               <a:t>org.mockito</a:t>
             </a:r>
             <a:r>
-              <a:rPr kumimoji="0" lang="de-DE" altLang="de-DE" sz="1600" b="0" i="0" u="none" strike="noStrike" cap="none" normalizeH="0" baseline="0" dirty="0" smtClean="0">
+              <a:rPr kumimoji="0" lang="de-DE" altLang="de-DE" sz="1800" b="0" i="0" u="none" strike="noStrike" cap="none" normalizeH="0" baseline="0" dirty="0" smtClean="0">
                 <a:ln>
                   <a:noFill/>
                 </a:ln>
@@ -5353,7 +5543,7 @@
               <a:t>&lt;/</a:t>
             </a:r>
             <a:r>
-              <a:rPr kumimoji="0" lang="de-DE" altLang="de-DE" sz="1600" b="1" i="0" u="none" strike="noStrike" cap="none" normalizeH="0" baseline="0" dirty="0" err="1" smtClean="0">
+              <a:rPr kumimoji="0" lang="de-DE" altLang="de-DE" sz="1800" b="1" i="0" u="none" strike="noStrike" cap="none" normalizeH="0" baseline="0" dirty="0" err="1" smtClean="0">
                 <a:ln>
                   <a:noFill/>
                 </a:ln>
@@ -5367,7 +5557,7 @@
               <a:t>groupId</a:t>
             </a:r>
             <a:r>
-              <a:rPr kumimoji="0" lang="de-DE" altLang="de-DE" sz="1600" b="0" i="0" u="none" strike="noStrike" cap="none" normalizeH="0" baseline="0" dirty="0" smtClean="0">
+              <a:rPr kumimoji="0" lang="de-DE" altLang="de-DE" sz="1800" b="0" i="0" u="none" strike="noStrike" cap="none" normalizeH="0" baseline="0" dirty="0" smtClean="0">
                 <a:ln>
                   <a:noFill/>
                 </a:ln>
@@ -5381,7 +5571,7 @@
               <a:t>&gt;</a:t>
             </a:r>
             <a:br>
-              <a:rPr kumimoji="0" lang="de-DE" altLang="de-DE" sz="1600" b="0" i="0" u="none" strike="noStrike" cap="none" normalizeH="0" baseline="0" dirty="0" smtClean="0">
+              <a:rPr kumimoji="0" lang="de-DE" altLang="de-DE" sz="1800" b="0" i="0" u="none" strike="noStrike" cap="none" normalizeH="0" baseline="0" dirty="0" smtClean="0">
                 <a:ln>
                   <a:noFill/>
                 </a:ln>
@@ -5394,7 +5584,7 @@
               </a:rPr>
             </a:br>
             <a:r>
-              <a:rPr kumimoji="0" lang="de-DE" altLang="de-DE" sz="1600" b="0" i="0" u="none" strike="noStrike" cap="none" normalizeH="0" baseline="0" dirty="0" smtClean="0">
+              <a:rPr kumimoji="0" lang="de-DE" altLang="de-DE" sz="1800" b="0" i="0" u="none" strike="noStrike" cap="none" normalizeH="0" baseline="0" dirty="0" smtClean="0">
                 <a:ln>
                   <a:noFill/>
                 </a:ln>
@@ -5408,7 +5598,7 @@
               <a:t>    &lt;</a:t>
             </a:r>
             <a:r>
-              <a:rPr kumimoji="0" lang="de-DE" altLang="de-DE" sz="1600" b="1" i="0" u="none" strike="noStrike" cap="none" normalizeH="0" baseline="0" dirty="0" err="1" smtClean="0">
+              <a:rPr kumimoji="0" lang="de-DE" altLang="de-DE" sz="1800" b="1" i="0" u="none" strike="noStrike" cap="none" normalizeH="0" baseline="0" dirty="0" err="1" smtClean="0">
                 <a:ln>
                   <a:noFill/>
                 </a:ln>
@@ -5422,7 +5612,7 @@
               <a:t>artifactId</a:t>
             </a:r>
             <a:r>
-              <a:rPr kumimoji="0" lang="de-DE" altLang="de-DE" sz="1600" b="0" i="0" u="none" strike="noStrike" cap="none" normalizeH="0" baseline="0" dirty="0" smtClean="0">
+              <a:rPr kumimoji="0" lang="de-DE" altLang="de-DE" sz="1800" b="0" i="0" u="none" strike="noStrike" cap="none" normalizeH="0" baseline="0" dirty="0" smtClean="0">
                 <a:ln>
                   <a:noFill/>
                 </a:ln>
@@ -5436,7 +5626,7 @@
               <a:t>&gt;</a:t>
             </a:r>
             <a:r>
-              <a:rPr kumimoji="0" lang="de-DE" altLang="de-DE" sz="1600" b="0" i="0" u="none" strike="noStrike" cap="none" normalizeH="0" baseline="0" dirty="0" err="1" smtClean="0">
+              <a:rPr kumimoji="0" lang="de-DE" altLang="de-DE" sz="1800" b="0" i="0" u="none" strike="noStrike" cap="none" normalizeH="0" baseline="0" dirty="0" err="1" smtClean="0">
                 <a:ln>
                   <a:noFill/>
                 </a:ln>
@@ -5450,7 +5640,7 @@
               <a:t>mockito</a:t>
             </a:r>
             <a:r>
-              <a:rPr kumimoji="0" lang="de-DE" altLang="de-DE" sz="1600" b="0" i="0" u="none" strike="noStrike" cap="none" normalizeH="0" baseline="0" dirty="0" smtClean="0">
+              <a:rPr kumimoji="0" lang="de-DE" altLang="de-DE" sz="1800" b="0" i="0" u="none" strike="noStrike" cap="none" normalizeH="0" baseline="0" dirty="0" smtClean="0">
                 <a:ln>
                   <a:noFill/>
                 </a:ln>
@@ -5464,7 +5654,7 @@
               <a:t>-all&lt;/</a:t>
             </a:r>
             <a:r>
-              <a:rPr kumimoji="0" lang="de-DE" altLang="de-DE" sz="1600" b="1" i="0" u="none" strike="noStrike" cap="none" normalizeH="0" baseline="0" dirty="0" err="1" smtClean="0">
+              <a:rPr kumimoji="0" lang="de-DE" altLang="de-DE" sz="1800" b="1" i="0" u="none" strike="noStrike" cap="none" normalizeH="0" baseline="0" dirty="0" err="1" smtClean="0">
                 <a:ln>
                   <a:noFill/>
                 </a:ln>
@@ -5478,7 +5668,7 @@
               <a:t>artifactId</a:t>
             </a:r>
             <a:r>
-              <a:rPr kumimoji="0" lang="de-DE" altLang="de-DE" sz="1600" b="0" i="0" u="none" strike="noStrike" cap="none" normalizeH="0" baseline="0" dirty="0" smtClean="0">
+              <a:rPr kumimoji="0" lang="de-DE" altLang="de-DE" sz="1800" b="0" i="0" u="none" strike="noStrike" cap="none" normalizeH="0" baseline="0" dirty="0" smtClean="0">
                 <a:ln>
                   <a:noFill/>
                 </a:ln>
@@ -5492,7 +5682,7 @@
               <a:t>&gt;</a:t>
             </a:r>
             <a:br>
-              <a:rPr kumimoji="0" lang="de-DE" altLang="de-DE" sz="1600" b="0" i="0" u="none" strike="noStrike" cap="none" normalizeH="0" baseline="0" dirty="0" smtClean="0">
+              <a:rPr kumimoji="0" lang="de-DE" altLang="de-DE" sz="1800" b="0" i="0" u="none" strike="noStrike" cap="none" normalizeH="0" baseline="0" dirty="0" smtClean="0">
                 <a:ln>
                   <a:noFill/>
                 </a:ln>
@@ -5505,7 +5695,7 @@
               </a:rPr>
             </a:br>
             <a:r>
-              <a:rPr kumimoji="0" lang="de-DE" altLang="de-DE" sz="1600" b="0" i="0" u="none" strike="noStrike" cap="none" normalizeH="0" baseline="0" dirty="0" smtClean="0">
+              <a:rPr kumimoji="0" lang="de-DE" altLang="de-DE" sz="1800" b="0" i="0" u="none" strike="noStrike" cap="none" normalizeH="0" baseline="0" dirty="0" smtClean="0">
                 <a:ln>
                   <a:noFill/>
                 </a:ln>
@@ -5519,7 +5709,7 @@
               <a:t>    &lt;</a:t>
             </a:r>
             <a:r>
-              <a:rPr kumimoji="0" lang="de-DE" altLang="de-DE" sz="1600" b="1" i="0" u="none" strike="noStrike" cap="none" normalizeH="0" baseline="0" dirty="0" err="1" smtClean="0">
+              <a:rPr kumimoji="0" lang="de-DE" altLang="de-DE" sz="1800" b="1" i="0" u="none" strike="noStrike" cap="none" normalizeH="0" baseline="0" dirty="0" err="1" smtClean="0">
                 <a:ln>
                   <a:noFill/>
                 </a:ln>
@@ -5533,7 +5723,7 @@
               <a:t>version</a:t>
             </a:r>
             <a:r>
-              <a:rPr kumimoji="0" lang="de-DE" altLang="de-DE" sz="1600" b="0" i="0" u="none" strike="noStrike" cap="none" normalizeH="0" baseline="0" dirty="0" smtClean="0">
+              <a:rPr kumimoji="0" lang="de-DE" altLang="de-DE" sz="1800" b="0" i="0" u="none" strike="noStrike" cap="none" normalizeH="0" baseline="0" dirty="0" smtClean="0">
                 <a:ln>
                   <a:noFill/>
                 </a:ln>
@@ -5547,7 +5737,7 @@
               <a:t>&gt;1.9.5&lt;/</a:t>
             </a:r>
             <a:r>
-              <a:rPr kumimoji="0" lang="de-DE" altLang="de-DE" sz="1600" b="1" i="0" u="none" strike="noStrike" cap="none" normalizeH="0" baseline="0" dirty="0" err="1" smtClean="0">
+              <a:rPr kumimoji="0" lang="de-DE" altLang="de-DE" sz="1800" b="1" i="0" u="none" strike="noStrike" cap="none" normalizeH="0" baseline="0" dirty="0" err="1" smtClean="0">
                 <a:ln>
                   <a:noFill/>
                 </a:ln>
@@ -5561,7 +5751,7 @@
               <a:t>version</a:t>
             </a:r>
             <a:r>
-              <a:rPr kumimoji="0" lang="de-DE" altLang="de-DE" sz="1600" b="0" i="0" u="none" strike="noStrike" cap="none" normalizeH="0" baseline="0" dirty="0" smtClean="0">
+              <a:rPr kumimoji="0" lang="de-DE" altLang="de-DE" sz="1800" b="0" i="0" u="none" strike="noStrike" cap="none" normalizeH="0" baseline="0" dirty="0" smtClean="0">
                 <a:ln>
                   <a:noFill/>
                 </a:ln>
@@ -5575,7 +5765,7 @@
               <a:t>&gt;</a:t>
             </a:r>
             <a:br>
-              <a:rPr kumimoji="0" lang="de-DE" altLang="de-DE" sz="1600" b="0" i="0" u="none" strike="noStrike" cap="none" normalizeH="0" baseline="0" dirty="0" smtClean="0">
+              <a:rPr kumimoji="0" lang="de-DE" altLang="de-DE" sz="1800" b="0" i="0" u="none" strike="noStrike" cap="none" normalizeH="0" baseline="0" dirty="0" smtClean="0">
                 <a:ln>
                   <a:noFill/>
                 </a:ln>
@@ -5588,7 +5778,7 @@
               </a:rPr>
             </a:br>
             <a:r>
-              <a:rPr kumimoji="0" lang="de-DE" altLang="de-DE" sz="1600" b="0" i="0" u="none" strike="noStrike" cap="none" normalizeH="0" baseline="0" dirty="0" smtClean="0">
+              <a:rPr kumimoji="0" lang="de-DE" altLang="de-DE" sz="1800" b="0" i="0" u="none" strike="noStrike" cap="none" normalizeH="0" baseline="0" dirty="0" smtClean="0">
                 <a:ln>
                   <a:noFill/>
                 </a:ln>
@@ -5602,7 +5792,7 @@
               <a:t>    </a:t>
             </a:r>
             <a:r>
-              <a:rPr kumimoji="0" lang="de-DE" altLang="de-DE" sz="1600" b="0" i="0" u="none" strike="noStrike" cap="none" normalizeH="0" baseline="0" dirty="0" smtClean="0">
+              <a:rPr kumimoji="0" lang="de-DE" altLang="de-DE" sz="1800" b="0" i="0" u="none" strike="noStrike" cap="none" normalizeH="0" baseline="0" dirty="0" smtClean="0">
                 <a:ln>
                   <a:noFill/>
                 </a:ln>
@@ -5616,7 +5806,7 @@
               <a:t>&lt;</a:t>
             </a:r>
             <a:r>
-              <a:rPr kumimoji="0" lang="de-DE" altLang="de-DE" sz="1600" b="1" i="0" u="none" strike="noStrike" cap="none" normalizeH="0" baseline="0" dirty="0" err="1" smtClean="0">
+              <a:rPr kumimoji="0" lang="de-DE" altLang="de-DE" sz="1800" b="1" i="0" u="none" strike="noStrike" cap="none" normalizeH="0" baseline="0" dirty="0" err="1" smtClean="0">
                 <a:ln>
                   <a:noFill/>
                 </a:ln>
@@ -5630,7 +5820,7 @@
               <a:t>scope</a:t>
             </a:r>
             <a:r>
-              <a:rPr kumimoji="0" lang="de-DE" altLang="de-DE" sz="1600" b="0" i="0" u="none" strike="noStrike" cap="none" normalizeH="0" baseline="0" dirty="0" smtClean="0">
+              <a:rPr kumimoji="0" lang="de-DE" altLang="de-DE" sz="1800" b="0" i="0" u="none" strike="noStrike" cap="none" normalizeH="0" baseline="0" dirty="0" smtClean="0">
                 <a:ln>
                   <a:noFill/>
                 </a:ln>
@@ -5644,7 +5834,7 @@
               <a:t>&gt;</a:t>
             </a:r>
             <a:r>
-              <a:rPr kumimoji="0" lang="de-DE" altLang="de-DE" sz="1600" b="0" i="0" u="none" strike="noStrike" cap="none" normalizeH="0" baseline="0" dirty="0" err="1" smtClean="0">
+              <a:rPr kumimoji="0" lang="de-DE" altLang="de-DE" sz="1800" b="0" i="0" u="none" strike="noStrike" cap="none" normalizeH="0" baseline="0" dirty="0" err="1" smtClean="0">
                 <a:ln>
                   <a:noFill/>
                 </a:ln>
@@ -5658,7 +5848,7 @@
               <a:t>test</a:t>
             </a:r>
             <a:r>
-              <a:rPr kumimoji="0" lang="de-DE" altLang="de-DE" sz="1600" b="0" i="0" u="none" strike="noStrike" cap="none" normalizeH="0" baseline="0" dirty="0" smtClean="0">
+              <a:rPr kumimoji="0" lang="de-DE" altLang="de-DE" sz="1800" b="0" i="0" u="none" strike="noStrike" cap="none" normalizeH="0" baseline="0" dirty="0" smtClean="0">
                 <a:ln>
                   <a:noFill/>
                 </a:ln>
@@ -5672,7 +5862,7 @@
               <a:t>&lt;/</a:t>
             </a:r>
             <a:r>
-              <a:rPr kumimoji="0" lang="de-DE" altLang="de-DE" sz="1600" b="1" i="0" u="none" strike="noStrike" cap="none" normalizeH="0" baseline="0" dirty="0" err="1" smtClean="0">
+              <a:rPr kumimoji="0" lang="de-DE" altLang="de-DE" sz="1800" b="1" i="0" u="none" strike="noStrike" cap="none" normalizeH="0" baseline="0" dirty="0" err="1" smtClean="0">
                 <a:ln>
                   <a:noFill/>
                 </a:ln>
@@ -5686,7 +5876,7 @@
               <a:t>scope</a:t>
             </a:r>
             <a:r>
-              <a:rPr kumimoji="0" lang="de-DE" altLang="de-DE" sz="1600" b="0" i="0" u="none" strike="noStrike" cap="none" normalizeH="0" baseline="0" dirty="0" smtClean="0">
+              <a:rPr kumimoji="0" lang="de-DE" altLang="de-DE" sz="1800" b="0" i="0" u="none" strike="noStrike" cap="none" normalizeH="0" baseline="0" dirty="0" smtClean="0">
                 <a:ln>
                   <a:noFill/>
                 </a:ln>
@@ -5700,7 +5890,7 @@
               <a:t>&gt;</a:t>
             </a:r>
             <a:r>
-              <a:rPr kumimoji="0" lang="de-DE" altLang="de-DE" sz="1600" b="0" i="0" u="none" strike="noStrike" cap="none" normalizeH="0" baseline="0" dirty="0" smtClean="0">
+              <a:rPr kumimoji="0" lang="de-DE" altLang="de-DE" sz="1800" b="0" i="0" u="none" strike="noStrike" cap="none" normalizeH="0" baseline="0" dirty="0" smtClean="0">
                 <a:ln>
                   <a:noFill/>
                 </a:ln>
@@ -5714,7 +5904,7 @@
               <a:t/>
             </a:r>
             <a:br>
-              <a:rPr kumimoji="0" lang="de-DE" altLang="de-DE" sz="1600" b="0" i="0" u="none" strike="noStrike" cap="none" normalizeH="0" baseline="0" dirty="0" smtClean="0">
+              <a:rPr kumimoji="0" lang="de-DE" altLang="de-DE" sz="1800" b="0" i="0" u="none" strike="noStrike" cap="none" normalizeH="0" baseline="0" dirty="0" smtClean="0">
                 <a:ln>
                   <a:noFill/>
                 </a:ln>
@@ -5727,7 +5917,7 @@
               </a:rPr>
             </a:br>
             <a:r>
-              <a:rPr kumimoji="0" lang="de-DE" altLang="de-DE" sz="1600" b="0" i="0" u="none" strike="noStrike" cap="none" normalizeH="0" baseline="0" dirty="0" smtClean="0">
+              <a:rPr kumimoji="0" lang="de-DE" altLang="de-DE" sz="1800" b="0" i="0" u="none" strike="noStrike" cap="none" normalizeH="0" baseline="0" dirty="0" smtClean="0">
                 <a:ln>
                   <a:noFill/>
                 </a:ln>
@@ -5741,7 +5931,7 @@
               <a:t>&lt;/</a:t>
             </a:r>
             <a:r>
-              <a:rPr kumimoji="0" lang="de-DE" altLang="de-DE" sz="1600" b="1" i="0" u="none" strike="noStrike" cap="none" normalizeH="0" baseline="0" dirty="0" err="1" smtClean="0">
+              <a:rPr kumimoji="0" lang="de-DE" altLang="de-DE" sz="1800" b="1" i="0" u="none" strike="noStrike" cap="none" normalizeH="0" baseline="0" dirty="0" err="1" smtClean="0">
                 <a:ln>
                   <a:noFill/>
                 </a:ln>
@@ -5755,7 +5945,7 @@
               <a:t>dependency</a:t>
             </a:r>
             <a:r>
-              <a:rPr kumimoji="0" lang="de-DE" altLang="de-DE" sz="1600" b="0" i="0" u="none" strike="noStrike" cap="none" normalizeH="0" baseline="0" dirty="0" smtClean="0">
+              <a:rPr kumimoji="0" lang="de-DE" altLang="de-DE" sz="1800" b="0" i="0" u="none" strike="noStrike" cap="none" normalizeH="0" baseline="0" dirty="0" smtClean="0">
                 <a:ln>
                   <a:noFill/>
                 </a:ln>
@@ -5769,7 +5959,7 @@
               <a:t>&gt;</a:t>
             </a:r>
             <a:br>
-              <a:rPr kumimoji="0" lang="de-DE" altLang="de-DE" sz="1600" b="0" i="0" u="none" strike="noStrike" cap="none" normalizeH="0" baseline="0" dirty="0" smtClean="0">
+              <a:rPr kumimoji="0" lang="de-DE" altLang="de-DE" sz="1800" b="0" i="0" u="none" strike="noStrike" cap="none" normalizeH="0" baseline="0" dirty="0" smtClean="0">
                 <a:ln>
                   <a:noFill/>
                 </a:ln>
@@ -5782,7 +5972,7 @@
               </a:rPr>
             </a:br>
             <a:r>
-              <a:rPr kumimoji="0" lang="de-DE" altLang="de-DE" sz="1600" b="0" i="0" u="none" strike="noStrike" cap="none" normalizeH="0" baseline="0" dirty="0" smtClean="0">
+              <a:rPr kumimoji="0" lang="de-DE" altLang="de-DE" sz="1800" b="0" i="0" u="none" strike="noStrike" cap="none" normalizeH="0" baseline="0" dirty="0" smtClean="0">
                 <a:ln>
                   <a:noFill/>
                 </a:ln>
@@ -5796,7 +5986,7 @@
               <a:t/>
             </a:r>
             <a:br>
-              <a:rPr kumimoji="0" lang="de-DE" altLang="de-DE" sz="1600" b="0" i="0" u="none" strike="noStrike" cap="none" normalizeH="0" baseline="0" dirty="0" smtClean="0">
+              <a:rPr kumimoji="0" lang="de-DE" altLang="de-DE" sz="1800" b="0" i="0" u="none" strike="noStrike" cap="none" normalizeH="0" baseline="0" dirty="0" smtClean="0">
                 <a:ln>
                   <a:noFill/>
                 </a:ln>
@@ -5809,7 +5999,7 @@
               </a:rPr>
             </a:br>
             <a:r>
-              <a:rPr kumimoji="0" lang="de-DE" altLang="de-DE" sz="1600" b="0" i="0" u="none" strike="noStrike" cap="none" normalizeH="0" baseline="0" dirty="0" smtClean="0">
+              <a:rPr kumimoji="0" lang="de-DE" altLang="de-DE" sz="1800" b="0" i="0" u="none" strike="noStrike" cap="none" normalizeH="0" baseline="0" dirty="0" smtClean="0">
                 <a:ln>
                   <a:noFill/>
                 </a:ln>
@@ -5823,7 +6013,7 @@
               <a:t>&lt;</a:t>
             </a:r>
             <a:r>
-              <a:rPr kumimoji="0" lang="de-DE" altLang="de-DE" sz="1600" b="1" i="0" u="none" strike="noStrike" cap="none" normalizeH="0" baseline="0" dirty="0" err="1" smtClean="0">
+              <a:rPr kumimoji="0" lang="de-DE" altLang="de-DE" sz="1800" b="1" i="0" u="none" strike="noStrike" cap="none" normalizeH="0" baseline="0" dirty="0" err="1" smtClean="0">
                 <a:ln>
                   <a:noFill/>
                 </a:ln>
@@ -5837,7 +6027,7 @@
               <a:t>dependency</a:t>
             </a:r>
             <a:r>
-              <a:rPr kumimoji="0" lang="de-DE" altLang="de-DE" sz="1600" b="0" i="0" u="none" strike="noStrike" cap="none" normalizeH="0" baseline="0" dirty="0" smtClean="0">
+              <a:rPr kumimoji="0" lang="de-DE" altLang="de-DE" sz="1800" b="0" i="0" u="none" strike="noStrike" cap="none" normalizeH="0" baseline="0" dirty="0" smtClean="0">
                 <a:ln>
                   <a:noFill/>
                 </a:ln>
@@ -5851,7 +6041,7 @@
               <a:t>&gt;</a:t>
             </a:r>
             <a:br>
-              <a:rPr kumimoji="0" lang="de-DE" altLang="de-DE" sz="1600" b="0" i="0" u="none" strike="noStrike" cap="none" normalizeH="0" baseline="0" dirty="0" smtClean="0">
+              <a:rPr kumimoji="0" lang="de-DE" altLang="de-DE" sz="1800" b="0" i="0" u="none" strike="noStrike" cap="none" normalizeH="0" baseline="0" dirty="0" smtClean="0">
                 <a:ln>
                   <a:noFill/>
                 </a:ln>
@@ -5864,7 +6054,7 @@
               </a:rPr>
             </a:br>
             <a:r>
-              <a:rPr kumimoji="0" lang="de-DE" altLang="de-DE" sz="1600" b="0" i="0" u="none" strike="noStrike" cap="none" normalizeH="0" baseline="0" dirty="0" smtClean="0">
+              <a:rPr kumimoji="0" lang="de-DE" altLang="de-DE" sz="1800" b="0" i="0" u="none" strike="noStrike" cap="none" normalizeH="0" baseline="0" dirty="0" smtClean="0">
                 <a:ln>
                   <a:noFill/>
                 </a:ln>
@@ -5878,7 +6068,7 @@
               <a:t>    &lt;</a:t>
             </a:r>
             <a:r>
-              <a:rPr kumimoji="0" lang="de-DE" altLang="de-DE" sz="1600" b="1" i="0" u="none" strike="noStrike" cap="none" normalizeH="0" baseline="0" dirty="0" err="1" smtClean="0">
+              <a:rPr kumimoji="0" lang="de-DE" altLang="de-DE" sz="1800" b="1" i="0" u="none" strike="noStrike" cap="none" normalizeH="0" baseline="0" dirty="0" err="1" smtClean="0">
                 <a:ln>
                   <a:noFill/>
                 </a:ln>
@@ -5892,7 +6082,7 @@
               <a:t>groupId</a:t>
             </a:r>
             <a:r>
-              <a:rPr kumimoji="0" lang="de-DE" altLang="de-DE" sz="1600" b="0" i="0" u="none" strike="noStrike" cap="none" normalizeH="0" baseline="0" dirty="0" smtClean="0">
+              <a:rPr kumimoji="0" lang="de-DE" altLang="de-DE" sz="1800" b="0" i="0" u="none" strike="noStrike" cap="none" normalizeH="0" baseline="0" dirty="0" smtClean="0">
                 <a:ln>
                   <a:noFill/>
                 </a:ln>
@@ -5906,7 +6096,7 @@
               <a:t>&gt;</a:t>
             </a:r>
             <a:r>
-              <a:rPr kumimoji="0" lang="de-DE" altLang="de-DE" sz="1600" b="0" i="0" u="none" strike="noStrike" cap="none" normalizeH="0" baseline="0" dirty="0" err="1" smtClean="0">
+              <a:rPr kumimoji="0" lang="de-DE" altLang="de-DE" sz="1800" b="0" i="0" u="none" strike="noStrike" cap="none" normalizeH="0" baseline="0" dirty="0" err="1" smtClean="0">
                 <a:ln>
                   <a:noFill/>
                 </a:ln>
@@ -5920,7 +6110,7 @@
               <a:t>org.controlsfx</a:t>
             </a:r>
             <a:r>
-              <a:rPr kumimoji="0" lang="de-DE" altLang="de-DE" sz="1600" b="0" i="0" u="none" strike="noStrike" cap="none" normalizeH="0" baseline="0" dirty="0" smtClean="0">
+              <a:rPr kumimoji="0" lang="de-DE" altLang="de-DE" sz="1800" b="0" i="0" u="none" strike="noStrike" cap="none" normalizeH="0" baseline="0" dirty="0" smtClean="0">
                 <a:ln>
                   <a:noFill/>
                 </a:ln>
@@ -5934,7 +6124,7 @@
               <a:t>&lt;/</a:t>
             </a:r>
             <a:r>
-              <a:rPr kumimoji="0" lang="de-DE" altLang="de-DE" sz="1600" b="1" i="0" u="none" strike="noStrike" cap="none" normalizeH="0" baseline="0" dirty="0" err="1" smtClean="0">
+              <a:rPr kumimoji="0" lang="de-DE" altLang="de-DE" sz="1800" b="1" i="0" u="none" strike="noStrike" cap="none" normalizeH="0" baseline="0" dirty="0" err="1" smtClean="0">
                 <a:ln>
                   <a:noFill/>
                 </a:ln>
@@ -5948,7 +6138,7 @@
               <a:t>groupId</a:t>
             </a:r>
             <a:r>
-              <a:rPr kumimoji="0" lang="de-DE" altLang="de-DE" sz="1600" b="0" i="0" u="none" strike="noStrike" cap="none" normalizeH="0" baseline="0" dirty="0" smtClean="0">
+              <a:rPr kumimoji="0" lang="de-DE" altLang="de-DE" sz="1800" b="0" i="0" u="none" strike="noStrike" cap="none" normalizeH="0" baseline="0" dirty="0" smtClean="0">
                 <a:ln>
                   <a:noFill/>
                 </a:ln>
@@ -5962,7 +6152,7 @@
               <a:t>&gt;</a:t>
             </a:r>
             <a:br>
-              <a:rPr kumimoji="0" lang="de-DE" altLang="de-DE" sz="1600" b="0" i="0" u="none" strike="noStrike" cap="none" normalizeH="0" baseline="0" dirty="0" smtClean="0">
+              <a:rPr kumimoji="0" lang="de-DE" altLang="de-DE" sz="1800" b="0" i="0" u="none" strike="noStrike" cap="none" normalizeH="0" baseline="0" dirty="0" smtClean="0">
                 <a:ln>
                   <a:noFill/>
                 </a:ln>
@@ -5975,7 +6165,7 @@
               </a:rPr>
             </a:br>
             <a:r>
-              <a:rPr kumimoji="0" lang="de-DE" altLang="de-DE" sz="1600" b="0" i="0" u="none" strike="noStrike" cap="none" normalizeH="0" baseline="0" dirty="0" smtClean="0">
+              <a:rPr kumimoji="0" lang="de-DE" altLang="de-DE" sz="1800" b="0" i="0" u="none" strike="noStrike" cap="none" normalizeH="0" baseline="0" dirty="0" smtClean="0">
                 <a:ln>
                   <a:noFill/>
                 </a:ln>
@@ -5989,7 +6179,7 @@
               <a:t>    &lt;</a:t>
             </a:r>
             <a:r>
-              <a:rPr kumimoji="0" lang="de-DE" altLang="de-DE" sz="1600" b="1" i="0" u="none" strike="noStrike" cap="none" normalizeH="0" baseline="0" dirty="0" err="1" smtClean="0">
+              <a:rPr kumimoji="0" lang="de-DE" altLang="de-DE" sz="1800" b="1" i="0" u="none" strike="noStrike" cap="none" normalizeH="0" baseline="0" dirty="0" err="1" smtClean="0">
                 <a:ln>
                   <a:noFill/>
                 </a:ln>
@@ -6003,7 +6193,7 @@
               <a:t>artifactId</a:t>
             </a:r>
             <a:r>
-              <a:rPr kumimoji="0" lang="de-DE" altLang="de-DE" sz="1600" b="0" i="0" u="none" strike="noStrike" cap="none" normalizeH="0" baseline="0" dirty="0" smtClean="0">
+              <a:rPr kumimoji="0" lang="de-DE" altLang="de-DE" sz="1800" b="0" i="0" u="none" strike="noStrike" cap="none" normalizeH="0" baseline="0" dirty="0" smtClean="0">
                 <a:ln>
                   <a:noFill/>
                 </a:ln>
@@ -6017,7 +6207,7 @@
               <a:t>&gt;</a:t>
             </a:r>
             <a:r>
-              <a:rPr kumimoji="0" lang="de-DE" altLang="de-DE" sz="1600" b="0" i="0" u="none" strike="noStrike" cap="none" normalizeH="0" baseline="0" dirty="0" err="1" smtClean="0">
+              <a:rPr kumimoji="0" lang="de-DE" altLang="de-DE" sz="1800" b="0" i="0" u="none" strike="noStrike" cap="none" normalizeH="0" baseline="0" dirty="0" err="1" smtClean="0">
                 <a:ln>
                   <a:noFill/>
                 </a:ln>
@@ -6031,7 +6221,7 @@
               <a:t>controlsfx</a:t>
             </a:r>
             <a:r>
-              <a:rPr kumimoji="0" lang="de-DE" altLang="de-DE" sz="1600" b="0" i="0" u="none" strike="noStrike" cap="none" normalizeH="0" baseline="0" dirty="0" smtClean="0">
+              <a:rPr kumimoji="0" lang="de-DE" altLang="de-DE" sz="1800" b="0" i="0" u="none" strike="noStrike" cap="none" normalizeH="0" baseline="0" dirty="0" smtClean="0">
                 <a:ln>
                   <a:noFill/>
                 </a:ln>
@@ -6045,7 +6235,7 @@
               <a:t>&lt;/</a:t>
             </a:r>
             <a:r>
-              <a:rPr kumimoji="0" lang="de-DE" altLang="de-DE" sz="1600" b="1" i="0" u="none" strike="noStrike" cap="none" normalizeH="0" baseline="0" dirty="0" err="1" smtClean="0">
+              <a:rPr kumimoji="0" lang="de-DE" altLang="de-DE" sz="1800" b="1" i="0" u="none" strike="noStrike" cap="none" normalizeH="0" baseline="0" dirty="0" err="1" smtClean="0">
                 <a:ln>
                   <a:noFill/>
                 </a:ln>
@@ -6059,7 +6249,7 @@
               <a:t>artifactId</a:t>
             </a:r>
             <a:r>
-              <a:rPr kumimoji="0" lang="de-DE" altLang="de-DE" sz="1600" b="0" i="0" u="none" strike="noStrike" cap="none" normalizeH="0" baseline="0" dirty="0" smtClean="0">
+              <a:rPr kumimoji="0" lang="de-DE" altLang="de-DE" sz="1800" b="0" i="0" u="none" strike="noStrike" cap="none" normalizeH="0" baseline="0" dirty="0" smtClean="0">
                 <a:ln>
                   <a:noFill/>
                 </a:ln>
@@ -6073,7 +6263,7 @@
               <a:t>&gt;</a:t>
             </a:r>
             <a:br>
-              <a:rPr kumimoji="0" lang="de-DE" altLang="de-DE" sz="1600" b="0" i="0" u="none" strike="noStrike" cap="none" normalizeH="0" baseline="0" dirty="0" smtClean="0">
+              <a:rPr kumimoji="0" lang="de-DE" altLang="de-DE" sz="1800" b="0" i="0" u="none" strike="noStrike" cap="none" normalizeH="0" baseline="0" dirty="0" smtClean="0">
                 <a:ln>
                   <a:noFill/>
                 </a:ln>
@@ -6086,7 +6276,7 @@
               </a:rPr>
             </a:br>
             <a:r>
-              <a:rPr kumimoji="0" lang="de-DE" altLang="de-DE" sz="1600" b="0" i="0" u="none" strike="noStrike" cap="none" normalizeH="0" baseline="0" dirty="0" smtClean="0">
+              <a:rPr kumimoji="0" lang="de-DE" altLang="de-DE" sz="1800" b="0" i="0" u="none" strike="noStrike" cap="none" normalizeH="0" baseline="0" dirty="0" smtClean="0">
                 <a:ln>
                   <a:noFill/>
                 </a:ln>
@@ -6100,7 +6290,7 @@
               <a:t>    &lt;</a:t>
             </a:r>
             <a:r>
-              <a:rPr kumimoji="0" lang="de-DE" altLang="de-DE" sz="1600" b="1" i="0" u="none" strike="noStrike" cap="none" normalizeH="0" baseline="0" dirty="0" err="1" smtClean="0">
+              <a:rPr kumimoji="0" lang="de-DE" altLang="de-DE" sz="1800" b="1" i="0" u="none" strike="noStrike" cap="none" normalizeH="0" baseline="0" dirty="0" err="1" smtClean="0">
                 <a:ln>
                   <a:noFill/>
                 </a:ln>
@@ -6114,7 +6304,7 @@
               <a:t>version</a:t>
             </a:r>
             <a:r>
-              <a:rPr kumimoji="0" lang="de-DE" altLang="de-DE" sz="1600" b="0" i="0" u="none" strike="noStrike" cap="none" normalizeH="0" baseline="0" dirty="0" smtClean="0">
+              <a:rPr kumimoji="0" lang="de-DE" altLang="de-DE" sz="1800" b="0" i="0" u="none" strike="noStrike" cap="none" normalizeH="0" baseline="0" dirty="0" smtClean="0">
                 <a:ln>
                   <a:noFill/>
                 </a:ln>
@@ -6128,7 +6318,7 @@
               <a:t>&gt;8.40.10&lt;/</a:t>
             </a:r>
             <a:r>
-              <a:rPr kumimoji="0" lang="de-DE" altLang="de-DE" sz="1600" b="1" i="0" u="none" strike="noStrike" cap="none" normalizeH="0" baseline="0" dirty="0" err="1" smtClean="0">
+              <a:rPr kumimoji="0" lang="de-DE" altLang="de-DE" sz="1800" b="1" i="0" u="none" strike="noStrike" cap="none" normalizeH="0" baseline="0" dirty="0" err="1" smtClean="0">
                 <a:ln>
                   <a:noFill/>
                 </a:ln>
@@ -6142,7 +6332,7 @@
               <a:t>version</a:t>
             </a:r>
             <a:r>
-              <a:rPr kumimoji="0" lang="de-DE" altLang="de-DE" sz="1600" b="0" i="0" u="none" strike="noStrike" cap="none" normalizeH="0" baseline="0" dirty="0" smtClean="0">
+              <a:rPr kumimoji="0" lang="de-DE" altLang="de-DE" sz="1800" b="0" i="0" u="none" strike="noStrike" cap="none" normalizeH="0" baseline="0" dirty="0" smtClean="0">
                 <a:ln>
                   <a:noFill/>
                 </a:ln>
@@ -6156,7 +6346,7 @@
               <a:t>&gt;</a:t>
             </a:r>
             <a:br>
-              <a:rPr kumimoji="0" lang="de-DE" altLang="de-DE" sz="1600" b="0" i="0" u="none" strike="noStrike" cap="none" normalizeH="0" baseline="0" dirty="0" smtClean="0">
+              <a:rPr kumimoji="0" lang="de-DE" altLang="de-DE" sz="1800" b="0" i="0" u="none" strike="noStrike" cap="none" normalizeH="0" baseline="0" dirty="0" smtClean="0">
                 <a:ln>
                   <a:noFill/>
                 </a:ln>
@@ -6169,7 +6359,7 @@
               </a:rPr>
             </a:br>
             <a:r>
-              <a:rPr kumimoji="0" lang="de-DE" altLang="de-DE" sz="1600" b="0" i="0" u="none" strike="noStrike" cap="none" normalizeH="0" baseline="0" dirty="0" smtClean="0">
+              <a:rPr kumimoji="0" lang="de-DE" altLang="de-DE" sz="1800" b="0" i="0" u="none" strike="noStrike" cap="none" normalizeH="0" baseline="0" dirty="0" smtClean="0">
                 <a:ln>
                   <a:noFill/>
                 </a:ln>
@@ -6183,7 +6373,7 @@
               <a:t>&lt;/</a:t>
             </a:r>
             <a:r>
-              <a:rPr kumimoji="0" lang="de-DE" altLang="de-DE" sz="1600" b="1" i="0" u="none" strike="noStrike" cap="none" normalizeH="0" baseline="0" dirty="0" err="1" smtClean="0">
+              <a:rPr kumimoji="0" lang="de-DE" altLang="de-DE" sz="1800" b="1" i="0" u="none" strike="noStrike" cap="none" normalizeH="0" baseline="0" dirty="0" err="1" smtClean="0">
                 <a:ln>
                   <a:noFill/>
                 </a:ln>
@@ -6197,7 +6387,7 @@
               <a:t>dependency</a:t>
             </a:r>
             <a:r>
-              <a:rPr kumimoji="0" lang="de-DE" altLang="de-DE" sz="1600" b="0" i="0" u="none" strike="noStrike" cap="none" normalizeH="0" baseline="0" dirty="0" smtClean="0">
+              <a:rPr kumimoji="0" lang="de-DE" altLang="de-DE" sz="1800" b="0" i="0" u="none" strike="noStrike" cap="none" normalizeH="0" baseline="0" dirty="0" smtClean="0">
                 <a:ln>
                   <a:noFill/>
                 </a:ln>
@@ -6210,7 +6400,7 @@
               </a:rPr>
               <a:t>&gt;</a:t>
             </a:r>
-            <a:endParaRPr kumimoji="0" lang="de-DE" altLang="de-DE" sz="1600" b="0" i="0" u="none" strike="noStrike" cap="none" normalizeH="0" baseline="0" dirty="0" smtClean="0">
+            <a:endParaRPr kumimoji="0" lang="de-DE" altLang="de-DE" sz="1800" b="0" i="0" u="none" strike="noStrike" cap="none" normalizeH="0" baseline="0" dirty="0" smtClean="0">
               <a:ln>
                 <a:noFill/>
               </a:ln>
@@ -6281,7 +6471,7 @@
                   <a:srgbClr val="000000"/>
                 </a:solidFill>
               </a:rPr>
-              <a:t>29.05.2016</a:t>
+              <a:t>14.06.2016</a:t>
             </a:fld>
             <a:endParaRPr lang="de-CH">
               <a:solidFill>
@@ -6337,6 +6527,1357 @@
               </a:rPr>
               <a:pPr/>
               <a:t>13</a:t>
+            </a:fld>
+            <a:endParaRPr lang="de-CH">
+              <a:solidFill>
+                <a:srgbClr val="000000"/>
+              </a:solidFill>
+            </a:endParaRPr>
+          </a:p>
+        </p:txBody>
+      </p:sp>
+      <p:sp>
+        <p:nvSpPr>
+          <p:cNvPr id="5" name="Titel 4"/>
+          <p:cNvSpPr>
+            <a:spLocks noGrp="1"/>
+          </p:cNvSpPr>
+          <p:nvPr>
+            <p:ph type="title"/>
+          </p:nvPr>
+        </p:nvSpPr>
+        <p:spPr/>
+        <p:txBody>
+          <a:bodyPr/>
+          <a:lstStyle/>
+          <a:p>
+            <a:r>
+              <a:rPr lang="de-CH" dirty="0" smtClean="0"/>
+              <a:t>Simple </a:t>
+            </a:r>
+            <a:r>
+              <a:rPr lang="de-CH" dirty="0" err="1" smtClean="0"/>
+              <a:t>concurrent</a:t>
+            </a:r>
+            <a:r>
+              <a:rPr lang="de-CH" dirty="0" smtClean="0"/>
+              <a:t> </a:t>
+            </a:r>
+            <a:r>
+              <a:rPr lang="de-CH" dirty="0" err="1" smtClean="0"/>
+              <a:t>programming</a:t>
+            </a:r>
+            <a:endParaRPr lang="de-CH" dirty="0"/>
+          </a:p>
+        </p:txBody>
+      </p:sp>
+      <p:sp>
+        <p:nvSpPr>
+          <p:cNvPr id="6" name="Textplatzhalter 5"/>
+          <p:cNvSpPr>
+            <a:spLocks noGrp="1"/>
+          </p:cNvSpPr>
+          <p:nvPr>
+            <p:ph type="body" idx="1"/>
+          </p:nvPr>
+        </p:nvSpPr>
+        <p:spPr/>
+        <p:txBody>
+          <a:bodyPr/>
+          <a:lstStyle/>
+          <a:p>
+            <a:pPr marL="342900" indent="-342900">
+              <a:buFont typeface="Arial" panose="020B0604020202020204" pitchFamily="34" charset="0"/>
+              <a:buChar char="•"/>
+            </a:pPr>
+            <a:r>
+              <a:rPr lang="de-CH" dirty="0" smtClean="0"/>
+              <a:t>IO sollte nicht auch Main-Thread laufen</a:t>
+            </a:r>
+          </a:p>
+          <a:p>
+            <a:pPr marL="342900" indent="-342900">
+              <a:buFont typeface="Arial" panose="020B0604020202020204" pitchFamily="34" charset="0"/>
+              <a:buChar char="•"/>
+            </a:pPr>
+            <a:r>
+              <a:rPr lang="de-CH" dirty="0" err="1" smtClean="0"/>
+              <a:t>CompletableFuture</a:t>
+            </a:r>
+            <a:r>
+              <a:rPr lang="de-CH" dirty="0" smtClean="0"/>
+              <a:t> seit Java 8</a:t>
+            </a:r>
+            <a:endParaRPr lang="de-CH" dirty="0"/>
+          </a:p>
+        </p:txBody>
+      </p:sp>
+      <p:sp>
+        <p:nvSpPr>
+          <p:cNvPr id="7" name="Rectangle 1"/>
+          <p:cNvSpPr>
+            <a:spLocks noChangeArrowheads="1"/>
+          </p:cNvSpPr>
+          <p:nvPr/>
+        </p:nvSpPr>
+        <p:spPr bwMode="auto">
+          <a:xfrm>
+            <a:off x="728657" y="3713847"/>
+            <a:ext cx="9221794" cy="1938992"/>
+          </a:xfrm>
+          <a:prstGeom prst="rect">
+            <a:avLst/>
+          </a:prstGeom>
+          <a:ln/>
+        </p:spPr>
+        <p:style>
+          <a:lnRef idx="2">
+            <a:schemeClr val="accent4"/>
+          </a:lnRef>
+          <a:fillRef idx="1">
+            <a:schemeClr val="lt1"/>
+          </a:fillRef>
+          <a:effectRef idx="0">
+            <a:schemeClr val="accent4"/>
+          </a:effectRef>
+          <a:fontRef idx="minor">
+            <a:schemeClr val="dk1"/>
+          </a:fontRef>
+        </p:style>
+        <p:txBody>
+          <a:bodyPr vert="horz" wrap="square" lIns="91440" tIns="45720" rIns="91440" bIns="45720" numCol="1" anchor="ctr" anchorCtr="0" compatLnSpc="1">
+            <a:prstTxWarp prst="textNoShape">
+              <a:avLst/>
+            </a:prstTxWarp>
+            <a:spAutoFit/>
+          </a:bodyPr>
+          <a:lstStyle/>
+          <a:p>
+            <a:pPr marL="0" marR="0" lvl="0" indent="0" algn="l" defTabSz="914400" rtl="0" eaLnBrk="0" fontAlgn="base" latinLnBrk="0" hangingPunct="0">
+              <a:lnSpc>
+                <a:spcPct val="100000"/>
+              </a:lnSpc>
+              <a:spcBef>
+                <a:spcPct val="0"/>
+              </a:spcBef>
+              <a:spcAft>
+                <a:spcPct val="0"/>
+              </a:spcAft>
+              <a:buClrTx/>
+              <a:buSzTx/>
+              <a:buFontTx/>
+              <a:buNone/>
+              <a:tabLst/>
+            </a:pPr>
+            <a:r>
+              <a:rPr kumimoji="0" lang="de-DE" altLang="de-DE" sz="2000" b="1" i="0" u="none" strike="noStrike" cap="none" normalizeH="0" baseline="0" dirty="0" err="1" smtClean="0">
+                <a:ln>
+                  <a:noFill/>
+                </a:ln>
+                <a:solidFill>
+                  <a:srgbClr val="000080"/>
+                </a:solidFill>
+                <a:effectLst/>
+                <a:latin typeface="Courier New" panose="02070309020205020404" pitchFamily="49" charset="0"/>
+                <a:cs typeface="Courier New" panose="02070309020205020404" pitchFamily="49" charset="0"/>
+              </a:rPr>
+              <a:t>public</a:t>
+            </a:r>
+            <a:r>
+              <a:rPr kumimoji="0" lang="de-DE" altLang="de-DE" sz="2000" b="1" i="0" u="none" strike="noStrike" cap="none" normalizeH="0" baseline="0" dirty="0" smtClean="0">
+                <a:ln>
+                  <a:noFill/>
+                </a:ln>
+                <a:solidFill>
+                  <a:srgbClr val="000080"/>
+                </a:solidFill>
+                <a:effectLst/>
+                <a:latin typeface="Courier New" panose="02070309020205020404" pitchFamily="49" charset="0"/>
+                <a:cs typeface="Courier New" panose="02070309020205020404" pitchFamily="49" charset="0"/>
+              </a:rPr>
+              <a:t> </a:t>
+            </a:r>
+            <a:r>
+              <a:rPr kumimoji="0" lang="de-DE" altLang="de-DE" sz="2000" b="0" i="0" u="none" strike="noStrike" cap="none" normalizeH="0" baseline="0" dirty="0" err="1" smtClean="0">
+                <a:ln>
+                  <a:noFill/>
+                </a:ln>
+                <a:solidFill>
+                  <a:srgbClr val="000000"/>
+                </a:solidFill>
+                <a:effectLst/>
+                <a:latin typeface="Courier New" panose="02070309020205020404" pitchFamily="49" charset="0"/>
+                <a:cs typeface="Courier New" panose="02070309020205020404" pitchFamily="49" charset="0"/>
+              </a:rPr>
+              <a:t>CompletableFuture</a:t>
+            </a:r>
+            <a:r>
+              <a:rPr kumimoji="0" lang="de-DE" altLang="de-DE" sz="2000" b="0" i="0" u="none" strike="noStrike" cap="none" normalizeH="0" baseline="0" dirty="0" smtClean="0">
+                <a:ln>
+                  <a:noFill/>
+                </a:ln>
+                <a:solidFill>
+                  <a:srgbClr val="000000"/>
+                </a:solidFill>
+                <a:effectLst/>
+                <a:latin typeface="Courier New" panose="02070309020205020404" pitchFamily="49" charset="0"/>
+                <a:cs typeface="Courier New" panose="02070309020205020404" pitchFamily="49" charset="0"/>
+              </a:rPr>
+              <a:t>&lt;List&lt;Movie&gt;&gt; </a:t>
+            </a:r>
+            <a:r>
+              <a:rPr kumimoji="0" lang="de-DE" altLang="de-DE" sz="2000" b="0" i="0" u="none" strike="noStrike" cap="none" normalizeH="0" baseline="0" dirty="0" err="1" smtClean="0">
+                <a:ln>
+                  <a:noFill/>
+                </a:ln>
+                <a:solidFill>
+                  <a:srgbClr val="000000"/>
+                </a:solidFill>
+                <a:effectLst/>
+                <a:latin typeface="Courier New" panose="02070309020205020404" pitchFamily="49" charset="0"/>
+                <a:cs typeface="Courier New" panose="02070309020205020404" pitchFamily="49" charset="0"/>
+              </a:rPr>
+              <a:t>getMovies</a:t>
+            </a:r>
+            <a:r>
+              <a:rPr kumimoji="0" lang="de-DE" altLang="de-DE" sz="2000" b="0" i="0" u="none" strike="noStrike" cap="none" normalizeH="0" baseline="0" dirty="0" smtClean="0">
+                <a:ln>
+                  <a:noFill/>
+                </a:ln>
+                <a:solidFill>
+                  <a:srgbClr val="000000"/>
+                </a:solidFill>
+                <a:effectLst/>
+                <a:latin typeface="Courier New" panose="02070309020205020404" pitchFamily="49" charset="0"/>
+                <a:cs typeface="Courier New" panose="02070309020205020404" pitchFamily="49" charset="0"/>
+              </a:rPr>
+              <a:t>() {</a:t>
+            </a:r>
+            <a:br>
+              <a:rPr kumimoji="0" lang="de-DE" altLang="de-DE" sz="2000" b="0" i="0" u="none" strike="noStrike" cap="none" normalizeH="0" baseline="0" dirty="0" smtClean="0">
+                <a:ln>
+                  <a:noFill/>
+                </a:ln>
+                <a:solidFill>
+                  <a:srgbClr val="000000"/>
+                </a:solidFill>
+                <a:effectLst/>
+                <a:latin typeface="Courier New" panose="02070309020205020404" pitchFamily="49" charset="0"/>
+                <a:cs typeface="Courier New" panose="02070309020205020404" pitchFamily="49" charset="0"/>
+              </a:rPr>
+            </a:br>
+            <a:r>
+              <a:rPr kumimoji="0" lang="de-DE" altLang="de-DE" sz="2000" b="0" i="0" u="none" strike="noStrike" cap="none" normalizeH="0" baseline="0" dirty="0" smtClean="0">
+                <a:ln>
+                  <a:noFill/>
+                </a:ln>
+                <a:solidFill>
+                  <a:srgbClr val="000000"/>
+                </a:solidFill>
+                <a:effectLst/>
+                <a:latin typeface="Courier New" panose="02070309020205020404" pitchFamily="49" charset="0"/>
+                <a:cs typeface="Courier New" panose="02070309020205020404" pitchFamily="49" charset="0"/>
+              </a:rPr>
+              <a:t>    </a:t>
+            </a:r>
+            <a:r>
+              <a:rPr kumimoji="0" lang="de-DE" altLang="de-DE" sz="2000" b="1" i="0" u="none" strike="noStrike" cap="none" normalizeH="0" baseline="0" dirty="0" err="1" smtClean="0">
+                <a:ln>
+                  <a:noFill/>
+                </a:ln>
+                <a:solidFill>
+                  <a:srgbClr val="000080"/>
+                </a:solidFill>
+                <a:effectLst/>
+                <a:latin typeface="Courier New" panose="02070309020205020404" pitchFamily="49" charset="0"/>
+                <a:cs typeface="Courier New" panose="02070309020205020404" pitchFamily="49" charset="0"/>
+              </a:rPr>
+              <a:t>return</a:t>
+            </a:r>
+            <a:r>
+              <a:rPr kumimoji="0" lang="de-DE" altLang="de-DE" sz="2000" b="1" i="0" u="none" strike="noStrike" cap="none" normalizeH="0" baseline="0" dirty="0" smtClean="0">
+                <a:ln>
+                  <a:noFill/>
+                </a:ln>
+                <a:solidFill>
+                  <a:srgbClr val="000080"/>
+                </a:solidFill>
+                <a:effectLst/>
+                <a:latin typeface="Courier New" panose="02070309020205020404" pitchFamily="49" charset="0"/>
+                <a:cs typeface="Courier New" panose="02070309020205020404" pitchFamily="49" charset="0"/>
+              </a:rPr>
+              <a:t> </a:t>
+            </a:r>
+            <a:r>
+              <a:rPr kumimoji="0" lang="de-DE" altLang="de-DE" sz="2000" b="0" i="0" u="none" strike="noStrike" cap="none" normalizeH="0" baseline="0" dirty="0" err="1" smtClean="0">
+                <a:ln>
+                  <a:noFill/>
+                </a:ln>
+                <a:solidFill>
+                  <a:srgbClr val="000000"/>
+                </a:solidFill>
+                <a:effectLst/>
+                <a:latin typeface="Courier New" panose="02070309020205020404" pitchFamily="49" charset="0"/>
+                <a:cs typeface="Courier New" panose="02070309020205020404" pitchFamily="49" charset="0"/>
+              </a:rPr>
+              <a:t>CompletableFuture.</a:t>
+            </a:r>
+            <a:r>
+              <a:rPr kumimoji="0" lang="de-DE" altLang="de-DE" sz="2000" b="0" i="1" u="none" strike="noStrike" cap="none" normalizeH="0" baseline="0" dirty="0" err="1" smtClean="0">
+                <a:ln>
+                  <a:noFill/>
+                </a:ln>
+                <a:solidFill>
+                  <a:srgbClr val="000000"/>
+                </a:solidFill>
+                <a:effectLst/>
+                <a:latin typeface="Courier New" panose="02070309020205020404" pitchFamily="49" charset="0"/>
+                <a:cs typeface="Courier New" panose="02070309020205020404" pitchFamily="49" charset="0"/>
+              </a:rPr>
+              <a:t>supplyAsync</a:t>
+            </a:r>
+            <a:r>
+              <a:rPr kumimoji="0" lang="de-DE" altLang="de-DE" sz="2000" b="0" i="0" u="none" strike="noStrike" cap="none" normalizeH="0" baseline="0" dirty="0" smtClean="0">
+                <a:ln>
+                  <a:noFill/>
+                </a:ln>
+                <a:solidFill>
+                  <a:srgbClr val="000000"/>
+                </a:solidFill>
+                <a:effectLst/>
+                <a:latin typeface="Courier New" panose="02070309020205020404" pitchFamily="49" charset="0"/>
+                <a:cs typeface="Courier New" panose="02070309020205020404" pitchFamily="49" charset="0"/>
+              </a:rPr>
+              <a:t>(() -&gt; {</a:t>
+            </a:r>
+            <a:br>
+              <a:rPr kumimoji="0" lang="de-DE" altLang="de-DE" sz="2000" b="0" i="0" u="none" strike="noStrike" cap="none" normalizeH="0" baseline="0" dirty="0" smtClean="0">
+                <a:ln>
+                  <a:noFill/>
+                </a:ln>
+                <a:solidFill>
+                  <a:srgbClr val="000000"/>
+                </a:solidFill>
+                <a:effectLst/>
+                <a:latin typeface="Courier New" panose="02070309020205020404" pitchFamily="49" charset="0"/>
+                <a:cs typeface="Courier New" panose="02070309020205020404" pitchFamily="49" charset="0"/>
+              </a:rPr>
+            </a:br>
+            <a:r>
+              <a:rPr kumimoji="0" lang="de-DE" altLang="de-DE" sz="2000" b="0" i="0" u="none" strike="noStrike" cap="none" normalizeH="0" baseline="0" dirty="0" smtClean="0">
+                <a:ln>
+                  <a:noFill/>
+                </a:ln>
+                <a:solidFill>
+                  <a:srgbClr val="000000"/>
+                </a:solidFill>
+                <a:effectLst/>
+                <a:latin typeface="Courier New" panose="02070309020205020404" pitchFamily="49" charset="0"/>
+                <a:cs typeface="Courier New" panose="02070309020205020404" pitchFamily="49" charset="0"/>
+              </a:rPr>
+              <a:t>        </a:t>
+            </a:r>
+            <a:r>
+              <a:rPr kumimoji="0" lang="de-DE" altLang="de-DE" sz="2000" b="0" i="1" u="none" strike="noStrike" cap="none" normalizeH="0" baseline="0" dirty="0" smtClean="0">
+                <a:ln>
+                  <a:noFill/>
+                </a:ln>
+                <a:solidFill>
+                  <a:srgbClr val="808080"/>
+                </a:solidFill>
+                <a:effectLst/>
+                <a:latin typeface="Courier New" panose="02070309020205020404" pitchFamily="49" charset="0"/>
+                <a:cs typeface="Courier New" panose="02070309020205020404" pitchFamily="49" charset="0"/>
+              </a:rPr>
+              <a:t>// </a:t>
+            </a:r>
+            <a:r>
+              <a:rPr kumimoji="0" lang="de-DE" altLang="de-DE" sz="2000" b="0" i="1" u="none" strike="noStrike" cap="none" normalizeH="0" baseline="0" dirty="0" err="1" smtClean="0">
+                <a:ln>
+                  <a:noFill/>
+                </a:ln>
+                <a:solidFill>
+                  <a:srgbClr val="808080"/>
+                </a:solidFill>
+                <a:effectLst/>
+                <a:latin typeface="Courier New" panose="02070309020205020404" pitchFamily="49" charset="0"/>
+                <a:cs typeface="Courier New" panose="02070309020205020404" pitchFamily="49" charset="0"/>
+              </a:rPr>
+              <a:t>Blocking</a:t>
+            </a:r>
+            <a:r>
+              <a:rPr kumimoji="0" lang="de-DE" altLang="de-DE" sz="2000" b="0" i="1" u="none" strike="noStrike" cap="none" normalizeH="0" baseline="0" dirty="0" smtClean="0">
+                <a:ln>
+                  <a:noFill/>
+                </a:ln>
+                <a:solidFill>
+                  <a:srgbClr val="808080"/>
+                </a:solidFill>
+                <a:effectLst/>
+                <a:latin typeface="Courier New" panose="02070309020205020404" pitchFamily="49" charset="0"/>
+                <a:cs typeface="Courier New" panose="02070309020205020404" pitchFamily="49" charset="0"/>
+              </a:rPr>
+              <a:t> </a:t>
+            </a:r>
+            <a:r>
+              <a:rPr kumimoji="0" lang="de-DE" altLang="de-DE" sz="2000" b="0" i="1" u="none" strike="noStrike" cap="none" normalizeH="0" baseline="0" dirty="0" err="1" smtClean="0">
+                <a:ln>
+                  <a:noFill/>
+                </a:ln>
+                <a:solidFill>
+                  <a:srgbClr val="808080"/>
+                </a:solidFill>
+                <a:effectLst/>
+                <a:latin typeface="Courier New" panose="02070309020205020404" pitchFamily="49" charset="0"/>
+                <a:cs typeface="Courier New" panose="02070309020205020404" pitchFamily="49" charset="0"/>
+              </a:rPr>
+              <a:t>task</a:t>
+            </a:r>
+            <a:r>
+              <a:rPr kumimoji="0" lang="de-DE" altLang="de-DE" sz="2000" b="0" i="1" u="none" strike="noStrike" cap="none" normalizeH="0" baseline="0" dirty="0" smtClean="0">
+                <a:ln>
+                  <a:noFill/>
+                </a:ln>
+                <a:solidFill>
+                  <a:srgbClr val="808080"/>
+                </a:solidFill>
+                <a:effectLst/>
+                <a:latin typeface="Courier New" panose="02070309020205020404" pitchFamily="49" charset="0"/>
+                <a:cs typeface="Courier New" panose="02070309020205020404" pitchFamily="49" charset="0"/>
+              </a:rPr>
+              <a:t> …</a:t>
+            </a:r>
+            <a:br>
+              <a:rPr kumimoji="0" lang="de-DE" altLang="de-DE" sz="2000" b="0" i="1" u="none" strike="noStrike" cap="none" normalizeH="0" baseline="0" dirty="0" smtClean="0">
+                <a:ln>
+                  <a:noFill/>
+                </a:ln>
+                <a:solidFill>
+                  <a:srgbClr val="808080"/>
+                </a:solidFill>
+                <a:effectLst/>
+                <a:latin typeface="Courier New" panose="02070309020205020404" pitchFamily="49" charset="0"/>
+                <a:cs typeface="Courier New" panose="02070309020205020404" pitchFamily="49" charset="0"/>
+              </a:rPr>
+            </a:br>
+            <a:r>
+              <a:rPr kumimoji="0" lang="de-DE" altLang="de-DE" sz="2000" b="0" i="1" u="none" strike="noStrike" cap="none" normalizeH="0" baseline="0" dirty="0" smtClean="0">
+                <a:ln>
+                  <a:noFill/>
+                </a:ln>
+                <a:solidFill>
+                  <a:srgbClr val="808080"/>
+                </a:solidFill>
+                <a:effectLst/>
+                <a:latin typeface="Courier New" panose="02070309020205020404" pitchFamily="49" charset="0"/>
+                <a:cs typeface="Courier New" panose="02070309020205020404" pitchFamily="49" charset="0"/>
+              </a:rPr>
+              <a:t>        </a:t>
+            </a:r>
+            <a:r>
+              <a:rPr kumimoji="0" lang="de-DE" altLang="de-DE" sz="2000" b="1" i="0" u="none" strike="noStrike" cap="none" normalizeH="0" baseline="0" dirty="0" err="1" smtClean="0">
+                <a:ln>
+                  <a:noFill/>
+                </a:ln>
+                <a:solidFill>
+                  <a:srgbClr val="000080"/>
+                </a:solidFill>
+                <a:effectLst/>
+                <a:latin typeface="Courier New" panose="02070309020205020404" pitchFamily="49" charset="0"/>
+                <a:cs typeface="Courier New" panose="02070309020205020404" pitchFamily="49" charset="0"/>
+              </a:rPr>
+              <a:t>return</a:t>
+            </a:r>
+            <a:r>
+              <a:rPr kumimoji="0" lang="de-DE" altLang="de-DE" sz="2000" b="1" i="0" u="none" strike="noStrike" cap="none" normalizeH="0" baseline="0" dirty="0" smtClean="0">
+                <a:ln>
+                  <a:noFill/>
+                </a:ln>
+                <a:solidFill>
+                  <a:srgbClr val="000080"/>
+                </a:solidFill>
+                <a:effectLst/>
+                <a:latin typeface="Courier New" panose="02070309020205020404" pitchFamily="49" charset="0"/>
+                <a:cs typeface="Courier New" panose="02070309020205020404" pitchFamily="49" charset="0"/>
+              </a:rPr>
+              <a:t> </a:t>
+            </a:r>
+            <a:r>
+              <a:rPr kumimoji="0" lang="de-DE" altLang="de-DE" sz="2000" b="0" i="0" u="none" strike="noStrike" cap="none" normalizeH="0" baseline="0" dirty="0" err="1" smtClean="0">
+                <a:ln>
+                  <a:noFill/>
+                </a:ln>
+                <a:solidFill>
+                  <a:srgbClr val="000000"/>
+                </a:solidFill>
+                <a:effectLst/>
+                <a:latin typeface="Courier New" panose="02070309020205020404" pitchFamily="49" charset="0"/>
+                <a:cs typeface="Courier New" panose="02070309020205020404" pitchFamily="49" charset="0"/>
+              </a:rPr>
+              <a:t>Collections.</a:t>
+            </a:r>
+            <a:r>
+              <a:rPr kumimoji="0" lang="de-DE" altLang="de-DE" sz="2000" b="0" i="1" u="none" strike="noStrike" cap="none" normalizeH="0" baseline="0" dirty="0" err="1" smtClean="0">
+                <a:ln>
+                  <a:noFill/>
+                </a:ln>
+                <a:solidFill>
+                  <a:srgbClr val="000000"/>
+                </a:solidFill>
+                <a:effectLst/>
+                <a:latin typeface="Courier New" panose="02070309020205020404" pitchFamily="49" charset="0"/>
+                <a:cs typeface="Courier New" panose="02070309020205020404" pitchFamily="49" charset="0"/>
+              </a:rPr>
+              <a:t>emptyList</a:t>
+            </a:r>
+            <a:r>
+              <a:rPr kumimoji="0" lang="de-DE" altLang="de-DE" sz="2000" b="0" i="0" u="none" strike="noStrike" cap="none" normalizeH="0" baseline="0" dirty="0" smtClean="0">
+                <a:ln>
+                  <a:noFill/>
+                </a:ln>
+                <a:solidFill>
+                  <a:srgbClr val="000000"/>
+                </a:solidFill>
+                <a:effectLst/>
+                <a:latin typeface="Courier New" panose="02070309020205020404" pitchFamily="49" charset="0"/>
+                <a:cs typeface="Courier New" panose="02070309020205020404" pitchFamily="49" charset="0"/>
+              </a:rPr>
+              <a:t>();</a:t>
+            </a:r>
+            <a:br>
+              <a:rPr kumimoji="0" lang="de-DE" altLang="de-DE" sz="2000" b="0" i="0" u="none" strike="noStrike" cap="none" normalizeH="0" baseline="0" dirty="0" smtClean="0">
+                <a:ln>
+                  <a:noFill/>
+                </a:ln>
+                <a:solidFill>
+                  <a:srgbClr val="000000"/>
+                </a:solidFill>
+                <a:effectLst/>
+                <a:latin typeface="Courier New" panose="02070309020205020404" pitchFamily="49" charset="0"/>
+                <a:cs typeface="Courier New" panose="02070309020205020404" pitchFamily="49" charset="0"/>
+              </a:rPr>
+            </a:br>
+            <a:r>
+              <a:rPr kumimoji="0" lang="de-DE" altLang="de-DE" sz="2000" b="0" i="0" u="none" strike="noStrike" cap="none" normalizeH="0" baseline="0" dirty="0" smtClean="0">
+                <a:ln>
+                  <a:noFill/>
+                </a:ln>
+                <a:solidFill>
+                  <a:srgbClr val="000000"/>
+                </a:solidFill>
+                <a:effectLst/>
+                <a:latin typeface="Courier New" panose="02070309020205020404" pitchFamily="49" charset="0"/>
+                <a:cs typeface="Courier New" panose="02070309020205020404" pitchFamily="49" charset="0"/>
+              </a:rPr>
+              <a:t>    });</a:t>
+            </a:r>
+            <a:br>
+              <a:rPr kumimoji="0" lang="de-DE" altLang="de-DE" sz="2000" b="0" i="0" u="none" strike="noStrike" cap="none" normalizeH="0" baseline="0" dirty="0" smtClean="0">
+                <a:ln>
+                  <a:noFill/>
+                </a:ln>
+                <a:solidFill>
+                  <a:srgbClr val="000000"/>
+                </a:solidFill>
+                <a:effectLst/>
+                <a:latin typeface="Courier New" panose="02070309020205020404" pitchFamily="49" charset="0"/>
+                <a:cs typeface="Courier New" panose="02070309020205020404" pitchFamily="49" charset="0"/>
+              </a:rPr>
+            </a:br>
+            <a:r>
+              <a:rPr kumimoji="0" lang="de-DE" altLang="de-DE" sz="2000" b="0" i="0" u="none" strike="noStrike" cap="none" normalizeH="0" baseline="0" dirty="0" smtClean="0">
+                <a:ln>
+                  <a:noFill/>
+                </a:ln>
+                <a:solidFill>
+                  <a:srgbClr val="000000"/>
+                </a:solidFill>
+                <a:effectLst/>
+                <a:latin typeface="Courier New" panose="02070309020205020404" pitchFamily="49" charset="0"/>
+                <a:cs typeface="Courier New" panose="02070309020205020404" pitchFamily="49" charset="0"/>
+              </a:rPr>
+              <a:t>}</a:t>
+            </a:r>
+            <a:endParaRPr kumimoji="0" lang="de-DE" altLang="de-DE" sz="2000" b="0" i="0" u="none" strike="noStrike" cap="none" normalizeH="0" baseline="0" dirty="0" smtClean="0">
+              <a:ln>
+                <a:noFill/>
+              </a:ln>
+              <a:solidFill>
+                <a:schemeClr val="tx1"/>
+              </a:solidFill>
+              <a:effectLst/>
+              <a:latin typeface="Arial" panose="020B0604020202020204" pitchFamily="34" charset="0"/>
+            </a:endParaRPr>
+          </a:p>
+        </p:txBody>
+      </p:sp>
+    </p:spTree>
+    <p:extLst>
+      <p:ext uri="{BB962C8B-B14F-4D97-AF65-F5344CB8AC3E}">
+        <p14:creationId xmlns:p14="http://schemas.microsoft.com/office/powerpoint/2010/main" val="84474072"/>
+      </p:ext>
+    </p:extLst>
+  </p:cSld>
+  <p:clrMapOvr>
+    <a:masterClrMapping/>
+  </p:clrMapOvr>
+  <p:timing>
+    <p:tnLst>
+      <p:par>
+        <p:cTn id="1" dur="indefinite" restart="never" nodeType="tmRoot"/>
+      </p:par>
+    </p:tnLst>
+  </p:timing>
+</p:sld>
+</file>
+
+<file path=ppt/slides/slide14.xml><?xml version="1.0" encoding="utf-8"?>
+<p:sld xmlns:a="http://schemas.openxmlformats.org/drawingml/2006/main" xmlns:r="http://schemas.openxmlformats.org/officeDocument/2006/relationships" xmlns:p="http://schemas.openxmlformats.org/presentationml/2006/main">
+  <p:cSld>
+    <p:spTree>
+      <p:nvGrpSpPr>
+        <p:cNvPr id="1" name=""/>
+        <p:cNvGrpSpPr/>
+        <p:nvPr/>
+      </p:nvGrpSpPr>
+      <p:grpSpPr>
+        <a:xfrm>
+          <a:off x="0" y="0"/>
+          <a:ext cx="0" cy="0"/>
+          <a:chOff x="0" y="0"/>
+          <a:chExt cx="0" cy="0"/>
+        </a:xfrm>
+      </p:grpSpPr>
+      <p:sp>
+        <p:nvSpPr>
+          <p:cNvPr id="2" name="Datumsplatzhalter 1"/>
+          <p:cNvSpPr>
+            <a:spLocks noGrp="1"/>
+          </p:cNvSpPr>
+          <p:nvPr>
+            <p:ph type="dt" sz="half" idx="10"/>
+          </p:nvPr>
+        </p:nvSpPr>
+        <p:spPr/>
+        <p:txBody>
+          <a:bodyPr/>
+          <a:lstStyle/>
+          <a:p>
+            <a:fld id="{5E48492E-72D1-4785-9351-8AE1E40FBA2D}" type="datetime1">
+              <a:rPr lang="de-CH" smtClean="0">
+                <a:solidFill>
+                  <a:srgbClr val="000000"/>
+                </a:solidFill>
+              </a:rPr>
+              <a:t>14.06.2016</a:t>
+            </a:fld>
+            <a:endParaRPr lang="de-CH">
+              <a:solidFill>
+                <a:srgbClr val="000000"/>
+              </a:solidFill>
+            </a:endParaRPr>
+          </a:p>
+        </p:txBody>
+      </p:sp>
+      <p:sp>
+        <p:nvSpPr>
+          <p:cNvPr id="3" name="Fußzeilenplatzhalter 2"/>
+          <p:cNvSpPr>
+            <a:spLocks noGrp="1"/>
+          </p:cNvSpPr>
+          <p:nvPr>
+            <p:ph type="ftr" sz="quarter" idx="11"/>
+          </p:nvPr>
+        </p:nvSpPr>
+        <p:spPr/>
+        <p:txBody>
+          <a:bodyPr/>
+          <a:lstStyle/>
+          <a:p>
+            <a:endParaRPr lang="de-CH" dirty="0">
+              <a:solidFill>
+                <a:srgbClr val="000000"/>
+              </a:solidFill>
+            </a:endParaRPr>
+          </a:p>
+        </p:txBody>
+      </p:sp>
+      <p:sp>
+        <p:nvSpPr>
+          <p:cNvPr id="4" name="Foliennummernplatzhalter 3"/>
+          <p:cNvSpPr>
+            <a:spLocks noGrp="1"/>
+          </p:cNvSpPr>
+          <p:nvPr>
+            <p:ph type="sldNum" sz="quarter" idx="12"/>
+          </p:nvPr>
+        </p:nvSpPr>
+        <p:spPr/>
+        <p:txBody>
+          <a:bodyPr/>
+          <a:lstStyle/>
+          <a:p>
+            <a:fld id="{351188DD-6605-4EF4-9E67-B567F731CE68}" type="slidenum">
+              <a:rPr lang="de-CH" smtClean="0">
+                <a:solidFill>
+                  <a:srgbClr val="000000"/>
+                </a:solidFill>
+              </a:rPr>
+              <a:pPr/>
+              <a:t>14</a:t>
+            </a:fld>
+            <a:endParaRPr lang="de-CH">
+              <a:solidFill>
+                <a:srgbClr val="000000"/>
+              </a:solidFill>
+            </a:endParaRPr>
+          </a:p>
+        </p:txBody>
+      </p:sp>
+      <p:sp>
+        <p:nvSpPr>
+          <p:cNvPr id="5" name="Titel 4"/>
+          <p:cNvSpPr>
+            <a:spLocks noGrp="1"/>
+          </p:cNvSpPr>
+          <p:nvPr>
+            <p:ph type="title"/>
+          </p:nvPr>
+        </p:nvSpPr>
+        <p:spPr/>
+        <p:txBody>
+          <a:bodyPr/>
+          <a:lstStyle/>
+          <a:p>
+            <a:r>
+              <a:rPr lang="de-CH" dirty="0"/>
+              <a:t>Simple </a:t>
+            </a:r>
+            <a:r>
+              <a:rPr lang="de-CH" dirty="0" err="1"/>
+              <a:t>concurrent</a:t>
+            </a:r>
+            <a:r>
+              <a:rPr lang="de-CH" dirty="0"/>
+              <a:t> </a:t>
+            </a:r>
+            <a:r>
+              <a:rPr lang="de-CH" dirty="0" err="1" smtClean="0"/>
+              <a:t>programming</a:t>
+            </a:r>
+            <a:endParaRPr lang="de-CH" dirty="0"/>
+          </a:p>
+        </p:txBody>
+      </p:sp>
+      <p:sp>
+        <p:nvSpPr>
+          <p:cNvPr id="6" name="Textplatzhalter 5"/>
+          <p:cNvSpPr>
+            <a:spLocks noGrp="1"/>
+          </p:cNvSpPr>
+          <p:nvPr>
+            <p:ph type="body" idx="1"/>
+          </p:nvPr>
+        </p:nvSpPr>
+        <p:spPr/>
+        <p:txBody>
+          <a:bodyPr/>
+          <a:lstStyle/>
+          <a:p>
+            <a:pPr marL="342900" indent="-342900">
+              <a:buFont typeface="Arial" panose="020B0604020202020204" pitchFamily="34" charset="0"/>
+              <a:buChar char="•"/>
+            </a:pPr>
+            <a:r>
+              <a:rPr lang="de-CH" dirty="0" smtClean="0"/>
+              <a:t>IO sollte nicht auch Main-Thread laufen</a:t>
+            </a:r>
+          </a:p>
+          <a:p>
+            <a:pPr marL="342900" indent="-342900">
+              <a:buFont typeface="Arial" panose="020B0604020202020204" pitchFamily="34" charset="0"/>
+              <a:buChar char="•"/>
+            </a:pPr>
+            <a:r>
+              <a:rPr lang="de-CH" dirty="0" err="1"/>
+              <a:t>CompletableFuture</a:t>
+            </a:r>
+            <a:r>
+              <a:rPr lang="de-CH" dirty="0"/>
+              <a:t> seit Java 8</a:t>
+            </a:r>
+          </a:p>
+          <a:p>
+            <a:pPr marL="342900" indent="-342900">
+              <a:buFont typeface="Arial" panose="020B0604020202020204" pitchFamily="34" charset="0"/>
+              <a:buChar char="•"/>
+            </a:pPr>
+            <a:r>
+              <a:rPr lang="de-CH" dirty="0" smtClean="0"/>
+              <a:t>Änderungen müssen wieder auf Main-Thread laufen</a:t>
+            </a:r>
+            <a:endParaRPr lang="de-CH" dirty="0"/>
+          </a:p>
+        </p:txBody>
+      </p:sp>
+      <p:sp>
+        <p:nvSpPr>
+          <p:cNvPr id="9" name="Rectangle 2"/>
+          <p:cNvSpPr>
+            <a:spLocks noChangeArrowheads="1"/>
+          </p:cNvSpPr>
+          <p:nvPr/>
+        </p:nvSpPr>
+        <p:spPr bwMode="auto">
+          <a:xfrm>
+            <a:off x="747012" y="3924647"/>
+            <a:ext cx="9203438" cy="1938992"/>
+          </a:xfrm>
+          <a:prstGeom prst="rect">
+            <a:avLst/>
+          </a:prstGeom>
+          <a:ln/>
+        </p:spPr>
+        <p:style>
+          <a:lnRef idx="2">
+            <a:schemeClr val="dk1"/>
+          </a:lnRef>
+          <a:fillRef idx="1">
+            <a:schemeClr val="lt1"/>
+          </a:fillRef>
+          <a:effectRef idx="0">
+            <a:schemeClr val="dk1"/>
+          </a:effectRef>
+          <a:fontRef idx="minor">
+            <a:schemeClr val="dk1"/>
+          </a:fontRef>
+        </p:style>
+        <p:txBody>
+          <a:bodyPr vert="horz" wrap="square" lIns="91440" tIns="45720" rIns="91440" bIns="45720" numCol="1" anchor="ctr" anchorCtr="0" compatLnSpc="1">
+            <a:prstTxWarp prst="textNoShape">
+              <a:avLst/>
+            </a:prstTxWarp>
+            <a:spAutoFit/>
+          </a:bodyPr>
+          <a:lstStyle/>
+          <a:p>
+            <a:pPr marL="0" marR="0" lvl="0" indent="0" algn="l" defTabSz="914400" rtl="0" eaLnBrk="0" fontAlgn="base" latinLnBrk="0" hangingPunct="0">
+              <a:lnSpc>
+                <a:spcPct val="100000"/>
+              </a:lnSpc>
+              <a:spcBef>
+                <a:spcPct val="0"/>
+              </a:spcBef>
+              <a:spcAft>
+                <a:spcPct val="0"/>
+              </a:spcAft>
+              <a:buClrTx/>
+              <a:buSzTx/>
+              <a:buFontTx/>
+              <a:buNone/>
+              <a:tabLst/>
+            </a:pPr>
+            <a:r>
+              <a:rPr kumimoji="0" lang="de-DE" altLang="de-DE" sz="2000" b="1" i="0" u="none" strike="noStrike" cap="none" normalizeH="0" baseline="0" dirty="0" err="1" smtClean="0">
+                <a:ln>
+                  <a:noFill/>
+                </a:ln>
+                <a:solidFill>
+                  <a:srgbClr val="660E7A"/>
+                </a:solidFill>
+                <a:effectLst/>
+                <a:latin typeface="Courier New" panose="02070309020205020404" pitchFamily="49" charset="0"/>
+                <a:cs typeface="Courier New" panose="02070309020205020404" pitchFamily="49" charset="0"/>
+              </a:rPr>
+              <a:t>movieService</a:t>
+            </a:r>
+            <a:r>
+              <a:rPr kumimoji="0" lang="de-DE" altLang="de-DE" sz="2000" b="1" i="0" u="none" strike="noStrike" cap="none" normalizeH="0" baseline="0" dirty="0" smtClean="0">
+                <a:ln>
+                  <a:noFill/>
+                </a:ln>
+                <a:solidFill>
+                  <a:srgbClr val="660E7A"/>
+                </a:solidFill>
+                <a:effectLst/>
+                <a:latin typeface="Courier New" panose="02070309020205020404" pitchFamily="49" charset="0"/>
+                <a:cs typeface="Courier New" panose="02070309020205020404" pitchFamily="49" charset="0"/>
+              </a:rPr>
+              <a:t/>
+            </a:r>
+            <a:br>
+              <a:rPr kumimoji="0" lang="de-DE" altLang="de-DE" sz="2000" b="1" i="0" u="none" strike="noStrike" cap="none" normalizeH="0" baseline="0" dirty="0" smtClean="0">
+                <a:ln>
+                  <a:noFill/>
+                </a:ln>
+                <a:solidFill>
+                  <a:srgbClr val="660E7A"/>
+                </a:solidFill>
+                <a:effectLst/>
+                <a:latin typeface="Courier New" panose="02070309020205020404" pitchFamily="49" charset="0"/>
+                <a:cs typeface="Courier New" panose="02070309020205020404" pitchFamily="49" charset="0"/>
+              </a:rPr>
+            </a:br>
+            <a:r>
+              <a:rPr kumimoji="0" lang="de-DE" altLang="de-DE" sz="2000" b="1" i="0" u="none" strike="noStrike" cap="none" normalizeH="0" baseline="0" dirty="0" smtClean="0">
+                <a:ln>
+                  <a:noFill/>
+                </a:ln>
+                <a:solidFill>
+                  <a:srgbClr val="660E7A"/>
+                </a:solidFill>
+                <a:effectLst/>
+                <a:latin typeface="Courier New" panose="02070309020205020404" pitchFamily="49" charset="0"/>
+                <a:cs typeface="Courier New" panose="02070309020205020404" pitchFamily="49" charset="0"/>
+              </a:rPr>
+              <a:t>        </a:t>
+            </a:r>
+            <a:r>
+              <a:rPr kumimoji="0" lang="de-DE" altLang="de-DE" sz="2000" b="0" i="0" u="none" strike="noStrike" cap="none" normalizeH="0" baseline="0" dirty="0" smtClean="0">
+                <a:ln>
+                  <a:noFill/>
+                </a:ln>
+                <a:solidFill>
+                  <a:srgbClr val="000000"/>
+                </a:solidFill>
+                <a:effectLst/>
+                <a:latin typeface="Courier New" panose="02070309020205020404" pitchFamily="49" charset="0"/>
+                <a:cs typeface="Courier New" panose="02070309020205020404" pitchFamily="49" charset="0"/>
+              </a:rPr>
+              <a:t>.</a:t>
+            </a:r>
+            <a:r>
+              <a:rPr kumimoji="0" lang="de-DE" altLang="de-DE" sz="2000" b="0" i="0" u="none" strike="noStrike" cap="none" normalizeH="0" baseline="0" dirty="0" err="1" smtClean="0">
+                <a:ln>
+                  <a:noFill/>
+                </a:ln>
+                <a:solidFill>
+                  <a:srgbClr val="000000"/>
+                </a:solidFill>
+                <a:effectLst/>
+                <a:latin typeface="Courier New" panose="02070309020205020404" pitchFamily="49" charset="0"/>
+                <a:cs typeface="Courier New" panose="02070309020205020404" pitchFamily="49" charset="0"/>
+              </a:rPr>
+              <a:t>getAllMovies</a:t>
+            </a:r>
+            <a:r>
+              <a:rPr kumimoji="0" lang="de-DE" altLang="de-DE" sz="2000" b="0" i="0" u="none" strike="noStrike" cap="none" normalizeH="0" baseline="0" dirty="0" smtClean="0">
+                <a:ln>
+                  <a:noFill/>
+                </a:ln>
+                <a:solidFill>
+                  <a:srgbClr val="000000"/>
+                </a:solidFill>
+                <a:effectLst/>
+                <a:latin typeface="Courier New" panose="02070309020205020404" pitchFamily="49" charset="0"/>
+                <a:cs typeface="Courier New" panose="02070309020205020404" pitchFamily="49" charset="0"/>
+              </a:rPr>
+              <a:t>()</a:t>
+            </a:r>
+            <a:br>
+              <a:rPr kumimoji="0" lang="de-DE" altLang="de-DE" sz="2000" b="0" i="0" u="none" strike="noStrike" cap="none" normalizeH="0" baseline="0" dirty="0" smtClean="0">
+                <a:ln>
+                  <a:noFill/>
+                </a:ln>
+                <a:solidFill>
+                  <a:srgbClr val="000000"/>
+                </a:solidFill>
+                <a:effectLst/>
+                <a:latin typeface="Courier New" panose="02070309020205020404" pitchFamily="49" charset="0"/>
+                <a:cs typeface="Courier New" panose="02070309020205020404" pitchFamily="49" charset="0"/>
+              </a:rPr>
+            </a:br>
+            <a:r>
+              <a:rPr kumimoji="0" lang="de-DE" altLang="de-DE" sz="2000" b="0" i="0" u="none" strike="noStrike" cap="none" normalizeH="0" baseline="0" dirty="0" smtClean="0">
+                <a:ln>
+                  <a:noFill/>
+                </a:ln>
+                <a:solidFill>
+                  <a:srgbClr val="000000"/>
+                </a:solidFill>
+                <a:effectLst/>
+                <a:latin typeface="Courier New" panose="02070309020205020404" pitchFamily="49" charset="0"/>
+                <a:cs typeface="Courier New" panose="02070309020205020404" pitchFamily="49" charset="0"/>
+              </a:rPr>
+              <a:t>        .</a:t>
+            </a:r>
+            <a:r>
+              <a:rPr kumimoji="0" lang="de-DE" altLang="de-DE" sz="2000" b="0" i="0" u="none" strike="noStrike" cap="none" normalizeH="0" baseline="0" dirty="0" err="1" smtClean="0">
+                <a:ln>
+                  <a:noFill/>
+                </a:ln>
+                <a:solidFill>
+                  <a:srgbClr val="000000"/>
+                </a:solidFill>
+                <a:effectLst/>
+                <a:latin typeface="Courier New" panose="02070309020205020404" pitchFamily="49" charset="0"/>
+                <a:cs typeface="Courier New" panose="02070309020205020404" pitchFamily="49" charset="0"/>
+              </a:rPr>
+              <a:t>whenComplete</a:t>
+            </a:r>
+            <a:r>
+              <a:rPr kumimoji="0" lang="de-DE" altLang="de-DE" sz="2000" b="0" i="0" u="none" strike="noStrike" cap="none" normalizeH="0" baseline="0" dirty="0" smtClean="0">
+                <a:ln>
+                  <a:noFill/>
+                </a:ln>
+                <a:solidFill>
+                  <a:srgbClr val="000000"/>
+                </a:solidFill>
+                <a:effectLst/>
+                <a:latin typeface="Courier New" panose="02070309020205020404" pitchFamily="49" charset="0"/>
+                <a:cs typeface="Courier New" panose="02070309020205020404" pitchFamily="49" charset="0"/>
+              </a:rPr>
+              <a:t>((</a:t>
+            </a:r>
+            <a:r>
+              <a:rPr kumimoji="0" lang="de-DE" altLang="de-DE" sz="2000" b="0" i="0" u="none" strike="noStrike" cap="none" normalizeH="0" baseline="0" dirty="0" err="1" smtClean="0">
+                <a:ln>
+                  <a:noFill/>
+                </a:ln>
+                <a:solidFill>
+                  <a:srgbClr val="000000"/>
+                </a:solidFill>
+                <a:effectLst/>
+                <a:latin typeface="Courier New" panose="02070309020205020404" pitchFamily="49" charset="0"/>
+                <a:cs typeface="Courier New" panose="02070309020205020404" pitchFamily="49" charset="0"/>
+              </a:rPr>
+              <a:t>movies</a:t>
+            </a:r>
+            <a:r>
+              <a:rPr kumimoji="0" lang="de-DE" altLang="de-DE" sz="2000" b="0" i="0" u="none" strike="noStrike" cap="none" normalizeH="0" baseline="0" dirty="0" smtClean="0">
+                <a:ln>
+                  <a:noFill/>
+                </a:ln>
+                <a:solidFill>
+                  <a:srgbClr val="000000"/>
+                </a:solidFill>
+                <a:effectLst/>
+                <a:latin typeface="Courier New" panose="02070309020205020404" pitchFamily="49" charset="0"/>
+                <a:cs typeface="Courier New" panose="02070309020205020404" pitchFamily="49" charset="0"/>
+              </a:rPr>
+              <a:t>, </a:t>
+            </a:r>
+            <a:r>
+              <a:rPr kumimoji="0" lang="de-DE" altLang="de-DE" sz="2000" b="0" i="0" u="none" strike="noStrike" cap="none" normalizeH="0" baseline="0" dirty="0" err="1" smtClean="0">
+                <a:ln>
+                  <a:noFill/>
+                </a:ln>
+                <a:solidFill>
+                  <a:srgbClr val="000000"/>
+                </a:solidFill>
+                <a:effectLst/>
+                <a:latin typeface="Courier New" panose="02070309020205020404" pitchFamily="49" charset="0"/>
+                <a:cs typeface="Courier New" panose="02070309020205020404" pitchFamily="49" charset="0"/>
+              </a:rPr>
+              <a:t>throwable</a:t>
+            </a:r>
+            <a:r>
+              <a:rPr kumimoji="0" lang="de-DE" altLang="de-DE" sz="2000" b="0" i="0" u="none" strike="noStrike" cap="none" normalizeH="0" baseline="0" dirty="0" smtClean="0">
+                <a:ln>
+                  <a:noFill/>
+                </a:ln>
+                <a:solidFill>
+                  <a:srgbClr val="000000"/>
+                </a:solidFill>
+                <a:effectLst/>
+                <a:latin typeface="Courier New" panose="02070309020205020404" pitchFamily="49" charset="0"/>
+                <a:cs typeface="Courier New" panose="02070309020205020404" pitchFamily="49" charset="0"/>
+              </a:rPr>
+              <a:t>) -&gt; </a:t>
+            </a:r>
+            <a:r>
+              <a:rPr kumimoji="0" lang="de-DE" altLang="de-DE" sz="2000" b="0" i="0" u="none" strike="noStrike" cap="none" normalizeH="0" baseline="0" dirty="0" err="1" smtClean="0">
+                <a:ln>
+                  <a:noFill/>
+                </a:ln>
+                <a:solidFill>
+                  <a:srgbClr val="000000"/>
+                </a:solidFill>
+                <a:effectLst/>
+                <a:latin typeface="Courier New" panose="02070309020205020404" pitchFamily="49" charset="0"/>
+                <a:cs typeface="Courier New" panose="02070309020205020404" pitchFamily="49" charset="0"/>
+              </a:rPr>
+              <a:t>Platform.</a:t>
+            </a:r>
+            <a:r>
+              <a:rPr kumimoji="0" lang="de-DE" altLang="de-DE" sz="2000" b="0" i="1" u="none" strike="noStrike" cap="none" normalizeH="0" baseline="0" dirty="0" err="1" smtClean="0">
+                <a:ln>
+                  <a:noFill/>
+                </a:ln>
+                <a:solidFill>
+                  <a:srgbClr val="000000"/>
+                </a:solidFill>
+                <a:effectLst/>
+                <a:latin typeface="Courier New" panose="02070309020205020404" pitchFamily="49" charset="0"/>
+                <a:cs typeface="Courier New" panose="02070309020205020404" pitchFamily="49" charset="0"/>
+              </a:rPr>
+              <a:t>runLater</a:t>
+            </a:r>
+            <a:r>
+              <a:rPr kumimoji="0" lang="de-DE" altLang="de-DE" sz="2000" b="0" i="0" u="none" strike="noStrike" cap="none" normalizeH="0" baseline="0" dirty="0" smtClean="0">
+                <a:ln>
+                  <a:noFill/>
+                </a:ln>
+                <a:solidFill>
+                  <a:srgbClr val="000000"/>
+                </a:solidFill>
+                <a:effectLst/>
+                <a:latin typeface="Courier New" panose="02070309020205020404" pitchFamily="49" charset="0"/>
+                <a:cs typeface="Courier New" panose="02070309020205020404" pitchFamily="49" charset="0"/>
+              </a:rPr>
+              <a:t>(() -&gt; {</a:t>
+            </a:r>
+            <a:br>
+              <a:rPr kumimoji="0" lang="de-DE" altLang="de-DE" sz="2000" b="0" i="0" u="none" strike="noStrike" cap="none" normalizeH="0" baseline="0" dirty="0" smtClean="0">
+                <a:ln>
+                  <a:noFill/>
+                </a:ln>
+                <a:solidFill>
+                  <a:srgbClr val="000000"/>
+                </a:solidFill>
+                <a:effectLst/>
+                <a:latin typeface="Courier New" panose="02070309020205020404" pitchFamily="49" charset="0"/>
+                <a:cs typeface="Courier New" panose="02070309020205020404" pitchFamily="49" charset="0"/>
+              </a:rPr>
+            </a:br>
+            <a:r>
+              <a:rPr kumimoji="0" lang="de-DE" altLang="de-DE" sz="2000" b="0" i="0" u="none" strike="noStrike" cap="none" normalizeH="0" baseline="0" dirty="0" smtClean="0">
+                <a:ln>
+                  <a:noFill/>
+                </a:ln>
+                <a:solidFill>
+                  <a:srgbClr val="000000"/>
+                </a:solidFill>
+                <a:effectLst/>
+                <a:latin typeface="Courier New" panose="02070309020205020404" pitchFamily="49" charset="0"/>
+                <a:cs typeface="Courier New" panose="02070309020205020404" pitchFamily="49" charset="0"/>
+              </a:rPr>
+              <a:t>              </a:t>
+            </a:r>
+            <a:r>
+              <a:rPr kumimoji="0" lang="de-DE" altLang="de-DE" sz="2000" b="1" i="0" u="none" strike="noStrike" cap="none" normalizeH="0" baseline="0" dirty="0" err="1" smtClean="0">
+                <a:ln>
+                  <a:noFill/>
+                </a:ln>
+                <a:solidFill>
+                  <a:srgbClr val="660E7A"/>
+                </a:solidFill>
+                <a:effectLst/>
+                <a:latin typeface="Courier New" panose="02070309020205020404" pitchFamily="49" charset="0"/>
+                <a:cs typeface="Courier New" panose="02070309020205020404" pitchFamily="49" charset="0"/>
+              </a:rPr>
+              <a:t>data</a:t>
+            </a:r>
+            <a:r>
+              <a:rPr kumimoji="0" lang="de-DE" altLang="de-DE" sz="2000" b="0" i="0" u="none" strike="noStrike" cap="none" normalizeH="0" baseline="0" dirty="0" err="1" smtClean="0">
+                <a:ln>
+                  <a:noFill/>
+                </a:ln>
+                <a:solidFill>
+                  <a:srgbClr val="000000"/>
+                </a:solidFill>
+                <a:effectLst/>
+                <a:latin typeface="Courier New" panose="02070309020205020404" pitchFamily="49" charset="0"/>
+                <a:cs typeface="Courier New" panose="02070309020205020404" pitchFamily="49" charset="0"/>
+              </a:rPr>
+              <a:t>.addAll</a:t>
+            </a:r>
+            <a:r>
+              <a:rPr kumimoji="0" lang="de-DE" altLang="de-DE" sz="2000" b="0" i="0" u="none" strike="noStrike" cap="none" normalizeH="0" baseline="0" dirty="0" smtClean="0">
+                <a:ln>
+                  <a:noFill/>
+                </a:ln>
+                <a:solidFill>
+                  <a:srgbClr val="000000"/>
+                </a:solidFill>
+                <a:effectLst/>
+                <a:latin typeface="Courier New" panose="02070309020205020404" pitchFamily="49" charset="0"/>
+                <a:cs typeface="Courier New" panose="02070309020205020404" pitchFamily="49" charset="0"/>
+              </a:rPr>
+              <a:t>(</a:t>
+            </a:r>
+            <a:r>
+              <a:rPr kumimoji="0" lang="de-DE" altLang="de-DE" sz="2000" b="0" i="0" u="none" strike="noStrike" cap="none" normalizeH="0" baseline="0" dirty="0" err="1" smtClean="0">
+                <a:ln>
+                  <a:noFill/>
+                </a:ln>
+                <a:solidFill>
+                  <a:srgbClr val="000000"/>
+                </a:solidFill>
+                <a:effectLst/>
+                <a:latin typeface="Courier New" panose="02070309020205020404" pitchFamily="49" charset="0"/>
+                <a:cs typeface="Courier New" panose="02070309020205020404" pitchFamily="49" charset="0"/>
+              </a:rPr>
+              <a:t>movies</a:t>
+            </a:r>
+            <a:r>
+              <a:rPr kumimoji="0" lang="de-DE" altLang="de-DE" sz="2000" b="0" i="0" u="none" strike="noStrike" cap="none" normalizeH="0" baseline="0" dirty="0" smtClean="0">
+                <a:ln>
+                  <a:noFill/>
+                </a:ln>
+                <a:solidFill>
+                  <a:srgbClr val="000000"/>
+                </a:solidFill>
+                <a:effectLst/>
+                <a:latin typeface="Courier New" panose="02070309020205020404" pitchFamily="49" charset="0"/>
+                <a:cs typeface="Courier New" panose="02070309020205020404" pitchFamily="49" charset="0"/>
+              </a:rPr>
+              <a:t>);</a:t>
+            </a:r>
+            <a:br>
+              <a:rPr kumimoji="0" lang="de-DE" altLang="de-DE" sz="2000" b="0" i="0" u="none" strike="noStrike" cap="none" normalizeH="0" baseline="0" dirty="0" smtClean="0">
+                <a:ln>
+                  <a:noFill/>
+                </a:ln>
+                <a:solidFill>
+                  <a:srgbClr val="000000"/>
+                </a:solidFill>
+                <a:effectLst/>
+                <a:latin typeface="Courier New" panose="02070309020205020404" pitchFamily="49" charset="0"/>
+                <a:cs typeface="Courier New" panose="02070309020205020404" pitchFamily="49" charset="0"/>
+              </a:rPr>
+            </a:br>
+            <a:r>
+              <a:rPr kumimoji="0" lang="de-DE" altLang="de-DE" sz="2000" b="0" i="0" u="none" strike="noStrike" cap="none" normalizeH="0" baseline="0" dirty="0" smtClean="0">
+                <a:ln>
+                  <a:noFill/>
+                </a:ln>
+                <a:solidFill>
+                  <a:srgbClr val="000000"/>
+                </a:solidFill>
+                <a:effectLst/>
+                <a:latin typeface="Courier New" panose="02070309020205020404" pitchFamily="49" charset="0"/>
+                <a:cs typeface="Courier New" panose="02070309020205020404" pitchFamily="49" charset="0"/>
+              </a:rPr>
+              <a:t>        }));</a:t>
+            </a:r>
+            <a:endParaRPr kumimoji="0" lang="de-DE" altLang="de-DE" sz="2000" b="0" i="0" u="none" strike="noStrike" cap="none" normalizeH="0" baseline="0" dirty="0" smtClean="0">
+              <a:ln>
+                <a:noFill/>
+              </a:ln>
+              <a:solidFill>
+                <a:schemeClr val="tx1"/>
+              </a:solidFill>
+              <a:effectLst/>
+              <a:latin typeface="Arial" panose="020B0604020202020204" pitchFamily="34" charset="0"/>
+            </a:endParaRPr>
+          </a:p>
+        </p:txBody>
+      </p:sp>
+    </p:spTree>
+    <p:extLst>
+      <p:ext uri="{BB962C8B-B14F-4D97-AF65-F5344CB8AC3E}">
+        <p14:creationId xmlns:p14="http://schemas.microsoft.com/office/powerpoint/2010/main" val="1317462183"/>
+      </p:ext>
+    </p:extLst>
+  </p:cSld>
+  <p:clrMapOvr>
+    <a:masterClrMapping/>
+  </p:clrMapOvr>
+  <p:timing>
+    <p:tnLst>
+      <p:par>
+        <p:cTn id="1" dur="indefinite" restart="never" nodeType="tmRoot"/>
+      </p:par>
+    </p:tnLst>
+  </p:timing>
+</p:sld>
+</file>
+
+<file path=ppt/slides/slide15.xml><?xml version="1.0" encoding="utf-8"?>
+<p:sld xmlns:a="http://schemas.openxmlformats.org/drawingml/2006/main" xmlns:r="http://schemas.openxmlformats.org/officeDocument/2006/relationships" xmlns:p="http://schemas.openxmlformats.org/presentationml/2006/main">
+  <p:cSld>
+    <p:spTree>
+      <p:nvGrpSpPr>
+        <p:cNvPr id="1" name=""/>
+        <p:cNvGrpSpPr/>
+        <p:nvPr/>
+      </p:nvGrpSpPr>
+      <p:grpSpPr>
+        <a:xfrm>
+          <a:off x="0" y="0"/>
+          <a:ext cx="0" cy="0"/>
+          <a:chOff x="0" y="0"/>
+          <a:chExt cx="0" cy="0"/>
+        </a:xfrm>
+      </p:grpSpPr>
+      <p:sp>
+        <p:nvSpPr>
+          <p:cNvPr id="2" name="Datumsplatzhalter 1"/>
+          <p:cNvSpPr>
+            <a:spLocks noGrp="1"/>
+          </p:cNvSpPr>
+          <p:nvPr>
+            <p:ph type="dt" sz="half" idx="10"/>
+          </p:nvPr>
+        </p:nvSpPr>
+        <p:spPr/>
+        <p:txBody>
+          <a:bodyPr/>
+          <a:lstStyle/>
+          <a:p>
+            <a:fld id="{5E48492E-72D1-4785-9351-8AE1E40FBA2D}" type="datetime1">
+              <a:rPr lang="de-CH" smtClean="0">
+                <a:solidFill>
+                  <a:srgbClr val="000000"/>
+                </a:solidFill>
+              </a:rPr>
+              <a:t>14.06.2016</a:t>
+            </a:fld>
+            <a:endParaRPr lang="de-CH">
+              <a:solidFill>
+                <a:srgbClr val="000000"/>
+              </a:solidFill>
+            </a:endParaRPr>
+          </a:p>
+        </p:txBody>
+      </p:sp>
+      <p:sp>
+        <p:nvSpPr>
+          <p:cNvPr id="3" name="Fußzeilenplatzhalter 2"/>
+          <p:cNvSpPr>
+            <a:spLocks noGrp="1"/>
+          </p:cNvSpPr>
+          <p:nvPr>
+            <p:ph type="ftr" sz="quarter" idx="11"/>
+          </p:nvPr>
+        </p:nvSpPr>
+        <p:spPr/>
+        <p:txBody>
+          <a:bodyPr/>
+          <a:lstStyle/>
+          <a:p>
+            <a:endParaRPr lang="de-CH" dirty="0">
+              <a:solidFill>
+                <a:srgbClr val="000000"/>
+              </a:solidFill>
+            </a:endParaRPr>
+          </a:p>
+        </p:txBody>
+      </p:sp>
+      <p:sp>
+        <p:nvSpPr>
+          <p:cNvPr id="4" name="Foliennummernplatzhalter 3"/>
+          <p:cNvSpPr>
+            <a:spLocks noGrp="1"/>
+          </p:cNvSpPr>
+          <p:nvPr>
+            <p:ph type="sldNum" sz="quarter" idx="12"/>
+          </p:nvPr>
+        </p:nvSpPr>
+        <p:spPr/>
+        <p:txBody>
+          <a:bodyPr/>
+          <a:lstStyle/>
+          <a:p>
+            <a:fld id="{351188DD-6605-4EF4-9E67-B567F731CE68}" type="slidenum">
+              <a:rPr lang="de-CH" smtClean="0">
+                <a:solidFill>
+                  <a:srgbClr val="000000"/>
+                </a:solidFill>
+              </a:rPr>
+              <a:pPr/>
+              <a:t>15</a:t>
             </a:fld>
             <a:endParaRPr lang="de-CH">
               <a:solidFill>
@@ -6414,7 +7955,7 @@
           <p:nvPr/>
         </p:nvPicPr>
         <p:blipFill>
-          <a:blip r:embed="rId2">
+          <a:blip r:embed="rId3">
             <a:extLst>
               <a:ext uri="{28A0092B-C50C-407E-A947-70E740481C1C}">
                 <a14:useLocalDpi xmlns:a14="http://schemas.microsoft.com/office/drawing/2010/main" val="0"/>
@@ -7221,7 +8762,7 @@
                   <a:srgbClr val="000000"/>
                 </a:solidFill>
               </a:rPr>
-              <a:t>29.05.2016</a:t>
+              <a:t>14.06.2016</a:t>
             </a:fld>
             <a:endParaRPr lang="de-CH">
               <a:solidFill>
@@ -7364,12 +8905,30 @@
               <a:t>Build</a:t>
             </a:r>
             <a:r>
+              <a:rPr lang="de-DE" dirty="0" smtClean="0"/>
+              <a:t>-Prozess</a:t>
+            </a:r>
+          </a:p>
+          <a:p>
+            <a:pPr marL="342900" indent="-342900">
+              <a:buFont typeface="Arial" panose="020B0604020202020204" pitchFamily="34" charset="0"/>
+              <a:buChar char="•"/>
+            </a:pPr>
+            <a:r>
               <a:rPr lang="de-DE" dirty="0"/>
-              <a:t>-</a:t>
-            </a:r>
-            <a:r>
-              <a:rPr lang="de-DE" dirty="0" smtClean="0"/>
-              <a:t>Prozess</a:t>
+              <a:t>Simple </a:t>
+            </a:r>
+            <a:r>
+              <a:rPr lang="de-DE" dirty="0" err="1"/>
+              <a:t>concurrent</a:t>
+            </a:r>
+            <a:r>
+              <a:rPr lang="de-DE" dirty="0"/>
+              <a:t> </a:t>
+            </a:r>
+            <a:r>
+              <a:rPr lang="de-DE" dirty="0" err="1"/>
+              <a:t>programming</a:t>
             </a:r>
             <a:endParaRPr lang="de-DE" dirty="0"/>
           </a:p>
@@ -7433,7 +8992,7 @@
                   <a:srgbClr val="000000"/>
                 </a:solidFill>
               </a:rPr>
-              <a:t>29.05.2016</a:t>
+              <a:t>14.06.2016</a:t>
             </a:fld>
             <a:endParaRPr lang="de-CH">
               <a:solidFill>
@@ -7609,7 +9168,7 @@
                   <a:srgbClr val="000000"/>
                 </a:solidFill>
               </a:rPr>
-              <a:t>29.05.2016</a:t>
+              <a:t>14.06.2016</a:t>
             </a:fld>
             <a:endParaRPr lang="de-CH">
               <a:solidFill>
@@ -7726,53 +9285,13 @@
             </a:r>
             <a:r>
               <a:rPr lang="de-CH" dirty="0" smtClean="0"/>
-              <a:t> XAML</a:t>
-            </a:r>
-          </a:p>
-          <a:p>
-            <a:pPr marL="342900" indent="-342900">
-              <a:buFont typeface="Arial" panose="020B0604020202020204" pitchFamily="34" charset="0"/>
-              <a:buChar char="•"/>
-            </a:pPr>
+              <a:t> </a:t>
+            </a:r>
             <a:r>
               <a:rPr lang="de-CH" dirty="0" smtClean="0"/>
-              <a:t>Scene </a:t>
-            </a:r>
-            <a:r>
-              <a:rPr lang="de-CH" dirty="0" err="1" smtClean="0"/>
-              <a:t>Builder</a:t>
-            </a:r>
-            <a:r>
-              <a:rPr lang="de-CH" dirty="0"/>
-              <a:t> (WYSIWYG</a:t>
-            </a:r>
-            <a:r>
-              <a:rPr lang="de-CH" dirty="0" smtClean="0"/>
-              <a:t>)</a:t>
-            </a:r>
-          </a:p>
-          <a:p>
-            <a:pPr marL="342900" indent="-342900">
-              <a:buFont typeface="Arial" panose="020B0604020202020204" pitchFamily="34" charset="0"/>
-              <a:buChar char="•"/>
-            </a:pPr>
-            <a:r>
-              <a:rPr lang="de-CH" dirty="0" err="1" smtClean="0"/>
-              <a:t>Prototyping</a:t>
-            </a:r>
-            <a:r>
-              <a:rPr lang="de-CH" dirty="0" smtClean="0"/>
-              <a:t> ohne </a:t>
-            </a:r>
-            <a:r>
-              <a:rPr lang="de-CH" dirty="0"/>
-              <a:t>K</a:t>
-            </a:r>
-            <a:r>
-              <a:rPr lang="de-CH" dirty="0" smtClean="0"/>
-              <a:t>ompilierung</a:t>
-            </a:r>
-            <a:endParaRPr lang="de-CH" dirty="0"/>
+              <a:t>XAML</a:t>
+            </a:r>
+            <a:endParaRPr lang="de-CH" dirty="0" smtClean="0"/>
           </a:p>
         </p:txBody>
       </p:sp>
@@ -7786,8 +9305,8 @@
         </p:nvSpPr>
         <p:spPr bwMode="auto">
           <a:xfrm>
-            <a:off x="1026220" y="3770285"/>
-            <a:ext cx="8856984" cy="2893100"/>
+            <a:off x="736600" y="2876466"/>
+            <a:ext cx="9146604" cy="3693319"/>
           </a:xfrm>
           <a:prstGeom prst="rect">
             <a:avLst/>
@@ -7835,7 +9354,7 @@
               <a:tabLst/>
             </a:pPr>
             <a:r>
-              <a:rPr kumimoji="0" lang="de-DE" altLang="de-DE" sz="1400" b="0" i="1" u="none" strike="noStrike" cap="none" normalizeH="0" baseline="0" dirty="0" smtClean="0">
+              <a:rPr kumimoji="0" lang="de-DE" altLang="de-DE" sz="1800" b="0" i="1" u="none" strike="noStrike" cap="none" normalizeH="0" baseline="0" dirty="0" smtClean="0">
                 <a:ln>
                   <a:noFill/>
                 </a:ln>
@@ -7849,7 +9368,7 @@
               <a:t>&lt;?</a:t>
             </a:r>
             <a:r>
-              <a:rPr kumimoji="0" lang="de-DE" altLang="de-DE" sz="1400" b="1" i="0" u="none" strike="noStrike" cap="none" normalizeH="0" baseline="0" dirty="0" err="1" smtClean="0">
+              <a:rPr kumimoji="0" lang="de-DE" altLang="de-DE" sz="1800" b="1" i="0" u="none" strike="noStrike" cap="none" normalizeH="0" baseline="0" dirty="0" err="1" smtClean="0">
                 <a:ln>
                   <a:noFill/>
                 </a:ln>
@@ -7863,7 +9382,7 @@
               <a:t>import</a:t>
             </a:r>
             <a:r>
-              <a:rPr kumimoji="0" lang="de-DE" altLang="de-DE" sz="1400" b="1" i="0" u="none" strike="noStrike" cap="none" normalizeH="0" baseline="0" dirty="0" smtClean="0">
+              <a:rPr kumimoji="0" lang="de-DE" altLang="de-DE" sz="1800" b="1" i="0" u="none" strike="noStrike" cap="none" normalizeH="0" baseline="0" dirty="0" smtClean="0">
                 <a:ln>
                   <a:noFill/>
                 </a:ln>
@@ -7877,7 +9396,7 @@
               <a:t> </a:t>
             </a:r>
             <a:r>
-              <a:rPr kumimoji="0" lang="de-DE" altLang="de-DE" sz="1400" b="1" i="0" u="none" strike="noStrike" cap="none" normalizeH="0" baseline="0" dirty="0" err="1" smtClean="0">
+              <a:rPr kumimoji="0" lang="de-DE" altLang="de-DE" sz="1800" b="1" i="0" u="none" strike="noStrike" cap="none" normalizeH="0" baseline="0" dirty="0" err="1" smtClean="0">
                 <a:ln>
                   <a:noFill/>
                 </a:ln>
@@ -7891,7 +9410,7 @@
               <a:t>javafx.scene.control.SplitPane</a:t>
             </a:r>
             <a:r>
-              <a:rPr kumimoji="0" lang="de-DE" altLang="de-DE" sz="1400" b="0" i="1" u="none" strike="noStrike" cap="none" normalizeH="0" baseline="0" dirty="0" smtClean="0">
+              <a:rPr kumimoji="0" lang="de-DE" altLang="de-DE" sz="1800" b="0" i="1" u="none" strike="noStrike" cap="none" normalizeH="0" baseline="0" dirty="0" smtClean="0">
                 <a:ln>
                   <a:noFill/>
                 </a:ln>
@@ -7905,7 +9424,7 @@
               <a:t>?&gt;</a:t>
             </a:r>
             <a:br>
-              <a:rPr kumimoji="0" lang="de-DE" altLang="de-DE" sz="1400" b="0" i="1" u="none" strike="noStrike" cap="none" normalizeH="0" baseline="0" dirty="0" smtClean="0">
+              <a:rPr kumimoji="0" lang="de-DE" altLang="de-DE" sz="1800" b="0" i="1" u="none" strike="noStrike" cap="none" normalizeH="0" baseline="0" dirty="0" smtClean="0">
                 <a:ln>
                   <a:noFill/>
                 </a:ln>
@@ -7918,7 +9437,7 @@
               </a:rPr>
             </a:br>
             <a:r>
-              <a:rPr kumimoji="0" lang="de-DE" altLang="de-DE" sz="1400" b="0" i="1" u="none" strike="noStrike" cap="none" normalizeH="0" baseline="0" dirty="0" smtClean="0">
+              <a:rPr kumimoji="0" lang="de-DE" altLang="de-DE" sz="1800" b="0" i="1" u="none" strike="noStrike" cap="none" normalizeH="0" baseline="0" dirty="0" smtClean="0">
                 <a:ln>
                   <a:noFill/>
                 </a:ln>
@@ -7932,7 +9451,7 @@
               <a:t>&lt;?</a:t>
             </a:r>
             <a:r>
-              <a:rPr kumimoji="0" lang="de-DE" altLang="de-DE" sz="1400" b="1" i="0" u="none" strike="noStrike" cap="none" normalizeH="0" baseline="0" dirty="0" err="1" smtClean="0">
+              <a:rPr kumimoji="0" lang="de-DE" altLang="de-DE" sz="1800" b="1" i="0" u="none" strike="noStrike" cap="none" normalizeH="0" baseline="0" dirty="0" err="1" smtClean="0">
                 <a:ln>
                   <a:noFill/>
                 </a:ln>
@@ -7946,7 +9465,7 @@
               <a:t>import</a:t>
             </a:r>
             <a:r>
-              <a:rPr kumimoji="0" lang="de-DE" altLang="de-DE" sz="1400" b="1" i="0" u="none" strike="noStrike" cap="none" normalizeH="0" baseline="0" dirty="0" smtClean="0">
+              <a:rPr kumimoji="0" lang="de-DE" altLang="de-DE" sz="1800" b="1" i="0" u="none" strike="noStrike" cap="none" normalizeH="0" baseline="0" dirty="0" smtClean="0">
                 <a:ln>
                   <a:noFill/>
                 </a:ln>
@@ -7960,7 +9479,7 @@
               <a:t> </a:t>
             </a:r>
             <a:r>
-              <a:rPr kumimoji="0" lang="de-DE" altLang="de-DE" sz="1400" b="1" i="0" u="none" strike="noStrike" cap="none" normalizeH="0" baseline="0" dirty="0" err="1" smtClean="0">
+              <a:rPr kumimoji="0" lang="de-DE" altLang="de-DE" sz="1800" b="1" i="0" u="none" strike="noStrike" cap="none" normalizeH="0" baseline="0" dirty="0" err="1" smtClean="0">
                 <a:ln>
                   <a:noFill/>
                 </a:ln>
@@ -7974,7 +9493,7 @@
               <a:t>javafx.scene.layout.AnchorPane</a:t>
             </a:r>
             <a:r>
-              <a:rPr kumimoji="0" lang="de-DE" altLang="de-DE" sz="1400" b="0" i="1" u="none" strike="noStrike" cap="none" normalizeH="0" baseline="0" dirty="0" smtClean="0">
+              <a:rPr kumimoji="0" lang="de-DE" altLang="de-DE" sz="1800" b="0" i="1" u="none" strike="noStrike" cap="none" normalizeH="0" baseline="0" dirty="0" smtClean="0">
                 <a:ln>
                   <a:noFill/>
                 </a:ln>
@@ -7988,7 +9507,7 @@
               <a:t>?&gt;</a:t>
             </a:r>
             <a:br>
-              <a:rPr kumimoji="0" lang="de-DE" altLang="de-DE" sz="1400" b="0" i="1" u="none" strike="noStrike" cap="none" normalizeH="0" baseline="0" dirty="0" smtClean="0">
+              <a:rPr kumimoji="0" lang="de-DE" altLang="de-DE" sz="1800" b="0" i="1" u="none" strike="noStrike" cap="none" normalizeH="0" baseline="0" dirty="0" smtClean="0">
                 <a:ln>
                   <a:noFill/>
                 </a:ln>
@@ -8001,7 +9520,7 @@
               </a:rPr>
             </a:br>
             <a:r>
-              <a:rPr kumimoji="0" lang="de-DE" altLang="de-DE" sz="1400" b="0" i="1" u="none" strike="noStrike" cap="none" normalizeH="0" baseline="0" dirty="0" smtClean="0">
+              <a:rPr kumimoji="0" lang="de-DE" altLang="de-DE" sz="1800" b="0" i="1" u="none" strike="noStrike" cap="none" normalizeH="0" baseline="0" dirty="0" smtClean="0">
                 <a:ln>
                   <a:noFill/>
                 </a:ln>
@@ -8015,7 +9534,7 @@
               <a:t>&lt;?</a:t>
             </a:r>
             <a:r>
-              <a:rPr kumimoji="0" lang="de-DE" altLang="de-DE" sz="1400" b="1" i="0" u="none" strike="noStrike" cap="none" normalizeH="0" baseline="0" dirty="0" err="1" smtClean="0">
+              <a:rPr kumimoji="0" lang="de-DE" altLang="de-DE" sz="1800" b="1" i="0" u="none" strike="noStrike" cap="none" normalizeH="0" baseline="0" dirty="0" err="1" smtClean="0">
                 <a:ln>
                   <a:noFill/>
                 </a:ln>
@@ -8029,7 +9548,7 @@
               <a:t>import</a:t>
             </a:r>
             <a:r>
-              <a:rPr kumimoji="0" lang="de-DE" altLang="de-DE" sz="1400" b="1" i="0" u="none" strike="noStrike" cap="none" normalizeH="0" baseline="0" dirty="0" smtClean="0">
+              <a:rPr kumimoji="0" lang="de-DE" altLang="de-DE" sz="1800" b="1" i="0" u="none" strike="noStrike" cap="none" normalizeH="0" baseline="0" dirty="0" smtClean="0">
                 <a:ln>
                   <a:noFill/>
                 </a:ln>
@@ -8043,7 +9562,7 @@
               <a:t> </a:t>
             </a:r>
             <a:r>
-              <a:rPr kumimoji="0" lang="de-DE" altLang="de-DE" sz="1400" b="1" i="0" u="none" strike="noStrike" cap="none" normalizeH="0" baseline="0" dirty="0" err="1" smtClean="0">
+              <a:rPr kumimoji="0" lang="de-DE" altLang="de-DE" sz="1800" b="1" i="0" u="none" strike="noStrike" cap="none" normalizeH="0" baseline="0" dirty="0" err="1" smtClean="0">
                 <a:ln>
                   <a:noFill/>
                 </a:ln>
@@ -8057,7 +9576,7 @@
               <a:t>javafx.scene.layout.BorderPane</a:t>
             </a:r>
             <a:r>
-              <a:rPr kumimoji="0" lang="de-DE" altLang="de-DE" sz="1400" b="0" i="1" u="none" strike="noStrike" cap="none" normalizeH="0" baseline="0" dirty="0" smtClean="0">
+              <a:rPr kumimoji="0" lang="de-DE" altLang="de-DE" sz="1800" b="0" i="1" u="none" strike="noStrike" cap="none" normalizeH="0" baseline="0" dirty="0" smtClean="0">
                 <a:ln>
                   <a:noFill/>
                 </a:ln>
@@ -8071,7 +9590,7 @@
               <a:t>?&gt;</a:t>
             </a:r>
             <a:br>
-              <a:rPr kumimoji="0" lang="de-DE" altLang="de-DE" sz="1400" b="0" i="1" u="none" strike="noStrike" cap="none" normalizeH="0" baseline="0" dirty="0" smtClean="0">
+              <a:rPr kumimoji="0" lang="de-DE" altLang="de-DE" sz="1800" b="0" i="1" u="none" strike="noStrike" cap="none" normalizeH="0" baseline="0" dirty="0" smtClean="0">
                 <a:ln>
                   <a:noFill/>
                 </a:ln>
@@ -8084,7 +9603,7 @@
               </a:rPr>
             </a:br>
             <a:r>
-              <a:rPr kumimoji="0" lang="de-DE" altLang="de-DE" sz="1400" b="0" i="1" u="none" strike="noStrike" cap="none" normalizeH="0" baseline="0" dirty="0" smtClean="0">
+              <a:rPr kumimoji="0" lang="de-DE" altLang="de-DE" sz="1800" b="0" i="1" u="none" strike="noStrike" cap="none" normalizeH="0" baseline="0" dirty="0" smtClean="0">
                 <a:ln>
                   <a:noFill/>
                 </a:ln>
@@ -8098,7 +9617,7 @@
               <a:t/>
             </a:r>
             <a:br>
-              <a:rPr kumimoji="0" lang="de-DE" altLang="de-DE" sz="1400" b="0" i="1" u="none" strike="noStrike" cap="none" normalizeH="0" baseline="0" dirty="0" smtClean="0">
+              <a:rPr kumimoji="0" lang="de-DE" altLang="de-DE" sz="1800" b="0" i="1" u="none" strike="noStrike" cap="none" normalizeH="0" baseline="0" dirty="0" smtClean="0">
                 <a:ln>
                   <a:noFill/>
                 </a:ln>
@@ -8111,7 +9630,7 @@
               </a:rPr>
             </a:br>
             <a:r>
-              <a:rPr kumimoji="0" lang="de-DE" altLang="de-DE" sz="1400" b="0" i="0" u="none" strike="noStrike" cap="none" normalizeH="0" baseline="0" dirty="0" smtClean="0">
+              <a:rPr kumimoji="0" lang="de-DE" altLang="de-DE" sz="1800" b="0" i="0" u="none" strike="noStrike" cap="none" normalizeH="0" baseline="0" dirty="0" smtClean="0">
                 <a:ln>
                   <a:noFill/>
                 </a:ln>
@@ -8125,7 +9644,7 @@
               <a:t>&lt;</a:t>
             </a:r>
             <a:r>
-              <a:rPr kumimoji="0" lang="de-DE" altLang="de-DE" sz="1400" b="1" i="0" u="none" strike="noStrike" cap="none" normalizeH="0" baseline="0" dirty="0" err="1" smtClean="0">
+              <a:rPr kumimoji="0" lang="de-DE" altLang="de-DE" sz="1800" b="1" i="0" u="none" strike="noStrike" cap="none" normalizeH="0" baseline="0" dirty="0" err="1" smtClean="0">
                 <a:ln>
                   <a:noFill/>
                 </a:ln>
@@ -8139,7 +9658,7 @@
               <a:t>AnchorPane</a:t>
             </a:r>
             <a:r>
-              <a:rPr kumimoji="0" lang="de-DE" altLang="de-DE" sz="1400" b="1" i="0" u="none" strike="noStrike" cap="none" normalizeH="0" baseline="0" dirty="0" smtClean="0">
+              <a:rPr kumimoji="0" lang="de-DE" altLang="de-DE" sz="1800" b="1" i="0" u="none" strike="noStrike" cap="none" normalizeH="0" baseline="0" dirty="0" smtClean="0">
                 <a:ln>
                   <a:noFill/>
                 </a:ln>
@@ -8153,7 +9672,7 @@
               <a:t> </a:t>
             </a:r>
             <a:r>
-              <a:rPr kumimoji="0" lang="de-DE" altLang="de-DE" sz="1400" b="1" i="0" u="none" strike="noStrike" cap="none" normalizeH="0" baseline="0" dirty="0" err="1" smtClean="0">
+              <a:rPr kumimoji="0" lang="de-DE" altLang="de-DE" sz="1800" b="1" i="0" u="none" strike="noStrike" cap="none" normalizeH="0" baseline="0" dirty="0" err="1" smtClean="0">
                 <a:ln>
                   <a:noFill/>
                 </a:ln>
@@ -8167,7 +9686,7 @@
               <a:t>fx:controller</a:t>
             </a:r>
             <a:r>
-              <a:rPr kumimoji="0" lang="de-DE" altLang="de-DE" sz="1400" b="1" i="0" u="none" strike="noStrike" cap="none" normalizeH="0" baseline="0" dirty="0" smtClean="0">
+              <a:rPr kumimoji="0" lang="de-DE" altLang="de-DE" sz="1800" b="1" i="0" u="none" strike="noStrike" cap="none" normalizeH="0" baseline="0" dirty="0" smtClean="0">
                 <a:ln>
                   <a:noFill/>
                 </a:ln>
@@ -8181,7 +9700,7 @@
               <a:t>=".</a:t>
             </a:r>
             <a:r>
-              <a:rPr kumimoji="0" lang="de-DE" altLang="de-DE" sz="1400" b="1" i="0" u="none" strike="noStrike" cap="none" normalizeH="0" baseline="0" dirty="0" err="1" smtClean="0">
+              <a:rPr kumimoji="0" lang="de-DE" altLang="de-DE" sz="1800" b="1" i="0" u="none" strike="noStrike" cap="none" normalizeH="0" baseline="0" dirty="0" err="1" smtClean="0">
                 <a:ln>
                   <a:noFill/>
                 </a:ln>
@@ -8195,7 +9714,7 @@
               <a:t>DashboardPresenter</a:t>
             </a:r>
             <a:r>
-              <a:rPr kumimoji="0" lang="de-DE" altLang="de-DE" sz="1400" b="1" i="0" u="none" strike="noStrike" cap="none" normalizeH="0" baseline="0" dirty="0" smtClean="0">
+              <a:rPr kumimoji="0" lang="de-DE" altLang="de-DE" sz="1800" b="1" i="0" u="none" strike="noStrike" cap="none" normalizeH="0" baseline="0" dirty="0" smtClean="0">
                 <a:ln>
                   <a:noFill/>
                 </a:ln>
@@ -8209,7 +9728,7 @@
               <a:t>„ ...</a:t>
             </a:r>
             <a:r>
-              <a:rPr kumimoji="0" lang="de-DE" altLang="de-DE" sz="1400" b="0" i="0" u="none" strike="noStrike" cap="none" normalizeH="0" baseline="0" dirty="0" smtClean="0">
+              <a:rPr kumimoji="0" lang="de-DE" altLang="de-DE" sz="1800" b="0" i="0" u="none" strike="noStrike" cap="none" normalizeH="0" baseline="0" dirty="0" smtClean="0">
                 <a:ln>
                   <a:noFill/>
                 </a:ln>
@@ -8223,7 +9742,7 @@
               <a:t>&gt;</a:t>
             </a:r>
             <a:br>
-              <a:rPr kumimoji="0" lang="de-DE" altLang="de-DE" sz="1400" b="0" i="0" u="none" strike="noStrike" cap="none" normalizeH="0" baseline="0" dirty="0" smtClean="0">
+              <a:rPr kumimoji="0" lang="de-DE" altLang="de-DE" sz="1800" b="0" i="0" u="none" strike="noStrike" cap="none" normalizeH="0" baseline="0" dirty="0" smtClean="0">
                 <a:ln>
                   <a:noFill/>
                 </a:ln>
@@ -8236,7 +9755,7 @@
               </a:rPr>
             </a:br>
             <a:r>
-              <a:rPr kumimoji="0" lang="de-DE" altLang="de-DE" sz="1400" b="0" i="0" u="none" strike="noStrike" cap="none" normalizeH="0" baseline="0" dirty="0" smtClean="0">
+              <a:rPr kumimoji="0" lang="de-DE" altLang="de-DE" sz="1800" b="0" i="0" u="none" strike="noStrike" cap="none" normalizeH="0" baseline="0" dirty="0" smtClean="0">
                 <a:ln>
                   <a:noFill/>
                 </a:ln>
@@ -8250,7 +9769,7 @@
               <a:t>   &lt;</a:t>
             </a:r>
             <a:r>
-              <a:rPr kumimoji="0" lang="de-DE" altLang="de-DE" sz="1400" b="1" i="0" u="none" strike="noStrike" cap="none" normalizeH="0" baseline="0" dirty="0" err="1" smtClean="0">
+              <a:rPr kumimoji="0" lang="de-DE" altLang="de-DE" sz="1800" b="1" i="0" u="none" strike="noStrike" cap="none" normalizeH="0" baseline="0" dirty="0" err="1" smtClean="0">
                 <a:ln>
                   <a:noFill/>
                 </a:ln>
@@ -8264,7 +9783,7 @@
               <a:t>children</a:t>
             </a:r>
             <a:r>
-              <a:rPr kumimoji="0" lang="de-DE" altLang="de-DE" sz="1400" b="0" i="0" u="none" strike="noStrike" cap="none" normalizeH="0" baseline="0" dirty="0" smtClean="0">
+              <a:rPr kumimoji="0" lang="de-DE" altLang="de-DE" sz="1800" b="0" i="0" u="none" strike="noStrike" cap="none" normalizeH="0" baseline="0" dirty="0" smtClean="0">
                 <a:ln>
                   <a:noFill/>
                 </a:ln>
@@ -8278,7 +9797,7 @@
               <a:t>&gt;</a:t>
             </a:r>
             <a:br>
-              <a:rPr kumimoji="0" lang="de-DE" altLang="de-DE" sz="1400" b="0" i="0" u="none" strike="noStrike" cap="none" normalizeH="0" baseline="0" dirty="0" smtClean="0">
+              <a:rPr kumimoji="0" lang="de-DE" altLang="de-DE" sz="1800" b="0" i="0" u="none" strike="noStrike" cap="none" normalizeH="0" baseline="0" dirty="0" smtClean="0">
                 <a:ln>
                   <a:noFill/>
                 </a:ln>
@@ -8291,7 +9810,7 @@
               </a:rPr>
             </a:br>
             <a:r>
-              <a:rPr kumimoji="0" lang="de-DE" altLang="de-DE" sz="1400" b="0" i="0" u="none" strike="noStrike" cap="none" normalizeH="0" baseline="0" dirty="0" smtClean="0">
+              <a:rPr kumimoji="0" lang="de-DE" altLang="de-DE" sz="1800" b="0" i="0" u="none" strike="noStrike" cap="none" normalizeH="0" baseline="0" dirty="0" smtClean="0">
                 <a:ln>
                   <a:noFill/>
                 </a:ln>
@@ -8305,7 +9824,7 @@
               <a:t>      &lt;</a:t>
             </a:r>
             <a:r>
-              <a:rPr kumimoji="0" lang="de-DE" altLang="de-DE" sz="1400" b="1" i="0" u="none" strike="noStrike" cap="none" normalizeH="0" baseline="0" dirty="0" err="1" smtClean="0">
+              <a:rPr kumimoji="0" lang="de-DE" altLang="de-DE" sz="1800" b="1" i="0" u="none" strike="noStrike" cap="none" normalizeH="0" baseline="0" dirty="0" err="1" smtClean="0">
                 <a:ln>
                   <a:noFill/>
                 </a:ln>
@@ -8319,7 +9838,7 @@
               <a:t>BorderPane</a:t>
             </a:r>
             <a:r>
-              <a:rPr kumimoji="0" lang="de-DE" altLang="de-DE" sz="1400" b="1" i="0" u="none" strike="noStrike" cap="none" normalizeH="0" baseline="0" dirty="0" smtClean="0">
+              <a:rPr kumimoji="0" lang="de-DE" altLang="de-DE" sz="1800" b="1" i="0" u="none" strike="noStrike" cap="none" normalizeH="0" baseline="0" dirty="0" smtClean="0">
                 <a:ln>
                   <a:noFill/>
                 </a:ln>
@@ -8333,7 +9852,7 @@
               <a:t> </a:t>
             </a:r>
             <a:r>
-              <a:rPr kumimoji="0" lang="de-DE" altLang="de-DE" sz="1400" b="1" i="0" u="none" strike="noStrike" cap="none" normalizeH="0" baseline="0" dirty="0" err="1" smtClean="0">
+              <a:rPr kumimoji="0" lang="de-DE" altLang="de-DE" sz="1800" b="1" i="0" u="none" strike="noStrike" cap="none" normalizeH="0" baseline="0" dirty="0" err="1" smtClean="0">
                 <a:ln>
                   <a:noFill/>
                 </a:ln>
@@ -8347,7 +9866,7 @@
               <a:t>fx:id</a:t>
             </a:r>
             <a:r>
-              <a:rPr kumimoji="0" lang="de-DE" altLang="de-DE" sz="1400" b="1" i="0" u="none" strike="noStrike" cap="none" normalizeH="0" baseline="0" dirty="0" smtClean="0">
+              <a:rPr kumimoji="0" lang="de-DE" altLang="de-DE" sz="1800" b="1" i="0" u="none" strike="noStrike" cap="none" normalizeH="0" baseline="0" dirty="0" smtClean="0">
                 <a:ln>
                   <a:noFill/>
                 </a:ln>
@@ -8361,7 +9880,7 @@
               <a:t>="</a:t>
             </a:r>
             <a:r>
-              <a:rPr kumimoji="0" lang="de-DE" altLang="de-DE" sz="1400" b="1" i="0" u="none" strike="noStrike" cap="none" normalizeH="0" baseline="0" dirty="0" err="1" smtClean="0">
+              <a:rPr kumimoji="0" lang="de-DE" altLang="de-DE" sz="1800" b="1" i="0" u="none" strike="noStrike" cap="none" normalizeH="0" baseline="0" dirty="0" err="1" smtClean="0">
                 <a:ln>
                   <a:noFill/>
                 </a:ln>
@@ -8375,7 +9894,7 @@
               <a:t>borderPane</a:t>
             </a:r>
             <a:r>
-              <a:rPr kumimoji="0" lang="de-DE" altLang="de-DE" sz="1400" b="1" i="0" u="none" strike="noStrike" cap="none" normalizeH="0" baseline="0" dirty="0" smtClean="0">
+              <a:rPr kumimoji="0" lang="de-DE" altLang="de-DE" sz="1800" b="1" i="0" u="none" strike="noStrike" cap="none" normalizeH="0" baseline="0" dirty="0" smtClean="0">
                 <a:ln>
                   <a:noFill/>
                 </a:ln>
@@ -8389,7 +9908,7 @@
               <a:t>" </a:t>
             </a:r>
             <a:r>
-              <a:rPr kumimoji="0" lang="de-DE" altLang="de-DE" sz="1400" b="1" i="0" u="none" strike="noStrike" cap="none" normalizeH="0" baseline="0" dirty="0" err="1" smtClean="0">
+              <a:rPr kumimoji="0" lang="de-DE" altLang="de-DE" sz="1800" b="1" i="0" u="none" strike="noStrike" cap="none" normalizeH="0" baseline="0" dirty="0" err="1" smtClean="0">
                 <a:ln>
                   <a:noFill/>
                 </a:ln>
@@ -8403,7 +9922,7 @@
               <a:t>prefHeight</a:t>
             </a:r>
             <a:r>
-              <a:rPr kumimoji="0" lang="de-DE" altLang="de-DE" sz="1400" b="1" i="0" u="none" strike="noStrike" cap="none" normalizeH="0" baseline="0" dirty="0" smtClean="0">
+              <a:rPr kumimoji="0" lang="de-DE" altLang="de-DE" sz="1800" b="1" i="0" u="none" strike="noStrike" cap="none" normalizeH="0" baseline="0" dirty="0" smtClean="0">
                 <a:ln>
                   <a:noFill/>
                 </a:ln>
@@ -8417,7 +9936,7 @@
               <a:t>="200.0" </a:t>
             </a:r>
             <a:r>
-              <a:rPr kumimoji="0" lang="de-DE" altLang="de-DE" sz="1400" b="1" i="0" u="none" strike="noStrike" cap="none" normalizeH="0" baseline="0" dirty="0" smtClean="0">
+              <a:rPr kumimoji="0" lang="de-DE" altLang="de-DE" sz="1800" b="1" i="0" u="none" strike="noStrike" cap="none" normalizeH="0" baseline="0" dirty="0" smtClean="0">
                 <a:ln>
                   <a:noFill/>
                 </a:ln>
@@ -8431,7 +9950,7 @@
               <a:t>...&gt;</a:t>
             </a:r>
             <a:r>
-              <a:rPr kumimoji="0" lang="de-DE" altLang="de-DE" sz="1400" b="0" i="0" u="none" strike="noStrike" cap="none" normalizeH="0" baseline="0" dirty="0" smtClean="0">
+              <a:rPr kumimoji="0" lang="de-DE" altLang="de-DE" sz="1800" b="0" i="0" u="none" strike="noStrike" cap="none" normalizeH="0" baseline="0" dirty="0" smtClean="0">
                 <a:ln>
                   <a:noFill/>
                 </a:ln>
@@ -8445,7 +9964,7 @@
               <a:t/>
             </a:r>
             <a:br>
-              <a:rPr kumimoji="0" lang="de-DE" altLang="de-DE" sz="1400" b="0" i="0" u="none" strike="noStrike" cap="none" normalizeH="0" baseline="0" dirty="0" smtClean="0">
+              <a:rPr kumimoji="0" lang="de-DE" altLang="de-DE" sz="1800" b="0" i="0" u="none" strike="noStrike" cap="none" normalizeH="0" baseline="0" dirty="0" smtClean="0">
                 <a:ln>
                   <a:noFill/>
                 </a:ln>
@@ -8458,7 +9977,7 @@
               </a:rPr>
             </a:br>
             <a:r>
-              <a:rPr kumimoji="0" lang="de-DE" altLang="de-DE" sz="1400" b="0" i="0" u="none" strike="noStrike" cap="none" normalizeH="0" baseline="0" dirty="0" smtClean="0">
+              <a:rPr kumimoji="0" lang="de-DE" altLang="de-DE" sz="1800" b="0" i="0" u="none" strike="noStrike" cap="none" normalizeH="0" baseline="0" dirty="0" smtClean="0">
                 <a:ln>
                   <a:noFill/>
                 </a:ln>
@@ -8472,7 +9991,7 @@
               <a:t>         &lt;</a:t>
             </a:r>
             <a:r>
-              <a:rPr kumimoji="0" lang="de-DE" altLang="de-DE" sz="1400" b="1" i="0" u="none" strike="noStrike" cap="none" normalizeH="0" baseline="0" dirty="0" err="1" smtClean="0">
+              <a:rPr kumimoji="0" lang="de-DE" altLang="de-DE" sz="1800" b="1" i="0" u="none" strike="noStrike" cap="none" normalizeH="0" baseline="0" dirty="0" err="1" smtClean="0">
                 <a:ln>
                   <a:noFill/>
                 </a:ln>
@@ -8486,7 +10005,7 @@
               <a:t>center</a:t>
             </a:r>
             <a:r>
-              <a:rPr kumimoji="0" lang="de-DE" altLang="de-DE" sz="1400" b="0" i="0" u="none" strike="noStrike" cap="none" normalizeH="0" baseline="0" dirty="0" smtClean="0">
+              <a:rPr kumimoji="0" lang="de-DE" altLang="de-DE" sz="1800" b="0" i="0" u="none" strike="noStrike" cap="none" normalizeH="0" baseline="0" dirty="0" smtClean="0">
                 <a:ln>
                   <a:noFill/>
                 </a:ln>
@@ -8500,7 +10019,7 @@
               <a:t>&gt;</a:t>
             </a:r>
             <a:br>
-              <a:rPr kumimoji="0" lang="de-DE" altLang="de-DE" sz="1400" b="0" i="0" u="none" strike="noStrike" cap="none" normalizeH="0" baseline="0" dirty="0" smtClean="0">
+              <a:rPr kumimoji="0" lang="de-DE" altLang="de-DE" sz="1800" b="0" i="0" u="none" strike="noStrike" cap="none" normalizeH="0" baseline="0" dirty="0" smtClean="0">
                 <a:ln>
                   <a:noFill/>
                 </a:ln>
@@ -8513,7 +10032,7 @@
               </a:rPr>
             </a:br>
             <a:r>
-              <a:rPr kumimoji="0" lang="de-DE" altLang="de-DE" sz="1400" b="0" i="0" u="none" strike="noStrike" cap="none" normalizeH="0" baseline="0" dirty="0" smtClean="0">
+              <a:rPr kumimoji="0" lang="de-DE" altLang="de-DE" sz="1800" b="0" i="0" u="none" strike="noStrike" cap="none" normalizeH="0" baseline="0" dirty="0" smtClean="0">
                 <a:ln>
                   <a:noFill/>
                 </a:ln>
@@ -8527,7 +10046,7 @@
               <a:t>            &lt;</a:t>
             </a:r>
             <a:r>
-              <a:rPr kumimoji="0" lang="de-DE" altLang="de-DE" sz="1400" b="1" i="0" u="none" strike="noStrike" cap="none" normalizeH="0" baseline="0" dirty="0" err="1" smtClean="0">
+              <a:rPr kumimoji="0" lang="de-DE" altLang="de-DE" sz="1800" b="1" i="0" u="none" strike="noStrike" cap="none" normalizeH="0" baseline="0" dirty="0" err="1" smtClean="0">
                 <a:ln>
                   <a:noFill/>
                 </a:ln>
@@ -8541,7 +10060,7 @@
               <a:t>SplitPane</a:t>
             </a:r>
             <a:r>
-              <a:rPr kumimoji="0" lang="de-DE" altLang="de-DE" sz="1400" b="1" i="0" u="none" strike="noStrike" cap="none" normalizeH="0" baseline="0" dirty="0" smtClean="0">
+              <a:rPr kumimoji="0" lang="de-DE" altLang="de-DE" sz="1800" b="1" i="0" u="none" strike="noStrike" cap="none" normalizeH="0" baseline="0" dirty="0" smtClean="0">
                 <a:ln>
                   <a:noFill/>
                 </a:ln>
@@ -8555,7 +10074,7 @@
               <a:t> </a:t>
             </a:r>
             <a:r>
-              <a:rPr kumimoji="0" lang="de-DE" altLang="de-DE" sz="1400" b="1" i="0" u="none" strike="noStrike" cap="none" normalizeH="0" baseline="0" dirty="0" err="1" smtClean="0">
+              <a:rPr kumimoji="0" lang="de-DE" altLang="de-DE" sz="1800" b="1" i="0" u="none" strike="noStrike" cap="none" normalizeH="0" baseline="0" dirty="0" err="1" smtClean="0">
                 <a:ln>
                   <a:noFill/>
                 </a:ln>
@@ -8569,7 +10088,7 @@
               <a:t>fx</a:t>
             </a:r>
             <a:r>
-              <a:rPr kumimoji="0" lang="de-DE" altLang="de-DE" sz="1400" b="1" i="0" u="none" strike="noStrike" cap="none" normalizeH="0" baseline="0" dirty="0" err="1" smtClean="0">
+              <a:rPr kumimoji="0" lang="de-DE" altLang="de-DE" sz="1800" b="1" i="0" u="none" strike="noStrike" cap="none" normalizeH="0" baseline="0" dirty="0" err="1" smtClean="0">
                 <a:ln>
                   <a:noFill/>
                 </a:ln>
@@ -8583,7 +10102,7 @@
               <a:t>:id</a:t>
             </a:r>
             <a:r>
-              <a:rPr kumimoji="0" lang="de-DE" altLang="de-DE" sz="1400" b="1" i="0" u="none" strike="noStrike" cap="none" normalizeH="0" baseline="0" dirty="0" smtClean="0">
+              <a:rPr kumimoji="0" lang="de-DE" altLang="de-DE" sz="1800" b="1" i="0" u="none" strike="noStrike" cap="none" normalizeH="0" baseline="0" dirty="0" smtClean="0">
                 <a:ln>
                   <a:noFill/>
                 </a:ln>
@@ -8597,7 +10116,7 @@
               <a:t>="</a:t>
             </a:r>
             <a:r>
-              <a:rPr kumimoji="0" lang="de-DE" altLang="de-DE" sz="1400" b="1" i="0" u="none" strike="noStrike" cap="none" normalizeH="0" baseline="0" dirty="0" err="1" smtClean="0">
+              <a:rPr kumimoji="0" lang="de-DE" altLang="de-DE" sz="1800" b="1" i="0" u="none" strike="noStrike" cap="none" normalizeH="0" baseline="0" dirty="0" err="1" smtClean="0">
                 <a:ln>
                   <a:noFill/>
                 </a:ln>
@@ -8611,7 +10130,7 @@
               <a:t>splitPane</a:t>
             </a:r>
             <a:r>
-              <a:rPr kumimoji="0" lang="de-DE" altLang="de-DE" sz="1400" b="1" i="0" u="none" strike="noStrike" cap="none" normalizeH="0" baseline="0" dirty="0" smtClean="0">
+              <a:rPr kumimoji="0" lang="de-DE" altLang="de-DE" sz="1800" b="1" i="0" u="none" strike="noStrike" cap="none" normalizeH="0" baseline="0" dirty="0" smtClean="0">
                 <a:ln>
                   <a:noFill/>
                 </a:ln>
@@ -8625,7 +10144,7 @@
               <a:t>" </a:t>
             </a:r>
             <a:r>
-              <a:rPr kumimoji="0" lang="de-DE" altLang="de-DE" sz="1400" b="0" i="0" u="none" strike="noStrike" cap="none" normalizeH="0" baseline="0" dirty="0" smtClean="0">
+              <a:rPr kumimoji="0" lang="de-DE" altLang="de-DE" sz="1800" b="0" i="0" u="none" strike="noStrike" cap="none" normalizeH="0" baseline="0" dirty="0" smtClean="0">
                 <a:ln>
                   <a:noFill/>
                 </a:ln>
@@ -8639,7 +10158,7 @@
               <a:t>/&gt;</a:t>
             </a:r>
             <a:br>
-              <a:rPr kumimoji="0" lang="de-DE" altLang="de-DE" sz="1400" b="0" i="0" u="none" strike="noStrike" cap="none" normalizeH="0" baseline="0" dirty="0" smtClean="0">
+              <a:rPr kumimoji="0" lang="de-DE" altLang="de-DE" sz="1800" b="0" i="0" u="none" strike="noStrike" cap="none" normalizeH="0" baseline="0" dirty="0" smtClean="0">
                 <a:ln>
                   <a:noFill/>
                 </a:ln>
@@ -8652,7 +10171,7 @@
               </a:rPr>
             </a:br>
             <a:r>
-              <a:rPr kumimoji="0" lang="de-DE" altLang="de-DE" sz="1400" b="0" i="0" u="none" strike="noStrike" cap="none" normalizeH="0" baseline="0" dirty="0" smtClean="0">
+              <a:rPr kumimoji="0" lang="de-DE" altLang="de-DE" sz="1800" b="0" i="0" u="none" strike="noStrike" cap="none" normalizeH="0" baseline="0" dirty="0" smtClean="0">
                 <a:ln>
                   <a:noFill/>
                 </a:ln>
@@ -8666,7 +10185,7 @@
               <a:t>         &lt;/</a:t>
             </a:r>
             <a:r>
-              <a:rPr kumimoji="0" lang="de-DE" altLang="de-DE" sz="1400" b="1" i="0" u="none" strike="noStrike" cap="none" normalizeH="0" baseline="0" dirty="0" err="1" smtClean="0">
+              <a:rPr kumimoji="0" lang="de-DE" altLang="de-DE" sz="1800" b="1" i="0" u="none" strike="noStrike" cap="none" normalizeH="0" baseline="0" dirty="0" err="1" smtClean="0">
                 <a:ln>
                   <a:noFill/>
                 </a:ln>
@@ -8680,7 +10199,7 @@
               <a:t>center</a:t>
             </a:r>
             <a:r>
-              <a:rPr kumimoji="0" lang="de-DE" altLang="de-DE" sz="1400" b="0" i="0" u="none" strike="noStrike" cap="none" normalizeH="0" baseline="0" dirty="0" smtClean="0">
+              <a:rPr kumimoji="0" lang="de-DE" altLang="de-DE" sz="1800" b="0" i="0" u="none" strike="noStrike" cap="none" normalizeH="0" baseline="0" dirty="0" smtClean="0">
                 <a:ln>
                   <a:noFill/>
                 </a:ln>
@@ -8712,7 +10231,7 @@
               <a:tabLst/>
             </a:pPr>
             <a:r>
-              <a:rPr lang="de-DE" altLang="de-DE" sz="1400" dirty="0" smtClean="0">
+              <a:rPr lang="de-DE" altLang="de-DE" sz="1800" dirty="0" smtClean="0">
                 <a:solidFill>
                   <a:srgbClr val="000000"/>
                 </a:solidFill>
@@ -8722,7 +10241,7 @@
               <a:t>      </a:t>
             </a:r>
             <a:r>
-              <a:rPr kumimoji="0" lang="de-DE" altLang="de-DE" sz="1400" b="0" i="0" u="none" strike="noStrike" cap="none" normalizeH="0" baseline="0" dirty="0" smtClean="0">
+              <a:rPr kumimoji="0" lang="de-DE" altLang="de-DE" sz="1800" b="0" i="0" u="none" strike="noStrike" cap="none" normalizeH="0" baseline="0" dirty="0" smtClean="0">
                 <a:ln>
                   <a:noFill/>
                 </a:ln>
@@ -8736,7 +10255,7 @@
               <a:t>&lt;/</a:t>
             </a:r>
             <a:r>
-              <a:rPr kumimoji="0" lang="de-DE" altLang="de-DE" sz="1400" b="1" i="0" u="none" strike="noStrike" cap="none" normalizeH="0" baseline="0" dirty="0" err="1" smtClean="0">
+              <a:rPr kumimoji="0" lang="de-DE" altLang="de-DE" sz="1800" b="1" i="0" u="none" strike="noStrike" cap="none" normalizeH="0" baseline="0" dirty="0" err="1" smtClean="0">
                 <a:ln>
                   <a:noFill/>
                 </a:ln>
@@ -8750,7 +10269,7 @@
               <a:t>BorderPane</a:t>
             </a:r>
             <a:r>
-              <a:rPr kumimoji="0" lang="de-DE" altLang="de-DE" sz="1400" b="0" i="0" u="none" strike="noStrike" cap="none" normalizeH="0" baseline="0" dirty="0" smtClean="0">
+              <a:rPr kumimoji="0" lang="de-DE" altLang="de-DE" sz="1800" b="0" i="0" u="none" strike="noStrike" cap="none" normalizeH="0" baseline="0" dirty="0" smtClean="0">
                 <a:ln>
                   <a:noFill/>
                 </a:ln>
@@ -8764,7 +10283,7 @@
               <a:t>&gt;</a:t>
             </a:r>
             <a:br>
-              <a:rPr kumimoji="0" lang="de-DE" altLang="de-DE" sz="1400" b="0" i="0" u="none" strike="noStrike" cap="none" normalizeH="0" baseline="0" dirty="0" smtClean="0">
+              <a:rPr kumimoji="0" lang="de-DE" altLang="de-DE" sz="1800" b="0" i="0" u="none" strike="noStrike" cap="none" normalizeH="0" baseline="0" dirty="0" smtClean="0">
                 <a:ln>
                   <a:noFill/>
                 </a:ln>
@@ -8777,7 +10296,7 @@
               </a:rPr>
             </a:br>
             <a:r>
-              <a:rPr kumimoji="0" lang="de-DE" altLang="de-DE" sz="1400" b="0" i="0" u="none" strike="noStrike" cap="none" normalizeH="0" baseline="0" dirty="0" smtClean="0">
+              <a:rPr kumimoji="0" lang="de-DE" altLang="de-DE" sz="1800" b="0" i="0" u="none" strike="noStrike" cap="none" normalizeH="0" baseline="0" dirty="0" smtClean="0">
                 <a:ln>
                   <a:noFill/>
                 </a:ln>
@@ -8791,7 +10310,7 @@
               <a:t>   &lt;/</a:t>
             </a:r>
             <a:r>
-              <a:rPr kumimoji="0" lang="de-DE" altLang="de-DE" sz="1400" b="1" i="0" u="none" strike="noStrike" cap="none" normalizeH="0" baseline="0" dirty="0" err="1" smtClean="0">
+              <a:rPr kumimoji="0" lang="de-DE" altLang="de-DE" sz="1800" b="1" i="0" u="none" strike="noStrike" cap="none" normalizeH="0" baseline="0" dirty="0" err="1" smtClean="0">
                 <a:ln>
                   <a:noFill/>
                 </a:ln>
@@ -8805,7 +10324,7 @@
               <a:t>children</a:t>
             </a:r>
             <a:r>
-              <a:rPr kumimoji="0" lang="de-DE" altLang="de-DE" sz="1400" b="0" i="0" u="none" strike="noStrike" cap="none" normalizeH="0" baseline="0" dirty="0" smtClean="0">
+              <a:rPr kumimoji="0" lang="de-DE" altLang="de-DE" sz="1800" b="0" i="0" u="none" strike="noStrike" cap="none" normalizeH="0" baseline="0" dirty="0" smtClean="0">
                 <a:ln>
                   <a:noFill/>
                 </a:ln>
@@ -8819,7 +10338,7 @@
               <a:t>&gt;</a:t>
             </a:r>
             <a:br>
-              <a:rPr kumimoji="0" lang="de-DE" altLang="de-DE" sz="1400" b="0" i="0" u="none" strike="noStrike" cap="none" normalizeH="0" baseline="0" dirty="0" smtClean="0">
+              <a:rPr kumimoji="0" lang="de-DE" altLang="de-DE" sz="1800" b="0" i="0" u="none" strike="noStrike" cap="none" normalizeH="0" baseline="0" dirty="0" smtClean="0">
                 <a:ln>
                   <a:noFill/>
                 </a:ln>
@@ -8832,7 +10351,7 @@
               </a:rPr>
             </a:br>
             <a:r>
-              <a:rPr kumimoji="0" lang="de-DE" altLang="de-DE" sz="1400" b="0" i="0" u="none" strike="noStrike" cap="none" normalizeH="0" baseline="0" dirty="0" smtClean="0">
+              <a:rPr kumimoji="0" lang="de-DE" altLang="de-DE" sz="1800" b="0" i="0" u="none" strike="noStrike" cap="none" normalizeH="0" baseline="0" dirty="0" smtClean="0">
                 <a:ln>
                   <a:noFill/>
                 </a:ln>
@@ -8846,7 +10365,7 @@
               <a:t>&lt;/</a:t>
             </a:r>
             <a:r>
-              <a:rPr kumimoji="0" lang="de-DE" altLang="de-DE" sz="1400" b="1" i="0" u="none" strike="noStrike" cap="none" normalizeH="0" baseline="0" dirty="0" err="1" smtClean="0">
+              <a:rPr kumimoji="0" lang="de-DE" altLang="de-DE" sz="1800" b="1" i="0" u="none" strike="noStrike" cap="none" normalizeH="0" baseline="0" dirty="0" err="1" smtClean="0">
                 <a:ln>
                   <a:noFill/>
                 </a:ln>
@@ -8860,7 +10379,7 @@
               <a:t>AnchorPane</a:t>
             </a:r>
             <a:r>
-              <a:rPr kumimoji="0" lang="de-DE" altLang="de-DE" sz="1400" b="0" i="0" u="none" strike="noStrike" cap="none" normalizeH="0" baseline="0" dirty="0" smtClean="0">
+              <a:rPr kumimoji="0" lang="de-DE" altLang="de-DE" sz="1800" b="0" i="0" u="none" strike="noStrike" cap="none" normalizeH="0" baseline="0" dirty="0" smtClean="0">
                 <a:ln>
                   <a:noFill/>
                 </a:ln>
@@ -8873,7 +10392,7 @@
               </a:rPr>
               <a:t>&gt;</a:t>
             </a:r>
-            <a:endParaRPr kumimoji="0" lang="de-DE" altLang="de-DE" sz="1400" b="0" i="0" u="none" strike="noStrike" cap="none" normalizeH="0" baseline="0" dirty="0" smtClean="0">
+            <a:endParaRPr kumimoji="0" lang="de-DE" altLang="de-DE" sz="1800" b="0" i="0" u="none" strike="noStrike" cap="none" normalizeH="0" baseline="0" dirty="0" smtClean="0">
               <a:ln>
                 <a:noFill/>
               </a:ln>
@@ -8944,7 +10463,7 @@
                   <a:srgbClr val="000000"/>
                 </a:solidFill>
               </a:rPr>
-              <a:t>29.05.2016</a:t>
+              <a:t>14.06.2016</a:t>
             </a:fld>
             <a:endParaRPr lang="de-CH">
               <a:solidFill>
@@ -9101,15 +10620,7 @@
             </a:r>
             <a:r>
               <a:rPr lang="de-CH" dirty="0" smtClean="0"/>
-              <a:t> ohne </a:t>
-            </a:r>
-            <a:r>
-              <a:rPr lang="de-CH" dirty="0" err="1"/>
-              <a:t>k</a:t>
-            </a:r>
-            <a:r>
-              <a:rPr lang="de-CH" dirty="0" err="1" smtClean="0"/>
-              <a:t>ompilierung</a:t>
+              <a:t> ohne Kompilierung</a:t>
             </a:r>
             <a:endParaRPr lang="de-CH" dirty="0"/>
           </a:p>
@@ -9203,7 +10714,7 @@
                   <a:srgbClr val="000000"/>
                 </a:solidFill>
               </a:rPr>
-              <a:t>29.05.2016</a:t>
+              <a:t>14.06.2016</a:t>
             </a:fld>
             <a:endParaRPr lang="de-CH">
               <a:solidFill>
@@ -9352,11 +10863,15 @@
             </a:r>
             <a:r>
               <a:rPr lang="de-CH" dirty="0"/>
-              <a:t> ohne </a:t>
-            </a:r>
-            <a:r>
-              <a:rPr lang="de-CH" dirty="0" err="1"/>
-              <a:t>kompilierung</a:t>
+              <a:t> </a:t>
+            </a:r>
+            <a:r>
+              <a:rPr lang="de-CH"/>
+              <a:t>ohne </a:t>
+            </a:r>
+            <a:r>
+              <a:rPr lang="de-CH" smtClean="0"/>
+              <a:t>Kompilierung</a:t>
             </a:r>
             <a:endParaRPr lang="de-CH" dirty="0"/>
           </a:p>
@@ -9373,7 +10888,7 @@
         <p:spPr bwMode="auto">
           <a:xfrm>
             <a:off x="738188" y="3942645"/>
-            <a:ext cx="9361040" cy="2862322"/>
+            <a:ext cx="9212262" cy="2862322"/>
           </a:xfrm>
           <a:prstGeom prst="rect">
             <a:avLst/>
@@ -10041,7 +11556,7 @@
                   <a:srgbClr val="000000"/>
                 </a:solidFill>
               </a:rPr>
-              <a:t>29.05.2016</a:t>
+              <a:t>14.06.2016</a:t>
             </a:fld>
             <a:endParaRPr lang="de-CH">
               <a:solidFill>
@@ -10150,25 +11665,25 @@
             </a:pPr>
             <a:r>
               <a:rPr lang="de-CH" dirty="0" smtClean="0">
-                <a:hlinkClick r:id="rId2"/>
+                <a:hlinkClick r:id="rId3"/>
               </a:rPr>
               <a:t>Open </a:t>
             </a:r>
             <a:r>
               <a:rPr lang="de-CH" dirty="0" err="1" smtClean="0">
-                <a:hlinkClick r:id="rId2"/>
+                <a:hlinkClick r:id="rId3"/>
               </a:rPr>
               <a:t>source</a:t>
             </a:r>
             <a:r>
               <a:rPr lang="de-CH" dirty="0" smtClean="0">
-                <a:hlinkClick r:id="rId2"/>
+                <a:hlinkClick r:id="rId3"/>
               </a:rPr>
               <a:t> mini </a:t>
             </a:r>
             <a:r>
               <a:rPr lang="de-CH" dirty="0" err="1" smtClean="0">
-                <a:hlinkClick r:id="rId2"/>
+                <a:hlinkClick r:id="rId3"/>
               </a:rPr>
               <a:t>framework</a:t>
             </a:r>
@@ -10235,7 +11750,7 @@
           <p:nvPr/>
         </p:nvPicPr>
         <p:blipFill>
-          <a:blip r:embed="rId3"/>
+          <a:blip r:embed="rId4"/>
           <a:stretch>
             <a:fillRect/>
           </a:stretch>
@@ -10308,7 +11823,7 @@
                   <a:srgbClr val="000000"/>
                 </a:solidFill>
               </a:rPr>
-              <a:t>29.05.2016</a:t>
+              <a:t>14.06.2016</a:t>
             </a:fld>
             <a:endParaRPr lang="de-CH">
               <a:solidFill>
@@ -11002,7 +12517,7 @@
                   <a:srgbClr val="000000"/>
                 </a:solidFill>
               </a:rPr>
-              <a:t>29.05.2016</a:t>
+              <a:t>14.06.2016</a:t>
             </a:fld>
             <a:endParaRPr lang="de-CH">
               <a:solidFill>
